--- a/SP2019/CSCI599/Reaserach Pres/Computers that get better with age.pptx
+++ b/SP2019/CSCI599/Reaserach Pres/Computers that get better with age.pptx
@@ -10,8 +10,8 @@
     <p:sldId id="259" r:id="rId4"/>
     <p:sldId id="262" r:id="rId5"/>
     <p:sldId id="267" r:id="rId6"/>
-    <p:sldId id="258" r:id="rId7"/>
-    <p:sldId id="260" r:id="rId8"/>
+    <p:sldId id="260" r:id="rId7"/>
+    <p:sldId id="258" r:id="rId8"/>
     <p:sldId id="268" r:id="rId9"/>
     <p:sldId id="269" r:id="rId10"/>
     <p:sldId id="264" r:id="rId11"/>
@@ -117,6 +117,11 @@
       </a:defRPr>
     </a:lvl9pPr>
   </p:defaultTextStyle>
+  <p:extLst>
+    <p:ext uri="{EFAFB233-063F-42B5-8137-9DF3F51BA10A}">
+      <p15:sldGuideLst xmlns:p15="http://schemas.microsoft.com/office/powerpoint/2012/main"/>
+    </p:ext>
+  </p:extLst>
 </p:presentation>
 </file>
 
@@ -170,7 +175,7 @@
           <a:noFill/>
           <a:extLst>
             <a:ext uri="{909E8E84-426E-40dd-AFC4-6F175D3DCCD1}">
-              <a14:hiddenFill xmlns:a14="http://schemas.microsoft.com/office/drawing/2010/main" xmlns="">
+              <a14:hiddenFill xmlns="" xmlns:a14="http://schemas.microsoft.com/office/drawing/2010/main">
                 <a:solidFill>
                   <a:srgbClr val="FFFFFF"/>
                 </a:solidFill>
@@ -230,7 +235,7 @@
             </a:ln>
             <a:extLst>
               <a:ext uri="{91240B29-F687-4f45-9708-019B960494DF}">
-                <a14:hiddenLine xmlns:a14="http://schemas.microsoft.com/office/drawing/2010/main" xmlns="" w="9525">
+                <a14:hiddenLine xmlns="" xmlns:a14="http://schemas.microsoft.com/office/drawing/2010/main" w="9525">
                   <a:solidFill>
                     <a:srgbClr val="000000"/>
                   </a:solidFill>
@@ -320,7 +325,7 @@
             </a:ln>
             <a:extLst>
               <a:ext uri="{91240B29-F687-4f45-9708-019B960494DF}">
-                <a14:hiddenLine xmlns:a14="http://schemas.microsoft.com/office/drawing/2010/main" xmlns="" w="9525">
+                <a14:hiddenLine xmlns="" xmlns:a14="http://schemas.microsoft.com/office/drawing/2010/main" w="9525">
                   <a:solidFill>
                     <a:srgbClr val="000000"/>
                   </a:solidFill>
@@ -410,7 +415,7 @@
             </a:ln>
             <a:extLst>
               <a:ext uri="{91240B29-F687-4f45-9708-019B960494DF}">
-                <a14:hiddenLine xmlns:a14="http://schemas.microsoft.com/office/drawing/2010/main" xmlns="" w="9525">
+                <a14:hiddenLine xmlns="" xmlns:a14="http://schemas.microsoft.com/office/drawing/2010/main" w="9525">
                   <a:solidFill>
                     <a:srgbClr val="000000"/>
                   </a:solidFill>
@@ -444,7 +449,7 @@
             </a:ln>
             <a:extLst>
               <a:ext uri="{91240B29-F687-4f45-9708-019B960494DF}">
-                <a14:hiddenLine xmlns:a14="http://schemas.microsoft.com/office/drawing/2010/main" xmlns="" w="9525">
+                <a14:hiddenLine xmlns="" xmlns:a14="http://schemas.microsoft.com/office/drawing/2010/main" w="9525">
                   <a:solidFill>
                     <a:srgbClr val="000000"/>
                   </a:solidFill>
@@ -534,7 +539,7 @@
             </a:ln>
             <a:extLst>
               <a:ext uri="{91240B29-F687-4f45-9708-019B960494DF}">
-                <a14:hiddenLine xmlns:a14="http://schemas.microsoft.com/office/drawing/2010/main" xmlns="" w="9525">
+                <a14:hiddenLine xmlns="" xmlns:a14="http://schemas.microsoft.com/office/drawing/2010/main" w="9525">
                   <a:solidFill>
                     <a:srgbClr val="000000"/>
                   </a:solidFill>
@@ -596,7 +601,7 @@
             </a:ln>
             <a:extLst>
               <a:ext uri="{91240B29-F687-4f45-9708-019B960494DF}">
-                <a14:hiddenLine xmlns:a14="http://schemas.microsoft.com/office/drawing/2010/main" xmlns="" w="9525">
+                <a14:hiddenLine xmlns="" xmlns:a14="http://schemas.microsoft.com/office/drawing/2010/main" w="9525">
                   <a:solidFill>
                     <a:srgbClr val="000000"/>
                   </a:solidFill>
@@ -658,7 +663,7 @@
             </a:ln>
             <a:extLst>
               <a:ext uri="{91240B29-F687-4f45-9708-019B960494DF}">
-                <a14:hiddenLine xmlns:a14="http://schemas.microsoft.com/office/drawing/2010/main" xmlns="" w="9525">
+                <a14:hiddenLine xmlns="" xmlns:a14="http://schemas.microsoft.com/office/drawing/2010/main" w="9525">
                   <a:solidFill>
                     <a:srgbClr val="000000"/>
                   </a:solidFill>
@@ -748,7 +753,7 @@
             </a:ln>
             <a:extLst>
               <a:ext uri="{91240B29-F687-4f45-9708-019B960494DF}">
-                <a14:hiddenLine xmlns:a14="http://schemas.microsoft.com/office/drawing/2010/main" xmlns="" w="9525">
+                <a14:hiddenLine xmlns="" xmlns:a14="http://schemas.microsoft.com/office/drawing/2010/main" w="9525">
                   <a:solidFill>
                     <a:srgbClr val="000000"/>
                   </a:solidFill>
@@ -810,7 +815,7 @@
             </a:ln>
             <a:extLst>
               <a:ext uri="{91240B29-F687-4f45-9708-019B960494DF}">
-                <a14:hiddenLine xmlns:a14="http://schemas.microsoft.com/office/drawing/2010/main" xmlns="" w="9525">
+                <a14:hiddenLine xmlns="" xmlns:a14="http://schemas.microsoft.com/office/drawing/2010/main" w="9525">
                   <a:solidFill>
                     <a:srgbClr val="000000"/>
                   </a:solidFill>
@@ -872,7 +877,7 @@
             </a:ln>
             <a:extLst>
               <a:ext uri="{91240B29-F687-4f45-9708-019B960494DF}">
-                <a14:hiddenLine xmlns:a14="http://schemas.microsoft.com/office/drawing/2010/main" xmlns="" w="9525">
+                <a14:hiddenLine xmlns="" xmlns:a14="http://schemas.microsoft.com/office/drawing/2010/main" w="9525">
                   <a:solidFill>
                     <a:srgbClr val="000000"/>
                   </a:solidFill>
@@ -962,7 +967,7 @@
             </a:ln>
             <a:extLst>
               <a:ext uri="{91240B29-F687-4f45-9708-019B960494DF}">
-                <a14:hiddenLine xmlns:a14="http://schemas.microsoft.com/office/drawing/2010/main" xmlns="" w="9525">
+                <a14:hiddenLine xmlns="" xmlns:a14="http://schemas.microsoft.com/office/drawing/2010/main" w="9525">
                   <a:solidFill>
                     <a:srgbClr val="000000"/>
                   </a:solidFill>
@@ -1052,7 +1057,7 @@
             </a:ln>
             <a:extLst>
               <a:ext uri="{91240B29-F687-4f45-9708-019B960494DF}">
-                <a14:hiddenLine xmlns:a14="http://schemas.microsoft.com/office/drawing/2010/main" xmlns="" w="9525">
+                <a14:hiddenLine xmlns="" xmlns:a14="http://schemas.microsoft.com/office/drawing/2010/main" w="9525">
                   <a:solidFill>
                     <a:srgbClr val="000000"/>
                   </a:solidFill>
@@ -1114,7 +1119,7 @@
             </a:ln>
             <a:extLst>
               <a:ext uri="{91240B29-F687-4f45-9708-019B960494DF}">
-                <a14:hiddenLine xmlns:a14="http://schemas.microsoft.com/office/drawing/2010/main" xmlns="" w="9525">
+                <a14:hiddenLine xmlns="" xmlns:a14="http://schemas.microsoft.com/office/drawing/2010/main" w="9525">
                   <a:solidFill>
                     <a:srgbClr val="000000"/>
                   </a:solidFill>
@@ -1224,7 +1229,7 @@
             </a:ln>
             <a:extLst>
               <a:ext uri="{91240B29-F687-4f45-9708-019B960494DF}">
-                <a14:hiddenLine xmlns:a14="http://schemas.microsoft.com/office/drawing/2010/main" xmlns="" w="9525">
+                <a14:hiddenLine xmlns="" xmlns:a14="http://schemas.microsoft.com/office/drawing/2010/main" w="9525">
                   <a:solidFill>
                     <a:srgbClr val="000000"/>
                   </a:solidFill>
@@ -1286,7 +1291,7 @@
             </a:ln>
             <a:extLst>
               <a:ext uri="{91240B29-F687-4f45-9708-019B960494DF}">
-                <a14:hiddenLine xmlns:a14="http://schemas.microsoft.com/office/drawing/2010/main" xmlns="" w="9525">
+                <a14:hiddenLine xmlns="" xmlns:a14="http://schemas.microsoft.com/office/drawing/2010/main" w="9525">
                   <a:solidFill>
                     <a:srgbClr val="000000"/>
                   </a:solidFill>
@@ -1376,7 +1381,7 @@
             </a:ln>
             <a:extLst>
               <a:ext uri="{91240B29-F687-4f45-9708-019B960494DF}">
-                <a14:hiddenLine xmlns:a14="http://schemas.microsoft.com/office/drawing/2010/main" xmlns="" w="9525">
+                <a14:hiddenLine xmlns="" xmlns:a14="http://schemas.microsoft.com/office/drawing/2010/main" w="9525">
                   <a:solidFill>
                     <a:srgbClr val="000000"/>
                   </a:solidFill>
@@ -1466,7 +1471,7 @@
             </a:ln>
             <a:extLst>
               <a:ext uri="{91240B29-F687-4f45-9708-019B960494DF}">
-                <a14:hiddenLine xmlns:a14="http://schemas.microsoft.com/office/drawing/2010/main" xmlns="" w="9525">
+                <a14:hiddenLine xmlns="" xmlns:a14="http://schemas.microsoft.com/office/drawing/2010/main" w="9525">
                   <a:solidFill>
                     <a:srgbClr val="000000"/>
                   </a:solidFill>
@@ -1528,7 +1533,7 @@
             </a:ln>
             <a:extLst>
               <a:ext uri="{91240B29-F687-4f45-9708-019B960494DF}">
-                <a14:hiddenLine xmlns:a14="http://schemas.microsoft.com/office/drawing/2010/main" xmlns="" w="9525">
+                <a14:hiddenLine xmlns="" xmlns:a14="http://schemas.microsoft.com/office/drawing/2010/main" w="9525">
                   <a:solidFill>
                     <a:srgbClr val="000000"/>
                   </a:solidFill>
@@ -1618,7 +1623,7 @@
             </a:ln>
             <a:extLst>
               <a:ext uri="{91240B29-F687-4f45-9708-019B960494DF}">
-                <a14:hiddenLine xmlns:a14="http://schemas.microsoft.com/office/drawing/2010/main" xmlns="" w="9525">
+                <a14:hiddenLine xmlns="" xmlns:a14="http://schemas.microsoft.com/office/drawing/2010/main" w="9525">
                   <a:solidFill>
                     <a:srgbClr val="000000"/>
                   </a:solidFill>
@@ -1708,7 +1713,7 @@
             </a:ln>
             <a:extLst>
               <a:ext uri="{91240B29-F687-4f45-9708-019B960494DF}">
-                <a14:hiddenLine xmlns:a14="http://schemas.microsoft.com/office/drawing/2010/main" xmlns="" w="9525">
+                <a14:hiddenLine xmlns="" xmlns:a14="http://schemas.microsoft.com/office/drawing/2010/main" w="9525">
                   <a:solidFill>
                     <a:srgbClr val="000000"/>
                   </a:solidFill>
@@ -1764,7 +1769,7 @@
             </a:ln>
             <a:extLst>
               <a:ext uri="{91240B29-F687-4f45-9708-019B960494DF}">
-                <a14:hiddenLine xmlns:a14="http://schemas.microsoft.com/office/drawing/2010/main" xmlns="" w="9525">
+                <a14:hiddenLine xmlns="" xmlns:a14="http://schemas.microsoft.com/office/drawing/2010/main" w="9525">
                   <a:solidFill>
                     <a:srgbClr val="000000"/>
                   </a:solidFill>
@@ -1854,7 +1859,7 @@
             </a:ln>
             <a:extLst>
               <a:ext uri="{91240B29-F687-4f45-9708-019B960494DF}">
-                <a14:hiddenLine xmlns:a14="http://schemas.microsoft.com/office/drawing/2010/main" xmlns="" w="9525">
+                <a14:hiddenLine xmlns="" xmlns:a14="http://schemas.microsoft.com/office/drawing/2010/main" w="9525">
                   <a:solidFill>
                     <a:srgbClr val="000000"/>
                   </a:solidFill>
@@ -1910,7 +1915,7 @@
             </a:ln>
             <a:extLst>
               <a:ext uri="{91240B29-F687-4f45-9708-019B960494DF}">
-                <a14:hiddenLine xmlns:a14="http://schemas.microsoft.com/office/drawing/2010/main" xmlns="" w="9525">
+                <a14:hiddenLine xmlns="" xmlns:a14="http://schemas.microsoft.com/office/drawing/2010/main" w="9525">
                   <a:solidFill>
                     <a:srgbClr val="000000"/>
                   </a:solidFill>
@@ -2000,7 +2005,7 @@
             </a:ln>
             <a:extLst>
               <a:ext uri="{91240B29-F687-4f45-9708-019B960494DF}">
-                <a14:hiddenLine xmlns:a14="http://schemas.microsoft.com/office/drawing/2010/main" xmlns="" w="9525">
+                <a14:hiddenLine xmlns="" xmlns:a14="http://schemas.microsoft.com/office/drawing/2010/main" w="9525">
                   <a:solidFill>
                     <a:srgbClr val="000000"/>
                   </a:solidFill>
@@ -2068,7 +2073,7 @@
             </a:ln>
             <a:extLst>
               <a:ext uri="{91240B29-F687-4f45-9708-019B960494DF}">
-                <a14:hiddenLine xmlns:a14="http://schemas.microsoft.com/office/drawing/2010/main" xmlns="" w="9525">
+                <a14:hiddenLine xmlns="" xmlns:a14="http://schemas.microsoft.com/office/drawing/2010/main" w="9525">
                   <a:solidFill>
                     <a:srgbClr val="000000"/>
                   </a:solidFill>
@@ -2158,7 +2163,7 @@
             </a:ln>
             <a:extLst>
               <a:ext uri="{91240B29-F687-4f45-9708-019B960494DF}">
-                <a14:hiddenLine xmlns:a14="http://schemas.microsoft.com/office/drawing/2010/main" xmlns="" w="9525">
+                <a14:hiddenLine xmlns="" xmlns:a14="http://schemas.microsoft.com/office/drawing/2010/main" w="9525">
                   <a:solidFill>
                     <a:srgbClr val="000000"/>
                   </a:solidFill>
@@ -2226,7 +2231,7 @@
             </a:ln>
             <a:extLst>
               <a:ext uri="{91240B29-F687-4f45-9708-019B960494DF}">
-                <a14:hiddenLine xmlns:a14="http://schemas.microsoft.com/office/drawing/2010/main" xmlns="" w="9525">
+                <a14:hiddenLine xmlns="" xmlns:a14="http://schemas.microsoft.com/office/drawing/2010/main" w="9525">
                   <a:solidFill>
                     <a:srgbClr val="000000"/>
                   </a:solidFill>
@@ -2316,7 +2321,7 @@
             </a:ln>
             <a:extLst>
               <a:ext uri="{91240B29-F687-4f45-9708-019B960494DF}">
-                <a14:hiddenLine xmlns:a14="http://schemas.microsoft.com/office/drawing/2010/main" xmlns="" w="9525">
+                <a14:hiddenLine xmlns="" xmlns:a14="http://schemas.microsoft.com/office/drawing/2010/main" w="9525">
                   <a:solidFill>
                     <a:srgbClr val="000000"/>
                   </a:solidFill>
@@ -2350,7 +2355,7 @@
             </a:ln>
             <a:extLst>
               <a:ext uri="{91240B29-F687-4f45-9708-019B960494DF}">
-                <a14:hiddenLine xmlns:a14="http://schemas.microsoft.com/office/drawing/2010/main" xmlns="" w="9525">
+                <a14:hiddenLine xmlns="" xmlns:a14="http://schemas.microsoft.com/office/drawing/2010/main" w="9525">
                   <a:solidFill>
                     <a:srgbClr val="000000"/>
                   </a:solidFill>
@@ -2440,7 +2445,7 @@
             </a:ln>
             <a:extLst>
               <a:ext uri="{91240B29-F687-4f45-9708-019B960494DF}">
-                <a14:hiddenLine xmlns:a14="http://schemas.microsoft.com/office/drawing/2010/main" xmlns="" w="9525">
+                <a14:hiddenLine xmlns="" xmlns:a14="http://schemas.microsoft.com/office/drawing/2010/main" w="9525">
                   <a:solidFill>
                     <a:srgbClr val="000000"/>
                   </a:solidFill>
@@ -2502,7 +2507,7 @@
             </a:ln>
             <a:extLst>
               <a:ext uri="{91240B29-F687-4f45-9708-019B960494DF}">
-                <a14:hiddenLine xmlns:a14="http://schemas.microsoft.com/office/drawing/2010/main" xmlns="" w="9525">
+                <a14:hiddenLine xmlns="" xmlns:a14="http://schemas.microsoft.com/office/drawing/2010/main" w="9525">
                   <a:solidFill>
                     <a:srgbClr val="000000"/>
                   </a:solidFill>
@@ -2564,7 +2569,7 @@
             </a:ln>
             <a:extLst>
               <a:ext uri="{91240B29-F687-4f45-9708-019B960494DF}">
-                <a14:hiddenLine xmlns:a14="http://schemas.microsoft.com/office/drawing/2010/main" xmlns="" w="9525">
+                <a14:hiddenLine xmlns="" xmlns:a14="http://schemas.microsoft.com/office/drawing/2010/main" w="9525">
                   <a:solidFill>
                     <a:srgbClr val="000000"/>
                   </a:solidFill>
@@ -2654,7 +2659,7 @@
             </a:ln>
             <a:extLst>
               <a:ext uri="{91240B29-F687-4f45-9708-019B960494DF}">
-                <a14:hiddenLine xmlns:a14="http://schemas.microsoft.com/office/drawing/2010/main" xmlns="" w="9525">
+                <a14:hiddenLine xmlns="" xmlns:a14="http://schemas.microsoft.com/office/drawing/2010/main" w="9525">
                   <a:solidFill>
                     <a:srgbClr val="000000"/>
                   </a:solidFill>
@@ -2722,7 +2727,7 @@
             </a:ln>
             <a:extLst>
               <a:ext uri="{91240B29-F687-4f45-9708-019B960494DF}">
-                <a14:hiddenLine xmlns:a14="http://schemas.microsoft.com/office/drawing/2010/main" xmlns="" w="9525">
+                <a14:hiddenLine xmlns="" xmlns:a14="http://schemas.microsoft.com/office/drawing/2010/main" w="9525">
                   <a:solidFill>
                     <a:srgbClr val="000000"/>
                   </a:solidFill>
@@ -2784,7 +2789,7 @@
             </a:ln>
             <a:extLst>
               <a:ext uri="{91240B29-F687-4f45-9708-019B960494DF}">
-                <a14:hiddenLine xmlns:a14="http://schemas.microsoft.com/office/drawing/2010/main" xmlns="" w="9525">
+                <a14:hiddenLine xmlns="" xmlns:a14="http://schemas.microsoft.com/office/drawing/2010/main" w="9525">
                   <a:solidFill>
                     <a:srgbClr val="000000"/>
                   </a:solidFill>
@@ -2874,7 +2879,7 @@
             </a:ln>
             <a:extLst>
               <a:ext uri="{91240B29-F687-4f45-9708-019B960494DF}">
-                <a14:hiddenLine xmlns:a14="http://schemas.microsoft.com/office/drawing/2010/main" xmlns="" w="9525">
+                <a14:hiddenLine xmlns="" xmlns:a14="http://schemas.microsoft.com/office/drawing/2010/main" w="9525">
                   <a:solidFill>
                     <a:srgbClr val="000000"/>
                   </a:solidFill>
@@ -2936,7 +2941,7 @@
             </a:ln>
             <a:extLst>
               <a:ext uri="{91240B29-F687-4f45-9708-019B960494DF}">
-                <a14:hiddenLine xmlns:a14="http://schemas.microsoft.com/office/drawing/2010/main" xmlns="" w="9525">
+                <a14:hiddenLine xmlns="" xmlns:a14="http://schemas.microsoft.com/office/drawing/2010/main" w="9525">
                   <a:solidFill>
                     <a:srgbClr val="000000"/>
                   </a:solidFill>
@@ -3026,7 +3031,7 @@
             </a:ln>
             <a:extLst>
               <a:ext uri="{91240B29-F687-4f45-9708-019B960494DF}">
-                <a14:hiddenLine xmlns:a14="http://schemas.microsoft.com/office/drawing/2010/main" xmlns="" w="9525">
+                <a14:hiddenLine xmlns="" xmlns:a14="http://schemas.microsoft.com/office/drawing/2010/main" w="9525">
                   <a:solidFill>
                     <a:srgbClr val="000000"/>
                   </a:solidFill>
@@ -3088,7 +3093,7 @@
             </a:ln>
             <a:extLst>
               <a:ext uri="{91240B29-F687-4f45-9708-019B960494DF}">
-                <a14:hiddenLine xmlns:a14="http://schemas.microsoft.com/office/drawing/2010/main" xmlns="" w="9525">
+                <a14:hiddenLine xmlns="" xmlns:a14="http://schemas.microsoft.com/office/drawing/2010/main" w="9525">
                   <a:solidFill>
                     <a:srgbClr val="000000"/>
                   </a:solidFill>
@@ -3178,7 +3183,7 @@
             </a:ln>
             <a:extLst>
               <a:ext uri="{91240B29-F687-4f45-9708-019B960494DF}">
-                <a14:hiddenLine xmlns:a14="http://schemas.microsoft.com/office/drawing/2010/main" xmlns="" w="9525">
+                <a14:hiddenLine xmlns="" xmlns:a14="http://schemas.microsoft.com/office/drawing/2010/main" w="9525">
                   <a:solidFill>
                     <a:srgbClr val="000000"/>
                   </a:solidFill>
@@ -3212,7 +3217,7 @@
             </a:ln>
             <a:extLst>
               <a:ext uri="{91240B29-F687-4f45-9708-019B960494DF}">
-                <a14:hiddenLine xmlns:a14="http://schemas.microsoft.com/office/drawing/2010/main" xmlns="" w="9525">
+                <a14:hiddenLine xmlns="" xmlns:a14="http://schemas.microsoft.com/office/drawing/2010/main" w="9525">
                   <a:solidFill>
                     <a:srgbClr val="000000"/>
                   </a:solidFill>
@@ -3277,7 +3282,7 @@
             </a:ln>
             <a:extLst>
               <a:ext uri="{91240B29-F687-4f45-9708-019B960494DF}">
-                <a14:hiddenLine xmlns:a14="http://schemas.microsoft.com/office/drawing/2010/main" xmlns="" w="9525">
+                <a14:hiddenLine xmlns="" xmlns:a14="http://schemas.microsoft.com/office/drawing/2010/main" w="9525">
                   <a:solidFill>
                     <a:srgbClr val="000000"/>
                   </a:solidFill>
@@ -3367,7 +3372,7 @@
             </a:ln>
             <a:extLst>
               <a:ext uri="{91240B29-F687-4f45-9708-019B960494DF}">
-                <a14:hiddenLine xmlns:a14="http://schemas.microsoft.com/office/drawing/2010/main" xmlns="" w="9525">
+                <a14:hiddenLine xmlns="" xmlns:a14="http://schemas.microsoft.com/office/drawing/2010/main" w="9525">
                   <a:solidFill>
                     <a:srgbClr val="000000"/>
                   </a:solidFill>
@@ -3429,7 +3434,7 @@
             </a:ln>
             <a:extLst>
               <a:ext uri="{91240B29-F687-4f45-9708-019B960494DF}">
-                <a14:hiddenLine xmlns:a14="http://schemas.microsoft.com/office/drawing/2010/main" xmlns="" w="9525">
+                <a14:hiddenLine xmlns="" xmlns:a14="http://schemas.microsoft.com/office/drawing/2010/main" w="9525">
                   <a:solidFill>
                     <a:srgbClr val="000000"/>
                   </a:solidFill>
@@ -3519,7 +3524,7 @@
             </a:ln>
             <a:extLst>
               <a:ext uri="{91240B29-F687-4f45-9708-019B960494DF}">
-                <a14:hiddenLine xmlns:a14="http://schemas.microsoft.com/office/drawing/2010/main" xmlns="" w="9525">
+                <a14:hiddenLine xmlns="" xmlns:a14="http://schemas.microsoft.com/office/drawing/2010/main" w="9525">
                   <a:solidFill>
                     <a:srgbClr val="000000"/>
                   </a:solidFill>
@@ -3609,7 +3614,7 @@
             </a:ln>
             <a:extLst>
               <a:ext uri="{91240B29-F687-4f45-9708-019B960494DF}">
-                <a14:hiddenLine xmlns:a14="http://schemas.microsoft.com/office/drawing/2010/main" xmlns="" w="9525">
+                <a14:hiddenLine xmlns="" xmlns:a14="http://schemas.microsoft.com/office/drawing/2010/main" w="9525">
                   <a:solidFill>
                     <a:srgbClr val="000000"/>
                   </a:solidFill>
@@ -3674,7 +3679,7 @@
             </a:ln>
             <a:extLst>
               <a:ext uri="{91240B29-F687-4f45-9708-019B960494DF}">
-                <a14:hiddenLine xmlns:a14="http://schemas.microsoft.com/office/drawing/2010/main" xmlns="" w="9525">
+                <a14:hiddenLine xmlns="" xmlns:a14="http://schemas.microsoft.com/office/drawing/2010/main" w="9525">
                   <a:solidFill>
                     <a:srgbClr val="000000"/>
                   </a:solidFill>
@@ -3736,7 +3741,7 @@
             </a:ln>
             <a:extLst>
               <a:ext uri="{91240B29-F687-4f45-9708-019B960494DF}">
-                <a14:hiddenLine xmlns:a14="http://schemas.microsoft.com/office/drawing/2010/main" xmlns="" w="9525">
+                <a14:hiddenLine xmlns="" xmlns:a14="http://schemas.microsoft.com/office/drawing/2010/main" w="9525">
                   <a:solidFill>
                     <a:srgbClr val="000000"/>
                   </a:solidFill>
@@ -3826,7 +3831,7 @@
             </a:ln>
             <a:extLst>
               <a:ext uri="{91240B29-F687-4f45-9708-019B960494DF}">
-                <a14:hiddenLine xmlns:a14="http://schemas.microsoft.com/office/drawing/2010/main" xmlns="" w="9525">
+                <a14:hiddenLine xmlns="" xmlns:a14="http://schemas.microsoft.com/office/drawing/2010/main" w="9525">
                   <a:solidFill>
                     <a:srgbClr val="000000"/>
                   </a:solidFill>
@@ -3916,7 +3921,7 @@
             </a:ln>
             <a:extLst>
               <a:ext uri="{91240B29-F687-4f45-9708-019B960494DF}">
-                <a14:hiddenLine xmlns:a14="http://schemas.microsoft.com/office/drawing/2010/main" xmlns="" w="9525">
+                <a14:hiddenLine xmlns="" xmlns:a14="http://schemas.microsoft.com/office/drawing/2010/main" w="9525">
                   <a:solidFill>
                     <a:srgbClr val="000000"/>
                   </a:solidFill>
@@ -3978,7 +3983,7 @@
             </a:ln>
             <a:extLst>
               <a:ext uri="{91240B29-F687-4f45-9708-019B960494DF}">
-                <a14:hiddenLine xmlns:a14="http://schemas.microsoft.com/office/drawing/2010/main" xmlns="" w="9525">
+                <a14:hiddenLine xmlns="" xmlns:a14="http://schemas.microsoft.com/office/drawing/2010/main" w="9525">
                   <a:solidFill>
                     <a:srgbClr val="000000"/>
                   </a:solidFill>
@@ -4098,7 +4103,7 @@
             </a:ln>
             <a:extLst>
               <a:ext uri="{91240B29-F687-4f45-9708-019B960494DF}">
-                <a14:hiddenLine xmlns:a14="http://schemas.microsoft.com/office/drawing/2010/main" xmlns="" w="9525">
+                <a14:hiddenLine xmlns="" xmlns:a14="http://schemas.microsoft.com/office/drawing/2010/main" w="9525">
                   <a:solidFill>
                     <a:srgbClr val="000000"/>
                   </a:solidFill>
@@ -4166,7 +4171,7 @@
             </a:ln>
             <a:extLst>
               <a:ext uri="{91240B29-F687-4f45-9708-019B960494DF}">
-                <a14:hiddenLine xmlns:a14="http://schemas.microsoft.com/office/drawing/2010/main" xmlns="" w="9525">
+                <a14:hiddenLine xmlns="" xmlns:a14="http://schemas.microsoft.com/office/drawing/2010/main" w="9525">
                   <a:solidFill>
                     <a:srgbClr val="000000"/>
                   </a:solidFill>
@@ -4256,7 +4261,7 @@
             </a:ln>
             <a:extLst>
               <a:ext uri="{91240B29-F687-4f45-9708-019B960494DF}">
-                <a14:hiddenLine xmlns:a14="http://schemas.microsoft.com/office/drawing/2010/main" xmlns="" w="9525">
+                <a14:hiddenLine xmlns="" xmlns:a14="http://schemas.microsoft.com/office/drawing/2010/main" w="9525">
                   <a:solidFill>
                     <a:srgbClr val="000000"/>
                   </a:solidFill>
@@ -4396,7 +4401,7 @@
           <a:p>
             <a:fld id="{48A87A34-81AB-432B-8DAE-1953F412C126}" type="datetimeFigureOut">
               <a:rPr lang="en-US" dirty="0"/>
-              <a:t>2/18/2019</a:t>
+              <a:t>2/19/2019</a:t>
             </a:fld>
             <a:endParaRPr lang="en-US" dirty="0"/>
           </a:p>
@@ -4658,7 +4663,7 @@
           <a:p>
             <a:fld id="{48A87A34-81AB-432B-8DAE-1953F412C126}" type="datetimeFigureOut">
               <a:rPr lang="en-US" dirty="0"/>
-              <a:t>2/18/2019</a:t>
+              <a:t>2/19/2019</a:t>
             </a:fld>
             <a:endParaRPr lang="en-US" dirty="0"/>
           </a:p>
@@ -4849,7 +4854,7 @@
           <a:p>
             <a:fld id="{48A87A34-81AB-432B-8DAE-1953F412C126}" type="datetimeFigureOut">
               <a:rPr lang="en-US" dirty="0"/>
-              <a:t>2/18/2019</a:t>
+              <a:t>2/19/2019</a:t>
             </a:fld>
             <a:endParaRPr lang="en-US" dirty="0"/>
           </a:p>
@@ -5107,7 +5112,7 @@
           <a:p>
             <a:fld id="{48A87A34-81AB-432B-8DAE-1953F412C126}" type="datetimeFigureOut">
               <a:rPr lang="en-US" dirty="0"/>
-              <a:t>2/18/2019</a:t>
+              <a:t>2/19/2019</a:t>
             </a:fld>
             <a:endParaRPr lang="en-US" dirty="0"/>
           </a:p>
@@ -5536,7 +5541,7 @@
           <a:p>
             <a:fld id="{48A87A34-81AB-432B-8DAE-1953F412C126}" type="datetimeFigureOut">
               <a:rPr lang="en-US" dirty="0"/>
-              <a:t>2/18/2019</a:t>
+              <a:t>2/19/2019</a:t>
             </a:fld>
             <a:endParaRPr lang="en-US" dirty="0"/>
           </a:p>
@@ -6077,7 +6082,7 @@
           <a:p>
             <a:fld id="{48A87A34-81AB-432B-8DAE-1953F412C126}" type="datetimeFigureOut">
               <a:rPr lang="en-US" dirty="0"/>
-              <a:t>2/18/2019</a:t>
+              <a:t>2/19/2019</a:t>
             </a:fld>
             <a:endParaRPr lang="en-US" dirty="0"/>
           </a:p>
@@ -6792,7 +6797,7 @@
           <a:p>
             <a:fld id="{48A87A34-81AB-432B-8DAE-1953F412C126}" type="datetimeFigureOut">
               <a:rPr lang="en-US" dirty="0"/>
-              <a:t>2/18/2019</a:t>
+              <a:t>2/19/2019</a:t>
             </a:fld>
             <a:endParaRPr lang="en-US" dirty="0"/>
           </a:p>
@@ -6957,7 +6962,7 @@
           <a:p>
             <a:fld id="{48A87A34-81AB-432B-8DAE-1953F412C126}" type="datetimeFigureOut">
               <a:rPr lang="en-US" dirty="0"/>
-              <a:t>2/18/2019</a:t>
+              <a:t>2/19/2019</a:t>
             </a:fld>
             <a:endParaRPr lang="en-US" dirty="0"/>
           </a:p>
@@ -7132,7 +7137,7 @@
           <a:p>
             <a:fld id="{48A87A34-81AB-432B-8DAE-1953F412C126}" type="datetimeFigureOut">
               <a:rPr lang="en-US" dirty="0"/>
-              <a:t>2/18/2019</a:t>
+              <a:t>2/19/2019</a:t>
             </a:fld>
             <a:endParaRPr lang="en-US" dirty="0"/>
           </a:p>
@@ -7297,7 +7302,7 @@
           <a:p>
             <a:fld id="{48A87A34-81AB-432B-8DAE-1953F412C126}" type="datetimeFigureOut">
               <a:rPr lang="en-US" dirty="0"/>
-              <a:t>2/18/2019</a:t>
+              <a:t>2/19/2019</a:t>
             </a:fld>
             <a:endParaRPr lang="en-US" dirty="0"/>
           </a:p>
@@ -7542,7 +7547,7 @@
           <a:p>
             <a:fld id="{48A87A34-81AB-432B-8DAE-1953F412C126}" type="datetimeFigureOut">
               <a:rPr lang="en-US" dirty="0"/>
-              <a:t>2/18/2019</a:t>
+              <a:t>2/19/2019</a:t>
             </a:fld>
             <a:endParaRPr lang="en-US" dirty="0"/>
           </a:p>
@@ -7769,7 +7774,7 @@
           <a:p>
             <a:fld id="{48A87A34-81AB-432B-8DAE-1953F412C126}" type="datetimeFigureOut">
               <a:rPr lang="en-US" dirty="0"/>
-              <a:t>2/18/2019</a:t>
+              <a:t>2/19/2019</a:t>
             </a:fld>
             <a:endParaRPr lang="en-US" dirty="0"/>
           </a:p>
@@ -8145,7 +8150,7 @@
           <a:p>
             <a:fld id="{48A87A34-81AB-432B-8DAE-1953F412C126}" type="datetimeFigureOut">
               <a:rPr lang="en-US" dirty="0"/>
-              <a:t>2/18/2019</a:t>
+              <a:t>2/19/2019</a:t>
             </a:fld>
             <a:endParaRPr lang="en-US" dirty="0"/>
           </a:p>
@@ -8258,7 +8263,7 @@
           <a:p>
             <a:fld id="{48A87A34-81AB-432B-8DAE-1953F412C126}" type="datetimeFigureOut">
               <a:rPr lang="en-US" dirty="0"/>
-              <a:t>2/18/2019</a:t>
+              <a:t>2/19/2019</a:t>
             </a:fld>
             <a:endParaRPr lang="en-US" dirty="0"/>
           </a:p>
@@ -8348,7 +8353,7 @@
           <a:p>
             <a:fld id="{48A87A34-81AB-432B-8DAE-1953F412C126}" type="datetimeFigureOut">
               <a:rPr lang="en-US" dirty="0"/>
-              <a:t>2/18/2019</a:t>
+              <a:t>2/19/2019</a:t>
             </a:fld>
             <a:endParaRPr lang="en-US" dirty="0"/>
           </a:p>
@@ -8592,7 +8597,7 @@
           <a:p>
             <a:fld id="{48A87A34-81AB-432B-8DAE-1953F412C126}" type="datetimeFigureOut">
               <a:rPr lang="en-US" dirty="0"/>
-              <a:t>2/18/2019</a:t>
+              <a:t>2/19/2019</a:t>
             </a:fld>
             <a:endParaRPr lang="en-US" dirty="0"/>
           </a:p>
@@ -8867,7 +8872,7 @@
           <a:p>
             <a:fld id="{48A87A34-81AB-432B-8DAE-1953F412C126}" type="datetimeFigureOut">
               <a:rPr lang="en-US" dirty="0"/>
-              <a:t>2/18/2019</a:t>
+              <a:t>2/19/2019</a:t>
             </a:fld>
             <a:endParaRPr lang="en-US" dirty="0"/>
           </a:p>
@@ -8978,7 +8983,7 @@
           <a:noFill/>
           <a:extLst>
             <a:ext uri="{909E8E84-426E-40dd-AFC4-6F175D3DCCD1}">
-              <a14:hiddenFill xmlns:a14="http://schemas.microsoft.com/office/drawing/2010/main" xmlns="">
+              <a14:hiddenFill xmlns="" xmlns:a14="http://schemas.microsoft.com/office/drawing/2010/main">
                 <a:solidFill>
                   <a:srgbClr val="FFFFFF"/>
                 </a:solidFill>
@@ -9052,7 +9057,7 @@
               </a:ln>
               <a:extLst>
                 <a:ext uri="{91240B29-F687-4f45-9708-019B960494DF}">
-                  <a14:hiddenLine xmlns:a14="http://schemas.microsoft.com/office/drawing/2010/main" xmlns="" w="9525">
+                  <a14:hiddenLine xmlns="" xmlns:a14="http://schemas.microsoft.com/office/drawing/2010/main" w="9525">
                     <a:solidFill>
                       <a:srgbClr val="000000"/>
                     </a:solidFill>
@@ -9142,7 +9147,7 @@
               </a:ln>
               <a:extLst>
                 <a:ext uri="{91240B29-F687-4f45-9708-019B960494DF}">
-                  <a14:hiddenLine xmlns:a14="http://schemas.microsoft.com/office/drawing/2010/main" xmlns="" w="9525">
+                  <a14:hiddenLine xmlns="" xmlns:a14="http://schemas.microsoft.com/office/drawing/2010/main" w="9525">
                     <a:solidFill>
                       <a:srgbClr val="000000"/>
                     </a:solidFill>
@@ -9232,7 +9237,7 @@
               </a:ln>
               <a:extLst>
                 <a:ext uri="{91240B29-F687-4f45-9708-019B960494DF}">
-                  <a14:hiddenLine xmlns:a14="http://schemas.microsoft.com/office/drawing/2010/main" xmlns="" w="9525">
+                  <a14:hiddenLine xmlns="" xmlns:a14="http://schemas.microsoft.com/office/drawing/2010/main" w="9525">
                     <a:solidFill>
                       <a:srgbClr val="000000"/>
                     </a:solidFill>
@@ -9294,7 +9299,7 @@
               </a:ln>
               <a:extLst>
                 <a:ext uri="{91240B29-F687-4f45-9708-019B960494DF}">
-                  <a14:hiddenLine xmlns:a14="http://schemas.microsoft.com/office/drawing/2010/main" xmlns="" w="9525">
+                  <a14:hiddenLine xmlns="" xmlns:a14="http://schemas.microsoft.com/office/drawing/2010/main" w="9525">
                     <a:solidFill>
                       <a:srgbClr val="000000"/>
                     </a:solidFill>
@@ -9384,7 +9389,7 @@
               </a:ln>
               <a:extLst>
                 <a:ext uri="{91240B29-F687-4f45-9708-019B960494DF}">
-                  <a14:hiddenLine xmlns:a14="http://schemas.microsoft.com/office/drawing/2010/main" xmlns="" w="9525">
+                  <a14:hiddenLine xmlns="" xmlns:a14="http://schemas.microsoft.com/office/drawing/2010/main" w="9525">
                     <a:solidFill>
                       <a:srgbClr val="000000"/>
                     </a:solidFill>
@@ -9446,7 +9451,7 @@
               </a:ln>
               <a:extLst>
                 <a:ext uri="{91240B29-F687-4f45-9708-019B960494DF}">
-                  <a14:hiddenLine xmlns:a14="http://schemas.microsoft.com/office/drawing/2010/main" xmlns="" w="9525">
+                  <a14:hiddenLine xmlns="" xmlns:a14="http://schemas.microsoft.com/office/drawing/2010/main" w="9525">
                     <a:solidFill>
                       <a:srgbClr val="000000"/>
                     </a:solidFill>
@@ -9508,7 +9513,7 @@
               </a:ln>
               <a:extLst>
                 <a:ext uri="{91240B29-F687-4f45-9708-019B960494DF}">
-                  <a14:hiddenLine xmlns:a14="http://schemas.microsoft.com/office/drawing/2010/main" xmlns="" w="9525">
+                  <a14:hiddenLine xmlns="" xmlns:a14="http://schemas.microsoft.com/office/drawing/2010/main" w="9525">
                     <a:solidFill>
                       <a:srgbClr val="000000"/>
                     </a:solidFill>
@@ -9598,7 +9603,7 @@
               </a:ln>
               <a:extLst>
                 <a:ext uri="{91240B29-F687-4f45-9708-019B960494DF}">
-                  <a14:hiddenLine xmlns:a14="http://schemas.microsoft.com/office/drawing/2010/main" xmlns="" w="9525">
+                  <a14:hiddenLine xmlns="" xmlns:a14="http://schemas.microsoft.com/office/drawing/2010/main" w="9525">
                     <a:solidFill>
                       <a:srgbClr val="000000"/>
                     </a:solidFill>
@@ -9688,7 +9693,7 @@
               </a:ln>
               <a:extLst>
                 <a:ext uri="{91240B29-F687-4f45-9708-019B960494DF}">
-                  <a14:hiddenLine xmlns:a14="http://schemas.microsoft.com/office/drawing/2010/main" xmlns="" w="9525">
+                  <a14:hiddenLine xmlns="" xmlns:a14="http://schemas.microsoft.com/office/drawing/2010/main" w="9525">
                     <a:solidFill>
                       <a:srgbClr val="000000"/>
                     </a:solidFill>
@@ -9750,7 +9755,7 @@
               </a:ln>
               <a:extLst>
                 <a:ext uri="{91240B29-F687-4f45-9708-019B960494DF}">
-                  <a14:hiddenLine xmlns:a14="http://schemas.microsoft.com/office/drawing/2010/main" xmlns="" w="9525">
+                  <a14:hiddenLine xmlns="" xmlns:a14="http://schemas.microsoft.com/office/drawing/2010/main" w="9525">
                     <a:solidFill>
                       <a:srgbClr val="000000"/>
                     </a:solidFill>
@@ -9860,7 +9865,7 @@
               </a:ln>
               <a:extLst>
                 <a:ext uri="{91240B29-F687-4f45-9708-019B960494DF}">
-                  <a14:hiddenLine xmlns:a14="http://schemas.microsoft.com/office/drawing/2010/main" xmlns="" w="9525">
+                  <a14:hiddenLine xmlns="" xmlns:a14="http://schemas.microsoft.com/office/drawing/2010/main" w="9525">
                     <a:solidFill>
                       <a:srgbClr val="000000"/>
                     </a:solidFill>
@@ -9944,7 +9949,7 @@
               </a:ln>
               <a:extLst>
                 <a:ext uri="{91240B29-F687-4f45-9708-019B960494DF}">
-                  <a14:hiddenLine xmlns:a14="http://schemas.microsoft.com/office/drawing/2010/main" xmlns="" w="9525">
+                  <a14:hiddenLine xmlns="" xmlns:a14="http://schemas.microsoft.com/office/drawing/2010/main" w="9525">
                     <a:solidFill>
                       <a:srgbClr val="000000"/>
                     </a:solidFill>
@@ -10006,7 +10011,7 @@
               </a:ln>
               <a:extLst>
                 <a:ext uri="{91240B29-F687-4f45-9708-019B960494DF}">
-                  <a14:hiddenLine xmlns:a14="http://schemas.microsoft.com/office/drawing/2010/main" xmlns="" w="9525">
+                  <a14:hiddenLine xmlns="" xmlns:a14="http://schemas.microsoft.com/office/drawing/2010/main" w="9525">
                     <a:solidFill>
                       <a:srgbClr val="000000"/>
                     </a:solidFill>
@@ -10068,7 +10073,7 @@
               </a:ln>
               <a:extLst>
                 <a:ext uri="{91240B29-F687-4f45-9708-019B960494DF}">
-                  <a14:hiddenLine xmlns:a14="http://schemas.microsoft.com/office/drawing/2010/main" xmlns="" w="9525">
+                  <a14:hiddenLine xmlns="" xmlns:a14="http://schemas.microsoft.com/office/drawing/2010/main" w="9525">
                     <a:solidFill>
                       <a:srgbClr val="000000"/>
                     </a:solidFill>
@@ -10158,7 +10163,7 @@
               </a:ln>
               <a:extLst>
                 <a:ext uri="{91240B29-F687-4f45-9708-019B960494DF}">
-                  <a14:hiddenLine xmlns:a14="http://schemas.microsoft.com/office/drawing/2010/main" xmlns="" w="9525">
+                  <a14:hiddenLine xmlns="" xmlns:a14="http://schemas.microsoft.com/office/drawing/2010/main" w="9525">
                     <a:solidFill>
                       <a:srgbClr val="000000"/>
                     </a:solidFill>
@@ -10192,7 +10197,7 @@
               </a:ln>
               <a:extLst>
                 <a:ext uri="{91240B29-F687-4f45-9708-019B960494DF}">
-                  <a14:hiddenLine xmlns:a14="http://schemas.microsoft.com/office/drawing/2010/main" xmlns="" w="9525">
+                  <a14:hiddenLine xmlns="" xmlns:a14="http://schemas.microsoft.com/office/drawing/2010/main" w="9525">
                     <a:solidFill>
                       <a:srgbClr val="000000"/>
                     </a:solidFill>
@@ -10257,7 +10262,7 @@
               </a:ln>
               <a:extLst>
                 <a:ext uri="{91240B29-F687-4f45-9708-019B960494DF}">
-                  <a14:hiddenLine xmlns:a14="http://schemas.microsoft.com/office/drawing/2010/main" xmlns="" w="9525">
+                  <a14:hiddenLine xmlns="" xmlns:a14="http://schemas.microsoft.com/office/drawing/2010/main" w="9525">
                     <a:solidFill>
                       <a:srgbClr val="000000"/>
                     </a:solidFill>
@@ -10347,7 +10352,7 @@
               </a:ln>
               <a:extLst>
                 <a:ext uri="{91240B29-F687-4f45-9708-019B960494DF}">
-                  <a14:hiddenLine xmlns:a14="http://schemas.microsoft.com/office/drawing/2010/main" xmlns="" w="9525">
+                  <a14:hiddenLine xmlns="" xmlns:a14="http://schemas.microsoft.com/office/drawing/2010/main" w="9525">
                     <a:solidFill>
                       <a:srgbClr val="000000"/>
                     </a:solidFill>
@@ -10409,7 +10414,7 @@
               </a:ln>
               <a:extLst>
                 <a:ext uri="{91240B29-F687-4f45-9708-019B960494DF}">
-                  <a14:hiddenLine xmlns:a14="http://schemas.microsoft.com/office/drawing/2010/main" xmlns="" w="9525">
+                  <a14:hiddenLine xmlns="" xmlns:a14="http://schemas.microsoft.com/office/drawing/2010/main" w="9525">
                     <a:solidFill>
                       <a:srgbClr val="000000"/>
                     </a:solidFill>
@@ -10499,7 +10504,7 @@
               </a:ln>
               <a:extLst>
                 <a:ext uri="{91240B29-F687-4f45-9708-019B960494DF}">
-                  <a14:hiddenLine xmlns:a14="http://schemas.microsoft.com/office/drawing/2010/main" xmlns="" w="9525">
+                  <a14:hiddenLine xmlns="" xmlns:a14="http://schemas.microsoft.com/office/drawing/2010/main" w="9525">
                     <a:solidFill>
                       <a:srgbClr val="000000"/>
                     </a:solidFill>
@@ -10564,7 +10569,7 @@
               </a:ln>
               <a:extLst>
                 <a:ext uri="{91240B29-F687-4f45-9708-019B960494DF}">
-                  <a14:hiddenLine xmlns:a14="http://schemas.microsoft.com/office/drawing/2010/main" xmlns="" w="9525">
+                  <a14:hiddenLine xmlns="" xmlns:a14="http://schemas.microsoft.com/office/drawing/2010/main" w="9525">
                     <a:solidFill>
                       <a:srgbClr val="000000"/>
                     </a:solidFill>
@@ -10626,7 +10631,7 @@
               </a:ln>
               <a:extLst>
                 <a:ext uri="{91240B29-F687-4f45-9708-019B960494DF}">
-                  <a14:hiddenLine xmlns:a14="http://schemas.microsoft.com/office/drawing/2010/main" xmlns="" w="9525">
+                  <a14:hiddenLine xmlns="" xmlns:a14="http://schemas.microsoft.com/office/drawing/2010/main" w="9525">
                     <a:solidFill>
                       <a:srgbClr val="000000"/>
                     </a:solidFill>
@@ -10716,7 +10721,7 @@
               </a:ln>
               <a:extLst>
                 <a:ext uri="{91240B29-F687-4f45-9708-019B960494DF}">
-                  <a14:hiddenLine xmlns:a14="http://schemas.microsoft.com/office/drawing/2010/main" xmlns="" w="9525">
+                  <a14:hiddenLine xmlns="" xmlns:a14="http://schemas.microsoft.com/office/drawing/2010/main" w="9525">
                     <a:solidFill>
                       <a:srgbClr val="000000"/>
                     </a:solidFill>
@@ -10806,7 +10811,7 @@
               </a:ln>
               <a:extLst>
                 <a:ext uri="{91240B29-F687-4f45-9708-019B960494DF}">
-                  <a14:hiddenLine xmlns:a14="http://schemas.microsoft.com/office/drawing/2010/main" xmlns="" w="9525">
+                  <a14:hiddenLine xmlns="" xmlns:a14="http://schemas.microsoft.com/office/drawing/2010/main" w="9525">
                     <a:solidFill>
                       <a:srgbClr val="000000"/>
                     </a:solidFill>
@@ -10871,7 +10876,7 @@
               </a:ln>
               <a:extLst>
                 <a:ext uri="{91240B29-F687-4f45-9708-019B960494DF}">
-                  <a14:hiddenLine xmlns:a14="http://schemas.microsoft.com/office/drawing/2010/main" xmlns="" w="9525">
+                  <a14:hiddenLine xmlns="" xmlns:a14="http://schemas.microsoft.com/office/drawing/2010/main" w="9525">
                     <a:solidFill>
                       <a:srgbClr val="000000"/>
                     </a:solidFill>
@@ -10991,7 +10996,7 @@
               </a:ln>
               <a:extLst>
                 <a:ext uri="{91240B29-F687-4f45-9708-019B960494DF}">
-                  <a14:hiddenLine xmlns:a14="http://schemas.microsoft.com/office/drawing/2010/main" xmlns="" w="9525">
+                  <a14:hiddenLine xmlns="" xmlns:a14="http://schemas.microsoft.com/office/drawing/2010/main" w="9525">
                     <a:solidFill>
                       <a:srgbClr val="000000"/>
                     </a:solidFill>
@@ -11089,7 +11094,7 @@
               </a:ln>
               <a:extLst>
                 <a:ext uri="{91240B29-F687-4f45-9708-019B960494DF}">
-                  <a14:hiddenLine xmlns:a14="http://schemas.microsoft.com/office/drawing/2010/main" xmlns="" w="9525">
+                  <a14:hiddenLine xmlns="" xmlns:a14="http://schemas.microsoft.com/office/drawing/2010/main" w="9525">
                     <a:solidFill>
                       <a:srgbClr val="000000"/>
                     </a:solidFill>
@@ -11204,7 +11209,7 @@
               </a:ln>
               <a:extLst>
                 <a:ext uri="{91240B29-F687-4f45-9708-019B960494DF}">
-                  <a14:hiddenLine xmlns:a14="http://schemas.microsoft.com/office/drawing/2010/main" xmlns="" w="9525">
+                  <a14:hiddenLine xmlns="" xmlns:a14="http://schemas.microsoft.com/office/drawing/2010/main" w="9525">
                     <a:solidFill>
                       <a:srgbClr val="000000"/>
                     </a:solidFill>
@@ -11294,7 +11299,7 @@
               </a:ln>
               <a:extLst>
                 <a:ext uri="{91240B29-F687-4f45-9708-019B960494DF}">
-                  <a14:hiddenLine xmlns:a14="http://schemas.microsoft.com/office/drawing/2010/main" xmlns="" w="9525">
+                  <a14:hiddenLine xmlns="" xmlns:a14="http://schemas.microsoft.com/office/drawing/2010/main" w="9525">
                     <a:solidFill>
                       <a:srgbClr val="000000"/>
                     </a:solidFill>
@@ -11359,7 +11364,7 @@
               </a:ln>
               <a:extLst>
                 <a:ext uri="{91240B29-F687-4f45-9708-019B960494DF}">
-                  <a14:hiddenLine xmlns:a14="http://schemas.microsoft.com/office/drawing/2010/main" xmlns="" w="9525">
+                  <a14:hiddenLine xmlns="" xmlns:a14="http://schemas.microsoft.com/office/drawing/2010/main" w="9525">
                     <a:solidFill>
                       <a:srgbClr val="000000"/>
                     </a:solidFill>
@@ -11449,7 +11454,7 @@
               </a:ln>
               <a:extLst>
                 <a:ext uri="{91240B29-F687-4f45-9708-019B960494DF}">
-                  <a14:hiddenLine xmlns:a14="http://schemas.microsoft.com/office/drawing/2010/main" xmlns="" w="9525">
+                  <a14:hiddenLine xmlns="" xmlns:a14="http://schemas.microsoft.com/office/drawing/2010/main" w="9525">
                     <a:solidFill>
                       <a:srgbClr val="000000"/>
                     </a:solidFill>
@@ -11517,7 +11522,7 @@
               </a:ln>
               <a:extLst>
                 <a:ext uri="{91240B29-F687-4f45-9708-019B960494DF}">
-                  <a14:hiddenLine xmlns:a14="http://schemas.microsoft.com/office/drawing/2010/main" xmlns="" w="9525">
+                  <a14:hiddenLine xmlns="" xmlns:a14="http://schemas.microsoft.com/office/drawing/2010/main" w="9525">
                     <a:solidFill>
                       <a:srgbClr val="000000"/>
                     </a:solidFill>
@@ -11607,7 +11612,7 @@
               </a:ln>
               <a:extLst>
                 <a:ext uri="{91240B29-F687-4f45-9708-019B960494DF}">
-                  <a14:hiddenLine xmlns:a14="http://schemas.microsoft.com/office/drawing/2010/main" xmlns="" w="9525">
+                  <a14:hiddenLine xmlns="" xmlns:a14="http://schemas.microsoft.com/office/drawing/2010/main" w="9525">
                     <a:solidFill>
                       <a:srgbClr val="000000"/>
                     </a:solidFill>
@@ -11675,7 +11680,7 @@
               </a:ln>
               <a:extLst>
                 <a:ext uri="{91240B29-F687-4f45-9708-019B960494DF}">
-                  <a14:hiddenLine xmlns:a14="http://schemas.microsoft.com/office/drawing/2010/main" xmlns="" w="9525">
+                  <a14:hiddenLine xmlns="" xmlns:a14="http://schemas.microsoft.com/office/drawing/2010/main" w="9525">
                     <a:solidFill>
                       <a:srgbClr val="000000"/>
                     </a:solidFill>
@@ -11765,7 +11770,7 @@
               </a:ln>
               <a:extLst>
                 <a:ext uri="{91240B29-F687-4f45-9708-019B960494DF}">
-                  <a14:hiddenLine xmlns:a14="http://schemas.microsoft.com/office/drawing/2010/main" xmlns="" w="9525">
+                  <a14:hiddenLine xmlns="" xmlns:a14="http://schemas.microsoft.com/office/drawing/2010/main" w="9525">
                     <a:solidFill>
                       <a:srgbClr val="000000"/>
                     </a:solidFill>
@@ -11799,7 +11804,7 @@
               </a:ln>
               <a:extLst>
                 <a:ext uri="{91240B29-F687-4f45-9708-019B960494DF}">
-                  <a14:hiddenLine xmlns:a14="http://schemas.microsoft.com/office/drawing/2010/main" xmlns="" w="9525">
+                  <a14:hiddenLine xmlns="" xmlns:a14="http://schemas.microsoft.com/office/drawing/2010/main" w="9525">
                     <a:solidFill>
                       <a:srgbClr val="000000"/>
                     </a:solidFill>
@@ -11940,7 +11945,7 @@
             <a:fld id="{48A87A34-81AB-432B-8DAE-1953F412C126}" type="datetimeFigureOut">
               <a:rPr lang="en-US" dirty="0"/>
               <a:pPr/>
-              <a:t>2/18/2019</a:t>
+              <a:t>2/19/2019</a:t>
             </a:fld>
             <a:endParaRPr lang="en-US" dirty="0"/>
           </a:p>
@@ -12500,7 +12505,7 @@
             <a:noFill/>
             <a:extLst>
               <a:ext uri="{909E8E84-426E-40dd-AFC4-6F175D3DCCD1}">
-                <a14:hiddenFill xmlns="" xmlns:a14="http://schemas.microsoft.com/office/drawing/2010/main" xmlns:p14="http://schemas.microsoft.com/office/powerpoint/2010/main" xmlns:a16="http://schemas.microsoft.com/office/drawing/2014/main">
+                <a14:hiddenFill xmlns:a16="http://schemas.microsoft.com/office/drawing/2014/main" xmlns:p14="http://schemas.microsoft.com/office/powerpoint/2010/main" xmlns:a14="http://schemas.microsoft.com/office/drawing/2010/main" xmlns="">
                   <a:solidFill>
                     <a:srgbClr val="FFFFFF"/>
                   </a:solidFill>
@@ -14501,7 +14506,7 @@
           <a:p>
             <a:pPr algn="ctr"/>
             <a:r>
-              <a:rPr lang="en-US" sz="4400">
+              <a:rPr lang="en-US" sz="4400" dirty="0">
                 <a:solidFill>
                   <a:srgbClr val="FFFFFF"/>
                 </a:solidFill>
@@ -14547,6 +14552,42 @@
                 </a:solidFill>
               </a:rPr>
               <a:t>Using machine learning ideas to speed up operating systems.</a:t>
+            </a:r>
+          </a:p>
+        </p:txBody>
+      </p:sp>
+      <p:sp>
+        <p:nvSpPr>
+          <p:cNvPr id="6" name="TextBox 5">
+            <a:extLst>
+              <a:ext uri="{FF2B5EF4-FFF2-40B4-BE49-F238E27FC236}">
+                <a16:creationId xmlns:a16="http://schemas.microsoft.com/office/drawing/2014/main" id="{DFA11E01-F3B7-4FC4-BE07-EEC77F600D01}"/>
+              </a:ext>
+            </a:extLst>
+          </p:cNvPr>
+          <p:cNvSpPr txBox="1"/>
+          <p:nvPr/>
+        </p:nvSpPr>
+        <p:spPr>
+          <a:xfrm>
+            <a:off x="4465320" y="4969934"/>
+            <a:ext cx="3261359" cy="369332"/>
+          </a:xfrm>
+          <a:prstGeom prst="rect">
+            <a:avLst/>
+          </a:prstGeom>
+          <a:noFill/>
+        </p:spPr>
+        <p:txBody>
+          <a:bodyPr wrap="square" rtlCol="0">
+            <a:spAutoFit/>
+          </a:bodyPr>
+          <a:lstStyle/>
+          <a:p>
+            <a:pPr algn="ctr"/>
+            <a:r>
+              <a:rPr lang="en-US" dirty="0"/>
+              <a:t>Russ Seaman</a:t>
             </a:r>
           </a:p>
         </p:txBody>
@@ -14818,7 +14859,7 @@
             </a:ln>
             <a:extLst>
               <a:ext uri="{91240B29-F687-4f45-9708-019B960494DF}">
-                <a14:hiddenLine xmlns="" xmlns:a14="http://schemas.microsoft.com/office/drawing/2010/main" xmlns:p14="http://schemas.microsoft.com/office/powerpoint/2010/main" xmlns:a16="http://schemas.microsoft.com/office/drawing/2014/main" w="9525">
+                <a14:hiddenLine xmlns:a16="http://schemas.microsoft.com/office/drawing/2014/main" xmlns:p14="http://schemas.microsoft.com/office/powerpoint/2010/main" xmlns:a14="http://schemas.microsoft.com/office/drawing/2010/main" xmlns="" w="9525">
                   <a:solidFill>
                     <a:srgbClr val="000000"/>
                   </a:solidFill>
@@ -14923,7 +14964,7 @@
             </a:ln>
             <a:extLst>
               <a:ext uri="{91240B29-F687-4f45-9708-019B960494DF}">
-                <a14:hiddenLine xmlns="" xmlns:a14="http://schemas.microsoft.com/office/drawing/2010/main" xmlns:p14="http://schemas.microsoft.com/office/powerpoint/2010/main" xmlns:a16="http://schemas.microsoft.com/office/drawing/2014/main" w="9525">
+                <a14:hiddenLine xmlns:a16="http://schemas.microsoft.com/office/drawing/2014/main" xmlns:p14="http://schemas.microsoft.com/office/powerpoint/2010/main" xmlns:a14="http://schemas.microsoft.com/office/drawing/2010/main" xmlns="" w="9525">
                   <a:solidFill>
                     <a:srgbClr val="000000"/>
                   </a:solidFill>
@@ -15028,7 +15069,7 @@
             </a:ln>
             <a:extLst>
               <a:ext uri="{91240B29-F687-4f45-9708-019B960494DF}">
-                <a14:hiddenLine xmlns="" xmlns:a14="http://schemas.microsoft.com/office/drawing/2010/main" xmlns:p14="http://schemas.microsoft.com/office/powerpoint/2010/main" xmlns:a16="http://schemas.microsoft.com/office/drawing/2014/main" w="9525">
+                <a14:hiddenLine xmlns:a16="http://schemas.microsoft.com/office/drawing/2014/main" xmlns:p14="http://schemas.microsoft.com/office/powerpoint/2010/main" xmlns:a14="http://schemas.microsoft.com/office/drawing/2010/main" xmlns="" w="9525">
                   <a:solidFill>
                     <a:srgbClr val="000000"/>
                   </a:solidFill>
@@ -15105,7 +15146,7 @@
             </a:ln>
             <a:extLst>
               <a:ext uri="{91240B29-F687-4f45-9708-019B960494DF}">
-                <a14:hiddenLine xmlns="" xmlns:a14="http://schemas.microsoft.com/office/drawing/2010/main" xmlns:p14="http://schemas.microsoft.com/office/powerpoint/2010/main" xmlns:a16="http://schemas.microsoft.com/office/drawing/2014/main" w="9525">
+                <a14:hiddenLine xmlns:a16="http://schemas.microsoft.com/office/drawing/2014/main" xmlns:p14="http://schemas.microsoft.com/office/powerpoint/2010/main" xmlns:a14="http://schemas.microsoft.com/office/drawing/2010/main" xmlns="" w="9525">
                   <a:solidFill>
                     <a:srgbClr val="000000"/>
                   </a:solidFill>
@@ -15210,7 +15251,7 @@
             </a:ln>
             <a:extLst>
               <a:ext uri="{91240B29-F687-4f45-9708-019B960494DF}">
-                <a14:hiddenLine xmlns="" xmlns:a14="http://schemas.microsoft.com/office/drawing/2010/main" xmlns:p14="http://schemas.microsoft.com/office/powerpoint/2010/main" xmlns:a16="http://schemas.microsoft.com/office/drawing/2014/main" w="9525">
+                <a14:hiddenLine xmlns:a16="http://schemas.microsoft.com/office/drawing/2014/main" xmlns:p14="http://schemas.microsoft.com/office/powerpoint/2010/main" xmlns:a14="http://schemas.microsoft.com/office/drawing/2010/main" xmlns="" w="9525">
                   <a:solidFill>
                     <a:srgbClr val="000000"/>
                   </a:solidFill>
@@ -15287,7 +15328,7 @@
             </a:ln>
             <a:extLst>
               <a:ext uri="{91240B29-F687-4f45-9708-019B960494DF}">
-                <a14:hiddenLine xmlns="" xmlns:a14="http://schemas.microsoft.com/office/drawing/2010/main" xmlns:p14="http://schemas.microsoft.com/office/powerpoint/2010/main" xmlns:a16="http://schemas.microsoft.com/office/drawing/2014/main" w="9525">
+                <a14:hiddenLine xmlns:a16="http://schemas.microsoft.com/office/drawing/2014/main" xmlns:p14="http://schemas.microsoft.com/office/powerpoint/2010/main" xmlns:a14="http://schemas.microsoft.com/office/drawing/2010/main" xmlns="" w="9525">
                   <a:solidFill>
                     <a:srgbClr val="000000"/>
                   </a:solidFill>
@@ -15364,7 +15405,7 @@
             </a:ln>
             <a:extLst>
               <a:ext uri="{91240B29-F687-4f45-9708-019B960494DF}">
-                <a14:hiddenLine xmlns="" xmlns:a14="http://schemas.microsoft.com/office/drawing/2010/main" xmlns:p14="http://schemas.microsoft.com/office/powerpoint/2010/main" xmlns:a16="http://schemas.microsoft.com/office/drawing/2014/main" w="9525">
+                <a14:hiddenLine xmlns:a16="http://schemas.microsoft.com/office/drawing/2014/main" xmlns:p14="http://schemas.microsoft.com/office/powerpoint/2010/main" xmlns:a14="http://schemas.microsoft.com/office/drawing/2010/main" xmlns="" w="9525">
                   <a:solidFill>
                     <a:srgbClr val="000000"/>
                   </a:solidFill>
@@ -15469,7 +15510,7 @@
             </a:ln>
             <a:extLst>
               <a:ext uri="{91240B29-F687-4f45-9708-019B960494DF}">
-                <a14:hiddenLine xmlns="" xmlns:a14="http://schemas.microsoft.com/office/drawing/2010/main" xmlns:p14="http://schemas.microsoft.com/office/powerpoint/2010/main" xmlns:a16="http://schemas.microsoft.com/office/drawing/2014/main" w="9525">
+                <a14:hiddenLine xmlns:a16="http://schemas.microsoft.com/office/drawing/2014/main" xmlns:p14="http://schemas.microsoft.com/office/powerpoint/2010/main" xmlns:a14="http://schemas.microsoft.com/office/drawing/2010/main" xmlns="" w="9525">
                   <a:solidFill>
                     <a:srgbClr val="000000"/>
                   </a:solidFill>
@@ -15574,7 +15615,7 @@
             </a:ln>
             <a:extLst>
               <a:ext uri="{91240B29-F687-4f45-9708-019B960494DF}">
-                <a14:hiddenLine xmlns="" xmlns:a14="http://schemas.microsoft.com/office/drawing/2010/main" xmlns:p14="http://schemas.microsoft.com/office/powerpoint/2010/main" xmlns:a16="http://schemas.microsoft.com/office/drawing/2014/main" w="9525">
+                <a14:hiddenLine xmlns:a16="http://schemas.microsoft.com/office/drawing/2014/main" xmlns:p14="http://schemas.microsoft.com/office/powerpoint/2010/main" xmlns:a14="http://schemas.microsoft.com/office/drawing/2010/main" xmlns="" w="9525">
                   <a:solidFill>
                     <a:srgbClr val="000000"/>
                   </a:solidFill>
@@ -15651,7 +15692,7 @@
             </a:ln>
             <a:extLst>
               <a:ext uri="{91240B29-F687-4f45-9708-019B960494DF}">
-                <a14:hiddenLine xmlns="" xmlns:a14="http://schemas.microsoft.com/office/drawing/2010/main" xmlns:p14="http://schemas.microsoft.com/office/powerpoint/2010/main" xmlns:a16="http://schemas.microsoft.com/office/drawing/2014/main" w="9525">
+                <a14:hiddenLine xmlns:a16="http://schemas.microsoft.com/office/drawing/2014/main" xmlns:p14="http://schemas.microsoft.com/office/powerpoint/2010/main" xmlns:a14="http://schemas.microsoft.com/office/drawing/2010/main" xmlns="" w="9525">
                   <a:solidFill>
                     <a:srgbClr val="000000"/>
                   </a:solidFill>
@@ -15776,7 +15817,7 @@
             </a:ln>
             <a:extLst>
               <a:ext uri="{91240B29-F687-4f45-9708-019B960494DF}">
-                <a14:hiddenLine xmlns="" xmlns:a14="http://schemas.microsoft.com/office/drawing/2010/main" xmlns:p14="http://schemas.microsoft.com/office/powerpoint/2010/main" xmlns:a16="http://schemas.microsoft.com/office/drawing/2014/main" w="9525">
+                <a14:hiddenLine xmlns:a16="http://schemas.microsoft.com/office/drawing/2014/main" xmlns:p14="http://schemas.microsoft.com/office/powerpoint/2010/main" xmlns:a14="http://schemas.microsoft.com/office/drawing/2010/main" xmlns="" w="9525">
                   <a:solidFill>
                     <a:srgbClr val="000000"/>
                   </a:solidFill>
@@ -15890,7 +15931,7 @@
             </a:ln>
             <a:extLst>
               <a:ext uri="{91240B29-F687-4f45-9708-019B960494DF}">
-                <a14:hiddenLine xmlns="" xmlns:a14="http://schemas.microsoft.com/office/drawing/2010/main" xmlns:p14="http://schemas.microsoft.com/office/powerpoint/2010/main" xmlns:a16="http://schemas.microsoft.com/office/drawing/2014/main" w="9525">
+                <a14:hiddenLine xmlns:a16="http://schemas.microsoft.com/office/drawing/2014/main" xmlns:p14="http://schemas.microsoft.com/office/powerpoint/2010/main" xmlns:a14="http://schemas.microsoft.com/office/drawing/2010/main" xmlns="" w="9525">
                   <a:solidFill>
                     <a:srgbClr val="000000"/>
                   </a:solidFill>
@@ -15967,7 +16008,7 @@
             </a:ln>
             <a:extLst>
               <a:ext uri="{91240B29-F687-4f45-9708-019B960494DF}">
-                <a14:hiddenLine xmlns="" xmlns:a14="http://schemas.microsoft.com/office/drawing/2010/main" xmlns:p14="http://schemas.microsoft.com/office/powerpoint/2010/main" xmlns:a16="http://schemas.microsoft.com/office/drawing/2014/main" w="9525">
+                <a14:hiddenLine xmlns:a16="http://schemas.microsoft.com/office/drawing/2014/main" xmlns:p14="http://schemas.microsoft.com/office/powerpoint/2010/main" xmlns:a14="http://schemas.microsoft.com/office/drawing/2010/main" xmlns="" w="9525">
                   <a:solidFill>
                     <a:srgbClr val="000000"/>
                   </a:solidFill>
@@ -16044,7 +16085,7 @@
             </a:ln>
             <a:extLst>
               <a:ext uri="{91240B29-F687-4f45-9708-019B960494DF}">
-                <a14:hiddenLine xmlns="" xmlns:a14="http://schemas.microsoft.com/office/drawing/2010/main" xmlns:p14="http://schemas.microsoft.com/office/powerpoint/2010/main" xmlns:a16="http://schemas.microsoft.com/office/drawing/2014/main" w="9525">
+                <a14:hiddenLine xmlns:a16="http://schemas.microsoft.com/office/drawing/2014/main" xmlns:p14="http://schemas.microsoft.com/office/powerpoint/2010/main" xmlns:a14="http://schemas.microsoft.com/office/drawing/2010/main" xmlns="" w="9525">
                   <a:solidFill>
                     <a:srgbClr val="000000"/>
                   </a:solidFill>
@@ -16149,7 +16190,7 @@
             </a:ln>
             <a:extLst>
               <a:ext uri="{91240B29-F687-4f45-9708-019B960494DF}">
-                <a14:hiddenLine xmlns="" xmlns:a14="http://schemas.microsoft.com/office/drawing/2010/main" xmlns:p14="http://schemas.microsoft.com/office/powerpoint/2010/main" xmlns:a16="http://schemas.microsoft.com/office/drawing/2014/main" w="9525">
+                <a14:hiddenLine xmlns:a16="http://schemas.microsoft.com/office/drawing/2014/main" xmlns:p14="http://schemas.microsoft.com/office/powerpoint/2010/main" xmlns:a14="http://schemas.microsoft.com/office/drawing/2010/main" xmlns="" w="9525">
                   <a:solidFill>
                     <a:srgbClr val="000000"/>
                   </a:solidFill>
@@ -16198,7 +16239,7 @@
             </a:ln>
             <a:extLst>
               <a:ext uri="{91240B29-F687-4f45-9708-019B960494DF}">
-                <a14:hiddenLine xmlns="" xmlns:a14="http://schemas.microsoft.com/office/drawing/2010/main" xmlns:p14="http://schemas.microsoft.com/office/powerpoint/2010/main" xmlns:a16="http://schemas.microsoft.com/office/drawing/2014/main" w="9525">
+                <a14:hiddenLine xmlns:a16="http://schemas.microsoft.com/office/drawing/2014/main" xmlns:p14="http://schemas.microsoft.com/office/powerpoint/2010/main" xmlns:a14="http://schemas.microsoft.com/office/drawing/2010/main" xmlns="" w="9525">
                   <a:solidFill>
                     <a:srgbClr val="000000"/>
                   </a:solidFill>
@@ -16278,7 +16319,7 @@
             </a:ln>
             <a:extLst>
               <a:ext uri="{91240B29-F687-4f45-9708-019B960494DF}">
-                <a14:hiddenLine xmlns="" xmlns:a14="http://schemas.microsoft.com/office/drawing/2010/main" xmlns:p14="http://schemas.microsoft.com/office/powerpoint/2010/main" xmlns:a16="http://schemas.microsoft.com/office/drawing/2014/main" w="9525">
+                <a14:hiddenLine xmlns:a16="http://schemas.microsoft.com/office/drawing/2014/main" xmlns:p14="http://schemas.microsoft.com/office/powerpoint/2010/main" xmlns:a14="http://schemas.microsoft.com/office/drawing/2010/main" xmlns="" w="9525">
                   <a:solidFill>
                     <a:srgbClr val="000000"/>
                   </a:solidFill>
@@ -16383,7 +16424,7 @@
             </a:ln>
             <a:extLst>
               <a:ext uri="{91240B29-F687-4f45-9708-019B960494DF}">
-                <a14:hiddenLine xmlns="" xmlns:a14="http://schemas.microsoft.com/office/drawing/2010/main" xmlns:p14="http://schemas.microsoft.com/office/powerpoint/2010/main" xmlns:a16="http://schemas.microsoft.com/office/drawing/2014/main" w="9525">
+                <a14:hiddenLine xmlns:a16="http://schemas.microsoft.com/office/drawing/2014/main" xmlns:p14="http://schemas.microsoft.com/office/powerpoint/2010/main" xmlns:a14="http://schemas.microsoft.com/office/drawing/2010/main" xmlns="" w="9525">
                   <a:solidFill>
                     <a:srgbClr val="000000"/>
                   </a:solidFill>
@@ -16460,7 +16501,7 @@
             </a:ln>
             <a:extLst>
               <a:ext uri="{91240B29-F687-4f45-9708-019B960494DF}">
-                <a14:hiddenLine xmlns="" xmlns:a14="http://schemas.microsoft.com/office/drawing/2010/main" xmlns:p14="http://schemas.microsoft.com/office/powerpoint/2010/main" xmlns:a16="http://schemas.microsoft.com/office/drawing/2014/main" w="9525">
+                <a14:hiddenLine xmlns:a16="http://schemas.microsoft.com/office/drawing/2014/main" xmlns:p14="http://schemas.microsoft.com/office/powerpoint/2010/main" xmlns:a14="http://schemas.microsoft.com/office/drawing/2010/main" xmlns="" w="9525">
                   <a:solidFill>
                     <a:srgbClr val="000000"/>
                   </a:solidFill>
@@ -16565,7 +16606,7 @@
             </a:ln>
             <a:extLst>
               <a:ext uri="{91240B29-F687-4f45-9708-019B960494DF}">
-                <a14:hiddenLine xmlns="" xmlns:a14="http://schemas.microsoft.com/office/drawing/2010/main" xmlns:p14="http://schemas.microsoft.com/office/powerpoint/2010/main" xmlns:a16="http://schemas.microsoft.com/office/drawing/2014/main" w="9525">
+                <a14:hiddenLine xmlns:a16="http://schemas.microsoft.com/office/drawing/2014/main" xmlns:p14="http://schemas.microsoft.com/office/powerpoint/2010/main" xmlns:a14="http://schemas.microsoft.com/office/drawing/2010/main" xmlns="" w="9525">
                   <a:solidFill>
                     <a:srgbClr val="000000"/>
                   </a:solidFill>
@@ -16645,7 +16686,7 @@
             </a:ln>
             <a:extLst>
               <a:ext uri="{91240B29-F687-4f45-9708-019B960494DF}">
-                <a14:hiddenLine xmlns="" xmlns:a14="http://schemas.microsoft.com/office/drawing/2010/main" xmlns:p14="http://schemas.microsoft.com/office/powerpoint/2010/main" xmlns:a16="http://schemas.microsoft.com/office/drawing/2014/main" w="9525">
+                <a14:hiddenLine xmlns:a16="http://schemas.microsoft.com/office/drawing/2014/main" xmlns:p14="http://schemas.microsoft.com/office/powerpoint/2010/main" xmlns:a14="http://schemas.microsoft.com/office/drawing/2010/main" xmlns="" w="9525">
                   <a:solidFill>
                     <a:srgbClr val="000000"/>
                   </a:solidFill>
@@ -16722,7 +16763,7 @@
             </a:ln>
             <a:extLst>
               <a:ext uri="{91240B29-F687-4f45-9708-019B960494DF}">
-                <a14:hiddenLine xmlns="" xmlns:a14="http://schemas.microsoft.com/office/drawing/2010/main" xmlns:p14="http://schemas.microsoft.com/office/powerpoint/2010/main" xmlns:a16="http://schemas.microsoft.com/office/drawing/2014/main" w="9525">
+                <a14:hiddenLine xmlns:a16="http://schemas.microsoft.com/office/drawing/2014/main" xmlns:p14="http://schemas.microsoft.com/office/powerpoint/2010/main" xmlns:a14="http://schemas.microsoft.com/office/drawing/2010/main" xmlns="" w="9525">
                   <a:solidFill>
                     <a:srgbClr val="000000"/>
                   </a:solidFill>
@@ -16827,7 +16868,7 @@
             </a:ln>
             <a:extLst>
               <a:ext uri="{91240B29-F687-4f45-9708-019B960494DF}">
-                <a14:hiddenLine xmlns="" xmlns:a14="http://schemas.microsoft.com/office/drawing/2010/main" xmlns:p14="http://schemas.microsoft.com/office/powerpoint/2010/main" xmlns:a16="http://schemas.microsoft.com/office/drawing/2014/main" w="9525">
+                <a14:hiddenLine xmlns:a16="http://schemas.microsoft.com/office/drawing/2014/main" xmlns:p14="http://schemas.microsoft.com/office/powerpoint/2010/main" xmlns:a14="http://schemas.microsoft.com/office/drawing/2010/main" xmlns="" w="9525">
                   <a:solidFill>
                     <a:srgbClr val="000000"/>
                   </a:solidFill>
@@ -16932,7 +16973,7 @@
             </a:ln>
             <a:extLst>
               <a:ext uri="{91240B29-F687-4f45-9708-019B960494DF}">
-                <a14:hiddenLine xmlns="" xmlns:a14="http://schemas.microsoft.com/office/drawing/2010/main" xmlns:p14="http://schemas.microsoft.com/office/powerpoint/2010/main" xmlns:a16="http://schemas.microsoft.com/office/drawing/2014/main" w="9525">
+                <a14:hiddenLine xmlns:a16="http://schemas.microsoft.com/office/drawing/2014/main" xmlns:p14="http://schemas.microsoft.com/office/powerpoint/2010/main" xmlns:a14="http://schemas.microsoft.com/office/drawing/2010/main" xmlns="" w="9525">
                   <a:solidFill>
                     <a:srgbClr val="000000"/>
                   </a:solidFill>
@@ -17012,7 +17053,7 @@
             </a:ln>
             <a:extLst>
               <a:ext uri="{91240B29-F687-4f45-9708-019B960494DF}">
-                <a14:hiddenLine xmlns="" xmlns:a14="http://schemas.microsoft.com/office/drawing/2010/main" xmlns:p14="http://schemas.microsoft.com/office/powerpoint/2010/main" xmlns:a16="http://schemas.microsoft.com/office/drawing/2014/main" w="9525">
+                <a14:hiddenLine xmlns:a16="http://schemas.microsoft.com/office/drawing/2014/main" xmlns:p14="http://schemas.microsoft.com/office/powerpoint/2010/main" xmlns:a14="http://schemas.microsoft.com/office/drawing/2010/main" xmlns="" w="9525">
                   <a:solidFill>
                     <a:srgbClr val="000000"/>
                   </a:solidFill>
@@ -17147,7 +17188,7 @@
             </a:ln>
             <a:extLst>
               <a:ext uri="{91240B29-F687-4f45-9708-019B960494DF}">
-                <a14:hiddenLine xmlns="" xmlns:a14="http://schemas.microsoft.com/office/drawing/2010/main" xmlns:p14="http://schemas.microsoft.com/office/powerpoint/2010/main" xmlns:a16="http://schemas.microsoft.com/office/drawing/2014/main" w="9525">
+                <a14:hiddenLine xmlns:a16="http://schemas.microsoft.com/office/drawing/2014/main" xmlns:p14="http://schemas.microsoft.com/office/powerpoint/2010/main" xmlns:a14="http://schemas.microsoft.com/office/drawing/2010/main" xmlns="" w="9525">
                   <a:solidFill>
                     <a:srgbClr val="000000"/>
                   </a:solidFill>
@@ -17401,7 +17442,7 @@
             </a:ln>
             <a:extLst>
               <a:ext uri="{91240B29-F687-4f45-9708-019B960494DF}">
-                <a14:hiddenLine xmlns="" xmlns:a14="http://schemas.microsoft.com/office/drawing/2010/main" xmlns:p14="http://schemas.microsoft.com/office/powerpoint/2010/main" xmlns:a16="http://schemas.microsoft.com/office/drawing/2014/main" w="9525">
+                <a14:hiddenLine xmlns:a16="http://schemas.microsoft.com/office/drawing/2014/main" xmlns:p14="http://schemas.microsoft.com/office/powerpoint/2010/main" xmlns:a14="http://schemas.microsoft.com/office/drawing/2010/main" xmlns="" w="9525">
                   <a:solidFill>
                     <a:srgbClr val="000000"/>
                   </a:solidFill>
@@ -17531,7 +17572,7 @@
             </a:ln>
             <a:extLst>
               <a:ext uri="{91240B29-F687-4f45-9708-019B960494DF}">
-                <a14:hiddenLine xmlns="" xmlns:a14="http://schemas.microsoft.com/office/drawing/2010/main" xmlns:p14="http://schemas.microsoft.com/office/powerpoint/2010/main" xmlns:a16="http://schemas.microsoft.com/office/drawing/2014/main" w="9525">
+                <a14:hiddenLine xmlns:a16="http://schemas.microsoft.com/office/drawing/2014/main" xmlns:p14="http://schemas.microsoft.com/office/powerpoint/2010/main" xmlns:a14="http://schemas.microsoft.com/office/drawing/2010/main" xmlns="" w="9525">
                   <a:solidFill>
                     <a:srgbClr val="000000"/>
                   </a:solidFill>
@@ -17636,7 +17677,7 @@
             </a:ln>
             <a:extLst>
               <a:ext uri="{91240B29-F687-4f45-9708-019B960494DF}">
-                <a14:hiddenLine xmlns="" xmlns:a14="http://schemas.microsoft.com/office/drawing/2010/main" xmlns:p14="http://schemas.microsoft.com/office/powerpoint/2010/main" xmlns:a16="http://schemas.microsoft.com/office/drawing/2014/main" w="9525">
+                <a14:hiddenLine xmlns:a16="http://schemas.microsoft.com/office/drawing/2014/main" xmlns:p14="http://schemas.microsoft.com/office/powerpoint/2010/main" xmlns:a14="http://schemas.microsoft.com/office/drawing/2010/main" xmlns="" w="9525">
                   <a:solidFill>
                     <a:srgbClr val="000000"/>
                   </a:solidFill>
@@ -17716,7 +17757,7 @@
             </a:ln>
             <a:extLst>
               <a:ext uri="{91240B29-F687-4f45-9708-019B960494DF}">
-                <a14:hiddenLine xmlns="" xmlns:a14="http://schemas.microsoft.com/office/drawing/2010/main" xmlns:p14="http://schemas.microsoft.com/office/powerpoint/2010/main" xmlns:a16="http://schemas.microsoft.com/office/drawing/2014/main" w="9525">
+                <a14:hiddenLine xmlns:a16="http://schemas.microsoft.com/office/drawing/2014/main" xmlns:p14="http://schemas.microsoft.com/office/powerpoint/2010/main" xmlns:a14="http://schemas.microsoft.com/office/drawing/2010/main" xmlns="" w="9525">
                   <a:solidFill>
                     <a:srgbClr val="000000"/>
                   </a:solidFill>
@@ -17821,7 +17862,7 @@
             </a:ln>
             <a:extLst>
               <a:ext uri="{91240B29-F687-4f45-9708-019B960494DF}">
-                <a14:hiddenLine xmlns="" xmlns:a14="http://schemas.microsoft.com/office/drawing/2010/main" xmlns:p14="http://schemas.microsoft.com/office/powerpoint/2010/main" xmlns:a16="http://schemas.microsoft.com/office/drawing/2014/main" w="9525">
+                <a14:hiddenLine xmlns:a16="http://schemas.microsoft.com/office/drawing/2014/main" xmlns:p14="http://schemas.microsoft.com/office/powerpoint/2010/main" xmlns:a14="http://schemas.microsoft.com/office/drawing/2010/main" xmlns="" w="9525">
                   <a:solidFill>
                     <a:srgbClr val="000000"/>
                   </a:solidFill>
@@ -17904,7 +17945,7 @@
             </a:ln>
             <a:extLst>
               <a:ext uri="{91240B29-F687-4f45-9708-019B960494DF}">
-                <a14:hiddenLine xmlns="" xmlns:a14="http://schemas.microsoft.com/office/drawing/2010/main" xmlns:p14="http://schemas.microsoft.com/office/powerpoint/2010/main" xmlns:a16="http://schemas.microsoft.com/office/drawing/2014/main" w="9525">
+                <a14:hiddenLine xmlns:a16="http://schemas.microsoft.com/office/drawing/2014/main" xmlns:p14="http://schemas.microsoft.com/office/powerpoint/2010/main" xmlns:a14="http://schemas.microsoft.com/office/drawing/2010/main" xmlns="" w="9525">
                   <a:solidFill>
                     <a:srgbClr val="000000"/>
                   </a:solidFill>
@@ -18009,7 +18050,7 @@
             </a:ln>
             <a:extLst>
               <a:ext uri="{91240B29-F687-4f45-9708-019B960494DF}">
-                <a14:hiddenLine xmlns="" xmlns:a14="http://schemas.microsoft.com/office/drawing/2010/main" xmlns:p14="http://schemas.microsoft.com/office/powerpoint/2010/main" xmlns:a16="http://schemas.microsoft.com/office/drawing/2014/main" w="9525">
+                <a14:hiddenLine xmlns:a16="http://schemas.microsoft.com/office/drawing/2014/main" xmlns:p14="http://schemas.microsoft.com/office/powerpoint/2010/main" xmlns:a14="http://schemas.microsoft.com/office/drawing/2010/main" xmlns="" w="9525">
                   <a:solidFill>
                     <a:srgbClr val="000000"/>
                   </a:solidFill>
@@ -18092,7 +18133,7 @@
             </a:ln>
             <a:extLst>
               <a:ext uri="{91240B29-F687-4f45-9708-019B960494DF}">
-                <a14:hiddenLine xmlns="" xmlns:a14="http://schemas.microsoft.com/office/drawing/2010/main" xmlns:p14="http://schemas.microsoft.com/office/powerpoint/2010/main" xmlns:a16="http://schemas.microsoft.com/office/drawing/2014/main" w="9525">
+                <a14:hiddenLine xmlns:a16="http://schemas.microsoft.com/office/drawing/2014/main" xmlns:p14="http://schemas.microsoft.com/office/powerpoint/2010/main" xmlns:a14="http://schemas.microsoft.com/office/drawing/2010/main" xmlns="" w="9525">
                   <a:solidFill>
                     <a:srgbClr val="000000"/>
                   </a:solidFill>
@@ -18197,7 +18238,7 @@
             </a:ln>
             <a:extLst>
               <a:ext uri="{91240B29-F687-4f45-9708-019B960494DF}">
-                <a14:hiddenLine xmlns="" xmlns:a14="http://schemas.microsoft.com/office/drawing/2010/main" xmlns:p14="http://schemas.microsoft.com/office/powerpoint/2010/main" xmlns:a16="http://schemas.microsoft.com/office/drawing/2014/main" w="9525">
+                <a14:hiddenLine xmlns:a16="http://schemas.microsoft.com/office/drawing/2014/main" xmlns:p14="http://schemas.microsoft.com/office/powerpoint/2010/main" xmlns:a14="http://schemas.microsoft.com/office/drawing/2010/main" xmlns="" w="9525">
                   <a:solidFill>
                     <a:srgbClr val="000000"/>
                   </a:solidFill>
@@ -18246,7 +18287,7 @@
             </a:ln>
             <a:extLst>
               <a:ext uri="{91240B29-F687-4f45-9708-019B960494DF}">
-                <a14:hiddenLine xmlns="" xmlns:a14="http://schemas.microsoft.com/office/drawing/2010/main" xmlns:p14="http://schemas.microsoft.com/office/powerpoint/2010/main" xmlns:a16="http://schemas.microsoft.com/office/drawing/2014/main" w="9525">
+                <a14:hiddenLine xmlns:a16="http://schemas.microsoft.com/office/drawing/2014/main" xmlns:p14="http://schemas.microsoft.com/office/powerpoint/2010/main" xmlns:a14="http://schemas.microsoft.com/office/drawing/2010/main" xmlns="" w="9525">
                   <a:solidFill>
                     <a:srgbClr val="000000"/>
                   </a:solidFill>
@@ -18664,7 +18705,7 @@
           <a:noFill/>
           <a:extLst>
             <a:ext uri="{909E8E84-426E-40dd-AFC4-6F175D3DCCD1}">
-              <a14:hiddenFill xmlns="" xmlns:a14="http://schemas.microsoft.com/office/drawing/2010/main" xmlns:p14="http://schemas.microsoft.com/office/powerpoint/2010/main" xmlns:a16="http://schemas.microsoft.com/office/drawing/2014/main">
+              <a14:hiddenFill xmlns:a16="http://schemas.microsoft.com/office/drawing/2014/main" xmlns:p14="http://schemas.microsoft.com/office/powerpoint/2010/main" xmlns:a14="http://schemas.microsoft.com/office/drawing/2010/main" xmlns="">
                 <a:solidFill>
                   <a:srgbClr val="FFFFFF"/>
                 </a:solidFill>
@@ -18746,7 +18787,7 @@
             </a:ln>
             <a:extLst>
               <a:ext uri="{91240B29-F687-4f45-9708-019B960494DF}">
-                <a14:hiddenLine xmlns="" xmlns:a14="http://schemas.microsoft.com/office/drawing/2010/main" xmlns:p14="http://schemas.microsoft.com/office/powerpoint/2010/main" xmlns:a16="http://schemas.microsoft.com/office/drawing/2014/main" w="9525">
+                <a14:hiddenLine xmlns:a16="http://schemas.microsoft.com/office/drawing/2014/main" xmlns:p14="http://schemas.microsoft.com/office/powerpoint/2010/main" xmlns:a14="http://schemas.microsoft.com/office/drawing/2010/main" xmlns="" w="9525">
                   <a:solidFill>
                     <a:srgbClr val="000000"/>
                   </a:solidFill>
@@ -18851,7 +18892,7 @@
             </a:ln>
             <a:extLst>
               <a:ext uri="{91240B29-F687-4f45-9708-019B960494DF}">
-                <a14:hiddenLine xmlns="" xmlns:a14="http://schemas.microsoft.com/office/drawing/2010/main" xmlns:p14="http://schemas.microsoft.com/office/powerpoint/2010/main" xmlns:a16="http://schemas.microsoft.com/office/drawing/2014/main" w="9525">
+                <a14:hiddenLine xmlns:a16="http://schemas.microsoft.com/office/drawing/2014/main" xmlns:p14="http://schemas.microsoft.com/office/powerpoint/2010/main" xmlns:a14="http://schemas.microsoft.com/office/drawing/2010/main" xmlns="" w="9525">
                   <a:solidFill>
                     <a:srgbClr val="000000"/>
                   </a:solidFill>
@@ -18956,7 +18997,7 @@
             </a:ln>
             <a:extLst>
               <a:ext uri="{91240B29-F687-4f45-9708-019B960494DF}">
-                <a14:hiddenLine xmlns="" xmlns:a14="http://schemas.microsoft.com/office/drawing/2010/main" xmlns:p14="http://schemas.microsoft.com/office/powerpoint/2010/main" xmlns:a16="http://schemas.microsoft.com/office/drawing/2014/main" w="9525">
+                <a14:hiddenLine xmlns:a16="http://schemas.microsoft.com/office/drawing/2014/main" xmlns:p14="http://schemas.microsoft.com/office/powerpoint/2010/main" xmlns:a14="http://schemas.microsoft.com/office/drawing/2010/main" xmlns="" w="9525">
                   <a:solidFill>
                     <a:srgbClr val="000000"/>
                   </a:solidFill>
@@ -19033,7 +19074,7 @@
             </a:ln>
             <a:extLst>
               <a:ext uri="{91240B29-F687-4f45-9708-019B960494DF}">
-                <a14:hiddenLine xmlns="" xmlns:a14="http://schemas.microsoft.com/office/drawing/2010/main" xmlns:p14="http://schemas.microsoft.com/office/powerpoint/2010/main" xmlns:a16="http://schemas.microsoft.com/office/drawing/2014/main" w="9525">
+                <a14:hiddenLine xmlns:a16="http://schemas.microsoft.com/office/drawing/2014/main" xmlns:p14="http://schemas.microsoft.com/office/powerpoint/2010/main" xmlns:a14="http://schemas.microsoft.com/office/drawing/2010/main" xmlns="" w="9525">
                   <a:solidFill>
                     <a:srgbClr val="000000"/>
                   </a:solidFill>
@@ -19138,7 +19179,7 @@
             </a:ln>
             <a:extLst>
               <a:ext uri="{91240B29-F687-4f45-9708-019B960494DF}">
-                <a14:hiddenLine xmlns="" xmlns:a14="http://schemas.microsoft.com/office/drawing/2010/main" xmlns:p14="http://schemas.microsoft.com/office/powerpoint/2010/main" xmlns:a16="http://schemas.microsoft.com/office/drawing/2014/main" w="9525">
+                <a14:hiddenLine xmlns:a16="http://schemas.microsoft.com/office/drawing/2014/main" xmlns:p14="http://schemas.microsoft.com/office/powerpoint/2010/main" xmlns:a14="http://schemas.microsoft.com/office/drawing/2010/main" xmlns="" w="9525">
                   <a:solidFill>
                     <a:srgbClr val="000000"/>
                   </a:solidFill>
@@ -19215,7 +19256,7 @@
             </a:ln>
             <a:extLst>
               <a:ext uri="{91240B29-F687-4f45-9708-019B960494DF}">
-                <a14:hiddenLine xmlns="" xmlns:a14="http://schemas.microsoft.com/office/drawing/2010/main" xmlns:p14="http://schemas.microsoft.com/office/powerpoint/2010/main" xmlns:a16="http://schemas.microsoft.com/office/drawing/2014/main" w="9525">
+                <a14:hiddenLine xmlns:a16="http://schemas.microsoft.com/office/drawing/2014/main" xmlns:p14="http://schemas.microsoft.com/office/powerpoint/2010/main" xmlns:a14="http://schemas.microsoft.com/office/drawing/2010/main" xmlns="" w="9525">
                   <a:solidFill>
                     <a:srgbClr val="000000"/>
                   </a:solidFill>
@@ -19292,7 +19333,7 @@
             </a:ln>
             <a:extLst>
               <a:ext uri="{91240B29-F687-4f45-9708-019B960494DF}">
-                <a14:hiddenLine xmlns="" xmlns:a14="http://schemas.microsoft.com/office/drawing/2010/main" xmlns:p14="http://schemas.microsoft.com/office/powerpoint/2010/main" xmlns:a16="http://schemas.microsoft.com/office/drawing/2014/main" w="9525">
+                <a14:hiddenLine xmlns:a16="http://schemas.microsoft.com/office/drawing/2014/main" xmlns:p14="http://schemas.microsoft.com/office/powerpoint/2010/main" xmlns:a14="http://schemas.microsoft.com/office/drawing/2010/main" xmlns="" w="9525">
                   <a:solidFill>
                     <a:srgbClr val="000000"/>
                   </a:solidFill>
@@ -19397,7 +19438,7 @@
             </a:ln>
             <a:extLst>
               <a:ext uri="{91240B29-F687-4f45-9708-019B960494DF}">
-                <a14:hiddenLine xmlns="" xmlns:a14="http://schemas.microsoft.com/office/drawing/2010/main" xmlns:p14="http://schemas.microsoft.com/office/powerpoint/2010/main" xmlns:a16="http://schemas.microsoft.com/office/drawing/2014/main" w="9525">
+                <a14:hiddenLine xmlns:a16="http://schemas.microsoft.com/office/drawing/2014/main" xmlns:p14="http://schemas.microsoft.com/office/powerpoint/2010/main" xmlns:a14="http://schemas.microsoft.com/office/drawing/2010/main" xmlns="" w="9525">
                   <a:solidFill>
                     <a:srgbClr val="000000"/>
                   </a:solidFill>
@@ -19502,7 +19543,7 @@
             </a:ln>
             <a:extLst>
               <a:ext uri="{91240B29-F687-4f45-9708-019B960494DF}">
-                <a14:hiddenLine xmlns="" xmlns:a14="http://schemas.microsoft.com/office/drawing/2010/main" xmlns:p14="http://schemas.microsoft.com/office/powerpoint/2010/main" xmlns:a16="http://schemas.microsoft.com/office/drawing/2014/main" w="9525">
+                <a14:hiddenLine xmlns:a16="http://schemas.microsoft.com/office/drawing/2014/main" xmlns:p14="http://schemas.microsoft.com/office/powerpoint/2010/main" xmlns:a14="http://schemas.microsoft.com/office/drawing/2010/main" xmlns="" w="9525">
                   <a:solidFill>
                     <a:srgbClr val="000000"/>
                   </a:solidFill>
@@ -19579,7 +19620,7 @@
             </a:ln>
             <a:extLst>
               <a:ext uri="{91240B29-F687-4f45-9708-019B960494DF}">
-                <a14:hiddenLine xmlns="" xmlns:a14="http://schemas.microsoft.com/office/drawing/2010/main" xmlns:p14="http://schemas.microsoft.com/office/powerpoint/2010/main" xmlns:a16="http://schemas.microsoft.com/office/drawing/2014/main" w="9525">
+                <a14:hiddenLine xmlns:a16="http://schemas.microsoft.com/office/drawing/2014/main" xmlns:p14="http://schemas.microsoft.com/office/powerpoint/2010/main" xmlns:a14="http://schemas.microsoft.com/office/drawing/2010/main" xmlns="" w="9525">
                   <a:solidFill>
                     <a:srgbClr val="000000"/>
                   </a:solidFill>
@@ -19704,7 +19745,7 @@
             </a:ln>
             <a:extLst>
               <a:ext uri="{91240B29-F687-4f45-9708-019B960494DF}">
-                <a14:hiddenLine xmlns="" xmlns:a14="http://schemas.microsoft.com/office/drawing/2010/main" xmlns:p14="http://schemas.microsoft.com/office/powerpoint/2010/main" xmlns:a16="http://schemas.microsoft.com/office/drawing/2014/main" w="9525">
+                <a14:hiddenLine xmlns:a16="http://schemas.microsoft.com/office/drawing/2014/main" xmlns:p14="http://schemas.microsoft.com/office/powerpoint/2010/main" xmlns:a14="http://schemas.microsoft.com/office/drawing/2010/main" xmlns="" w="9525">
                   <a:solidFill>
                     <a:srgbClr val="000000"/>
                   </a:solidFill>
@@ -19818,7 +19859,7 @@
             </a:ln>
             <a:extLst>
               <a:ext uri="{91240B29-F687-4f45-9708-019B960494DF}">
-                <a14:hiddenLine xmlns="" xmlns:a14="http://schemas.microsoft.com/office/drawing/2010/main" xmlns:p14="http://schemas.microsoft.com/office/powerpoint/2010/main" xmlns:a16="http://schemas.microsoft.com/office/drawing/2014/main" w="9525">
+                <a14:hiddenLine xmlns:a16="http://schemas.microsoft.com/office/drawing/2014/main" xmlns:p14="http://schemas.microsoft.com/office/powerpoint/2010/main" xmlns:a14="http://schemas.microsoft.com/office/drawing/2010/main" xmlns="" w="9525">
                   <a:solidFill>
                     <a:srgbClr val="000000"/>
                   </a:solidFill>
@@ -19895,7 +19936,7 @@
             </a:ln>
             <a:extLst>
               <a:ext uri="{91240B29-F687-4f45-9708-019B960494DF}">
-                <a14:hiddenLine xmlns="" xmlns:a14="http://schemas.microsoft.com/office/drawing/2010/main" xmlns:p14="http://schemas.microsoft.com/office/powerpoint/2010/main" xmlns:a16="http://schemas.microsoft.com/office/drawing/2014/main" w="9525">
+                <a14:hiddenLine xmlns:a16="http://schemas.microsoft.com/office/drawing/2014/main" xmlns:p14="http://schemas.microsoft.com/office/powerpoint/2010/main" xmlns:a14="http://schemas.microsoft.com/office/drawing/2010/main" xmlns="" w="9525">
                   <a:solidFill>
                     <a:srgbClr val="000000"/>
                   </a:solidFill>
@@ -19972,7 +20013,7 @@
             </a:ln>
             <a:extLst>
               <a:ext uri="{91240B29-F687-4f45-9708-019B960494DF}">
-                <a14:hiddenLine xmlns="" xmlns:a14="http://schemas.microsoft.com/office/drawing/2010/main" xmlns:p14="http://schemas.microsoft.com/office/powerpoint/2010/main" xmlns:a16="http://schemas.microsoft.com/office/drawing/2014/main" w="9525">
+                <a14:hiddenLine xmlns:a16="http://schemas.microsoft.com/office/drawing/2014/main" xmlns:p14="http://schemas.microsoft.com/office/powerpoint/2010/main" xmlns:a14="http://schemas.microsoft.com/office/drawing/2010/main" xmlns="" w="9525">
                   <a:solidFill>
                     <a:srgbClr val="000000"/>
                   </a:solidFill>
@@ -20077,7 +20118,7 @@
             </a:ln>
             <a:extLst>
               <a:ext uri="{91240B29-F687-4f45-9708-019B960494DF}">
-                <a14:hiddenLine xmlns="" xmlns:a14="http://schemas.microsoft.com/office/drawing/2010/main" xmlns:p14="http://schemas.microsoft.com/office/powerpoint/2010/main" xmlns:a16="http://schemas.microsoft.com/office/drawing/2014/main" w="9525">
+                <a14:hiddenLine xmlns:a16="http://schemas.microsoft.com/office/drawing/2014/main" xmlns:p14="http://schemas.microsoft.com/office/powerpoint/2010/main" xmlns:a14="http://schemas.microsoft.com/office/drawing/2010/main" xmlns="" w="9525">
                   <a:solidFill>
                     <a:srgbClr val="000000"/>
                   </a:solidFill>
@@ -20126,7 +20167,7 @@
             </a:ln>
             <a:extLst>
               <a:ext uri="{91240B29-F687-4f45-9708-019B960494DF}">
-                <a14:hiddenLine xmlns="" xmlns:a14="http://schemas.microsoft.com/office/drawing/2010/main" xmlns:p14="http://schemas.microsoft.com/office/powerpoint/2010/main" xmlns:a16="http://schemas.microsoft.com/office/drawing/2014/main" w="9525">
+                <a14:hiddenLine xmlns:a16="http://schemas.microsoft.com/office/drawing/2014/main" xmlns:p14="http://schemas.microsoft.com/office/powerpoint/2010/main" xmlns:a14="http://schemas.microsoft.com/office/drawing/2010/main" xmlns="" w="9525">
                   <a:solidFill>
                     <a:srgbClr val="000000"/>
                   </a:solidFill>
@@ -20206,7 +20247,7 @@
             </a:ln>
             <a:extLst>
               <a:ext uri="{91240B29-F687-4f45-9708-019B960494DF}">
-                <a14:hiddenLine xmlns="" xmlns:a14="http://schemas.microsoft.com/office/drawing/2010/main" xmlns:p14="http://schemas.microsoft.com/office/powerpoint/2010/main" xmlns:a16="http://schemas.microsoft.com/office/drawing/2014/main" w="9525">
+                <a14:hiddenLine xmlns:a16="http://schemas.microsoft.com/office/drawing/2014/main" xmlns:p14="http://schemas.microsoft.com/office/powerpoint/2010/main" xmlns:a14="http://schemas.microsoft.com/office/drawing/2010/main" xmlns="" w="9525">
                   <a:solidFill>
                     <a:srgbClr val="000000"/>
                   </a:solidFill>
@@ -20311,7 +20352,7 @@
             </a:ln>
             <a:extLst>
               <a:ext uri="{91240B29-F687-4f45-9708-019B960494DF}">
-                <a14:hiddenLine xmlns="" xmlns:a14="http://schemas.microsoft.com/office/drawing/2010/main" xmlns:p14="http://schemas.microsoft.com/office/powerpoint/2010/main" xmlns:a16="http://schemas.microsoft.com/office/drawing/2014/main" w="9525">
+                <a14:hiddenLine xmlns:a16="http://schemas.microsoft.com/office/drawing/2014/main" xmlns:p14="http://schemas.microsoft.com/office/powerpoint/2010/main" xmlns:a14="http://schemas.microsoft.com/office/drawing/2010/main" xmlns="" w="9525">
                   <a:solidFill>
                     <a:srgbClr val="000000"/>
                   </a:solidFill>
@@ -20388,7 +20429,7 @@
             </a:ln>
             <a:extLst>
               <a:ext uri="{91240B29-F687-4f45-9708-019B960494DF}">
-                <a14:hiddenLine xmlns="" xmlns:a14="http://schemas.microsoft.com/office/drawing/2010/main" xmlns:p14="http://schemas.microsoft.com/office/powerpoint/2010/main" xmlns:a16="http://schemas.microsoft.com/office/drawing/2014/main" w="9525">
+                <a14:hiddenLine xmlns:a16="http://schemas.microsoft.com/office/drawing/2014/main" xmlns:p14="http://schemas.microsoft.com/office/powerpoint/2010/main" xmlns:a14="http://schemas.microsoft.com/office/drawing/2010/main" xmlns="" w="9525">
                   <a:solidFill>
                     <a:srgbClr val="000000"/>
                   </a:solidFill>
@@ -20493,7 +20534,7 @@
             </a:ln>
             <a:extLst>
               <a:ext uri="{91240B29-F687-4f45-9708-019B960494DF}">
-                <a14:hiddenLine xmlns="" xmlns:a14="http://schemas.microsoft.com/office/drawing/2010/main" xmlns:p14="http://schemas.microsoft.com/office/powerpoint/2010/main" xmlns:a16="http://schemas.microsoft.com/office/drawing/2014/main" w="9525">
+                <a14:hiddenLine xmlns:a16="http://schemas.microsoft.com/office/drawing/2014/main" xmlns:p14="http://schemas.microsoft.com/office/powerpoint/2010/main" xmlns:a14="http://schemas.microsoft.com/office/drawing/2010/main" xmlns="" w="9525">
                   <a:solidFill>
                     <a:srgbClr val="000000"/>
                   </a:solidFill>
@@ -20573,7 +20614,7 @@
             </a:ln>
             <a:extLst>
               <a:ext uri="{91240B29-F687-4f45-9708-019B960494DF}">
-                <a14:hiddenLine xmlns="" xmlns:a14="http://schemas.microsoft.com/office/drawing/2010/main" xmlns:p14="http://schemas.microsoft.com/office/powerpoint/2010/main" xmlns:a16="http://schemas.microsoft.com/office/drawing/2014/main" w="9525">
+                <a14:hiddenLine xmlns:a16="http://schemas.microsoft.com/office/drawing/2014/main" xmlns:p14="http://schemas.microsoft.com/office/powerpoint/2010/main" xmlns:a14="http://schemas.microsoft.com/office/drawing/2010/main" xmlns="" w="9525">
                   <a:solidFill>
                     <a:srgbClr val="000000"/>
                   </a:solidFill>
@@ -20650,7 +20691,7 @@
             </a:ln>
             <a:extLst>
               <a:ext uri="{91240B29-F687-4f45-9708-019B960494DF}">
-                <a14:hiddenLine xmlns="" xmlns:a14="http://schemas.microsoft.com/office/drawing/2010/main" xmlns:p14="http://schemas.microsoft.com/office/powerpoint/2010/main" xmlns:a16="http://schemas.microsoft.com/office/drawing/2014/main" w="9525">
+                <a14:hiddenLine xmlns:a16="http://schemas.microsoft.com/office/drawing/2014/main" xmlns:p14="http://schemas.microsoft.com/office/powerpoint/2010/main" xmlns:a14="http://schemas.microsoft.com/office/drawing/2010/main" xmlns="" w="9525">
                   <a:solidFill>
                     <a:srgbClr val="000000"/>
                   </a:solidFill>
@@ -20755,7 +20796,7 @@
             </a:ln>
             <a:extLst>
               <a:ext uri="{91240B29-F687-4f45-9708-019B960494DF}">
-                <a14:hiddenLine xmlns="" xmlns:a14="http://schemas.microsoft.com/office/drawing/2010/main" xmlns:p14="http://schemas.microsoft.com/office/powerpoint/2010/main" xmlns:a16="http://schemas.microsoft.com/office/drawing/2014/main" w="9525">
+                <a14:hiddenLine xmlns:a16="http://schemas.microsoft.com/office/drawing/2014/main" xmlns:p14="http://schemas.microsoft.com/office/powerpoint/2010/main" xmlns:a14="http://schemas.microsoft.com/office/drawing/2010/main" xmlns="" w="9525">
                   <a:solidFill>
                     <a:srgbClr val="000000"/>
                   </a:solidFill>
@@ -20860,7 +20901,7 @@
             </a:ln>
             <a:extLst>
               <a:ext uri="{91240B29-F687-4f45-9708-019B960494DF}">
-                <a14:hiddenLine xmlns="" xmlns:a14="http://schemas.microsoft.com/office/drawing/2010/main" xmlns:p14="http://schemas.microsoft.com/office/powerpoint/2010/main" xmlns:a16="http://schemas.microsoft.com/office/drawing/2014/main" w="9525">
+                <a14:hiddenLine xmlns:a16="http://schemas.microsoft.com/office/drawing/2014/main" xmlns:p14="http://schemas.microsoft.com/office/powerpoint/2010/main" xmlns:a14="http://schemas.microsoft.com/office/drawing/2010/main" xmlns="" w="9525">
                   <a:solidFill>
                     <a:srgbClr val="000000"/>
                   </a:solidFill>
@@ -20940,7 +20981,7 @@
             </a:ln>
             <a:extLst>
               <a:ext uri="{91240B29-F687-4f45-9708-019B960494DF}">
-                <a14:hiddenLine xmlns="" xmlns:a14="http://schemas.microsoft.com/office/drawing/2010/main" xmlns:p14="http://schemas.microsoft.com/office/powerpoint/2010/main" xmlns:a16="http://schemas.microsoft.com/office/drawing/2014/main" w="9525">
+                <a14:hiddenLine xmlns:a16="http://schemas.microsoft.com/office/drawing/2014/main" xmlns:p14="http://schemas.microsoft.com/office/powerpoint/2010/main" xmlns:a14="http://schemas.microsoft.com/office/drawing/2010/main" xmlns="" w="9525">
                   <a:solidFill>
                     <a:srgbClr val="000000"/>
                   </a:solidFill>
@@ -21075,7 +21116,7 @@
             </a:ln>
             <a:extLst>
               <a:ext uri="{91240B29-F687-4f45-9708-019B960494DF}">
-                <a14:hiddenLine xmlns="" xmlns:a14="http://schemas.microsoft.com/office/drawing/2010/main" xmlns:p14="http://schemas.microsoft.com/office/powerpoint/2010/main" xmlns:a16="http://schemas.microsoft.com/office/drawing/2014/main" w="9525">
+                <a14:hiddenLine xmlns:a16="http://schemas.microsoft.com/office/drawing/2014/main" xmlns:p14="http://schemas.microsoft.com/office/powerpoint/2010/main" xmlns:a14="http://schemas.microsoft.com/office/drawing/2010/main" xmlns="" w="9525">
                   <a:solidFill>
                     <a:srgbClr val="000000"/>
                   </a:solidFill>
@@ -21342,7 +21383,7 @@
             </a:ln>
             <a:extLst>
               <a:ext uri="{91240B29-F687-4f45-9708-019B960494DF}">
-                <a14:hiddenLine xmlns="" xmlns:a14="http://schemas.microsoft.com/office/drawing/2010/main" xmlns:p14="http://schemas.microsoft.com/office/powerpoint/2010/main" xmlns:a16="http://schemas.microsoft.com/office/drawing/2014/main" w="9525">
+                <a14:hiddenLine xmlns:a16="http://schemas.microsoft.com/office/drawing/2014/main" xmlns:p14="http://schemas.microsoft.com/office/powerpoint/2010/main" xmlns:a14="http://schemas.microsoft.com/office/drawing/2010/main" xmlns="" w="9525">
                   <a:solidFill>
                     <a:srgbClr val="000000"/>
                   </a:solidFill>
@@ -21472,7 +21513,7 @@
             </a:ln>
             <a:extLst>
               <a:ext uri="{91240B29-F687-4f45-9708-019B960494DF}">
-                <a14:hiddenLine xmlns="" xmlns:a14="http://schemas.microsoft.com/office/drawing/2010/main" xmlns:p14="http://schemas.microsoft.com/office/powerpoint/2010/main" xmlns:a16="http://schemas.microsoft.com/office/drawing/2014/main" w="9525">
+                <a14:hiddenLine xmlns:a16="http://schemas.microsoft.com/office/drawing/2014/main" xmlns:p14="http://schemas.microsoft.com/office/powerpoint/2010/main" xmlns:a14="http://schemas.microsoft.com/office/drawing/2010/main" xmlns="" w="9525">
                   <a:solidFill>
                     <a:srgbClr val="000000"/>
                   </a:solidFill>
@@ -21577,7 +21618,7 @@
             </a:ln>
             <a:extLst>
               <a:ext uri="{91240B29-F687-4f45-9708-019B960494DF}">
-                <a14:hiddenLine xmlns="" xmlns:a14="http://schemas.microsoft.com/office/drawing/2010/main" xmlns:p14="http://schemas.microsoft.com/office/powerpoint/2010/main" xmlns:a16="http://schemas.microsoft.com/office/drawing/2014/main" w="9525">
+                <a14:hiddenLine xmlns:a16="http://schemas.microsoft.com/office/drawing/2014/main" xmlns:p14="http://schemas.microsoft.com/office/powerpoint/2010/main" xmlns:a14="http://schemas.microsoft.com/office/drawing/2010/main" xmlns="" w="9525">
                   <a:solidFill>
                     <a:srgbClr val="000000"/>
                   </a:solidFill>
@@ -21657,7 +21698,7 @@
             </a:ln>
             <a:extLst>
               <a:ext uri="{91240B29-F687-4f45-9708-019B960494DF}">
-                <a14:hiddenLine xmlns="" xmlns:a14="http://schemas.microsoft.com/office/drawing/2010/main" xmlns:p14="http://schemas.microsoft.com/office/powerpoint/2010/main" xmlns:a16="http://schemas.microsoft.com/office/drawing/2014/main" w="9525">
+                <a14:hiddenLine xmlns:a16="http://schemas.microsoft.com/office/drawing/2014/main" xmlns:p14="http://schemas.microsoft.com/office/powerpoint/2010/main" xmlns:a14="http://schemas.microsoft.com/office/drawing/2010/main" xmlns="" w="9525">
                   <a:solidFill>
                     <a:srgbClr val="000000"/>
                   </a:solidFill>
@@ -21762,7 +21803,7 @@
             </a:ln>
             <a:extLst>
               <a:ext uri="{91240B29-F687-4f45-9708-019B960494DF}">
-                <a14:hiddenLine xmlns="" xmlns:a14="http://schemas.microsoft.com/office/drawing/2010/main" xmlns:p14="http://schemas.microsoft.com/office/powerpoint/2010/main" xmlns:a16="http://schemas.microsoft.com/office/drawing/2014/main" w="9525">
+                <a14:hiddenLine xmlns:a16="http://schemas.microsoft.com/office/drawing/2014/main" xmlns:p14="http://schemas.microsoft.com/office/powerpoint/2010/main" xmlns:a14="http://schemas.microsoft.com/office/drawing/2010/main" xmlns="" w="9525">
                   <a:solidFill>
                     <a:srgbClr val="000000"/>
                   </a:solidFill>
@@ -21845,7 +21886,7 @@
             </a:ln>
             <a:extLst>
               <a:ext uri="{91240B29-F687-4f45-9708-019B960494DF}">
-                <a14:hiddenLine xmlns="" xmlns:a14="http://schemas.microsoft.com/office/drawing/2010/main" xmlns:p14="http://schemas.microsoft.com/office/powerpoint/2010/main" xmlns:a16="http://schemas.microsoft.com/office/drawing/2014/main" w="9525">
+                <a14:hiddenLine xmlns:a16="http://schemas.microsoft.com/office/drawing/2014/main" xmlns:p14="http://schemas.microsoft.com/office/powerpoint/2010/main" xmlns:a14="http://schemas.microsoft.com/office/drawing/2010/main" xmlns="" w="9525">
                   <a:solidFill>
                     <a:srgbClr val="000000"/>
                   </a:solidFill>
@@ -21950,7 +21991,7 @@
             </a:ln>
             <a:extLst>
               <a:ext uri="{91240B29-F687-4f45-9708-019B960494DF}">
-                <a14:hiddenLine xmlns="" xmlns:a14="http://schemas.microsoft.com/office/drawing/2010/main" xmlns:p14="http://schemas.microsoft.com/office/powerpoint/2010/main" xmlns:a16="http://schemas.microsoft.com/office/drawing/2014/main" w="9525">
+                <a14:hiddenLine xmlns:a16="http://schemas.microsoft.com/office/drawing/2014/main" xmlns:p14="http://schemas.microsoft.com/office/powerpoint/2010/main" xmlns:a14="http://schemas.microsoft.com/office/drawing/2010/main" xmlns="" w="9525">
                   <a:solidFill>
                     <a:srgbClr val="000000"/>
                   </a:solidFill>
@@ -22033,7 +22074,7 @@
             </a:ln>
             <a:extLst>
               <a:ext uri="{91240B29-F687-4f45-9708-019B960494DF}">
-                <a14:hiddenLine xmlns="" xmlns:a14="http://schemas.microsoft.com/office/drawing/2010/main" xmlns:p14="http://schemas.microsoft.com/office/powerpoint/2010/main" xmlns:a16="http://schemas.microsoft.com/office/drawing/2014/main" w="9525">
+                <a14:hiddenLine xmlns:a16="http://schemas.microsoft.com/office/drawing/2014/main" xmlns:p14="http://schemas.microsoft.com/office/powerpoint/2010/main" xmlns:a14="http://schemas.microsoft.com/office/drawing/2010/main" xmlns="" w="9525">
                   <a:solidFill>
                     <a:srgbClr val="000000"/>
                   </a:solidFill>
@@ -22138,7 +22179,7 @@
             </a:ln>
             <a:extLst>
               <a:ext uri="{91240B29-F687-4f45-9708-019B960494DF}">
-                <a14:hiddenLine xmlns="" xmlns:a14="http://schemas.microsoft.com/office/drawing/2010/main" xmlns:p14="http://schemas.microsoft.com/office/powerpoint/2010/main" xmlns:a16="http://schemas.microsoft.com/office/drawing/2014/main" w="9525">
+                <a14:hiddenLine xmlns:a16="http://schemas.microsoft.com/office/drawing/2014/main" xmlns:p14="http://schemas.microsoft.com/office/powerpoint/2010/main" xmlns:a14="http://schemas.microsoft.com/office/drawing/2010/main" xmlns="" w="9525">
                   <a:solidFill>
                     <a:srgbClr val="000000"/>
                   </a:solidFill>
@@ -22187,7 +22228,7 @@
             </a:ln>
             <a:extLst>
               <a:ext uri="{91240B29-F687-4f45-9708-019B960494DF}">
-                <a14:hiddenLine xmlns="" xmlns:a14="http://schemas.microsoft.com/office/drawing/2010/main" xmlns:p14="http://schemas.microsoft.com/office/powerpoint/2010/main" xmlns:a16="http://schemas.microsoft.com/office/drawing/2014/main" w="9525">
+                <a14:hiddenLine xmlns:a16="http://schemas.microsoft.com/office/drawing/2014/main" xmlns:p14="http://schemas.microsoft.com/office/powerpoint/2010/main" xmlns:a14="http://schemas.microsoft.com/office/drawing/2010/main" xmlns="" w="9525">
                   <a:solidFill>
                     <a:srgbClr val="000000"/>
                   </a:solidFill>
@@ -22512,6 +22553,3582 @@
       </p:grpSpPr>
       <p:sp useBgFill="1">
         <p:nvSpPr>
+          <p:cNvPr id="88" name="Rectangle 55">
+            <a:extLst>
+              <a:ext uri="{FF2B5EF4-FFF2-40B4-BE49-F238E27FC236}">
+                <a16:creationId xmlns:a16="http://schemas.microsoft.com/office/drawing/2014/main" id="{E9B448F0-DA06-4165-AB5F-4330A20E06D0}"/>
+              </a:ext>
+              <a:ext uri="{C183D7F6-B498-43B3-948B-1728B52AA6E4}">
+                <adec:decorative xmlns:adec="http://schemas.microsoft.com/office/drawing/2017/decorative" val="1"/>
+              </a:ext>
+            </a:extLst>
+          </p:cNvPr>
+          <p:cNvSpPr>
+            <a:spLocks noGrp="1" noRot="1" noChangeAspect="1" noMove="1" noResize="1" noEditPoints="1" noAdjustHandles="1" noChangeArrowheads="1" noChangeShapeType="1" noTextEdit="1"/>
+          </p:cNvSpPr>
+          <p:nvPr>
+            <p:extLst>
+              <p:ext uri="{386F3935-93C4-4BCD-93E2-E3B085C9AB24}">
+                <p16:designElem xmlns:p16="http://schemas.microsoft.com/office/powerpoint/2015/main" val="1"/>
+              </p:ext>
+            </p:extLst>
+          </p:nvPr>
+        </p:nvSpPr>
+        <p:spPr>
+          <a:xfrm>
+            <a:off x="1" y="-1"/>
+            <a:ext cx="12192000" cy="6858000"/>
+          </a:xfrm>
+          <a:prstGeom prst="rect">
+            <a:avLst/>
+          </a:prstGeom>
+          <a:ln>
+            <a:noFill/>
+          </a:ln>
+        </p:spPr>
+        <p:style>
+          <a:lnRef idx="2">
+            <a:schemeClr val="accent1">
+              <a:shade val="50000"/>
+            </a:schemeClr>
+          </a:lnRef>
+          <a:fillRef idx="1">
+            <a:schemeClr val="accent1"/>
+          </a:fillRef>
+          <a:effectRef idx="0">
+            <a:schemeClr val="accent1"/>
+          </a:effectRef>
+          <a:fontRef idx="minor">
+            <a:schemeClr val="lt1"/>
+          </a:fontRef>
+        </p:style>
+        <p:txBody>
+          <a:bodyPr rtlCol="0" anchor="ctr"/>
+          <a:lstStyle/>
+          <a:p>
+            <a:pPr algn="ctr"/>
+            <a:endParaRPr lang="en-US"/>
+          </a:p>
+        </p:txBody>
+      </p:sp>
+      <p:pic>
+        <p:nvPicPr>
+          <p:cNvPr id="100" name="Picture 2">
+            <a:extLst>
+              <a:ext uri="{FF2B5EF4-FFF2-40B4-BE49-F238E27FC236}">
+                <a16:creationId xmlns:a16="http://schemas.microsoft.com/office/drawing/2014/main" id="{92D83638-A467-411A-9C31-FE9A111CD885}"/>
+              </a:ext>
+              <a:ext uri="{C183D7F6-B498-43B3-948B-1728B52AA6E4}">
+                <adec:decorative xmlns:adec="http://schemas.microsoft.com/office/drawing/2017/decorative" val="1"/>
+              </a:ext>
+            </a:extLst>
+          </p:cNvPr>
+          <p:cNvPicPr>
+            <a:picLocks noGrp="1" noRot="1" noChangeAspect="1" noMove="1" noResize="1" noEditPoints="1" noAdjustHandles="1" noChangeArrowheads="1" noChangeShapeType="1" noCrop="1"/>
+          </p:cNvPicPr>
+          <p:nvPr>
+            <p:extLst>
+              <p:ext uri="{386F3935-93C4-4BCD-93E2-E3B085C9AB24}">
+                <p16:designElem xmlns:p16="http://schemas.microsoft.com/office/powerpoint/2015/main" val="1"/>
+              </p:ext>
+            </p:extLst>
+          </p:nvPr>
+        </p:nvPicPr>
+        <p:blipFill>
+          <a:blip r:embed="rId2">
+            <a:alphaModFix amt="30000"/>
+            <a:duotone>
+              <a:prstClr val="black"/>
+              <a:schemeClr val="tx2">
+                <a:tint val="45000"/>
+                <a:satMod val="400000"/>
+              </a:schemeClr>
+            </a:duotone>
+            <a:extLst>
+              <a:ext uri="{28A0092B-C50C-407E-A947-70E740481C1C}">
+                <a14:useLocalDpi xmlns:a14="http://schemas.microsoft.com/office/drawing/2010/main" val="0"/>
+              </a:ext>
+            </a:extLst>
+          </a:blip>
+          <a:srcRect/>
+          <a:stretch>
+            <a:fillRect/>
+          </a:stretch>
+        </p:blipFill>
+        <p:spPr bwMode="auto">
+          <a:xfrm>
+            <a:off x="0" y="0"/>
+            <a:ext cx="12192003" cy="6858001"/>
+          </a:xfrm>
+          <a:prstGeom prst="rect">
+            <a:avLst/>
+          </a:prstGeom>
+          <a:noFill/>
+          <a:extLst>
+            <a:ext uri="{909E8E84-426E-40dd-AFC4-6F175D3DCCD1}">
+              <a14:hiddenFill xmlns:a16="http://schemas.microsoft.com/office/drawing/2014/main" xmlns:p14="http://schemas.microsoft.com/office/powerpoint/2010/main" xmlns:a14="http://schemas.microsoft.com/office/drawing/2010/main" xmlns="">
+                <a:solidFill>
+                  <a:srgbClr val="FFFFFF"/>
+                </a:solidFill>
+              </a14:hiddenFill>
+            </a:ext>
+          </a:extLst>
+        </p:spPr>
+      </p:pic>
+      <p:grpSp>
+        <p:nvGrpSpPr>
+          <p:cNvPr id="101" name="Group 59">
+            <a:extLst>
+              <a:ext uri="{FF2B5EF4-FFF2-40B4-BE49-F238E27FC236}">
+                <a16:creationId xmlns:a16="http://schemas.microsoft.com/office/drawing/2014/main" id="{2576BCDF-119F-4EB5-83D7-ED823C93EBBD}"/>
+              </a:ext>
+              <a:ext uri="{C183D7F6-B498-43B3-948B-1728B52AA6E4}">
+                <adec:decorative xmlns:adec="http://schemas.microsoft.com/office/drawing/2017/decorative" val="1"/>
+              </a:ext>
+            </a:extLst>
+          </p:cNvPr>
+          <p:cNvGrpSpPr>
+            <a:grpSpLocks noGrp="1" noUngrp="1" noRot="1" noChangeAspect="1" noMove="1" noResize="1"/>
+          </p:cNvGrpSpPr>
+          <p:nvPr>
+            <p:extLst>
+              <p:ext uri="{386F3935-93C4-4BCD-93E2-E3B085C9AB24}">
+                <p16:designElem xmlns:p16="http://schemas.microsoft.com/office/powerpoint/2015/main" val="1"/>
+              </p:ext>
+            </p:extLst>
+          </p:nvPr>
+        </p:nvGrpSpPr>
+        <p:grpSpPr>
+          <a:xfrm>
+            <a:off x="0" y="0"/>
+            <a:ext cx="1220788" cy="6858001"/>
+            <a:chOff x="-14288" y="0"/>
+            <a:chExt cx="1220788" cy="6858001"/>
+          </a:xfrm>
+          <a:solidFill>
+            <a:schemeClr val="tx2">
+              <a:alpha val="45000"/>
+            </a:schemeClr>
+          </a:solidFill>
+        </p:grpSpPr>
+        <p:sp>
+          <p:nvSpPr>
+            <p:cNvPr id="61" name="Rectangle 5">
+              <a:extLst>
+                <a:ext uri="{FF2B5EF4-FFF2-40B4-BE49-F238E27FC236}">
+                  <a16:creationId xmlns:a16="http://schemas.microsoft.com/office/drawing/2014/main" id="{43D63E8F-FD8A-4CE3-B7C9-3E9E2B66B5FD}"/>
+                </a:ext>
+                <a:ext uri="{C183D7F6-B498-43B3-948B-1728B52AA6E4}">
+                  <adec:decorative xmlns:adec="http://schemas.microsoft.com/office/drawing/2017/decorative" val="1"/>
+                </a:ext>
+              </a:extLst>
+            </p:cNvPr>
+            <p:cNvSpPr>
+              <a:spLocks noChangeArrowheads="1"/>
+            </p:cNvSpPr>
+            <p:nvPr>
+              <p:extLst>
+                <p:ext uri="{386F3935-93C4-4BCD-93E2-E3B085C9AB24}">
+                  <p16:designElem xmlns:p16="http://schemas.microsoft.com/office/powerpoint/2015/main" val="1"/>
+                </p:ext>
+              </p:extLst>
+            </p:nvPr>
+          </p:nvSpPr>
+          <p:spPr bwMode="auto">
+            <a:xfrm>
+              <a:off x="114300" y="4763"/>
+              <a:ext cx="23813" cy="2181225"/>
+            </a:xfrm>
+            <a:prstGeom prst="rect">
+              <a:avLst/>
+            </a:prstGeom>
+            <a:grpFill/>
+            <a:ln>
+              <a:noFill/>
+            </a:ln>
+            <a:extLst>
+              <a:ext uri="{91240B29-F687-4f45-9708-019B960494DF}">
+                <a14:hiddenLine xmlns:a16="http://schemas.microsoft.com/office/drawing/2014/main" xmlns:p14="http://schemas.microsoft.com/office/powerpoint/2010/main" xmlns:a14="http://schemas.microsoft.com/office/drawing/2010/main" xmlns="" w="9525">
+                  <a:solidFill>
+                    <a:srgbClr val="000000"/>
+                  </a:solidFill>
+                  <a:miter lim="800000"/>
+                  <a:headEnd/>
+                  <a:tailEnd/>
+                </a14:hiddenLine>
+              </a:ext>
+            </a:extLst>
+          </p:spPr>
+        </p:sp>
+        <p:sp>
+          <p:nvSpPr>
+            <p:cNvPr id="62" name="Freeform 6">
+              <a:extLst>
+                <a:ext uri="{FF2B5EF4-FFF2-40B4-BE49-F238E27FC236}">
+                  <a16:creationId xmlns:a16="http://schemas.microsoft.com/office/drawing/2014/main" id="{D107D890-1831-46D8-90FB-F2FC0B28841D}"/>
+                </a:ext>
+                <a:ext uri="{C183D7F6-B498-43B3-948B-1728B52AA6E4}">
+                  <adec:decorative xmlns:adec="http://schemas.microsoft.com/office/drawing/2017/decorative" val="1"/>
+                </a:ext>
+              </a:extLst>
+            </p:cNvPr>
+            <p:cNvSpPr>
+              <a:spLocks noEditPoints="1"/>
+            </p:cNvSpPr>
+            <p:nvPr>
+              <p:extLst>
+                <p:ext uri="{386F3935-93C4-4BCD-93E2-E3B085C9AB24}">
+                  <p16:designElem xmlns:p16="http://schemas.microsoft.com/office/powerpoint/2015/main" val="1"/>
+                </p:ext>
+              </p:extLst>
+            </p:nvPr>
+          </p:nvSpPr>
+          <p:spPr bwMode="auto">
+            <a:xfrm>
+              <a:off x="33337" y="2176463"/>
+              <a:ext cx="190500" cy="190500"/>
+            </a:xfrm>
+            <a:custGeom>
+              <a:avLst/>
+              <a:gdLst/>
+              <a:ahLst/>
+              <a:cxnLst/>
+              <a:rect l="0" t="0" r="r" b="b"/>
+              <a:pathLst>
+                <a:path w="40" h="40">
+                  <a:moveTo>
+                    <a:pt x="20" y="40"/>
+                  </a:moveTo>
+                  <a:cubicBezTo>
+                    <a:pt x="9" y="40"/>
+                    <a:pt x="0" y="31"/>
+                    <a:pt x="0" y="20"/>
+                  </a:cubicBezTo>
+                  <a:cubicBezTo>
+                    <a:pt x="0" y="9"/>
+                    <a:pt x="9" y="0"/>
+                    <a:pt x="20" y="0"/>
+                  </a:cubicBezTo>
+                  <a:cubicBezTo>
+                    <a:pt x="31" y="0"/>
+                    <a:pt x="40" y="9"/>
+                    <a:pt x="40" y="20"/>
+                  </a:cubicBezTo>
+                  <a:cubicBezTo>
+                    <a:pt x="40" y="31"/>
+                    <a:pt x="31" y="40"/>
+                    <a:pt x="20" y="40"/>
+                  </a:cubicBezTo>
+                  <a:close/>
+                  <a:moveTo>
+                    <a:pt x="20" y="4"/>
+                  </a:moveTo>
+                  <a:cubicBezTo>
+                    <a:pt x="11" y="4"/>
+                    <a:pt x="4" y="11"/>
+                    <a:pt x="4" y="20"/>
+                  </a:cubicBezTo>
+                  <a:cubicBezTo>
+                    <a:pt x="4" y="29"/>
+                    <a:pt x="11" y="36"/>
+                    <a:pt x="20" y="36"/>
+                  </a:cubicBezTo>
+                  <a:cubicBezTo>
+                    <a:pt x="28" y="36"/>
+                    <a:pt x="36" y="29"/>
+                    <a:pt x="36" y="20"/>
+                  </a:cubicBezTo>
+                  <a:cubicBezTo>
+                    <a:pt x="36" y="11"/>
+                    <a:pt x="28" y="4"/>
+                    <a:pt x="20" y="4"/>
+                  </a:cubicBezTo>
+                  <a:close/>
+                </a:path>
+              </a:pathLst>
+            </a:custGeom>
+            <a:grpFill/>
+            <a:ln>
+              <a:noFill/>
+            </a:ln>
+            <a:extLst>
+              <a:ext uri="{91240B29-F687-4f45-9708-019B960494DF}">
+                <a14:hiddenLine xmlns:a16="http://schemas.microsoft.com/office/drawing/2014/main" xmlns:p14="http://schemas.microsoft.com/office/powerpoint/2010/main" xmlns:a14="http://schemas.microsoft.com/office/drawing/2010/main" xmlns="" w="9525">
+                  <a:solidFill>
+                    <a:srgbClr val="000000"/>
+                  </a:solidFill>
+                  <a:round/>
+                  <a:headEnd/>
+                  <a:tailEnd/>
+                </a14:hiddenLine>
+              </a:ext>
+            </a:extLst>
+          </p:spPr>
+        </p:sp>
+        <p:sp>
+          <p:nvSpPr>
+            <p:cNvPr id="63" name="Freeform 7">
+              <a:extLst>
+                <a:ext uri="{FF2B5EF4-FFF2-40B4-BE49-F238E27FC236}">
+                  <a16:creationId xmlns:a16="http://schemas.microsoft.com/office/drawing/2014/main" id="{02440904-A4EC-4F72-8E22-AAF4D9DB5C1B}"/>
+                </a:ext>
+                <a:ext uri="{C183D7F6-B498-43B3-948B-1728B52AA6E4}">
+                  <adec:decorative xmlns:adec="http://schemas.microsoft.com/office/drawing/2017/decorative" val="1"/>
+                </a:ext>
+              </a:extLst>
+            </p:cNvPr>
+            <p:cNvSpPr>
+              <a:spLocks noEditPoints="1"/>
+            </p:cNvSpPr>
+            <p:nvPr>
+              <p:extLst>
+                <p:ext uri="{386F3935-93C4-4BCD-93E2-E3B085C9AB24}">
+                  <p16:designElem xmlns:p16="http://schemas.microsoft.com/office/powerpoint/2015/main" val="1"/>
+                </p:ext>
+              </p:extLst>
+            </p:nvPr>
+          </p:nvSpPr>
+          <p:spPr bwMode="auto">
+            <a:xfrm>
+              <a:off x="28575" y="4021138"/>
+              <a:ext cx="190500" cy="188913"/>
+            </a:xfrm>
+            <a:custGeom>
+              <a:avLst/>
+              <a:gdLst/>
+              <a:ahLst/>
+              <a:cxnLst/>
+              <a:rect l="0" t="0" r="r" b="b"/>
+              <a:pathLst>
+                <a:path w="40" h="40">
+                  <a:moveTo>
+                    <a:pt x="20" y="40"/>
+                  </a:moveTo>
+                  <a:cubicBezTo>
+                    <a:pt x="9" y="40"/>
+                    <a:pt x="0" y="31"/>
+                    <a:pt x="0" y="20"/>
+                  </a:cubicBezTo>
+                  <a:cubicBezTo>
+                    <a:pt x="0" y="9"/>
+                    <a:pt x="9" y="0"/>
+                    <a:pt x="20" y="0"/>
+                  </a:cubicBezTo>
+                  <a:cubicBezTo>
+                    <a:pt x="31" y="0"/>
+                    <a:pt x="40" y="9"/>
+                    <a:pt x="40" y="20"/>
+                  </a:cubicBezTo>
+                  <a:cubicBezTo>
+                    <a:pt x="40" y="31"/>
+                    <a:pt x="31" y="40"/>
+                    <a:pt x="20" y="40"/>
+                  </a:cubicBezTo>
+                  <a:close/>
+                  <a:moveTo>
+                    <a:pt x="20" y="4"/>
+                  </a:moveTo>
+                  <a:cubicBezTo>
+                    <a:pt x="12" y="4"/>
+                    <a:pt x="4" y="11"/>
+                    <a:pt x="4" y="20"/>
+                  </a:cubicBezTo>
+                  <a:cubicBezTo>
+                    <a:pt x="4" y="29"/>
+                    <a:pt x="12" y="36"/>
+                    <a:pt x="20" y="36"/>
+                  </a:cubicBezTo>
+                  <a:cubicBezTo>
+                    <a:pt x="29" y="36"/>
+                    <a:pt x="36" y="29"/>
+                    <a:pt x="36" y="20"/>
+                  </a:cubicBezTo>
+                  <a:cubicBezTo>
+                    <a:pt x="36" y="11"/>
+                    <a:pt x="29" y="4"/>
+                    <a:pt x="20" y="4"/>
+                  </a:cubicBezTo>
+                  <a:close/>
+                </a:path>
+              </a:pathLst>
+            </a:custGeom>
+            <a:grpFill/>
+            <a:ln>
+              <a:noFill/>
+            </a:ln>
+            <a:extLst>
+              <a:ext uri="{91240B29-F687-4f45-9708-019B960494DF}">
+                <a14:hiddenLine xmlns:a16="http://schemas.microsoft.com/office/drawing/2014/main" xmlns:p14="http://schemas.microsoft.com/office/powerpoint/2010/main" xmlns:a14="http://schemas.microsoft.com/office/drawing/2010/main" xmlns="" w="9525">
+                  <a:solidFill>
+                    <a:srgbClr val="000000"/>
+                  </a:solidFill>
+                  <a:round/>
+                  <a:headEnd/>
+                  <a:tailEnd/>
+                </a14:hiddenLine>
+              </a:ext>
+            </a:extLst>
+          </p:spPr>
+        </p:sp>
+        <p:sp>
+          <p:nvSpPr>
+            <p:cNvPr id="64" name="Freeform 8">
+              <a:extLst>
+                <a:ext uri="{FF2B5EF4-FFF2-40B4-BE49-F238E27FC236}">
+                  <a16:creationId xmlns:a16="http://schemas.microsoft.com/office/drawing/2014/main" id="{625E9C1F-1569-416B-A85C-FA143487225D}"/>
+                </a:ext>
+                <a:ext uri="{C183D7F6-B498-43B3-948B-1728B52AA6E4}">
+                  <adec:decorative xmlns:adec="http://schemas.microsoft.com/office/drawing/2017/decorative" val="1"/>
+                </a:ext>
+              </a:extLst>
+            </p:cNvPr>
+            <p:cNvSpPr/>
+            <p:nvPr>
+              <p:extLst>
+                <p:ext uri="{386F3935-93C4-4BCD-93E2-E3B085C9AB24}">
+                  <p16:designElem xmlns:p16="http://schemas.microsoft.com/office/powerpoint/2015/main" val="1"/>
+                </p:ext>
+              </p:extLst>
+            </p:nvPr>
+          </p:nvSpPr>
+          <p:spPr bwMode="auto">
+            <a:xfrm>
+              <a:off x="200025" y="4763"/>
+              <a:ext cx="369888" cy="1811338"/>
+            </a:xfrm>
+            <a:custGeom>
+              <a:avLst/>
+              <a:gdLst/>
+              <a:ahLst/>
+              <a:cxnLst/>
+              <a:rect l="0" t="0" r="r" b="b"/>
+              <a:pathLst>
+                <a:path w="233" h="1141">
+                  <a:moveTo>
+                    <a:pt x="218" y="1141"/>
+                  </a:moveTo>
+                  <a:lnTo>
+                    <a:pt x="0" y="626"/>
+                  </a:lnTo>
+                  <a:lnTo>
+                    <a:pt x="0" y="0"/>
+                  </a:lnTo>
+                  <a:lnTo>
+                    <a:pt x="15" y="0"/>
+                  </a:lnTo>
+                  <a:lnTo>
+                    <a:pt x="15" y="623"/>
+                  </a:lnTo>
+                  <a:lnTo>
+                    <a:pt x="233" y="1135"/>
+                  </a:lnTo>
+                  <a:lnTo>
+                    <a:pt x="218" y="1141"/>
+                  </a:lnTo>
+                  <a:close/>
+                </a:path>
+              </a:pathLst>
+            </a:custGeom>
+            <a:grpFill/>
+            <a:ln>
+              <a:noFill/>
+            </a:ln>
+            <a:extLst>
+              <a:ext uri="{91240B29-F687-4f45-9708-019B960494DF}">
+                <a14:hiddenLine xmlns:a16="http://schemas.microsoft.com/office/drawing/2014/main" xmlns:p14="http://schemas.microsoft.com/office/powerpoint/2010/main" xmlns:a14="http://schemas.microsoft.com/office/drawing/2010/main" xmlns="" w="9525">
+                  <a:solidFill>
+                    <a:srgbClr val="000000"/>
+                  </a:solidFill>
+                  <a:round/>
+                  <a:headEnd/>
+                  <a:tailEnd/>
+                </a14:hiddenLine>
+              </a:ext>
+            </a:extLst>
+          </p:spPr>
+        </p:sp>
+        <p:sp>
+          <p:nvSpPr>
+            <p:cNvPr id="65" name="Freeform 9">
+              <a:extLst>
+                <a:ext uri="{FF2B5EF4-FFF2-40B4-BE49-F238E27FC236}">
+                  <a16:creationId xmlns:a16="http://schemas.microsoft.com/office/drawing/2014/main" id="{3A186C77-43BF-4B1B-8170-48944F305750}"/>
+                </a:ext>
+                <a:ext uri="{C183D7F6-B498-43B3-948B-1728B52AA6E4}">
+                  <adec:decorative xmlns:adec="http://schemas.microsoft.com/office/drawing/2017/decorative" val="1"/>
+                </a:ext>
+              </a:extLst>
+            </p:cNvPr>
+            <p:cNvSpPr>
+              <a:spLocks noEditPoints="1"/>
+            </p:cNvSpPr>
+            <p:nvPr>
+              <p:extLst>
+                <p:ext uri="{386F3935-93C4-4BCD-93E2-E3B085C9AB24}">
+                  <p16:designElem xmlns:p16="http://schemas.microsoft.com/office/powerpoint/2015/main" val="1"/>
+                </p:ext>
+              </p:extLst>
+            </p:nvPr>
+          </p:nvSpPr>
+          <p:spPr bwMode="auto">
+            <a:xfrm>
+              <a:off x="503237" y="1801813"/>
+              <a:ext cx="190500" cy="188913"/>
+            </a:xfrm>
+            <a:custGeom>
+              <a:avLst/>
+              <a:gdLst/>
+              <a:ahLst/>
+              <a:cxnLst/>
+              <a:rect l="0" t="0" r="r" b="b"/>
+              <a:pathLst>
+                <a:path w="40" h="40">
+                  <a:moveTo>
+                    <a:pt x="20" y="40"/>
+                  </a:moveTo>
+                  <a:cubicBezTo>
+                    <a:pt x="9" y="40"/>
+                    <a:pt x="0" y="31"/>
+                    <a:pt x="0" y="20"/>
+                  </a:cubicBezTo>
+                  <a:cubicBezTo>
+                    <a:pt x="0" y="9"/>
+                    <a:pt x="9" y="0"/>
+                    <a:pt x="20" y="0"/>
+                  </a:cubicBezTo>
+                  <a:cubicBezTo>
+                    <a:pt x="33" y="0"/>
+                    <a:pt x="40" y="6"/>
+                    <a:pt x="40" y="20"/>
+                  </a:cubicBezTo>
+                  <a:cubicBezTo>
+                    <a:pt x="40" y="31"/>
+                    <a:pt x="31" y="40"/>
+                    <a:pt x="20" y="40"/>
+                  </a:cubicBezTo>
+                  <a:close/>
+                  <a:moveTo>
+                    <a:pt x="20" y="4"/>
+                  </a:moveTo>
+                  <a:cubicBezTo>
+                    <a:pt x="11" y="4"/>
+                    <a:pt x="4" y="11"/>
+                    <a:pt x="4" y="20"/>
+                  </a:cubicBezTo>
+                  <a:cubicBezTo>
+                    <a:pt x="4" y="29"/>
+                    <a:pt x="11" y="36"/>
+                    <a:pt x="20" y="36"/>
+                  </a:cubicBezTo>
+                  <a:cubicBezTo>
+                    <a:pt x="28" y="36"/>
+                    <a:pt x="36" y="29"/>
+                    <a:pt x="36" y="20"/>
+                  </a:cubicBezTo>
+                  <a:cubicBezTo>
+                    <a:pt x="36" y="9"/>
+                    <a:pt x="31" y="4"/>
+                    <a:pt x="20" y="4"/>
+                  </a:cubicBezTo>
+                  <a:close/>
+                </a:path>
+              </a:pathLst>
+            </a:custGeom>
+            <a:grpFill/>
+            <a:ln>
+              <a:noFill/>
+            </a:ln>
+            <a:extLst>
+              <a:ext uri="{91240B29-F687-4f45-9708-019B960494DF}">
+                <a14:hiddenLine xmlns:a16="http://schemas.microsoft.com/office/drawing/2014/main" xmlns:p14="http://schemas.microsoft.com/office/powerpoint/2010/main" xmlns:a14="http://schemas.microsoft.com/office/drawing/2010/main" xmlns="" w="9525">
+                  <a:solidFill>
+                    <a:srgbClr val="000000"/>
+                  </a:solidFill>
+                  <a:round/>
+                  <a:headEnd/>
+                  <a:tailEnd/>
+                </a14:hiddenLine>
+              </a:ext>
+            </a:extLst>
+          </p:spPr>
+        </p:sp>
+        <p:sp>
+          <p:nvSpPr>
+            <p:cNvPr id="66" name="Freeform 10">
+              <a:extLst>
+                <a:ext uri="{FF2B5EF4-FFF2-40B4-BE49-F238E27FC236}">
+                  <a16:creationId xmlns:a16="http://schemas.microsoft.com/office/drawing/2014/main" id="{FA8D72C1-8526-44B4-9333-5E0057ECCA29}"/>
+                </a:ext>
+                <a:ext uri="{C183D7F6-B498-43B3-948B-1728B52AA6E4}">
+                  <adec:decorative xmlns:adec="http://schemas.microsoft.com/office/drawing/2017/decorative" val="1"/>
+                </a:ext>
+              </a:extLst>
+            </p:cNvPr>
+            <p:cNvSpPr/>
+            <p:nvPr>
+              <p:extLst>
+                <p:ext uri="{386F3935-93C4-4BCD-93E2-E3B085C9AB24}">
+                  <p16:designElem xmlns:p16="http://schemas.microsoft.com/office/powerpoint/2015/main" val="1"/>
+                </p:ext>
+              </p:extLst>
+            </p:nvPr>
+          </p:nvSpPr>
+          <p:spPr bwMode="auto">
+            <a:xfrm>
+              <a:off x="285750" y="4763"/>
+              <a:ext cx="369888" cy="1430338"/>
+            </a:xfrm>
+            <a:custGeom>
+              <a:avLst/>
+              <a:gdLst/>
+              <a:ahLst/>
+              <a:cxnLst/>
+              <a:rect l="0" t="0" r="r" b="b"/>
+              <a:pathLst>
+                <a:path w="233" h="901">
+                  <a:moveTo>
+                    <a:pt x="221" y="901"/>
+                  </a:moveTo>
+                  <a:lnTo>
+                    <a:pt x="0" y="383"/>
+                  </a:lnTo>
+                  <a:lnTo>
+                    <a:pt x="0" y="0"/>
+                  </a:lnTo>
+                  <a:lnTo>
+                    <a:pt x="18" y="0"/>
+                  </a:lnTo>
+                  <a:lnTo>
+                    <a:pt x="18" y="380"/>
+                  </a:lnTo>
+                  <a:lnTo>
+                    <a:pt x="233" y="895"/>
+                  </a:lnTo>
+                  <a:lnTo>
+                    <a:pt x="221" y="901"/>
+                  </a:lnTo>
+                  <a:close/>
+                </a:path>
+              </a:pathLst>
+            </a:custGeom>
+            <a:grpFill/>
+            <a:ln>
+              <a:noFill/>
+            </a:ln>
+            <a:extLst>
+              <a:ext uri="{91240B29-F687-4f45-9708-019B960494DF}">
+                <a14:hiddenLine xmlns:a16="http://schemas.microsoft.com/office/drawing/2014/main" xmlns:p14="http://schemas.microsoft.com/office/powerpoint/2010/main" xmlns:a14="http://schemas.microsoft.com/office/drawing/2010/main" xmlns="" w="9525">
+                  <a:solidFill>
+                    <a:srgbClr val="000000"/>
+                  </a:solidFill>
+                  <a:round/>
+                  <a:headEnd/>
+                  <a:tailEnd/>
+                </a14:hiddenLine>
+              </a:ext>
+            </a:extLst>
+          </p:spPr>
+        </p:sp>
+        <p:sp>
+          <p:nvSpPr>
+            <p:cNvPr id="67" name="Freeform 11">
+              <a:extLst>
+                <a:ext uri="{FF2B5EF4-FFF2-40B4-BE49-F238E27FC236}">
+                  <a16:creationId xmlns:a16="http://schemas.microsoft.com/office/drawing/2014/main" id="{790E4BA0-9C47-48B6-AA4A-8FC22DA9541E}"/>
+                </a:ext>
+                <a:ext uri="{C183D7F6-B498-43B3-948B-1728B52AA6E4}">
+                  <adec:decorative xmlns:adec="http://schemas.microsoft.com/office/drawing/2017/decorative" val="1"/>
+                </a:ext>
+              </a:extLst>
+            </p:cNvPr>
+            <p:cNvSpPr/>
+            <p:nvPr>
+              <p:extLst>
+                <p:ext uri="{386F3935-93C4-4BCD-93E2-E3B085C9AB24}">
+                  <p16:designElem xmlns:p16="http://schemas.microsoft.com/office/powerpoint/2015/main" val="1"/>
+                </p:ext>
+              </p:extLst>
+            </p:nvPr>
+          </p:nvSpPr>
+          <p:spPr bwMode="auto">
+            <a:xfrm>
+              <a:off x="546100" y="0"/>
+              <a:ext cx="152400" cy="912813"/>
+            </a:xfrm>
+            <a:custGeom>
+              <a:avLst/>
+              <a:gdLst/>
+              <a:ahLst/>
+              <a:cxnLst/>
+              <a:rect l="0" t="0" r="r" b="b"/>
+              <a:pathLst>
+                <a:path w="96" h="575">
+                  <a:moveTo>
+                    <a:pt x="96" y="575"/>
+                  </a:moveTo>
+                  <a:lnTo>
+                    <a:pt x="78" y="575"/>
+                  </a:lnTo>
+                  <a:lnTo>
+                    <a:pt x="78" y="192"/>
+                  </a:lnTo>
+                  <a:lnTo>
+                    <a:pt x="0" y="6"/>
+                  </a:lnTo>
+                  <a:lnTo>
+                    <a:pt x="15" y="0"/>
+                  </a:lnTo>
+                  <a:lnTo>
+                    <a:pt x="96" y="189"/>
+                  </a:lnTo>
+                  <a:lnTo>
+                    <a:pt x="96" y="575"/>
+                  </a:lnTo>
+                  <a:close/>
+                </a:path>
+              </a:pathLst>
+            </a:custGeom>
+            <a:grpFill/>
+            <a:ln>
+              <a:noFill/>
+            </a:ln>
+            <a:extLst>
+              <a:ext uri="{91240B29-F687-4f45-9708-019B960494DF}">
+                <a14:hiddenLine xmlns:a16="http://schemas.microsoft.com/office/drawing/2014/main" xmlns:p14="http://schemas.microsoft.com/office/powerpoint/2010/main" xmlns:a14="http://schemas.microsoft.com/office/drawing/2010/main" xmlns="" w="9525">
+                  <a:solidFill>
+                    <a:srgbClr val="000000"/>
+                  </a:solidFill>
+                  <a:round/>
+                  <a:headEnd/>
+                  <a:tailEnd/>
+                </a14:hiddenLine>
+              </a:ext>
+            </a:extLst>
+          </p:spPr>
+        </p:sp>
+        <p:sp>
+          <p:nvSpPr>
+            <p:cNvPr id="68" name="Freeform 12">
+              <a:extLst>
+                <a:ext uri="{FF2B5EF4-FFF2-40B4-BE49-F238E27FC236}">
+                  <a16:creationId xmlns:a16="http://schemas.microsoft.com/office/drawing/2014/main" id="{FD051475-431F-4B9D-94C6-7B49A69582F2}"/>
+                </a:ext>
+                <a:ext uri="{C183D7F6-B498-43B3-948B-1728B52AA6E4}">
+                  <adec:decorative xmlns:adec="http://schemas.microsoft.com/office/drawing/2017/decorative" val="1"/>
+                </a:ext>
+              </a:extLst>
+            </p:cNvPr>
+            <p:cNvSpPr>
+              <a:spLocks noEditPoints="1"/>
+            </p:cNvSpPr>
+            <p:nvPr>
+              <p:extLst>
+                <p:ext uri="{386F3935-93C4-4BCD-93E2-E3B085C9AB24}">
+                  <p16:designElem xmlns:p16="http://schemas.microsoft.com/office/powerpoint/2015/main" val="1"/>
+                </p:ext>
+              </p:extLst>
+            </p:nvPr>
+          </p:nvSpPr>
+          <p:spPr bwMode="auto">
+            <a:xfrm>
+              <a:off x="588962" y="1420813"/>
+              <a:ext cx="190500" cy="190500"/>
+            </a:xfrm>
+            <a:custGeom>
+              <a:avLst/>
+              <a:gdLst/>
+              <a:ahLst/>
+              <a:cxnLst/>
+              <a:rect l="0" t="0" r="r" b="b"/>
+              <a:pathLst>
+                <a:path w="40" h="40">
+                  <a:moveTo>
+                    <a:pt x="20" y="40"/>
+                  </a:moveTo>
+                  <a:cubicBezTo>
+                    <a:pt x="9" y="40"/>
+                    <a:pt x="0" y="31"/>
+                    <a:pt x="0" y="20"/>
+                  </a:cubicBezTo>
+                  <a:cubicBezTo>
+                    <a:pt x="0" y="9"/>
+                    <a:pt x="9" y="0"/>
+                    <a:pt x="20" y="0"/>
+                  </a:cubicBezTo>
+                  <a:cubicBezTo>
+                    <a:pt x="33" y="0"/>
+                    <a:pt x="40" y="7"/>
+                    <a:pt x="40" y="20"/>
+                  </a:cubicBezTo>
+                  <a:cubicBezTo>
+                    <a:pt x="40" y="31"/>
+                    <a:pt x="31" y="40"/>
+                    <a:pt x="20" y="40"/>
+                  </a:cubicBezTo>
+                  <a:close/>
+                  <a:moveTo>
+                    <a:pt x="20" y="4"/>
+                  </a:moveTo>
+                  <a:cubicBezTo>
+                    <a:pt x="11" y="4"/>
+                    <a:pt x="4" y="11"/>
+                    <a:pt x="4" y="20"/>
+                  </a:cubicBezTo>
+                  <a:cubicBezTo>
+                    <a:pt x="4" y="29"/>
+                    <a:pt x="11" y="36"/>
+                    <a:pt x="20" y="36"/>
+                  </a:cubicBezTo>
+                  <a:cubicBezTo>
+                    <a:pt x="29" y="36"/>
+                    <a:pt x="36" y="29"/>
+                    <a:pt x="36" y="20"/>
+                  </a:cubicBezTo>
+                  <a:cubicBezTo>
+                    <a:pt x="36" y="9"/>
+                    <a:pt x="31" y="4"/>
+                    <a:pt x="20" y="4"/>
+                  </a:cubicBezTo>
+                  <a:close/>
+                </a:path>
+              </a:pathLst>
+            </a:custGeom>
+            <a:grpFill/>
+            <a:ln>
+              <a:noFill/>
+            </a:ln>
+            <a:extLst>
+              <a:ext uri="{91240B29-F687-4f45-9708-019B960494DF}">
+                <a14:hiddenLine xmlns:a16="http://schemas.microsoft.com/office/drawing/2014/main" xmlns:p14="http://schemas.microsoft.com/office/powerpoint/2010/main" xmlns:a14="http://schemas.microsoft.com/office/drawing/2010/main" xmlns="" w="9525">
+                  <a:solidFill>
+                    <a:srgbClr val="000000"/>
+                  </a:solidFill>
+                  <a:round/>
+                  <a:headEnd/>
+                  <a:tailEnd/>
+                </a14:hiddenLine>
+              </a:ext>
+            </a:extLst>
+          </p:spPr>
+        </p:sp>
+        <p:sp>
+          <p:nvSpPr>
+            <p:cNvPr id="69" name="Freeform 13">
+              <a:extLst>
+                <a:ext uri="{FF2B5EF4-FFF2-40B4-BE49-F238E27FC236}">
+                  <a16:creationId xmlns:a16="http://schemas.microsoft.com/office/drawing/2014/main" id="{82255D2F-85A1-4A19-8BC4-EB2715F36CCE}"/>
+                </a:ext>
+                <a:ext uri="{C183D7F6-B498-43B3-948B-1728B52AA6E4}">
+                  <adec:decorative xmlns:adec="http://schemas.microsoft.com/office/drawing/2017/decorative" val="1"/>
+                </a:ext>
+              </a:extLst>
+            </p:cNvPr>
+            <p:cNvSpPr>
+              <a:spLocks noEditPoints="1"/>
+            </p:cNvSpPr>
+            <p:nvPr>
+              <p:extLst>
+                <p:ext uri="{386F3935-93C4-4BCD-93E2-E3B085C9AB24}">
+                  <p16:designElem xmlns:p16="http://schemas.microsoft.com/office/powerpoint/2015/main" val="1"/>
+                </p:ext>
+              </p:extLst>
+            </p:nvPr>
+          </p:nvSpPr>
+          <p:spPr bwMode="auto">
+            <a:xfrm>
+              <a:off x="588962" y="903288"/>
+              <a:ext cx="190500" cy="190500"/>
+            </a:xfrm>
+            <a:custGeom>
+              <a:avLst/>
+              <a:gdLst/>
+              <a:ahLst/>
+              <a:cxnLst/>
+              <a:rect l="0" t="0" r="r" b="b"/>
+              <a:pathLst>
+                <a:path w="40" h="40">
+                  <a:moveTo>
+                    <a:pt x="20" y="40"/>
+                  </a:moveTo>
+                  <a:cubicBezTo>
+                    <a:pt x="9" y="40"/>
+                    <a:pt x="0" y="31"/>
+                    <a:pt x="0" y="20"/>
+                  </a:cubicBezTo>
+                  <a:cubicBezTo>
+                    <a:pt x="0" y="9"/>
+                    <a:pt x="9" y="0"/>
+                    <a:pt x="20" y="0"/>
+                  </a:cubicBezTo>
+                  <a:cubicBezTo>
+                    <a:pt x="31" y="0"/>
+                    <a:pt x="40" y="9"/>
+                    <a:pt x="40" y="20"/>
+                  </a:cubicBezTo>
+                  <a:cubicBezTo>
+                    <a:pt x="40" y="31"/>
+                    <a:pt x="31" y="40"/>
+                    <a:pt x="20" y="40"/>
+                  </a:cubicBezTo>
+                  <a:close/>
+                  <a:moveTo>
+                    <a:pt x="20" y="4"/>
+                  </a:moveTo>
+                  <a:cubicBezTo>
+                    <a:pt x="11" y="4"/>
+                    <a:pt x="4" y="11"/>
+                    <a:pt x="4" y="20"/>
+                  </a:cubicBezTo>
+                  <a:cubicBezTo>
+                    <a:pt x="4" y="29"/>
+                    <a:pt x="11" y="36"/>
+                    <a:pt x="20" y="36"/>
+                  </a:cubicBezTo>
+                  <a:cubicBezTo>
+                    <a:pt x="29" y="36"/>
+                    <a:pt x="36" y="29"/>
+                    <a:pt x="36" y="20"/>
+                  </a:cubicBezTo>
+                  <a:cubicBezTo>
+                    <a:pt x="36" y="11"/>
+                    <a:pt x="29" y="4"/>
+                    <a:pt x="20" y="4"/>
+                  </a:cubicBezTo>
+                  <a:close/>
+                </a:path>
+              </a:pathLst>
+            </a:custGeom>
+            <a:grpFill/>
+            <a:ln>
+              <a:noFill/>
+            </a:ln>
+            <a:extLst>
+              <a:ext uri="{91240B29-F687-4f45-9708-019B960494DF}">
+                <a14:hiddenLine xmlns:a16="http://schemas.microsoft.com/office/drawing/2014/main" xmlns:p14="http://schemas.microsoft.com/office/powerpoint/2010/main" xmlns:a14="http://schemas.microsoft.com/office/drawing/2010/main" xmlns="" w="9525">
+                  <a:solidFill>
+                    <a:srgbClr val="000000"/>
+                  </a:solidFill>
+                  <a:round/>
+                  <a:headEnd/>
+                  <a:tailEnd/>
+                </a14:hiddenLine>
+              </a:ext>
+            </a:extLst>
+          </p:spPr>
+        </p:sp>
+        <p:sp>
+          <p:nvSpPr>
+            <p:cNvPr id="70" name="Freeform 14">
+              <a:extLst>
+                <a:ext uri="{FF2B5EF4-FFF2-40B4-BE49-F238E27FC236}">
+                  <a16:creationId xmlns:a16="http://schemas.microsoft.com/office/drawing/2014/main" id="{EBC3A004-9794-4EFA-83F0-989248797CD9}"/>
+                </a:ext>
+                <a:ext uri="{C183D7F6-B498-43B3-948B-1728B52AA6E4}">
+                  <adec:decorative xmlns:adec="http://schemas.microsoft.com/office/drawing/2017/decorative" val="1"/>
+                </a:ext>
+              </a:extLst>
+            </p:cNvPr>
+            <p:cNvSpPr/>
+            <p:nvPr>
+              <p:extLst>
+                <p:ext uri="{386F3935-93C4-4BCD-93E2-E3B085C9AB24}">
+                  <p16:designElem xmlns:p16="http://schemas.microsoft.com/office/powerpoint/2015/main" val="1"/>
+                </p:ext>
+              </p:extLst>
+            </p:nvPr>
+          </p:nvSpPr>
+          <p:spPr bwMode="auto">
+            <a:xfrm>
+              <a:off x="641350" y="0"/>
+              <a:ext cx="422275" cy="527050"/>
+            </a:xfrm>
+            <a:custGeom>
+              <a:avLst/>
+              <a:gdLst/>
+              <a:ahLst/>
+              <a:cxnLst/>
+              <a:rect l="0" t="0" r="r" b="b"/>
+              <a:pathLst>
+                <a:path w="266" h="332">
+                  <a:moveTo>
+                    <a:pt x="257" y="332"/>
+                  </a:moveTo>
+                  <a:lnTo>
+                    <a:pt x="48" y="123"/>
+                  </a:lnTo>
+                  <a:lnTo>
+                    <a:pt x="0" y="6"/>
+                  </a:lnTo>
+                  <a:lnTo>
+                    <a:pt x="15" y="0"/>
+                  </a:lnTo>
+                  <a:lnTo>
+                    <a:pt x="63" y="114"/>
+                  </a:lnTo>
+                  <a:lnTo>
+                    <a:pt x="266" y="320"/>
+                  </a:lnTo>
+                  <a:lnTo>
+                    <a:pt x="257" y="332"/>
+                  </a:lnTo>
+                  <a:close/>
+                </a:path>
+              </a:pathLst>
+            </a:custGeom>
+            <a:grpFill/>
+            <a:ln>
+              <a:noFill/>
+            </a:ln>
+            <a:extLst>
+              <a:ext uri="{91240B29-F687-4f45-9708-019B960494DF}">
+                <a14:hiddenLine xmlns:a16="http://schemas.microsoft.com/office/drawing/2014/main" xmlns:p14="http://schemas.microsoft.com/office/powerpoint/2010/main" xmlns:a14="http://schemas.microsoft.com/office/drawing/2010/main" xmlns="" w="9525">
+                  <a:solidFill>
+                    <a:srgbClr val="000000"/>
+                  </a:solidFill>
+                  <a:round/>
+                  <a:headEnd/>
+                  <a:tailEnd/>
+                </a14:hiddenLine>
+              </a:ext>
+            </a:extLst>
+          </p:spPr>
+        </p:sp>
+        <p:sp>
+          <p:nvSpPr>
+            <p:cNvPr id="71" name="Freeform 15">
+              <a:extLst>
+                <a:ext uri="{FF2B5EF4-FFF2-40B4-BE49-F238E27FC236}">
+                  <a16:creationId xmlns:a16="http://schemas.microsoft.com/office/drawing/2014/main" id="{6EFD9FC3-E11A-44E3-BCAC-A07F3C601F22}"/>
+                </a:ext>
+                <a:ext uri="{C183D7F6-B498-43B3-948B-1728B52AA6E4}">
+                  <adec:decorative xmlns:adec="http://schemas.microsoft.com/office/drawing/2017/decorative" val="1"/>
+                </a:ext>
+              </a:extLst>
+            </p:cNvPr>
+            <p:cNvSpPr>
+              <a:spLocks noEditPoints="1"/>
+            </p:cNvSpPr>
+            <p:nvPr>
+              <p:extLst>
+                <p:ext uri="{386F3935-93C4-4BCD-93E2-E3B085C9AB24}">
+                  <p16:designElem xmlns:p16="http://schemas.microsoft.com/office/powerpoint/2015/main" val="1"/>
+                </p:ext>
+              </p:extLst>
+            </p:nvPr>
+          </p:nvSpPr>
+          <p:spPr bwMode="auto">
+            <a:xfrm>
+              <a:off x="1020762" y="488950"/>
+              <a:ext cx="161925" cy="147638"/>
+            </a:xfrm>
+            <a:custGeom>
+              <a:avLst/>
+              <a:gdLst/>
+              <a:ahLst/>
+              <a:cxnLst/>
+              <a:rect l="0" t="0" r="r" b="b"/>
+              <a:pathLst>
+                <a:path w="34" h="31">
+                  <a:moveTo>
+                    <a:pt x="17" y="31"/>
+                  </a:moveTo>
+                  <a:cubicBezTo>
+                    <a:pt x="13" y="31"/>
+                    <a:pt x="9" y="30"/>
+                    <a:pt x="6" y="27"/>
+                  </a:cubicBezTo>
+                  <a:cubicBezTo>
+                    <a:pt x="0" y="20"/>
+                    <a:pt x="0" y="10"/>
+                    <a:pt x="6" y="4"/>
+                  </a:cubicBezTo>
+                  <a:cubicBezTo>
+                    <a:pt x="9" y="1"/>
+                    <a:pt x="13" y="0"/>
+                    <a:pt x="17" y="0"/>
+                  </a:cubicBezTo>
+                  <a:cubicBezTo>
+                    <a:pt x="21" y="0"/>
+                    <a:pt x="25" y="1"/>
+                    <a:pt x="28" y="4"/>
+                  </a:cubicBezTo>
+                  <a:cubicBezTo>
+                    <a:pt x="34" y="10"/>
+                    <a:pt x="34" y="20"/>
+                    <a:pt x="28" y="27"/>
+                  </a:cubicBezTo>
+                  <a:cubicBezTo>
+                    <a:pt x="25" y="30"/>
+                    <a:pt x="21" y="31"/>
+                    <a:pt x="17" y="31"/>
+                  </a:cubicBezTo>
+                  <a:close/>
+                  <a:moveTo>
+                    <a:pt x="17" y="4"/>
+                  </a:moveTo>
+                  <a:cubicBezTo>
+                    <a:pt x="14" y="4"/>
+                    <a:pt x="11" y="5"/>
+                    <a:pt x="9" y="7"/>
+                  </a:cubicBezTo>
+                  <a:cubicBezTo>
+                    <a:pt x="4" y="12"/>
+                    <a:pt x="4" y="19"/>
+                    <a:pt x="9" y="24"/>
+                  </a:cubicBezTo>
+                  <a:cubicBezTo>
+                    <a:pt x="11" y="26"/>
+                    <a:pt x="14" y="27"/>
+                    <a:pt x="17" y="27"/>
+                  </a:cubicBezTo>
+                  <a:cubicBezTo>
+                    <a:pt x="20" y="27"/>
+                    <a:pt x="23" y="26"/>
+                    <a:pt x="25" y="24"/>
+                  </a:cubicBezTo>
+                  <a:cubicBezTo>
+                    <a:pt x="30" y="19"/>
+                    <a:pt x="30" y="12"/>
+                    <a:pt x="25" y="7"/>
+                  </a:cubicBezTo>
+                  <a:cubicBezTo>
+                    <a:pt x="23" y="5"/>
+                    <a:pt x="20" y="4"/>
+                    <a:pt x="17" y="4"/>
+                  </a:cubicBezTo>
+                  <a:close/>
+                </a:path>
+              </a:pathLst>
+            </a:custGeom>
+            <a:grpFill/>
+            <a:ln>
+              <a:noFill/>
+            </a:ln>
+            <a:extLst>
+              <a:ext uri="{91240B29-F687-4f45-9708-019B960494DF}">
+                <a14:hiddenLine xmlns:a16="http://schemas.microsoft.com/office/drawing/2014/main" xmlns:p14="http://schemas.microsoft.com/office/powerpoint/2010/main" xmlns:a14="http://schemas.microsoft.com/office/drawing/2010/main" xmlns="" w="9525">
+                  <a:solidFill>
+                    <a:srgbClr val="000000"/>
+                  </a:solidFill>
+                  <a:round/>
+                  <a:headEnd/>
+                  <a:tailEnd/>
+                </a14:hiddenLine>
+              </a:ext>
+            </a:extLst>
+          </p:spPr>
+        </p:sp>
+        <p:sp>
+          <p:nvSpPr>
+            <p:cNvPr id="72" name="Line 16">
+              <a:extLst>
+                <a:ext uri="{FF2B5EF4-FFF2-40B4-BE49-F238E27FC236}">
+                  <a16:creationId xmlns:a16="http://schemas.microsoft.com/office/drawing/2014/main" id="{AB6AB6F7-6592-4028-B349-1C0E53A29CDC}"/>
+                </a:ext>
+                <a:ext uri="{C183D7F6-B498-43B3-948B-1728B52AA6E4}">
+                  <adec:decorative xmlns:adec="http://schemas.microsoft.com/office/drawing/2017/decorative" val="1"/>
+                </a:ext>
+              </a:extLst>
+            </p:cNvPr>
+            <p:cNvSpPr>
+              <a:spLocks noChangeShapeType="1"/>
+            </p:cNvSpPr>
+            <p:nvPr>
+              <p:extLst>
+                <p:ext uri="{386F3935-93C4-4BCD-93E2-E3B085C9AB24}">
+                  <p16:designElem xmlns:p16="http://schemas.microsoft.com/office/powerpoint/2015/main" val="1"/>
+                </p:ext>
+              </p:extLst>
+            </p:nvPr>
+          </p:nvSpPr>
+          <p:spPr bwMode="auto">
+            <a:xfrm>
+              <a:off x="-4763" y="9525"/>
+              <a:ext cx="0" cy="0"/>
+            </a:xfrm>
+            <a:prstGeom prst="line">
+              <a:avLst/>
+            </a:prstGeom>
+            <a:grpFill/>
+            <a:ln w="15" cap="flat">
+              <a:solidFill>
+                <a:srgbClr val="FFFFFF"/>
+              </a:solidFill>
+              <a:prstDash val="solid"/>
+              <a:miter lim="800000"/>
+              <a:headEnd/>
+              <a:tailEnd/>
+            </a:ln>
+          </p:spPr>
+        </p:sp>
+        <p:sp>
+          <p:nvSpPr>
+            <p:cNvPr id="73" name="Freeform 17">
+              <a:extLst>
+                <a:ext uri="{FF2B5EF4-FFF2-40B4-BE49-F238E27FC236}">
+                  <a16:creationId xmlns:a16="http://schemas.microsoft.com/office/drawing/2014/main" id="{6C2415E6-F914-4C11-B48B-4910AA6CA6BD}"/>
+                </a:ext>
+                <a:ext uri="{C183D7F6-B498-43B3-948B-1728B52AA6E4}">
+                  <adec:decorative xmlns:adec="http://schemas.microsoft.com/office/drawing/2017/decorative" val="1"/>
+                </a:ext>
+              </a:extLst>
+            </p:cNvPr>
+            <p:cNvSpPr/>
+            <p:nvPr>
+              <p:extLst>
+                <p:ext uri="{386F3935-93C4-4BCD-93E2-E3B085C9AB24}">
+                  <p16:designElem xmlns:p16="http://schemas.microsoft.com/office/powerpoint/2015/main" val="1"/>
+                </p:ext>
+              </p:extLst>
+            </p:nvPr>
+          </p:nvSpPr>
+          <p:spPr bwMode="auto">
+            <a:xfrm>
+              <a:off x="9525" y="1801813"/>
+              <a:ext cx="123825" cy="127000"/>
+            </a:xfrm>
+            <a:custGeom>
+              <a:avLst/>
+              <a:gdLst/>
+              <a:ahLst/>
+              <a:cxnLst/>
+              <a:rect l="0" t="0" r="r" b="b"/>
+              <a:pathLst>
+                <a:path w="78" h="80">
+                  <a:moveTo>
+                    <a:pt x="6" y="80"/>
+                  </a:moveTo>
+                  <a:lnTo>
+                    <a:pt x="0" y="71"/>
+                  </a:lnTo>
+                  <a:lnTo>
+                    <a:pt x="69" y="0"/>
+                  </a:lnTo>
+                  <a:lnTo>
+                    <a:pt x="78" y="9"/>
+                  </a:lnTo>
+                  <a:lnTo>
+                    <a:pt x="6" y="80"/>
+                  </a:lnTo>
+                  <a:close/>
+                </a:path>
+              </a:pathLst>
+            </a:custGeom>
+            <a:grpFill/>
+            <a:ln>
+              <a:noFill/>
+            </a:ln>
+            <a:extLst>
+              <a:ext uri="{91240B29-F687-4f45-9708-019B960494DF}">
+                <a14:hiddenLine xmlns:a16="http://schemas.microsoft.com/office/drawing/2014/main" xmlns:p14="http://schemas.microsoft.com/office/powerpoint/2010/main" xmlns:a14="http://schemas.microsoft.com/office/drawing/2010/main" xmlns="" w="9525">
+                  <a:solidFill>
+                    <a:srgbClr val="000000"/>
+                  </a:solidFill>
+                  <a:round/>
+                  <a:headEnd/>
+                  <a:tailEnd/>
+                </a14:hiddenLine>
+              </a:ext>
+            </a:extLst>
+          </p:spPr>
+        </p:sp>
+        <p:sp>
+          <p:nvSpPr>
+            <p:cNvPr id="74" name="Freeform 18">
+              <a:extLst>
+                <a:ext uri="{FF2B5EF4-FFF2-40B4-BE49-F238E27FC236}">
+                  <a16:creationId xmlns:a16="http://schemas.microsoft.com/office/drawing/2014/main" id="{2412013C-072A-489E-851A-CFEF91A9A6A9}"/>
+                </a:ext>
+                <a:ext uri="{C183D7F6-B498-43B3-948B-1728B52AA6E4}">
+                  <adec:decorative xmlns:adec="http://schemas.microsoft.com/office/drawing/2017/decorative" val="1"/>
+                </a:ext>
+              </a:extLst>
+            </p:cNvPr>
+            <p:cNvSpPr/>
+            <p:nvPr>
+              <p:extLst>
+                <p:ext uri="{386F3935-93C4-4BCD-93E2-E3B085C9AB24}">
+                  <p16:designElem xmlns:p16="http://schemas.microsoft.com/office/powerpoint/2015/main" val="1"/>
+                </p:ext>
+              </p:extLst>
+            </p:nvPr>
+          </p:nvSpPr>
+          <p:spPr bwMode="auto">
+            <a:xfrm>
+              <a:off x="-9525" y="3549650"/>
+              <a:ext cx="147638" cy="481013"/>
+            </a:xfrm>
+            <a:custGeom>
+              <a:avLst/>
+              <a:gdLst/>
+              <a:ahLst/>
+              <a:cxnLst/>
+              <a:rect l="0" t="0" r="r" b="b"/>
+              <a:pathLst>
+                <a:path w="93" h="303">
+                  <a:moveTo>
+                    <a:pt x="93" y="303"/>
+                  </a:moveTo>
+                  <a:lnTo>
+                    <a:pt x="78" y="303"/>
+                  </a:lnTo>
+                  <a:lnTo>
+                    <a:pt x="78" y="78"/>
+                  </a:lnTo>
+                  <a:lnTo>
+                    <a:pt x="0" y="12"/>
+                  </a:lnTo>
+                  <a:lnTo>
+                    <a:pt x="12" y="0"/>
+                  </a:lnTo>
+                  <a:lnTo>
+                    <a:pt x="93" y="69"/>
+                  </a:lnTo>
+                  <a:lnTo>
+                    <a:pt x="93" y="303"/>
+                  </a:lnTo>
+                  <a:close/>
+                </a:path>
+              </a:pathLst>
+            </a:custGeom>
+            <a:grpFill/>
+            <a:ln>
+              <a:noFill/>
+            </a:ln>
+            <a:extLst>
+              <a:ext uri="{91240B29-F687-4f45-9708-019B960494DF}">
+                <a14:hiddenLine xmlns:a16="http://schemas.microsoft.com/office/drawing/2014/main" xmlns:p14="http://schemas.microsoft.com/office/powerpoint/2010/main" xmlns:a14="http://schemas.microsoft.com/office/drawing/2010/main" xmlns="" w="9525">
+                  <a:solidFill>
+                    <a:srgbClr val="000000"/>
+                  </a:solidFill>
+                  <a:round/>
+                  <a:headEnd/>
+                  <a:tailEnd/>
+                </a14:hiddenLine>
+              </a:ext>
+            </a:extLst>
+          </p:spPr>
+        </p:sp>
+        <p:sp>
+          <p:nvSpPr>
+            <p:cNvPr id="75" name="Freeform 19">
+              <a:extLst>
+                <a:ext uri="{FF2B5EF4-FFF2-40B4-BE49-F238E27FC236}">
+                  <a16:creationId xmlns:a16="http://schemas.microsoft.com/office/drawing/2014/main" id="{DE93DF9F-296F-4DE4-8813-D8C04DE4CFC5}"/>
+                </a:ext>
+                <a:ext uri="{C183D7F6-B498-43B3-948B-1728B52AA6E4}">
+                  <adec:decorative xmlns:adec="http://schemas.microsoft.com/office/drawing/2017/decorative" val="1"/>
+                </a:ext>
+              </a:extLst>
+            </p:cNvPr>
+            <p:cNvSpPr/>
+            <p:nvPr>
+              <p:extLst>
+                <p:ext uri="{386F3935-93C4-4BCD-93E2-E3B085C9AB24}">
+                  <p16:designElem xmlns:p16="http://schemas.microsoft.com/office/powerpoint/2015/main" val="1"/>
+                </p:ext>
+              </p:extLst>
+            </p:nvPr>
+          </p:nvSpPr>
+          <p:spPr bwMode="auto">
+            <a:xfrm>
+              <a:off x="128587" y="1382713"/>
+              <a:ext cx="142875" cy="476250"/>
+            </a:xfrm>
+            <a:custGeom>
+              <a:avLst/>
+              <a:gdLst/>
+              <a:ahLst/>
+              <a:cxnLst/>
+              <a:rect l="0" t="0" r="r" b="b"/>
+              <a:pathLst>
+                <a:path w="90" h="300">
+                  <a:moveTo>
+                    <a:pt x="90" y="300"/>
+                  </a:moveTo>
+                  <a:lnTo>
+                    <a:pt x="78" y="300"/>
+                  </a:lnTo>
+                  <a:lnTo>
+                    <a:pt x="78" y="84"/>
+                  </a:lnTo>
+                  <a:lnTo>
+                    <a:pt x="0" y="9"/>
+                  </a:lnTo>
+                  <a:lnTo>
+                    <a:pt x="9" y="0"/>
+                  </a:lnTo>
+                  <a:lnTo>
+                    <a:pt x="90" y="81"/>
+                  </a:lnTo>
+                  <a:lnTo>
+                    <a:pt x="90" y="300"/>
+                  </a:lnTo>
+                  <a:close/>
+                </a:path>
+              </a:pathLst>
+            </a:custGeom>
+            <a:grpFill/>
+            <a:ln>
+              <a:noFill/>
+            </a:ln>
+            <a:extLst>
+              <a:ext uri="{91240B29-F687-4f45-9708-019B960494DF}">
+                <a14:hiddenLine xmlns:a16="http://schemas.microsoft.com/office/drawing/2014/main" xmlns:p14="http://schemas.microsoft.com/office/powerpoint/2010/main" xmlns:a14="http://schemas.microsoft.com/office/drawing/2010/main" xmlns="" w="9525">
+                  <a:solidFill>
+                    <a:srgbClr val="000000"/>
+                  </a:solidFill>
+                  <a:round/>
+                  <a:headEnd/>
+                  <a:tailEnd/>
+                </a14:hiddenLine>
+              </a:ext>
+            </a:extLst>
+          </p:spPr>
+        </p:sp>
+        <p:sp>
+          <p:nvSpPr>
+            <p:cNvPr id="76" name="Freeform 20">
+              <a:extLst>
+                <a:ext uri="{FF2B5EF4-FFF2-40B4-BE49-F238E27FC236}">
+                  <a16:creationId xmlns:a16="http://schemas.microsoft.com/office/drawing/2014/main" id="{F440D966-5030-460C-9916-BF9B91542185}"/>
+                </a:ext>
+                <a:ext uri="{C183D7F6-B498-43B3-948B-1728B52AA6E4}">
+                  <adec:decorative xmlns:adec="http://schemas.microsoft.com/office/drawing/2017/decorative" val="1"/>
+                </a:ext>
+              </a:extLst>
+            </p:cNvPr>
+            <p:cNvSpPr>
+              <a:spLocks noEditPoints="1"/>
+            </p:cNvSpPr>
+            <p:nvPr>
+              <p:extLst>
+                <p:ext uri="{386F3935-93C4-4BCD-93E2-E3B085C9AB24}">
+                  <p16:designElem xmlns:p16="http://schemas.microsoft.com/office/powerpoint/2015/main" val="1"/>
+                </p:ext>
+              </p:extLst>
+            </p:nvPr>
+          </p:nvSpPr>
+          <p:spPr bwMode="auto">
+            <a:xfrm>
+              <a:off x="204787" y="1849438"/>
+              <a:ext cx="114300" cy="107950"/>
+            </a:xfrm>
+            <a:custGeom>
+              <a:avLst/>
+              <a:gdLst/>
+              <a:ahLst/>
+              <a:cxnLst/>
+              <a:rect l="0" t="0" r="r" b="b"/>
+              <a:pathLst>
+                <a:path w="24" h="23">
+                  <a:moveTo>
+                    <a:pt x="12" y="23"/>
+                  </a:moveTo>
+                  <a:cubicBezTo>
+                    <a:pt x="6" y="23"/>
+                    <a:pt x="0" y="18"/>
+                    <a:pt x="0" y="12"/>
+                  </a:cubicBezTo>
+                  <a:cubicBezTo>
+                    <a:pt x="0" y="5"/>
+                    <a:pt x="6" y="0"/>
+                    <a:pt x="12" y="0"/>
+                  </a:cubicBezTo>
+                  <a:cubicBezTo>
+                    <a:pt x="18" y="0"/>
+                    <a:pt x="24" y="5"/>
+                    <a:pt x="24" y="12"/>
+                  </a:cubicBezTo>
+                  <a:cubicBezTo>
+                    <a:pt x="24" y="18"/>
+                    <a:pt x="18" y="23"/>
+                    <a:pt x="12" y="23"/>
+                  </a:cubicBezTo>
+                  <a:close/>
+                  <a:moveTo>
+                    <a:pt x="12" y="4"/>
+                  </a:moveTo>
+                  <a:cubicBezTo>
+                    <a:pt x="8" y="4"/>
+                    <a:pt x="4" y="8"/>
+                    <a:pt x="4" y="12"/>
+                  </a:cubicBezTo>
+                  <a:cubicBezTo>
+                    <a:pt x="4" y="16"/>
+                    <a:pt x="8" y="19"/>
+                    <a:pt x="12" y="19"/>
+                  </a:cubicBezTo>
+                  <a:cubicBezTo>
+                    <a:pt x="16" y="19"/>
+                    <a:pt x="20" y="16"/>
+                    <a:pt x="20" y="12"/>
+                  </a:cubicBezTo>
+                  <a:cubicBezTo>
+                    <a:pt x="20" y="8"/>
+                    <a:pt x="16" y="4"/>
+                    <a:pt x="12" y="4"/>
+                  </a:cubicBezTo>
+                  <a:close/>
+                </a:path>
+              </a:pathLst>
+            </a:custGeom>
+            <a:grpFill/>
+            <a:ln>
+              <a:noFill/>
+            </a:ln>
+            <a:extLst>
+              <a:ext uri="{91240B29-F687-4f45-9708-019B960494DF}">
+                <a14:hiddenLine xmlns:a16="http://schemas.microsoft.com/office/drawing/2014/main" xmlns:p14="http://schemas.microsoft.com/office/powerpoint/2010/main" xmlns:a14="http://schemas.microsoft.com/office/drawing/2010/main" xmlns="" w="9525">
+                  <a:solidFill>
+                    <a:srgbClr val="000000"/>
+                  </a:solidFill>
+                  <a:round/>
+                  <a:headEnd/>
+                  <a:tailEnd/>
+                </a14:hiddenLine>
+              </a:ext>
+            </a:extLst>
+          </p:spPr>
+        </p:sp>
+        <p:sp>
+          <p:nvSpPr>
+            <p:cNvPr id="77" name="Rectangle 21">
+              <a:extLst>
+                <a:ext uri="{FF2B5EF4-FFF2-40B4-BE49-F238E27FC236}">
+                  <a16:creationId xmlns:a16="http://schemas.microsoft.com/office/drawing/2014/main" id="{1EFE245D-BA05-4F4D-A6E8-40739F48E769}"/>
+                </a:ext>
+                <a:ext uri="{C183D7F6-B498-43B3-948B-1728B52AA6E4}">
+                  <adec:decorative xmlns:adec="http://schemas.microsoft.com/office/drawing/2017/decorative" val="1"/>
+                </a:ext>
+              </a:extLst>
+            </p:cNvPr>
+            <p:cNvSpPr>
+              <a:spLocks noChangeArrowheads="1"/>
+            </p:cNvSpPr>
+            <p:nvPr>
+              <p:extLst>
+                <p:ext uri="{386F3935-93C4-4BCD-93E2-E3B085C9AB24}">
+                  <p16:designElem xmlns:p16="http://schemas.microsoft.com/office/powerpoint/2015/main" val="1"/>
+                </p:ext>
+              </p:extLst>
+            </p:nvPr>
+          </p:nvSpPr>
+          <p:spPr bwMode="auto">
+            <a:xfrm>
+              <a:off x="133350" y="4662488"/>
+              <a:ext cx="23813" cy="2181225"/>
+            </a:xfrm>
+            <a:prstGeom prst="rect">
+              <a:avLst/>
+            </a:prstGeom>
+            <a:grpFill/>
+            <a:ln>
+              <a:noFill/>
+            </a:ln>
+            <a:extLst>
+              <a:ext uri="{91240B29-F687-4f45-9708-019B960494DF}">
+                <a14:hiddenLine xmlns:a16="http://schemas.microsoft.com/office/drawing/2014/main" xmlns:p14="http://schemas.microsoft.com/office/powerpoint/2010/main" xmlns:a14="http://schemas.microsoft.com/office/drawing/2010/main" xmlns="" w="9525">
+                  <a:solidFill>
+                    <a:srgbClr val="000000"/>
+                  </a:solidFill>
+                  <a:miter lim="800000"/>
+                  <a:headEnd/>
+                  <a:tailEnd/>
+                </a14:hiddenLine>
+              </a:ext>
+            </a:extLst>
+          </p:spPr>
+        </p:sp>
+        <p:sp>
+          <p:nvSpPr>
+            <p:cNvPr id="78" name="Freeform 22">
+              <a:extLst>
+                <a:ext uri="{FF2B5EF4-FFF2-40B4-BE49-F238E27FC236}">
+                  <a16:creationId xmlns:a16="http://schemas.microsoft.com/office/drawing/2014/main" id="{ED67811C-F735-441C-98A6-2517EC099AFD}"/>
+                </a:ext>
+                <a:ext uri="{C183D7F6-B498-43B3-948B-1728B52AA6E4}">
+                  <adec:decorative xmlns:adec="http://schemas.microsoft.com/office/drawing/2017/decorative" val="1"/>
+                </a:ext>
+              </a:extLst>
+            </p:cNvPr>
+            <p:cNvSpPr/>
+            <p:nvPr>
+              <p:extLst>
+                <p:ext uri="{386F3935-93C4-4BCD-93E2-E3B085C9AB24}">
+                  <p16:designElem xmlns:p16="http://schemas.microsoft.com/office/powerpoint/2015/main" val="1"/>
+                </p:ext>
+              </p:extLst>
+            </p:nvPr>
+          </p:nvSpPr>
+          <p:spPr bwMode="auto">
+            <a:xfrm>
+              <a:off x="223837" y="5041900"/>
+              <a:ext cx="369888" cy="1801813"/>
+            </a:xfrm>
+            <a:custGeom>
+              <a:avLst/>
+              <a:gdLst/>
+              <a:ahLst/>
+              <a:cxnLst/>
+              <a:rect l="0" t="0" r="r" b="b"/>
+              <a:pathLst>
+                <a:path w="233" h="1135">
+                  <a:moveTo>
+                    <a:pt x="15" y="1135"/>
+                  </a:moveTo>
+                  <a:lnTo>
+                    <a:pt x="0" y="1135"/>
+                  </a:lnTo>
+                  <a:lnTo>
+                    <a:pt x="0" y="515"/>
+                  </a:lnTo>
+                  <a:lnTo>
+                    <a:pt x="0" y="512"/>
+                  </a:lnTo>
+                  <a:lnTo>
+                    <a:pt x="218" y="0"/>
+                  </a:lnTo>
+                  <a:lnTo>
+                    <a:pt x="233" y="6"/>
+                  </a:lnTo>
+                  <a:lnTo>
+                    <a:pt x="15" y="518"/>
+                  </a:lnTo>
+                  <a:lnTo>
+                    <a:pt x="15" y="1135"/>
+                  </a:lnTo>
+                  <a:close/>
+                </a:path>
+              </a:pathLst>
+            </a:custGeom>
+            <a:grpFill/>
+            <a:ln>
+              <a:noFill/>
+            </a:ln>
+            <a:extLst>
+              <a:ext uri="{91240B29-F687-4f45-9708-019B960494DF}">
+                <a14:hiddenLine xmlns:a16="http://schemas.microsoft.com/office/drawing/2014/main" xmlns:p14="http://schemas.microsoft.com/office/powerpoint/2010/main" xmlns:a14="http://schemas.microsoft.com/office/drawing/2010/main" xmlns="" w="9525">
+                  <a:solidFill>
+                    <a:srgbClr val="000000"/>
+                  </a:solidFill>
+                  <a:round/>
+                  <a:headEnd/>
+                  <a:tailEnd/>
+                </a14:hiddenLine>
+              </a:ext>
+            </a:extLst>
+          </p:spPr>
+        </p:sp>
+        <p:sp>
+          <p:nvSpPr>
+            <p:cNvPr id="79" name="Freeform 23">
+              <a:extLst>
+                <a:ext uri="{FF2B5EF4-FFF2-40B4-BE49-F238E27FC236}">
+                  <a16:creationId xmlns:a16="http://schemas.microsoft.com/office/drawing/2014/main" id="{3070FC44-32F9-470F-A131-868F3F1DB72F}"/>
+                </a:ext>
+                <a:ext uri="{C183D7F6-B498-43B3-948B-1728B52AA6E4}">
+                  <adec:decorative xmlns:adec="http://schemas.microsoft.com/office/drawing/2017/decorative" val="1"/>
+                </a:ext>
+              </a:extLst>
+            </p:cNvPr>
+            <p:cNvSpPr>
+              <a:spLocks noEditPoints="1"/>
+            </p:cNvSpPr>
+            <p:nvPr>
+              <p:extLst>
+                <p:ext uri="{386F3935-93C4-4BCD-93E2-E3B085C9AB24}">
+                  <p16:designElem xmlns:p16="http://schemas.microsoft.com/office/powerpoint/2015/main" val="1"/>
+                </p:ext>
+              </p:extLst>
+            </p:nvPr>
+          </p:nvSpPr>
+          <p:spPr bwMode="auto">
+            <a:xfrm>
+              <a:off x="52387" y="4481513"/>
+              <a:ext cx="190500" cy="190500"/>
+            </a:xfrm>
+            <a:custGeom>
+              <a:avLst/>
+              <a:gdLst/>
+              <a:ahLst/>
+              <a:cxnLst/>
+              <a:rect l="0" t="0" r="r" b="b"/>
+              <a:pathLst>
+                <a:path w="40" h="40">
+                  <a:moveTo>
+                    <a:pt x="20" y="40"/>
+                  </a:moveTo>
+                  <a:cubicBezTo>
+                    <a:pt x="9" y="40"/>
+                    <a:pt x="0" y="31"/>
+                    <a:pt x="0" y="20"/>
+                  </a:cubicBezTo>
+                  <a:cubicBezTo>
+                    <a:pt x="0" y="9"/>
+                    <a:pt x="9" y="0"/>
+                    <a:pt x="20" y="0"/>
+                  </a:cubicBezTo>
+                  <a:cubicBezTo>
+                    <a:pt x="31" y="0"/>
+                    <a:pt x="40" y="9"/>
+                    <a:pt x="40" y="20"/>
+                  </a:cubicBezTo>
+                  <a:cubicBezTo>
+                    <a:pt x="40" y="31"/>
+                    <a:pt x="31" y="40"/>
+                    <a:pt x="20" y="40"/>
+                  </a:cubicBezTo>
+                  <a:close/>
+                  <a:moveTo>
+                    <a:pt x="20" y="4"/>
+                  </a:moveTo>
+                  <a:cubicBezTo>
+                    <a:pt x="11" y="4"/>
+                    <a:pt x="4" y="11"/>
+                    <a:pt x="4" y="20"/>
+                  </a:cubicBezTo>
+                  <a:cubicBezTo>
+                    <a:pt x="4" y="29"/>
+                    <a:pt x="11" y="36"/>
+                    <a:pt x="20" y="36"/>
+                  </a:cubicBezTo>
+                  <a:cubicBezTo>
+                    <a:pt x="28" y="36"/>
+                    <a:pt x="36" y="29"/>
+                    <a:pt x="36" y="20"/>
+                  </a:cubicBezTo>
+                  <a:cubicBezTo>
+                    <a:pt x="36" y="11"/>
+                    <a:pt x="28" y="4"/>
+                    <a:pt x="20" y="4"/>
+                  </a:cubicBezTo>
+                  <a:close/>
+                </a:path>
+              </a:pathLst>
+            </a:custGeom>
+            <a:grpFill/>
+            <a:ln>
+              <a:noFill/>
+            </a:ln>
+            <a:extLst>
+              <a:ext uri="{91240B29-F687-4f45-9708-019B960494DF}">
+                <a14:hiddenLine xmlns:a16="http://schemas.microsoft.com/office/drawing/2014/main" xmlns:p14="http://schemas.microsoft.com/office/powerpoint/2010/main" xmlns:a14="http://schemas.microsoft.com/office/drawing/2010/main" xmlns="" w="9525">
+                  <a:solidFill>
+                    <a:srgbClr val="000000"/>
+                  </a:solidFill>
+                  <a:round/>
+                  <a:headEnd/>
+                  <a:tailEnd/>
+                </a14:hiddenLine>
+              </a:ext>
+            </a:extLst>
+          </p:spPr>
+        </p:sp>
+        <p:sp>
+          <p:nvSpPr>
+            <p:cNvPr id="80" name="Freeform 24">
+              <a:extLst>
+                <a:ext uri="{FF2B5EF4-FFF2-40B4-BE49-F238E27FC236}">
+                  <a16:creationId xmlns:a16="http://schemas.microsoft.com/office/drawing/2014/main" id="{95FB52C7-C779-4E3F-978C-4595FEF868F5}"/>
+                </a:ext>
+                <a:ext uri="{C183D7F6-B498-43B3-948B-1728B52AA6E4}">
+                  <adec:decorative xmlns:adec="http://schemas.microsoft.com/office/drawing/2017/decorative" val="1"/>
+                </a:ext>
+              </a:extLst>
+            </p:cNvPr>
+            <p:cNvSpPr/>
+            <p:nvPr>
+              <p:extLst>
+                <p:ext uri="{386F3935-93C4-4BCD-93E2-E3B085C9AB24}">
+                  <p16:designElem xmlns:p16="http://schemas.microsoft.com/office/powerpoint/2015/main" val="1"/>
+                </p:ext>
+              </p:extLst>
+            </p:nvPr>
+          </p:nvSpPr>
+          <p:spPr bwMode="auto">
+            <a:xfrm>
+              <a:off x="-14288" y="5627688"/>
+              <a:ext cx="85725" cy="1216025"/>
+            </a:xfrm>
+            <a:custGeom>
+              <a:avLst/>
+              <a:gdLst/>
+              <a:ahLst/>
+              <a:cxnLst/>
+              <a:rect l="0" t="0" r="r" b="b"/>
+              <a:pathLst>
+                <a:path w="54" h="766">
+                  <a:moveTo>
+                    <a:pt x="54" y="766"/>
+                  </a:moveTo>
+                  <a:lnTo>
+                    <a:pt x="36" y="766"/>
+                  </a:lnTo>
+                  <a:lnTo>
+                    <a:pt x="36" y="149"/>
+                  </a:lnTo>
+                  <a:lnTo>
+                    <a:pt x="0" y="3"/>
+                  </a:lnTo>
+                  <a:lnTo>
+                    <a:pt x="18" y="0"/>
+                  </a:lnTo>
+                  <a:lnTo>
+                    <a:pt x="54" y="146"/>
+                  </a:lnTo>
+                  <a:lnTo>
+                    <a:pt x="54" y="766"/>
+                  </a:lnTo>
+                  <a:close/>
+                </a:path>
+              </a:pathLst>
+            </a:custGeom>
+            <a:grpFill/>
+            <a:ln>
+              <a:noFill/>
+            </a:ln>
+            <a:extLst>
+              <a:ext uri="{91240B29-F687-4f45-9708-019B960494DF}">
+                <a14:hiddenLine xmlns:a16="http://schemas.microsoft.com/office/drawing/2014/main" xmlns:p14="http://schemas.microsoft.com/office/powerpoint/2010/main" xmlns:a14="http://schemas.microsoft.com/office/drawing/2010/main" xmlns="" w="9525">
+                  <a:solidFill>
+                    <a:srgbClr val="000000"/>
+                  </a:solidFill>
+                  <a:round/>
+                  <a:headEnd/>
+                  <a:tailEnd/>
+                </a14:hiddenLine>
+              </a:ext>
+            </a:extLst>
+          </p:spPr>
+        </p:sp>
+        <p:sp>
+          <p:nvSpPr>
+            <p:cNvPr id="81" name="Freeform 25">
+              <a:extLst>
+                <a:ext uri="{FF2B5EF4-FFF2-40B4-BE49-F238E27FC236}">
+                  <a16:creationId xmlns:a16="http://schemas.microsoft.com/office/drawing/2014/main" id="{D4EB1759-62AC-4B24-9DC6-E4F8737E8984}"/>
+                </a:ext>
+                <a:ext uri="{C183D7F6-B498-43B3-948B-1728B52AA6E4}">
+                  <adec:decorative xmlns:adec="http://schemas.microsoft.com/office/drawing/2017/decorative" val="1"/>
+                </a:ext>
+              </a:extLst>
+            </p:cNvPr>
+            <p:cNvSpPr>
+              <a:spLocks noEditPoints="1"/>
+            </p:cNvSpPr>
+            <p:nvPr>
+              <p:extLst>
+                <p:ext uri="{386F3935-93C4-4BCD-93E2-E3B085C9AB24}">
+                  <p16:designElem xmlns:p16="http://schemas.microsoft.com/office/powerpoint/2015/main" val="1"/>
+                </p:ext>
+              </p:extLst>
+            </p:nvPr>
+          </p:nvSpPr>
+          <p:spPr bwMode="auto">
+            <a:xfrm>
+              <a:off x="527050" y="4867275"/>
+              <a:ext cx="190500" cy="188913"/>
+            </a:xfrm>
+            <a:custGeom>
+              <a:avLst/>
+              <a:gdLst/>
+              <a:ahLst/>
+              <a:cxnLst/>
+              <a:rect l="0" t="0" r="r" b="b"/>
+              <a:pathLst>
+                <a:path w="40" h="40">
+                  <a:moveTo>
+                    <a:pt x="20" y="40"/>
+                  </a:moveTo>
+                  <a:cubicBezTo>
+                    <a:pt x="9" y="40"/>
+                    <a:pt x="0" y="31"/>
+                    <a:pt x="0" y="20"/>
+                  </a:cubicBezTo>
+                  <a:cubicBezTo>
+                    <a:pt x="0" y="9"/>
+                    <a:pt x="9" y="0"/>
+                    <a:pt x="20" y="0"/>
+                  </a:cubicBezTo>
+                  <a:cubicBezTo>
+                    <a:pt x="31" y="0"/>
+                    <a:pt x="40" y="9"/>
+                    <a:pt x="40" y="20"/>
+                  </a:cubicBezTo>
+                  <a:cubicBezTo>
+                    <a:pt x="40" y="31"/>
+                    <a:pt x="31" y="40"/>
+                    <a:pt x="20" y="40"/>
+                  </a:cubicBezTo>
+                  <a:close/>
+                  <a:moveTo>
+                    <a:pt x="20" y="4"/>
+                  </a:moveTo>
+                  <a:cubicBezTo>
+                    <a:pt x="11" y="4"/>
+                    <a:pt x="4" y="11"/>
+                    <a:pt x="4" y="20"/>
+                  </a:cubicBezTo>
+                  <a:cubicBezTo>
+                    <a:pt x="4" y="29"/>
+                    <a:pt x="11" y="36"/>
+                    <a:pt x="20" y="36"/>
+                  </a:cubicBezTo>
+                  <a:cubicBezTo>
+                    <a:pt x="29" y="36"/>
+                    <a:pt x="36" y="29"/>
+                    <a:pt x="36" y="20"/>
+                  </a:cubicBezTo>
+                  <a:cubicBezTo>
+                    <a:pt x="36" y="11"/>
+                    <a:pt x="29" y="4"/>
+                    <a:pt x="20" y="4"/>
+                  </a:cubicBezTo>
+                  <a:close/>
+                </a:path>
+              </a:pathLst>
+            </a:custGeom>
+            <a:grpFill/>
+            <a:ln>
+              <a:noFill/>
+            </a:ln>
+            <a:extLst>
+              <a:ext uri="{91240B29-F687-4f45-9708-019B960494DF}">
+                <a14:hiddenLine xmlns:a16="http://schemas.microsoft.com/office/drawing/2014/main" xmlns:p14="http://schemas.microsoft.com/office/powerpoint/2010/main" xmlns:a14="http://schemas.microsoft.com/office/drawing/2010/main" xmlns="" w="9525">
+                  <a:solidFill>
+                    <a:srgbClr val="000000"/>
+                  </a:solidFill>
+                  <a:round/>
+                  <a:headEnd/>
+                  <a:tailEnd/>
+                </a14:hiddenLine>
+              </a:ext>
+            </a:extLst>
+          </p:spPr>
+        </p:sp>
+        <p:sp>
+          <p:nvSpPr>
+            <p:cNvPr id="82" name="Freeform 26">
+              <a:extLst>
+                <a:ext uri="{FF2B5EF4-FFF2-40B4-BE49-F238E27FC236}">
+                  <a16:creationId xmlns:a16="http://schemas.microsoft.com/office/drawing/2014/main" id="{7BF6FB39-864B-4F58-86E8-790E16FB3CD7}"/>
+                </a:ext>
+                <a:ext uri="{C183D7F6-B498-43B3-948B-1728B52AA6E4}">
+                  <adec:decorative xmlns:adec="http://schemas.microsoft.com/office/drawing/2017/decorative" val="1"/>
+                </a:ext>
+              </a:extLst>
+            </p:cNvPr>
+            <p:cNvSpPr/>
+            <p:nvPr>
+              <p:extLst>
+                <p:ext uri="{386F3935-93C4-4BCD-93E2-E3B085C9AB24}">
+                  <p16:designElem xmlns:p16="http://schemas.microsoft.com/office/powerpoint/2015/main" val="1"/>
+                </p:ext>
+              </p:extLst>
+            </p:nvPr>
+          </p:nvSpPr>
+          <p:spPr bwMode="auto">
+            <a:xfrm>
+              <a:off x="309562" y="5422900"/>
+              <a:ext cx="374650" cy="1425575"/>
+            </a:xfrm>
+            <a:custGeom>
+              <a:avLst/>
+              <a:gdLst/>
+              <a:ahLst/>
+              <a:cxnLst/>
+              <a:rect l="0" t="0" r="r" b="b"/>
+              <a:pathLst>
+                <a:path w="236" h="898">
+                  <a:moveTo>
+                    <a:pt x="18" y="898"/>
+                  </a:moveTo>
+                  <a:lnTo>
+                    <a:pt x="0" y="898"/>
+                  </a:lnTo>
+                  <a:lnTo>
+                    <a:pt x="0" y="515"/>
+                  </a:lnTo>
+                  <a:lnTo>
+                    <a:pt x="3" y="512"/>
+                  </a:lnTo>
+                  <a:lnTo>
+                    <a:pt x="221" y="0"/>
+                  </a:lnTo>
+                  <a:lnTo>
+                    <a:pt x="236" y="6"/>
+                  </a:lnTo>
+                  <a:lnTo>
+                    <a:pt x="18" y="518"/>
+                  </a:lnTo>
+                  <a:lnTo>
+                    <a:pt x="18" y="898"/>
+                  </a:lnTo>
+                  <a:close/>
+                </a:path>
+              </a:pathLst>
+            </a:custGeom>
+            <a:grpFill/>
+            <a:ln>
+              <a:noFill/>
+            </a:ln>
+            <a:extLst>
+              <a:ext uri="{91240B29-F687-4f45-9708-019B960494DF}">
+                <a14:hiddenLine xmlns:a16="http://schemas.microsoft.com/office/drawing/2014/main" xmlns:p14="http://schemas.microsoft.com/office/powerpoint/2010/main" xmlns:a14="http://schemas.microsoft.com/office/drawing/2010/main" xmlns="" w="9525">
+                  <a:solidFill>
+                    <a:srgbClr val="000000"/>
+                  </a:solidFill>
+                  <a:round/>
+                  <a:headEnd/>
+                  <a:tailEnd/>
+                </a14:hiddenLine>
+              </a:ext>
+            </a:extLst>
+          </p:spPr>
+        </p:sp>
+        <p:sp>
+          <p:nvSpPr>
+            <p:cNvPr id="83" name="Freeform 27">
+              <a:extLst>
+                <a:ext uri="{FF2B5EF4-FFF2-40B4-BE49-F238E27FC236}">
+                  <a16:creationId xmlns:a16="http://schemas.microsoft.com/office/drawing/2014/main" id="{5FE4FA46-B51C-43DA-87FC-2644ED117A01}"/>
+                </a:ext>
+                <a:ext uri="{C183D7F6-B498-43B3-948B-1728B52AA6E4}">
+                  <adec:decorative xmlns:adec="http://schemas.microsoft.com/office/drawing/2017/decorative" val="1"/>
+                </a:ext>
+              </a:extLst>
+            </p:cNvPr>
+            <p:cNvSpPr/>
+            <p:nvPr>
+              <p:extLst>
+                <p:ext uri="{386F3935-93C4-4BCD-93E2-E3B085C9AB24}">
+                  <p16:designElem xmlns:p16="http://schemas.microsoft.com/office/powerpoint/2015/main" val="1"/>
+                </p:ext>
+              </p:extLst>
+            </p:nvPr>
+          </p:nvSpPr>
+          <p:spPr bwMode="auto">
+            <a:xfrm>
+              <a:off x="569912" y="5945188"/>
+              <a:ext cx="152400" cy="912813"/>
+            </a:xfrm>
+            <a:custGeom>
+              <a:avLst/>
+              <a:gdLst/>
+              <a:ahLst/>
+              <a:cxnLst/>
+              <a:rect l="0" t="0" r="r" b="b"/>
+              <a:pathLst>
+                <a:path w="96" h="575">
+                  <a:moveTo>
+                    <a:pt x="15" y="575"/>
+                  </a:moveTo>
+                  <a:lnTo>
+                    <a:pt x="0" y="569"/>
+                  </a:lnTo>
+                  <a:lnTo>
+                    <a:pt x="81" y="383"/>
+                  </a:lnTo>
+                  <a:lnTo>
+                    <a:pt x="81" y="0"/>
+                  </a:lnTo>
+                  <a:lnTo>
+                    <a:pt x="96" y="0"/>
+                  </a:lnTo>
+                  <a:lnTo>
+                    <a:pt x="96" y="386"/>
+                  </a:lnTo>
+                  <a:lnTo>
+                    <a:pt x="15" y="575"/>
+                  </a:lnTo>
+                  <a:close/>
+                </a:path>
+              </a:pathLst>
+            </a:custGeom>
+            <a:grpFill/>
+            <a:ln>
+              <a:noFill/>
+            </a:ln>
+            <a:extLst>
+              <a:ext uri="{91240B29-F687-4f45-9708-019B960494DF}">
+                <a14:hiddenLine xmlns:a16="http://schemas.microsoft.com/office/drawing/2014/main" xmlns:p14="http://schemas.microsoft.com/office/powerpoint/2010/main" xmlns:a14="http://schemas.microsoft.com/office/drawing/2010/main" xmlns="" w="9525">
+                  <a:solidFill>
+                    <a:srgbClr val="000000"/>
+                  </a:solidFill>
+                  <a:round/>
+                  <a:headEnd/>
+                  <a:tailEnd/>
+                </a14:hiddenLine>
+              </a:ext>
+            </a:extLst>
+          </p:spPr>
+        </p:sp>
+        <p:sp>
+          <p:nvSpPr>
+            <p:cNvPr id="84" name="Freeform 28">
+              <a:extLst>
+                <a:ext uri="{FF2B5EF4-FFF2-40B4-BE49-F238E27FC236}">
+                  <a16:creationId xmlns:a16="http://schemas.microsoft.com/office/drawing/2014/main" id="{25DD1322-2D3A-4E7B-B23B-B4F96E02C29F}"/>
+                </a:ext>
+                <a:ext uri="{C183D7F6-B498-43B3-948B-1728B52AA6E4}">
+                  <adec:decorative xmlns:adec="http://schemas.microsoft.com/office/drawing/2017/decorative" val="1"/>
+                </a:ext>
+              </a:extLst>
+            </p:cNvPr>
+            <p:cNvSpPr>
+              <a:spLocks noEditPoints="1"/>
+            </p:cNvSpPr>
+            <p:nvPr>
+              <p:extLst>
+                <p:ext uri="{386F3935-93C4-4BCD-93E2-E3B085C9AB24}">
+                  <p16:designElem xmlns:p16="http://schemas.microsoft.com/office/powerpoint/2015/main" val="1"/>
+                </p:ext>
+              </p:extLst>
+            </p:nvPr>
+          </p:nvSpPr>
+          <p:spPr bwMode="auto">
+            <a:xfrm>
+              <a:off x="612775" y="5246688"/>
+              <a:ext cx="190500" cy="190500"/>
+            </a:xfrm>
+            <a:custGeom>
+              <a:avLst/>
+              <a:gdLst/>
+              <a:ahLst/>
+              <a:cxnLst/>
+              <a:rect l="0" t="0" r="r" b="b"/>
+              <a:pathLst>
+                <a:path w="40" h="40">
+                  <a:moveTo>
+                    <a:pt x="20" y="40"/>
+                  </a:moveTo>
+                  <a:cubicBezTo>
+                    <a:pt x="9" y="40"/>
+                    <a:pt x="0" y="31"/>
+                    <a:pt x="0" y="20"/>
+                  </a:cubicBezTo>
+                  <a:cubicBezTo>
+                    <a:pt x="0" y="9"/>
+                    <a:pt x="9" y="0"/>
+                    <a:pt x="20" y="0"/>
+                  </a:cubicBezTo>
+                  <a:cubicBezTo>
+                    <a:pt x="31" y="0"/>
+                    <a:pt x="40" y="9"/>
+                    <a:pt x="40" y="20"/>
+                  </a:cubicBezTo>
+                  <a:cubicBezTo>
+                    <a:pt x="40" y="31"/>
+                    <a:pt x="31" y="40"/>
+                    <a:pt x="20" y="40"/>
+                  </a:cubicBezTo>
+                  <a:close/>
+                  <a:moveTo>
+                    <a:pt x="20" y="4"/>
+                  </a:moveTo>
+                  <a:cubicBezTo>
+                    <a:pt x="12" y="4"/>
+                    <a:pt x="4" y="11"/>
+                    <a:pt x="4" y="20"/>
+                  </a:cubicBezTo>
+                  <a:cubicBezTo>
+                    <a:pt x="4" y="29"/>
+                    <a:pt x="12" y="36"/>
+                    <a:pt x="20" y="36"/>
+                  </a:cubicBezTo>
+                  <a:cubicBezTo>
+                    <a:pt x="29" y="36"/>
+                    <a:pt x="36" y="29"/>
+                    <a:pt x="36" y="20"/>
+                  </a:cubicBezTo>
+                  <a:cubicBezTo>
+                    <a:pt x="36" y="11"/>
+                    <a:pt x="29" y="4"/>
+                    <a:pt x="20" y="4"/>
+                  </a:cubicBezTo>
+                  <a:close/>
+                </a:path>
+              </a:pathLst>
+            </a:custGeom>
+            <a:grpFill/>
+            <a:ln>
+              <a:noFill/>
+            </a:ln>
+            <a:extLst>
+              <a:ext uri="{91240B29-F687-4f45-9708-019B960494DF}">
+                <a14:hiddenLine xmlns:a16="http://schemas.microsoft.com/office/drawing/2014/main" xmlns:p14="http://schemas.microsoft.com/office/powerpoint/2010/main" xmlns:a14="http://schemas.microsoft.com/office/drawing/2010/main" xmlns="" w="9525">
+                  <a:solidFill>
+                    <a:srgbClr val="000000"/>
+                  </a:solidFill>
+                  <a:round/>
+                  <a:headEnd/>
+                  <a:tailEnd/>
+                </a14:hiddenLine>
+              </a:ext>
+            </a:extLst>
+          </p:spPr>
+        </p:sp>
+        <p:sp>
+          <p:nvSpPr>
+            <p:cNvPr id="85" name="Freeform 29">
+              <a:extLst>
+                <a:ext uri="{FF2B5EF4-FFF2-40B4-BE49-F238E27FC236}">
+                  <a16:creationId xmlns:a16="http://schemas.microsoft.com/office/drawing/2014/main" id="{6E4FFBEB-52BB-494D-AD99-A0F072AB6F35}"/>
+                </a:ext>
+                <a:ext uri="{C183D7F6-B498-43B3-948B-1728B52AA6E4}">
+                  <adec:decorative xmlns:adec="http://schemas.microsoft.com/office/drawing/2017/decorative" val="1"/>
+                </a:ext>
+              </a:extLst>
+            </p:cNvPr>
+            <p:cNvSpPr>
+              <a:spLocks noEditPoints="1"/>
+            </p:cNvSpPr>
+            <p:nvPr>
+              <p:extLst>
+                <p:ext uri="{386F3935-93C4-4BCD-93E2-E3B085C9AB24}">
+                  <p16:designElem xmlns:p16="http://schemas.microsoft.com/office/powerpoint/2015/main" val="1"/>
+                </p:ext>
+              </p:extLst>
+            </p:nvPr>
+          </p:nvSpPr>
+          <p:spPr bwMode="auto">
+            <a:xfrm>
+              <a:off x="612775" y="5764213"/>
+              <a:ext cx="190500" cy="190500"/>
+            </a:xfrm>
+            <a:custGeom>
+              <a:avLst/>
+              <a:gdLst/>
+              <a:ahLst/>
+              <a:cxnLst/>
+              <a:rect l="0" t="0" r="r" b="b"/>
+              <a:pathLst>
+                <a:path w="40" h="40">
+                  <a:moveTo>
+                    <a:pt x="20" y="40"/>
+                  </a:moveTo>
+                  <a:cubicBezTo>
+                    <a:pt x="9" y="40"/>
+                    <a:pt x="0" y="31"/>
+                    <a:pt x="0" y="20"/>
+                  </a:cubicBezTo>
+                  <a:cubicBezTo>
+                    <a:pt x="0" y="9"/>
+                    <a:pt x="9" y="0"/>
+                    <a:pt x="20" y="0"/>
+                  </a:cubicBezTo>
+                  <a:cubicBezTo>
+                    <a:pt x="31" y="0"/>
+                    <a:pt x="40" y="9"/>
+                    <a:pt x="40" y="20"/>
+                  </a:cubicBezTo>
+                  <a:cubicBezTo>
+                    <a:pt x="40" y="31"/>
+                    <a:pt x="31" y="40"/>
+                    <a:pt x="20" y="40"/>
+                  </a:cubicBezTo>
+                  <a:close/>
+                  <a:moveTo>
+                    <a:pt x="20" y="4"/>
+                  </a:moveTo>
+                  <a:cubicBezTo>
+                    <a:pt x="12" y="4"/>
+                    <a:pt x="4" y="11"/>
+                    <a:pt x="4" y="20"/>
+                  </a:cubicBezTo>
+                  <a:cubicBezTo>
+                    <a:pt x="4" y="29"/>
+                    <a:pt x="12" y="36"/>
+                    <a:pt x="20" y="36"/>
+                  </a:cubicBezTo>
+                  <a:cubicBezTo>
+                    <a:pt x="29" y="36"/>
+                    <a:pt x="36" y="29"/>
+                    <a:pt x="36" y="20"/>
+                  </a:cubicBezTo>
+                  <a:cubicBezTo>
+                    <a:pt x="36" y="11"/>
+                    <a:pt x="29" y="4"/>
+                    <a:pt x="20" y="4"/>
+                  </a:cubicBezTo>
+                  <a:close/>
+                </a:path>
+              </a:pathLst>
+            </a:custGeom>
+            <a:grpFill/>
+            <a:ln>
+              <a:noFill/>
+            </a:ln>
+            <a:extLst>
+              <a:ext uri="{91240B29-F687-4f45-9708-019B960494DF}">
+                <a14:hiddenLine xmlns:a16="http://schemas.microsoft.com/office/drawing/2014/main" xmlns:p14="http://schemas.microsoft.com/office/powerpoint/2010/main" xmlns:a14="http://schemas.microsoft.com/office/drawing/2010/main" xmlns="" w="9525">
+                  <a:solidFill>
+                    <a:srgbClr val="000000"/>
+                  </a:solidFill>
+                  <a:round/>
+                  <a:headEnd/>
+                  <a:tailEnd/>
+                </a14:hiddenLine>
+              </a:ext>
+            </a:extLst>
+          </p:spPr>
+        </p:sp>
+        <p:sp>
+          <p:nvSpPr>
+            <p:cNvPr id="86" name="Freeform 30">
+              <a:extLst>
+                <a:ext uri="{FF2B5EF4-FFF2-40B4-BE49-F238E27FC236}">
+                  <a16:creationId xmlns:a16="http://schemas.microsoft.com/office/drawing/2014/main" id="{7DE92406-3F65-4333-BAAA-A9A7B5AEE911}"/>
+                </a:ext>
+                <a:ext uri="{C183D7F6-B498-43B3-948B-1728B52AA6E4}">
+                  <adec:decorative xmlns:adec="http://schemas.microsoft.com/office/drawing/2017/decorative" val="1"/>
+                </a:ext>
+              </a:extLst>
+            </p:cNvPr>
+            <p:cNvSpPr/>
+            <p:nvPr>
+              <p:extLst>
+                <p:ext uri="{386F3935-93C4-4BCD-93E2-E3B085C9AB24}">
+                  <p16:designElem xmlns:p16="http://schemas.microsoft.com/office/powerpoint/2015/main" val="1"/>
+                </p:ext>
+              </p:extLst>
+            </p:nvPr>
+          </p:nvSpPr>
+          <p:spPr bwMode="auto">
+            <a:xfrm>
+              <a:off x="669925" y="6330950"/>
+              <a:ext cx="417513" cy="517525"/>
+            </a:xfrm>
+            <a:custGeom>
+              <a:avLst/>
+              <a:gdLst/>
+              <a:ahLst/>
+              <a:cxnLst/>
+              <a:rect l="0" t="0" r="r" b="b"/>
+              <a:pathLst>
+                <a:path w="263" h="326">
+                  <a:moveTo>
+                    <a:pt x="15" y="326"/>
+                  </a:moveTo>
+                  <a:lnTo>
+                    <a:pt x="0" y="320"/>
+                  </a:lnTo>
+                  <a:lnTo>
+                    <a:pt x="45" y="206"/>
+                  </a:lnTo>
+                  <a:lnTo>
+                    <a:pt x="48" y="206"/>
+                  </a:lnTo>
+                  <a:lnTo>
+                    <a:pt x="254" y="0"/>
+                  </a:lnTo>
+                  <a:lnTo>
+                    <a:pt x="263" y="12"/>
+                  </a:lnTo>
+                  <a:lnTo>
+                    <a:pt x="60" y="215"/>
+                  </a:lnTo>
+                  <a:lnTo>
+                    <a:pt x="15" y="326"/>
+                  </a:lnTo>
+                  <a:close/>
+                </a:path>
+              </a:pathLst>
+            </a:custGeom>
+            <a:grpFill/>
+            <a:ln>
+              <a:noFill/>
+            </a:ln>
+            <a:extLst>
+              <a:ext uri="{91240B29-F687-4f45-9708-019B960494DF}">
+                <a14:hiddenLine xmlns:a16="http://schemas.microsoft.com/office/drawing/2014/main" xmlns:p14="http://schemas.microsoft.com/office/powerpoint/2010/main" xmlns:a14="http://schemas.microsoft.com/office/drawing/2010/main" xmlns="" w="9525">
+                  <a:solidFill>
+                    <a:srgbClr val="000000"/>
+                  </a:solidFill>
+                  <a:round/>
+                  <a:headEnd/>
+                  <a:tailEnd/>
+                </a14:hiddenLine>
+              </a:ext>
+            </a:extLst>
+          </p:spPr>
+        </p:sp>
+        <p:sp>
+          <p:nvSpPr>
+            <p:cNvPr id="87" name="Freeform 31">
+              <a:extLst>
+                <a:ext uri="{FF2B5EF4-FFF2-40B4-BE49-F238E27FC236}">
+                  <a16:creationId xmlns:a16="http://schemas.microsoft.com/office/drawing/2014/main" id="{B8B0FFC4-D1BB-4BB9-A224-BB78BFD33801}"/>
+                </a:ext>
+                <a:ext uri="{C183D7F6-B498-43B3-948B-1728B52AA6E4}">
+                  <adec:decorative xmlns:adec="http://schemas.microsoft.com/office/drawing/2017/decorative" val="1"/>
+                </a:ext>
+              </a:extLst>
+            </p:cNvPr>
+            <p:cNvSpPr>
+              <a:spLocks noEditPoints="1"/>
+            </p:cNvSpPr>
+            <p:nvPr>
+              <p:extLst>
+                <p:ext uri="{386F3935-93C4-4BCD-93E2-E3B085C9AB24}">
+                  <p16:designElem xmlns:p16="http://schemas.microsoft.com/office/powerpoint/2015/main" val="1"/>
+                </p:ext>
+              </p:extLst>
+            </p:nvPr>
+          </p:nvSpPr>
+          <p:spPr bwMode="auto">
+            <a:xfrm>
+              <a:off x="1049337" y="6221413"/>
+              <a:ext cx="157163" cy="147638"/>
+            </a:xfrm>
+            <a:custGeom>
+              <a:avLst/>
+              <a:gdLst/>
+              <a:ahLst/>
+              <a:cxnLst/>
+              <a:rect l="0" t="0" r="r" b="b"/>
+              <a:pathLst>
+                <a:path w="33" h="31">
+                  <a:moveTo>
+                    <a:pt x="16" y="31"/>
+                  </a:moveTo>
+                  <a:cubicBezTo>
+                    <a:pt x="12" y="31"/>
+                    <a:pt x="8" y="29"/>
+                    <a:pt x="5" y="26"/>
+                  </a:cubicBezTo>
+                  <a:cubicBezTo>
+                    <a:pt x="2" y="24"/>
+                    <a:pt x="0" y="20"/>
+                    <a:pt x="0" y="15"/>
+                  </a:cubicBezTo>
+                  <a:cubicBezTo>
+                    <a:pt x="0" y="11"/>
+                    <a:pt x="2" y="7"/>
+                    <a:pt x="5" y="4"/>
+                  </a:cubicBezTo>
+                  <a:cubicBezTo>
+                    <a:pt x="8" y="1"/>
+                    <a:pt x="12" y="0"/>
+                    <a:pt x="16" y="0"/>
+                  </a:cubicBezTo>
+                  <a:cubicBezTo>
+                    <a:pt x="20" y="0"/>
+                    <a:pt x="24" y="1"/>
+                    <a:pt x="27" y="4"/>
+                  </a:cubicBezTo>
+                  <a:cubicBezTo>
+                    <a:pt x="33" y="10"/>
+                    <a:pt x="33" y="20"/>
+                    <a:pt x="27" y="26"/>
+                  </a:cubicBezTo>
+                  <a:cubicBezTo>
+                    <a:pt x="24" y="29"/>
+                    <a:pt x="20" y="31"/>
+                    <a:pt x="16" y="31"/>
+                  </a:cubicBezTo>
+                  <a:close/>
+                  <a:moveTo>
+                    <a:pt x="16" y="4"/>
+                  </a:moveTo>
+                  <a:cubicBezTo>
+                    <a:pt x="13" y="4"/>
+                    <a:pt x="10" y="5"/>
+                    <a:pt x="8" y="7"/>
+                  </a:cubicBezTo>
+                  <a:cubicBezTo>
+                    <a:pt x="6" y="9"/>
+                    <a:pt x="4" y="12"/>
+                    <a:pt x="4" y="15"/>
+                  </a:cubicBezTo>
+                  <a:cubicBezTo>
+                    <a:pt x="4" y="19"/>
+                    <a:pt x="6" y="21"/>
+                    <a:pt x="8" y="24"/>
+                  </a:cubicBezTo>
+                  <a:cubicBezTo>
+                    <a:pt x="10" y="26"/>
+                    <a:pt x="13" y="27"/>
+                    <a:pt x="16" y="27"/>
+                  </a:cubicBezTo>
+                  <a:cubicBezTo>
+                    <a:pt x="19" y="27"/>
+                    <a:pt x="22" y="26"/>
+                    <a:pt x="24" y="24"/>
+                  </a:cubicBezTo>
+                  <a:cubicBezTo>
+                    <a:pt x="29" y="19"/>
+                    <a:pt x="29" y="12"/>
+                    <a:pt x="24" y="7"/>
+                  </a:cubicBezTo>
+                  <a:cubicBezTo>
+                    <a:pt x="22" y="5"/>
+                    <a:pt x="19" y="4"/>
+                    <a:pt x="16" y="4"/>
+                  </a:cubicBezTo>
+                  <a:close/>
+                </a:path>
+              </a:pathLst>
+            </a:custGeom>
+            <a:grpFill/>
+            <a:ln>
+              <a:noFill/>
+            </a:ln>
+            <a:extLst>
+              <a:ext uri="{91240B29-F687-4f45-9708-019B960494DF}">
+                <a14:hiddenLine xmlns:a16="http://schemas.microsoft.com/office/drawing/2014/main" xmlns:p14="http://schemas.microsoft.com/office/powerpoint/2010/main" xmlns:a14="http://schemas.microsoft.com/office/drawing/2010/main" xmlns="" w="9525">
+                  <a:solidFill>
+                    <a:srgbClr val="000000"/>
+                  </a:solidFill>
+                  <a:round/>
+                  <a:headEnd/>
+                  <a:tailEnd/>
+                </a14:hiddenLine>
+              </a:ext>
+            </a:extLst>
+          </p:spPr>
+        </p:sp>
+      </p:grpSp>
+      <p:sp>
+        <p:nvSpPr>
+          <p:cNvPr id="3" name="Content Placeholder 2">
+            <a:extLst>
+              <a:ext uri="{FF2B5EF4-FFF2-40B4-BE49-F238E27FC236}">
+                <a16:creationId xmlns:a16="http://schemas.microsoft.com/office/drawing/2014/main" id="{9F607E39-5D01-4DF3-AF4A-C299C8C012C7}"/>
+              </a:ext>
+            </a:extLst>
+          </p:cNvPr>
+          <p:cNvSpPr>
+            <a:spLocks noGrp="1"/>
+          </p:cNvSpPr>
+          <p:nvPr>
+            <p:ph idx="1"/>
+          </p:nvPr>
+        </p:nvSpPr>
+        <p:spPr>
+          <a:xfrm>
+            <a:off x="1163639" y="1658143"/>
+            <a:ext cx="9840911" cy="3541714"/>
+          </a:xfrm>
+        </p:spPr>
+        <p:txBody>
+          <a:bodyPr anchor="t">
+            <a:normAutofit/>
+          </a:bodyPr>
+          <a:lstStyle/>
+          <a:p>
+            <a:r>
+              <a:rPr lang="en-US"/>
+              <a:t>“We tend to build general-purpose systems and hardware, Machine learning makes it possible that the system is automatically customized, to its core, to the specific data and access patterns of a user.”</a:t>
+            </a:r>
+          </a:p>
+          <a:p>
+            <a:pPr marL="457200" lvl="1" indent="0">
+              <a:buNone/>
+            </a:pPr>
+            <a:r>
+              <a:rPr lang="en-US"/>
+              <a:t>-Tim Krashka (Associate professor, MIT)</a:t>
+            </a:r>
+            <a:endParaRPr lang="en-US" dirty="0"/>
+          </a:p>
+        </p:txBody>
+      </p:sp>
+      <p:grpSp>
+        <p:nvGrpSpPr>
+          <p:cNvPr id="89" name="Group 88">
+            <a:extLst>
+              <a:ext uri="{FF2B5EF4-FFF2-40B4-BE49-F238E27FC236}">
+                <a16:creationId xmlns:a16="http://schemas.microsoft.com/office/drawing/2014/main" id="{8DB4BB99-C854-45F9-BED1-63D15E3A2411}"/>
+              </a:ext>
+              <a:ext uri="{C183D7F6-B498-43B3-948B-1728B52AA6E4}">
+                <adec:decorative xmlns:adec="http://schemas.microsoft.com/office/drawing/2017/decorative" val="1"/>
+              </a:ext>
+            </a:extLst>
+          </p:cNvPr>
+          <p:cNvGrpSpPr>
+            <a:grpSpLocks noGrp="1" noUngrp="1" noRot="1" noChangeAspect="1" noMove="1" noResize="1"/>
+          </p:cNvGrpSpPr>
+          <p:nvPr>
+            <p:extLst>
+              <p:ext uri="{386F3935-93C4-4BCD-93E2-E3B085C9AB24}">
+                <p16:designElem xmlns:p16="http://schemas.microsoft.com/office/powerpoint/2015/main" val="1"/>
+              </p:ext>
+            </p:extLst>
+          </p:nvPr>
+        </p:nvGrpSpPr>
+        <p:grpSpPr>
+          <a:xfrm>
+            <a:off x="11364912" y="0"/>
+            <a:ext cx="674688" cy="6848476"/>
+            <a:chOff x="11364912" y="0"/>
+            <a:chExt cx="674688" cy="6848476"/>
+          </a:xfrm>
+          <a:solidFill>
+            <a:schemeClr val="tx2">
+              <a:alpha val="45000"/>
+            </a:schemeClr>
+          </a:solidFill>
+        </p:grpSpPr>
+        <p:sp>
+          <p:nvSpPr>
+            <p:cNvPr id="90" name="Freeform 32">
+              <a:extLst>
+                <a:ext uri="{FF2B5EF4-FFF2-40B4-BE49-F238E27FC236}">
+                  <a16:creationId xmlns:a16="http://schemas.microsoft.com/office/drawing/2014/main" id="{5D1CCC4C-284C-4BF6-97D9-D9746746348F}"/>
+                </a:ext>
+                <a:ext uri="{C183D7F6-B498-43B3-948B-1728B52AA6E4}">
+                  <adec:decorative xmlns:adec="http://schemas.microsoft.com/office/drawing/2017/decorative" val="1"/>
+                </a:ext>
+              </a:extLst>
+            </p:cNvPr>
+            <p:cNvSpPr/>
+            <p:nvPr>
+              <p:extLst>
+                <p:ext uri="{386F3935-93C4-4BCD-93E2-E3B085C9AB24}">
+                  <p16:designElem xmlns:p16="http://schemas.microsoft.com/office/powerpoint/2015/main" val="1"/>
+                </p:ext>
+              </p:extLst>
+            </p:nvPr>
+          </p:nvSpPr>
+          <p:spPr bwMode="auto">
+            <a:xfrm>
+              <a:off x="11483975" y="0"/>
+              <a:ext cx="417513" cy="512763"/>
+            </a:xfrm>
+            <a:custGeom>
+              <a:avLst/>
+              <a:gdLst/>
+              <a:ahLst/>
+              <a:cxnLst/>
+              <a:rect l="0" t="0" r="r" b="b"/>
+              <a:pathLst>
+                <a:path w="263" h="323">
+                  <a:moveTo>
+                    <a:pt x="12" y="323"/>
+                  </a:moveTo>
+                  <a:lnTo>
+                    <a:pt x="0" y="314"/>
+                  </a:lnTo>
+                  <a:lnTo>
+                    <a:pt x="203" y="108"/>
+                  </a:lnTo>
+                  <a:lnTo>
+                    <a:pt x="248" y="0"/>
+                  </a:lnTo>
+                  <a:lnTo>
+                    <a:pt x="263" y="6"/>
+                  </a:lnTo>
+                  <a:lnTo>
+                    <a:pt x="218" y="117"/>
+                  </a:lnTo>
+                  <a:lnTo>
+                    <a:pt x="218" y="117"/>
+                  </a:lnTo>
+                  <a:lnTo>
+                    <a:pt x="12" y="323"/>
+                  </a:lnTo>
+                  <a:close/>
+                </a:path>
+              </a:pathLst>
+            </a:custGeom>
+            <a:grpFill/>
+            <a:ln>
+              <a:noFill/>
+            </a:ln>
+            <a:extLst>
+              <a:ext uri="{91240B29-F687-4f45-9708-019B960494DF}">
+                <a14:hiddenLine xmlns:a16="http://schemas.microsoft.com/office/drawing/2014/main" xmlns:p14="http://schemas.microsoft.com/office/powerpoint/2010/main" xmlns:a14="http://schemas.microsoft.com/office/drawing/2010/main" xmlns="" w="9525">
+                  <a:solidFill>
+                    <a:srgbClr val="000000"/>
+                  </a:solidFill>
+                  <a:round/>
+                  <a:headEnd/>
+                  <a:tailEnd/>
+                </a14:hiddenLine>
+              </a:ext>
+            </a:extLst>
+          </p:spPr>
+        </p:sp>
+        <p:sp>
+          <p:nvSpPr>
+            <p:cNvPr id="91" name="Freeform 33">
+              <a:extLst>
+                <a:ext uri="{FF2B5EF4-FFF2-40B4-BE49-F238E27FC236}">
+                  <a16:creationId xmlns:a16="http://schemas.microsoft.com/office/drawing/2014/main" id="{35D82D1B-EB09-4028-9107-D60B547C7B42}"/>
+                </a:ext>
+                <a:ext uri="{C183D7F6-B498-43B3-948B-1728B52AA6E4}">
+                  <adec:decorative xmlns:adec="http://schemas.microsoft.com/office/drawing/2017/decorative" val="1"/>
+                </a:ext>
+              </a:extLst>
+            </p:cNvPr>
+            <p:cNvSpPr>
+              <a:spLocks noEditPoints="1"/>
+            </p:cNvSpPr>
+            <p:nvPr>
+              <p:extLst>
+                <p:ext uri="{386F3935-93C4-4BCD-93E2-E3B085C9AB24}">
+                  <p16:designElem xmlns:p16="http://schemas.microsoft.com/office/powerpoint/2015/main" val="1"/>
+                </p:ext>
+              </p:extLst>
+            </p:nvPr>
+          </p:nvSpPr>
+          <p:spPr bwMode="auto">
+            <a:xfrm>
+              <a:off x="11364912" y="474663"/>
+              <a:ext cx="157163" cy="152400"/>
+            </a:xfrm>
+            <a:custGeom>
+              <a:avLst/>
+              <a:gdLst/>
+              <a:ahLst/>
+              <a:cxnLst/>
+              <a:rect l="0" t="0" r="r" b="b"/>
+              <a:pathLst>
+                <a:path w="33" h="32">
+                  <a:moveTo>
+                    <a:pt x="17" y="32"/>
+                  </a:moveTo>
+                  <a:cubicBezTo>
+                    <a:pt x="13" y="32"/>
+                    <a:pt x="9" y="30"/>
+                    <a:pt x="6" y="27"/>
+                  </a:cubicBezTo>
+                  <a:cubicBezTo>
+                    <a:pt x="0" y="21"/>
+                    <a:pt x="0" y="11"/>
+                    <a:pt x="6" y="5"/>
+                  </a:cubicBezTo>
+                  <a:cubicBezTo>
+                    <a:pt x="9" y="2"/>
+                    <a:pt x="13" y="0"/>
+                    <a:pt x="17" y="0"/>
+                  </a:cubicBezTo>
+                  <a:cubicBezTo>
+                    <a:pt x="21" y="0"/>
+                    <a:pt x="25" y="2"/>
+                    <a:pt x="28" y="5"/>
+                  </a:cubicBezTo>
+                  <a:cubicBezTo>
+                    <a:pt x="31" y="8"/>
+                    <a:pt x="33" y="12"/>
+                    <a:pt x="33" y="16"/>
+                  </a:cubicBezTo>
+                  <a:cubicBezTo>
+                    <a:pt x="33" y="20"/>
+                    <a:pt x="31" y="24"/>
+                    <a:pt x="28" y="27"/>
+                  </a:cubicBezTo>
+                  <a:cubicBezTo>
+                    <a:pt x="25" y="30"/>
+                    <a:pt x="21" y="32"/>
+                    <a:pt x="17" y="32"/>
+                  </a:cubicBezTo>
+                  <a:close/>
+                  <a:moveTo>
+                    <a:pt x="17" y="4"/>
+                  </a:moveTo>
+                  <a:cubicBezTo>
+                    <a:pt x="14" y="4"/>
+                    <a:pt x="11" y="6"/>
+                    <a:pt x="9" y="8"/>
+                  </a:cubicBezTo>
+                  <a:cubicBezTo>
+                    <a:pt x="4" y="12"/>
+                    <a:pt x="4" y="20"/>
+                    <a:pt x="9" y="24"/>
+                  </a:cubicBezTo>
+                  <a:cubicBezTo>
+                    <a:pt x="11" y="27"/>
+                    <a:pt x="14" y="28"/>
+                    <a:pt x="17" y="28"/>
+                  </a:cubicBezTo>
+                  <a:cubicBezTo>
+                    <a:pt x="20" y="28"/>
+                    <a:pt x="23" y="27"/>
+                    <a:pt x="26" y="24"/>
+                  </a:cubicBezTo>
+                  <a:cubicBezTo>
+                    <a:pt x="30" y="20"/>
+                    <a:pt x="30" y="12"/>
+                    <a:pt x="26" y="8"/>
+                  </a:cubicBezTo>
+                  <a:cubicBezTo>
+                    <a:pt x="23" y="6"/>
+                    <a:pt x="20" y="4"/>
+                    <a:pt x="17" y="4"/>
+                  </a:cubicBezTo>
+                  <a:close/>
+                </a:path>
+              </a:pathLst>
+            </a:custGeom>
+            <a:grpFill/>
+            <a:ln>
+              <a:noFill/>
+            </a:ln>
+            <a:extLst>
+              <a:ext uri="{91240B29-F687-4f45-9708-019B960494DF}">
+                <a14:hiddenLine xmlns:a16="http://schemas.microsoft.com/office/drawing/2014/main" xmlns:p14="http://schemas.microsoft.com/office/powerpoint/2010/main" xmlns:a14="http://schemas.microsoft.com/office/drawing/2010/main" xmlns="" w="9525">
+                  <a:solidFill>
+                    <a:srgbClr val="000000"/>
+                  </a:solidFill>
+                  <a:round/>
+                  <a:headEnd/>
+                  <a:tailEnd/>
+                </a14:hiddenLine>
+              </a:ext>
+            </a:extLst>
+          </p:spPr>
+        </p:sp>
+        <p:sp>
+          <p:nvSpPr>
+            <p:cNvPr id="92" name="Freeform 34">
+              <a:extLst>
+                <a:ext uri="{FF2B5EF4-FFF2-40B4-BE49-F238E27FC236}">
+                  <a16:creationId xmlns:a16="http://schemas.microsoft.com/office/drawing/2014/main" id="{1389EE93-8059-437E-8507-7557AD68FB1D}"/>
+                </a:ext>
+                <a:ext uri="{C183D7F6-B498-43B3-948B-1728B52AA6E4}">
+                  <adec:decorative xmlns:adec="http://schemas.microsoft.com/office/drawing/2017/decorative" val="1"/>
+                </a:ext>
+              </a:extLst>
+            </p:cNvPr>
+            <p:cNvSpPr>
+              <a:spLocks noEditPoints="1"/>
+            </p:cNvSpPr>
+            <p:nvPr>
+              <p:extLst>
+                <p:ext uri="{386F3935-93C4-4BCD-93E2-E3B085C9AB24}">
+                  <p16:designElem xmlns:p16="http://schemas.microsoft.com/office/powerpoint/2015/main" val="1"/>
+                </p:ext>
+              </p:extLst>
+            </p:nvPr>
+          </p:nvSpPr>
+          <p:spPr bwMode="auto">
+            <a:xfrm>
+              <a:off x="11631612" y="1539875"/>
+              <a:ext cx="188913" cy="190500"/>
+            </a:xfrm>
+            <a:custGeom>
+              <a:avLst/>
+              <a:gdLst/>
+              <a:ahLst/>
+              <a:cxnLst/>
+              <a:rect l="0" t="0" r="r" b="b"/>
+              <a:pathLst>
+                <a:path w="40" h="40">
+                  <a:moveTo>
+                    <a:pt x="20" y="40"/>
+                  </a:moveTo>
+                  <a:cubicBezTo>
+                    <a:pt x="9" y="40"/>
+                    <a:pt x="0" y="31"/>
+                    <a:pt x="0" y="20"/>
+                  </a:cubicBezTo>
+                  <a:cubicBezTo>
+                    <a:pt x="0" y="9"/>
+                    <a:pt x="9" y="0"/>
+                    <a:pt x="20" y="0"/>
+                  </a:cubicBezTo>
+                  <a:cubicBezTo>
+                    <a:pt x="31" y="0"/>
+                    <a:pt x="40" y="9"/>
+                    <a:pt x="40" y="20"/>
+                  </a:cubicBezTo>
+                  <a:cubicBezTo>
+                    <a:pt x="40" y="31"/>
+                    <a:pt x="31" y="40"/>
+                    <a:pt x="20" y="40"/>
+                  </a:cubicBezTo>
+                  <a:close/>
+                  <a:moveTo>
+                    <a:pt x="20" y="4"/>
+                  </a:moveTo>
+                  <a:cubicBezTo>
+                    <a:pt x="11" y="4"/>
+                    <a:pt x="4" y="11"/>
+                    <a:pt x="4" y="20"/>
+                  </a:cubicBezTo>
+                  <a:cubicBezTo>
+                    <a:pt x="4" y="29"/>
+                    <a:pt x="11" y="36"/>
+                    <a:pt x="20" y="36"/>
+                  </a:cubicBezTo>
+                  <a:cubicBezTo>
+                    <a:pt x="29" y="36"/>
+                    <a:pt x="36" y="29"/>
+                    <a:pt x="36" y="20"/>
+                  </a:cubicBezTo>
+                  <a:cubicBezTo>
+                    <a:pt x="36" y="11"/>
+                    <a:pt x="29" y="4"/>
+                    <a:pt x="20" y="4"/>
+                  </a:cubicBezTo>
+                  <a:close/>
+                </a:path>
+              </a:pathLst>
+            </a:custGeom>
+            <a:grpFill/>
+            <a:ln>
+              <a:noFill/>
+            </a:ln>
+            <a:extLst>
+              <a:ext uri="{91240B29-F687-4f45-9708-019B960494DF}">
+                <a14:hiddenLine xmlns:a16="http://schemas.microsoft.com/office/drawing/2014/main" xmlns:p14="http://schemas.microsoft.com/office/powerpoint/2010/main" xmlns:a14="http://schemas.microsoft.com/office/drawing/2010/main" xmlns="" w="9525">
+                  <a:solidFill>
+                    <a:srgbClr val="000000"/>
+                  </a:solidFill>
+                  <a:round/>
+                  <a:headEnd/>
+                  <a:tailEnd/>
+                </a14:hiddenLine>
+              </a:ext>
+            </a:extLst>
+          </p:spPr>
+        </p:sp>
+        <p:sp>
+          <p:nvSpPr>
+            <p:cNvPr id="93" name="Freeform 35">
+              <a:extLst>
+                <a:ext uri="{FF2B5EF4-FFF2-40B4-BE49-F238E27FC236}">
+                  <a16:creationId xmlns:a16="http://schemas.microsoft.com/office/drawing/2014/main" id="{377C05DC-75FF-4426-A34F-DBF0C7E7BEF4}"/>
+                </a:ext>
+                <a:ext uri="{C183D7F6-B498-43B3-948B-1728B52AA6E4}">
+                  <adec:decorative xmlns:adec="http://schemas.microsoft.com/office/drawing/2017/decorative" val="1"/>
+                </a:ext>
+              </a:extLst>
+            </p:cNvPr>
+            <p:cNvSpPr/>
+            <p:nvPr>
+              <p:extLst>
+                <p:ext uri="{386F3935-93C4-4BCD-93E2-E3B085C9AB24}">
+                  <p16:designElem xmlns:p16="http://schemas.microsoft.com/office/powerpoint/2015/main" val="1"/>
+                </p:ext>
+              </p:extLst>
+            </p:nvPr>
+          </p:nvSpPr>
+          <p:spPr bwMode="auto">
+            <a:xfrm>
+              <a:off x="11531600" y="5694363"/>
+              <a:ext cx="298450" cy="1154113"/>
+            </a:xfrm>
+            <a:custGeom>
+              <a:avLst/>
+              <a:gdLst/>
+              <a:ahLst/>
+              <a:cxnLst/>
+              <a:rect l="0" t="0" r="r" b="b"/>
+              <a:pathLst>
+                <a:path w="188" h="727">
+                  <a:moveTo>
+                    <a:pt x="15" y="727"/>
+                  </a:moveTo>
+                  <a:lnTo>
+                    <a:pt x="0" y="727"/>
+                  </a:lnTo>
+                  <a:lnTo>
+                    <a:pt x="0" y="407"/>
+                  </a:lnTo>
+                  <a:lnTo>
+                    <a:pt x="0" y="407"/>
+                  </a:lnTo>
+                  <a:lnTo>
+                    <a:pt x="176" y="0"/>
+                  </a:lnTo>
+                  <a:lnTo>
+                    <a:pt x="188" y="6"/>
+                  </a:lnTo>
+                  <a:lnTo>
+                    <a:pt x="15" y="410"/>
+                  </a:lnTo>
+                  <a:lnTo>
+                    <a:pt x="15" y="727"/>
+                  </a:lnTo>
+                  <a:close/>
+                </a:path>
+              </a:pathLst>
+            </a:custGeom>
+            <a:grpFill/>
+            <a:ln>
+              <a:noFill/>
+            </a:ln>
+            <a:extLst>
+              <a:ext uri="{91240B29-F687-4f45-9708-019B960494DF}">
+                <a14:hiddenLine xmlns:a16="http://schemas.microsoft.com/office/drawing/2014/main" xmlns:p14="http://schemas.microsoft.com/office/powerpoint/2010/main" xmlns:a14="http://schemas.microsoft.com/office/drawing/2010/main" xmlns="" w="9525">
+                  <a:solidFill>
+                    <a:srgbClr val="000000"/>
+                  </a:solidFill>
+                  <a:round/>
+                  <a:headEnd/>
+                  <a:tailEnd/>
+                </a14:hiddenLine>
+              </a:ext>
+            </a:extLst>
+          </p:spPr>
+        </p:sp>
+        <p:sp>
+          <p:nvSpPr>
+            <p:cNvPr id="94" name="Freeform 36">
+              <a:extLst>
+                <a:ext uri="{FF2B5EF4-FFF2-40B4-BE49-F238E27FC236}">
+                  <a16:creationId xmlns:a16="http://schemas.microsoft.com/office/drawing/2014/main" id="{03D385C8-866D-437D-91B1-2E3ECDD88E59}"/>
+                </a:ext>
+                <a:ext uri="{C183D7F6-B498-43B3-948B-1728B52AA6E4}">
+                  <adec:decorative xmlns:adec="http://schemas.microsoft.com/office/drawing/2017/decorative" val="1"/>
+                </a:ext>
+              </a:extLst>
+            </p:cNvPr>
+            <p:cNvSpPr>
+              <a:spLocks noEditPoints="1"/>
+            </p:cNvSpPr>
+            <p:nvPr>
+              <p:extLst>
+                <p:ext uri="{386F3935-93C4-4BCD-93E2-E3B085C9AB24}">
+                  <p16:designElem xmlns:p16="http://schemas.microsoft.com/office/powerpoint/2015/main" val="1"/>
+                </p:ext>
+              </p:extLst>
+            </p:nvPr>
+          </p:nvSpPr>
+          <p:spPr bwMode="auto">
+            <a:xfrm>
+              <a:off x="11772900" y="5551488"/>
+              <a:ext cx="157163" cy="155575"/>
+            </a:xfrm>
+            <a:custGeom>
+              <a:avLst/>
+              <a:gdLst/>
+              <a:ahLst/>
+              <a:cxnLst/>
+              <a:rect l="0" t="0" r="r" b="b"/>
+              <a:pathLst>
+                <a:path w="33" h="33">
+                  <a:moveTo>
+                    <a:pt x="17" y="33"/>
+                  </a:moveTo>
+                  <a:cubicBezTo>
+                    <a:pt x="8" y="33"/>
+                    <a:pt x="0" y="25"/>
+                    <a:pt x="0" y="16"/>
+                  </a:cubicBezTo>
+                  <a:cubicBezTo>
+                    <a:pt x="0" y="7"/>
+                    <a:pt x="8" y="0"/>
+                    <a:pt x="17" y="0"/>
+                  </a:cubicBezTo>
+                  <a:cubicBezTo>
+                    <a:pt x="26" y="0"/>
+                    <a:pt x="33" y="7"/>
+                    <a:pt x="33" y="16"/>
+                  </a:cubicBezTo>
+                  <a:cubicBezTo>
+                    <a:pt x="33" y="25"/>
+                    <a:pt x="26" y="33"/>
+                    <a:pt x="17" y="33"/>
+                  </a:cubicBezTo>
+                  <a:close/>
+                  <a:moveTo>
+                    <a:pt x="17" y="4"/>
+                  </a:moveTo>
+                  <a:cubicBezTo>
+                    <a:pt x="10" y="4"/>
+                    <a:pt x="4" y="9"/>
+                    <a:pt x="4" y="16"/>
+                  </a:cubicBezTo>
+                  <a:cubicBezTo>
+                    <a:pt x="4" y="23"/>
+                    <a:pt x="10" y="29"/>
+                    <a:pt x="17" y="29"/>
+                  </a:cubicBezTo>
+                  <a:cubicBezTo>
+                    <a:pt x="23" y="29"/>
+                    <a:pt x="29" y="23"/>
+                    <a:pt x="29" y="16"/>
+                  </a:cubicBezTo>
+                  <a:cubicBezTo>
+                    <a:pt x="29" y="9"/>
+                    <a:pt x="23" y="4"/>
+                    <a:pt x="17" y="4"/>
+                  </a:cubicBezTo>
+                  <a:close/>
+                </a:path>
+              </a:pathLst>
+            </a:custGeom>
+            <a:grpFill/>
+            <a:ln>
+              <a:noFill/>
+            </a:ln>
+            <a:extLst>
+              <a:ext uri="{91240B29-F687-4f45-9708-019B960494DF}">
+                <a14:hiddenLine xmlns:a16="http://schemas.microsoft.com/office/drawing/2014/main" xmlns:p14="http://schemas.microsoft.com/office/powerpoint/2010/main" xmlns:a14="http://schemas.microsoft.com/office/drawing/2010/main" xmlns="" w="9525">
+                  <a:solidFill>
+                    <a:srgbClr val="000000"/>
+                  </a:solidFill>
+                  <a:round/>
+                  <a:headEnd/>
+                  <a:tailEnd/>
+                </a14:hiddenLine>
+              </a:ext>
+            </a:extLst>
+          </p:spPr>
+        </p:sp>
+        <p:sp>
+          <p:nvSpPr>
+            <p:cNvPr id="95" name="Freeform 37">
+              <a:extLst>
+                <a:ext uri="{FF2B5EF4-FFF2-40B4-BE49-F238E27FC236}">
+                  <a16:creationId xmlns:a16="http://schemas.microsoft.com/office/drawing/2014/main" id="{3F649CBB-748F-4C79-A14F-C531C40B08BB}"/>
+                </a:ext>
+                <a:ext uri="{C183D7F6-B498-43B3-948B-1728B52AA6E4}">
+                  <adec:decorative xmlns:adec="http://schemas.microsoft.com/office/drawing/2017/decorative" val="1"/>
+                </a:ext>
+              </a:extLst>
+            </p:cNvPr>
+            <p:cNvSpPr/>
+            <p:nvPr>
+              <p:extLst>
+                <p:ext uri="{386F3935-93C4-4BCD-93E2-E3B085C9AB24}">
+                  <p16:designElem xmlns:p16="http://schemas.microsoft.com/office/powerpoint/2015/main" val="1"/>
+                </p:ext>
+              </p:extLst>
+            </p:nvPr>
+          </p:nvSpPr>
+          <p:spPr bwMode="auto">
+            <a:xfrm>
+              <a:off x="11710987" y="4763"/>
+              <a:ext cx="304800" cy="1544638"/>
+            </a:xfrm>
+            <a:custGeom>
+              <a:avLst/>
+              <a:gdLst/>
+              <a:ahLst/>
+              <a:cxnLst/>
+              <a:rect l="0" t="0" r="r" b="b"/>
+              <a:pathLst>
+                <a:path w="192" h="973">
+                  <a:moveTo>
+                    <a:pt x="15" y="973"/>
+                  </a:moveTo>
+                  <a:lnTo>
+                    <a:pt x="0" y="973"/>
+                  </a:lnTo>
+                  <a:lnTo>
+                    <a:pt x="0" y="790"/>
+                  </a:lnTo>
+                  <a:lnTo>
+                    <a:pt x="174" y="614"/>
+                  </a:lnTo>
+                  <a:lnTo>
+                    <a:pt x="174" y="0"/>
+                  </a:lnTo>
+                  <a:lnTo>
+                    <a:pt x="192" y="0"/>
+                  </a:lnTo>
+                  <a:lnTo>
+                    <a:pt x="192" y="620"/>
+                  </a:lnTo>
+                  <a:lnTo>
+                    <a:pt x="15" y="796"/>
+                  </a:lnTo>
+                  <a:lnTo>
+                    <a:pt x="15" y="973"/>
+                  </a:lnTo>
+                  <a:close/>
+                </a:path>
+              </a:pathLst>
+            </a:custGeom>
+            <a:grpFill/>
+            <a:ln>
+              <a:noFill/>
+            </a:ln>
+            <a:extLst>
+              <a:ext uri="{91240B29-F687-4f45-9708-019B960494DF}">
+                <a14:hiddenLine xmlns:a16="http://schemas.microsoft.com/office/drawing/2014/main" xmlns:p14="http://schemas.microsoft.com/office/powerpoint/2010/main" xmlns:a14="http://schemas.microsoft.com/office/drawing/2010/main" xmlns="" w="9525">
+                  <a:solidFill>
+                    <a:srgbClr val="000000"/>
+                  </a:solidFill>
+                  <a:round/>
+                  <a:headEnd/>
+                  <a:tailEnd/>
+                </a14:hiddenLine>
+              </a:ext>
+            </a:extLst>
+          </p:spPr>
+        </p:sp>
+        <p:sp>
+          <p:nvSpPr>
+            <p:cNvPr id="96" name="Freeform 38">
+              <a:extLst>
+                <a:ext uri="{FF2B5EF4-FFF2-40B4-BE49-F238E27FC236}">
+                  <a16:creationId xmlns:a16="http://schemas.microsoft.com/office/drawing/2014/main" id="{7F4622C0-84AF-41F1-9128-FE73CADD36F2}"/>
+                </a:ext>
+                <a:ext uri="{C183D7F6-B498-43B3-948B-1728B52AA6E4}">
+                  <adec:decorative xmlns:adec="http://schemas.microsoft.com/office/drawing/2017/decorative" val="1"/>
+                </a:ext>
+              </a:extLst>
+            </p:cNvPr>
+            <p:cNvSpPr>
+              <a:spLocks noEditPoints="1"/>
+            </p:cNvSpPr>
+            <p:nvPr>
+              <p:extLst>
+                <p:ext uri="{386F3935-93C4-4BCD-93E2-E3B085C9AB24}">
+                  <p16:designElem xmlns:p16="http://schemas.microsoft.com/office/powerpoint/2015/main" val="1"/>
+                </p:ext>
+              </p:extLst>
+            </p:nvPr>
+          </p:nvSpPr>
+          <p:spPr bwMode="auto">
+            <a:xfrm>
+              <a:off x="11636375" y="4867275"/>
+              <a:ext cx="188913" cy="188913"/>
+            </a:xfrm>
+            <a:custGeom>
+              <a:avLst/>
+              <a:gdLst/>
+              <a:ahLst/>
+              <a:cxnLst/>
+              <a:rect l="0" t="0" r="r" b="b"/>
+              <a:pathLst>
+                <a:path w="40" h="40">
+                  <a:moveTo>
+                    <a:pt x="20" y="40"/>
+                  </a:moveTo>
+                  <a:cubicBezTo>
+                    <a:pt x="9" y="40"/>
+                    <a:pt x="0" y="31"/>
+                    <a:pt x="0" y="20"/>
+                  </a:cubicBezTo>
+                  <a:cubicBezTo>
+                    <a:pt x="0" y="9"/>
+                    <a:pt x="9" y="0"/>
+                    <a:pt x="20" y="0"/>
+                  </a:cubicBezTo>
+                  <a:cubicBezTo>
+                    <a:pt x="31" y="0"/>
+                    <a:pt x="40" y="9"/>
+                    <a:pt x="40" y="20"/>
+                  </a:cubicBezTo>
+                  <a:cubicBezTo>
+                    <a:pt x="40" y="31"/>
+                    <a:pt x="31" y="40"/>
+                    <a:pt x="20" y="40"/>
+                  </a:cubicBezTo>
+                  <a:close/>
+                  <a:moveTo>
+                    <a:pt x="20" y="4"/>
+                  </a:moveTo>
+                  <a:cubicBezTo>
+                    <a:pt x="11" y="4"/>
+                    <a:pt x="4" y="11"/>
+                    <a:pt x="4" y="20"/>
+                  </a:cubicBezTo>
+                  <a:cubicBezTo>
+                    <a:pt x="4" y="29"/>
+                    <a:pt x="11" y="36"/>
+                    <a:pt x="20" y="36"/>
+                  </a:cubicBezTo>
+                  <a:cubicBezTo>
+                    <a:pt x="29" y="36"/>
+                    <a:pt x="36" y="29"/>
+                    <a:pt x="36" y="20"/>
+                  </a:cubicBezTo>
+                  <a:cubicBezTo>
+                    <a:pt x="36" y="11"/>
+                    <a:pt x="29" y="4"/>
+                    <a:pt x="20" y="4"/>
+                  </a:cubicBezTo>
+                  <a:close/>
+                </a:path>
+              </a:pathLst>
+            </a:custGeom>
+            <a:grpFill/>
+            <a:ln>
+              <a:noFill/>
+            </a:ln>
+            <a:extLst>
+              <a:ext uri="{91240B29-F687-4f45-9708-019B960494DF}">
+                <a14:hiddenLine xmlns:a16="http://schemas.microsoft.com/office/drawing/2014/main" xmlns:p14="http://schemas.microsoft.com/office/powerpoint/2010/main" xmlns:a14="http://schemas.microsoft.com/office/drawing/2010/main" xmlns="" w="9525">
+                  <a:solidFill>
+                    <a:srgbClr val="000000"/>
+                  </a:solidFill>
+                  <a:round/>
+                  <a:headEnd/>
+                  <a:tailEnd/>
+                </a14:hiddenLine>
+              </a:ext>
+            </a:extLst>
+          </p:spPr>
+        </p:sp>
+        <p:sp>
+          <p:nvSpPr>
+            <p:cNvPr id="97" name="Freeform 39">
+              <a:extLst>
+                <a:ext uri="{FF2B5EF4-FFF2-40B4-BE49-F238E27FC236}">
+                  <a16:creationId xmlns:a16="http://schemas.microsoft.com/office/drawing/2014/main" id="{CC6F29C1-A471-4CDE-8C21-E4B15C5EF47A}"/>
+                </a:ext>
+                <a:ext uri="{C183D7F6-B498-43B3-948B-1728B52AA6E4}">
+                  <adec:decorative xmlns:adec="http://schemas.microsoft.com/office/drawing/2017/decorative" val="1"/>
+                </a:ext>
+              </a:extLst>
+            </p:cNvPr>
+            <p:cNvSpPr/>
+            <p:nvPr>
+              <p:extLst>
+                <p:ext uri="{386F3935-93C4-4BCD-93E2-E3B085C9AB24}">
+                  <p16:designElem xmlns:p16="http://schemas.microsoft.com/office/powerpoint/2015/main" val="1"/>
+                </p:ext>
+              </p:extLst>
+            </p:nvPr>
+          </p:nvSpPr>
+          <p:spPr bwMode="auto">
+            <a:xfrm>
+              <a:off x="11441112" y="5046663"/>
+              <a:ext cx="307975" cy="1801813"/>
+            </a:xfrm>
+            <a:custGeom>
+              <a:avLst/>
+              <a:gdLst/>
+              <a:ahLst/>
+              <a:cxnLst/>
+              <a:rect l="0" t="0" r="r" b="b"/>
+              <a:pathLst>
+                <a:path w="194" h="1135">
+                  <a:moveTo>
+                    <a:pt x="18" y="1135"/>
+                  </a:moveTo>
+                  <a:lnTo>
+                    <a:pt x="0" y="1135"/>
+                  </a:lnTo>
+                  <a:lnTo>
+                    <a:pt x="0" y="354"/>
+                  </a:lnTo>
+                  <a:lnTo>
+                    <a:pt x="176" y="177"/>
+                  </a:lnTo>
+                  <a:lnTo>
+                    <a:pt x="176" y="0"/>
+                  </a:lnTo>
+                  <a:lnTo>
+                    <a:pt x="194" y="0"/>
+                  </a:lnTo>
+                  <a:lnTo>
+                    <a:pt x="194" y="183"/>
+                  </a:lnTo>
+                  <a:lnTo>
+                    <a:pt x="18" y="360"/>
+                  </a:lnTo>
+                  <a:lnTo>
+                    <a:pt x="18" y="1135"/>
+                  </a:lnTo>
+                  <a:close/>
+                </a:path>
+              </a:pathLst>
+            </a:custGeom>
+            <a:grpFill/>
+            <a:ln>
+              <a:noFill/>
+            </a:ln>
+            <a:extLst>
+              <a:ext uri="{91240B29-F687-4f45-9708-019B960494DF}">
+                <a14:hiddenLine xmlns:a16="http://schemas.microsoft.com/office/drawing/2014/main" xmlns:p14="http://schemas.microsoft.com/office/powerpoint/2010/main" xmlns:a14="http://schemas.microsoft.com/office/drawing/2010/main" xmlns="" w="9525">
+                  <a:solidFill>
+                    <a:srgbClr val="000000"/>
+                  </a:solidFill>
+                  <a:round/>
+                  <a:headEnd/>
+                  <a:tailEnd/>
+                </a14:hiddenLine>
+              </a:ext>
+            </a:extLst>
+          </p:spPr>
+        </p:sp>
+        <p:sp>
+          <p:nvSpPr>
+            <p:cNvPr id="98" name="Freeform 40">
+              <a:extLst>
+                <a:ext uri="{FF2B5EF4-FFF2-40B4-BE49-F238E27FC236}">
+                  <a16:creationId xmlns:a16="http://schemas.microsoft.com/office/drawing/2014/main" id="{67F5B7DA-86C7-4AE0-96B6-D7F5AA51E21C}"/>
+                </a:ext>
+                <a:ext uri="{C183D7F6-B498-43B3-948B-1728B52AA6E4}">
+                  <adec:decorative xmlns:adec="http://schemas.microsoft.com/office/drawing/2017/decorative" val="1"/>
+                </a:ext>
+              </a:extLst>
+            </p:cNvPr>
+            <p:cNvSpPr>
+              <a:spLocks noEditPoints="1"/>
+            </p:cNvSpPr>
+            <p:nvPr>
+              <p:extLst>
+                <p:ext uri="{386F3935-93C4-4BCD-93E2-E3B085C9AB24}">
+                  <p16:designElem xmlns:p16="http://schemas.microsoft.com/office/powerpoint/2015/main" val="1"/>
+                </p:ext>
+              </p:extLst>
+            </p:nvPr>
+          </p:nvSpPr>
+          <p:spPr bwMode="auto">
+            <a:xfrm>
+              <a:off x="11849100" y="6416675"/>
+              <a:ext cx="190500" cy="188913"/>
+            </a:xfrm>
+            <a:custGeom>
+              <a:avLst/>
+              <a:gdLst/>
+              <a:ahLst/>
+              <a:cxnLst/>
+              <a:rect l="0" t="0" r="r" b="b"/>
+              <a:pathLst>
+                <a:path w="40" h="40">
+                  <a:moveTo>
+                    <a:pt x="20" y="40"/>
+                  </a:moveTo>
+                  <a:cubicBezTo>
+                    <a:pt x="9" y="40"/>
+                    <a:pt x="0" y="31"/>
+                    <a:pt x="0" y="20"/>
+                  </a:cubicBezTo>
+                  <a:cubicBezTo>
+                    <a:pt x="0" y="9"/>
+                    <a:pt x="9" y="0"/>
+                    <a:pt x="20" y="0"/>
+                  </a:cubicBezTo>
+                  <a:cubicBezTo>
+                    <a:pt x="31" y="0"/>
+                    <a:pt x="40" y="9"/>
+                    <a:pt x="40" y="20"/>
+                  </a:cubicBezTo>
+                  <a:cubicBezTo>
+                    <a:pt x="40" y="31"/>
+                    <a:pt x="31" y="40"/>
+                    <a:pt x="20" y="40"/>
+                  </a:cubicBezTo>
+                  <a:close/>
+                  <a:moveTo>
+                    <a:pt x="20" y="4"/>
+                  </a:moveTo>
+                  <a:cubicBezTo>
+                    <a:pt x="12" y="4"/>
+                    <a:pt x="4" y="11"/>
+                    <a:pt x="4" y="20"/>
+                  </a:cubicBezTo>
+                  <a:cubicBezTo>
+                    <a:pt x="4" y="29"/>
+                    <a:pt x="12" y="36"/>
+                    <a:pt x="20" y="36"/>
+                  </a:cubicBezTo>
+                  <a:cubicBezTo>
+                    <a:pt x="29" y="36"/>
+                    <a:pt x="36" y="29"/>
+                    <a:pt x="36" y="20"/>
+                  </a:cubicBezTo>
+                  <a:cubicBezTo>
+                    <a:pt x="36" y="11"/>
+                    <a:pt x="29" y="4"/>
+                    <a:pt x="20" y="4"/>
+                  </a:cubicBezTo>
+                  <a:close/>
+                </a:path>
+              </a:pathLst>
+            </a:custGeom>
+            <a:grpFill/>
+            <a:ln>
+              <a:noFill/>
+            </a:ln>
+            <a:extLst>
+              <a:ext uri="{91240B29-F687-4f45-9708-019B960494DF}">
+                <a14:hiddenLine xmlns:a16="http://schemas.microsoft.com/office/drawing/2014/main" xmlns:p14="http://schemas.microsoft.com/office/powerpoint/2010/main" xmlns:a14="http://schemas.microsoft.com/office/drawing/2010/main" xmlns="" w="9525">
+                  <a:solidFill>
+                    <a:srgbClr val="000000"/>
+                  </a:solidFill>
+                  <a:round/>
+                  <a:headEnd/>
+                  <a:tailEnd/>
+                </a14:hiddenLine>
+              </a:ext>
+            </a:extLst>
+          </p:spPr>
+        </p:sp>
+        <p:sp>
+          <p:nvSpPr>
+            <p:cNvPr id="99" name="Rectangle 41">
+              <a:extLst>
+                <a:ext uri="{FF2B5EF4-FFF2-40B4-BE49-F238E27FC236}">
+                  <a16:creationId xmlns:a16="http://schemas.microsoft.com/office/drawing/2014/main" id="{0FA481E3-0439-484A-AC9B-19D58B98E49F}"/>
+                </a:ext>
+                <a:ext uri="{C183D7F6-B498-43B3-948B-1728B52AA6E4}">
+                  <adec:decorative xmlns:adec="http://schemas.microsoft.com/office/drawing/2017/decorative" val="1"/>
+                </a:ext>
+              </a:extLst>
+            </p:cNvPr>
+            <p:cNvSpPr>
+              <a:spLocks noChangeArrowheads="1"/>
+            </p:cNvSpPr>
+            <p:nvPr>
+              <p:extLst>
+                <p:ext uri="{386F3935-93C4-4BCD-93E2-E3B085C9AB24}">
+                  <p16:designElem xmlns:p16="http://schemas.microsoft.com/office/powerpoint/2015/main" val="1"/>
+                </p:ext>
+              </p:extLst>
+            </p:nvPr>
+          </p:nvSpPr>
+          <p:spPr bwMode="auto">
+            <a:xfrm>
+              <a:off x="11939587" y="6596063"/>
+              <a:ext cx="23813" cy="252413"/>
+            </a:xfrm>
+            <a:prstGeom prst="rect">
+              <a:avLst/>
+            </a:prstGeom>
+            <a:grpFill/>
+            <a:ln>
+              <a:noFill/>
+            </a:ln>
+            <a:extLst>
+              <a:ext uri="{91240B29-F687-4f45-9708-019B960494DF}">
+                <a14:hiddenLine xmlns:a16="http://schemas.microsoft.com/office/drawing/2014/main" xmlns:p14="http://schemas.microsoft.com/office/powerpoint/2010/main" xmlns:a14="http://schemas.microsoft.com/office/drawing/2010/main" xmlns="" w="9525">
+                  <a:solidFill>
+                    <a:srgbClr val="000000"/>
+                  </a:solidFill>
+                  <a:miter lim="800000"/>
+                  <a:headEnd/>
+                  <a:tailEnd/>
+                </a14:hiddenLine>
+              </a:ext>
+            </a:extLst>
+          </p:spPr>
+        </p:sp>
+      </p:grpSp>
+    </p:spTree>
+    <p:extLst>
+      <p:ext uri="{BB962C8B-B14F-4D97-AF65-F5344CB8AC3E}">
+        <p14:creationId xmlns:p14="http://schemas.microsoft.com/office/powerpoint/2010/main" val="3218439000"/>
+      </p:ext>
+    </p:extLst>
+  </p:cSld>
+  <p:clrMapOvr>
+    <a:masterClrMapping/>
+  </p:clrMapOvr>
+</p:sld>
+</file>
+
+<file path=ppt/slides/slide7.xml><?xml version="1.0" encoding="utf-8"?>
+<p:sld xmlns:a="http://schemas.openxmlformats.org/drawingml/2006/main" xmlns:r="http://schemas.openxmlformats.org/officeDocument/2006/relationships" xmlns:p="http://schemas.openxmlformats.org/presentationml/2006/main">
+  <p:cSld>
+    <p:spTree>
+      <p:nvGrpSpPr>
+        <p:cNvPr id="1" name=""/>
+        <p:cNvGrpSpPr/>
+        <p:nvPr/>
+      </p:nvGrpSpPr>
+      <p:grpSpPr>
+        <a:xfrm>
+          <a:off x="0" y="0"/>
+          <a:ext cx="0" cy="0"/>
+          <a:chOff x="0" y="0"/>
+          <a:chExt cx="0" cy="0"/>
+        </a:xfrm>
+      </p:grpSpPr>
+      <p:sp useBgFill="1">
+        <p:nvSpPr>
           <p:cNvPr id="56" name="Rectangle 55">
             <a:extLst>
               <a:ext uri="{FF2B5EF4-FFF2-40B4-BE49-F238E27FC236}">
@@ -22643,7 +26260,7 @@
             </a:ln>
             <a:extLst>
               <a:ext uri="{91240B29-F687-4f45-9708-019B960494DF}">
-                <a14:hiddenLine xmlns="" xmlns:a14="http://schemas.microsoft.com/office/drawing/2010/main" xmlns:p14="http://schemas.microsoft.com/office/powerpoint/2010/main" xmlns:a16="http://schemas.microsoft.com/office/drawing/2014/main" w="9525">
+                <a14:hiddenLine xmlns:a16="http://schemas.microsoft.com/office/drawing/2014/main" xmlns:p14="http://schemas.microsoft.com/office/powerpoint/2010/main" xmlns:a14="http://schemas.microsoft.com/office/drawing/2010/main" xmlns="" w="9525">
                   <a:solidFill>
                     <a:srgbClr val="000000"/>
                   </a:solidFill>
@@ -22748,7 +26365,7 @@
             </a:ln>
             <a:extLst>
               <a:ext uri="{91240B29-F687-4f45-9708-019B960494DF}">
-                <a14:hiddenLine xmlns="" xmlns:a14="http://schemas.microsoft.com/office/drawing/2010/main" xmlns:p14="http://schemas.microsoft.com/office/powerpoint/2010/main" xmlns:a16="http://schemas.microsoft.com/office/drawing/2014/main" w="9525">
+                <a14:hiddenLine xmlns:a16="http://schemas.microsoft.com/office/drawing/2014/main" xmlns:p14="http://schemas.microsoft.com/office/powerpoint/2010/main" xmlns:a14="http://schemas.microsoft.com/office/drawing/2010/main" xmlns="" w="9525">
                   <a:solidFill>
                     <a:srgbClr val="000000"/>
                   </a:solidFill>
@@ -22853,7 +26470,7 @@
             </a:ln>
             <a:extLst>
               <a:ext uri="{91240B29-F687-4f45-9708-019B960494DF}">
-                <a14:hiddenLine xmlns="" xmlns:a14="http://schemas.microsoft.com/office/drawing/2010/main" xmlns:p14="http://schemas.microsoft.com/office/powerpoint/2010/main" xmlns:a16="http://schemas.microsoft.com/office/drawing/2014/main" w="9525">
+                <a14:hiddenLine xmlns:a16="http://schemas.microsoft.com/office/drawing/2014/main" xmlns:p14="http://schemas.microsoft.com/office/powerpoint/2010/main" xmlns:a14="http://schemas.microsoft.com/office/drawing/2010/main" xmlns="" w="9525">
                   <a:solidFill>
                     <a:srgbClr val="000000"/>
                   </a:solidFill>
@@ -22930,7 +26547,7 @@
             </a:ln>
             <a:extLst>
               <a:ext uri="{91240B29-F687-4f45-9708-019B960494DF}">
-                <a14:hiddenLine xmlns="" xmlns:a14="http://schemas.microsoft.com/office/drawing/2010/main" xmlns:p14="http://schemas.microsoft.com/office/powerpoint/2010/main" xmlns:a16="http://schemas.microsoft.com/office/drawing/2014/main" w="9525">
+                <a14:hiddenLine xmlns:a16="http://schemas.microsoft.com/office/drawing/2014/main" xmlns:p14="http://schemas.microsoft.com/office/powerpoint/2010/main" xmlns:a14="http://schemas.microsoft.com/office/drawing/2010/main" xmlns="" w="9525">
                   <a:solidFill>
                     <a:srgbClr val="000000"/>
                   </a:solidFill>
@@ -23035,7 +26652,7 @@
             </a:ln>
             <a:extLst>
               <a:ext uri="{91240B29-F687-4f45-9708-019B960494DF}">
-                <a14:hiddenLine xmlns="" xmlns:a14="http://schemas.microsoft.com/office/drawing/2010/main" xmlns:p14="http://schemas.microsoft.com/office/powerpoint/2010/main" xmlns:a16="http://schemas.microsoft.com/office/drawing/2014/main" w="9525">
+                <a14:hiddenLine xmlns:a16="http://schemas.microsoft.com/office/drawing/2014/main" xmlns:p14="http://schemas.microsoft.com/office/powerpoint/2010/main" xmlns:a14="http://schemas.microsoft.com/office/drawing/2010/main" xmlns="" w="9525">
                   <a:solidFill>
                     <a:srgbClr val="000000"/>
                   </a:solidFill>
@@ -23112,7 +26729,7 @@
             </a:ln>
             <a:extLst>
               <a:ext uri="{91240B29-F687-4f45-9708-019B960494DF}">
-                <a14:hiddenLine xmlns="" xmlns:a14="http://schemas.microsoft.com/office/drawing/2010/main" xmlns:p14="http://schemas.microsoft.com/office/powerpoint/2010/main" xmlns:a16="http://schemas.microsoft.com/office/drawing/2014/main" w="9525">
+                <a14:hiddenLine xmlns:a16="http://schemas.microsoft.com/office/drawing/2014/main" xmlns:p14="http://schemas.microsoft.com/office/powerpoint/2010/main" xmlns:a14="http://schemas.microsoft.com/office/drawing/2010/main" xmlns="" w="9525">
                   <a:solidFill>
                     <a:srgbClr val="000000"/>
                   </a:solidFill>
@@ -23189,7 +26806,7 @@
             </a:ln>
             <a:extLst>
               <a:ext uri="{91240B29-F687-4f45-9708-019B960494DF}">
-                <a14:hiddenLine xmlns="" xmlns:a14="http://schemas.microsoft.com/office/drawing/2010/main" xmlns:p14="http://schemas.microsoft.com/office/powerpoint/2010/main" xmlns:a16="http://schemas.microsoft.com/office/drawing/2014/main" w="9525">
+                <a14:hiddenLine xmlns:a16="http://schemas.microsoft.com/office/drawing/2014/main" xmlns:p14="http://schemas.microsoft.com/office/powerpoint/2010/main" xmlns:a14="http://schemas.microsoft.com/office/drawing/2010/main" xmlns="" w="9525">
                   <a:solidFill>
                     <a:srgbClr val="000000"/>
                   </a:solidFill>
@@ -23294,7 +26911,7 @@
             </a:ln>
             <a:extLst>
               <a:ext uri="{91240B29-F687-4f45-9708-019B960494DF}">
-                <a14:hiddenLine xmlns="" xmlns:a14="http://schemas.microsoft.com/office/drawing/2010/main" xmlns:p14="http://schemas.microsoft.com/office/powerpoint/2010/main" xmlns:a16="http://schemas.microsoft.com/office/drawing/2014/main" w="9525">
+                <a14:hiddenLine xmlns:a16="http://schemas.microsoft.com/office/drawing/2014/main" xmlns:p14="http://schemas.microsoft.com/office/powerpoint/2010/main" xmlns:a14="http://schemas.microsoft.com/office/drawing/2010/main" xmlns="" w="9525">
                   <a:solidFill>
                     <a:srgbClr val="000000"/>
                   </a:solidFill>
@@ -23399,7 +27016,7 @@
             </a:ln>
             <a:extLst>
               <a:ext uri="{91240B29-F687-4f45-9708-019B960494DF}">
-                <a14:hiddenLine xmlns="" xmlns:a14="http://schemas.microsoft.com/office/drawing/2010/main" xmlns:p14="http://schemas.microsoft.com/office/powerpoint/2010/main" xmlns:a16="http://schemas.microsoft.com/office/drawing/2014/main" w="9525">
+                <a14:hiddenLine xmlns:a16="http://schemas.microsoft.com/office/drawing/2014/main" xmlns:p14="http://schemas.microsoft.com/office/powerpoint/2010/main" xmlns:a14="http://schemas.microsoft.com/office/drawing/2010/main" xmlns="" w="9525">
                   <a:solidFill>
                     <a:srgbClr val="000000"/>
                   </a:solidFill>
@@ -23476,7 +27093,7 @@
             </a:ln>
             <a:extLst>
               <a:ext uri="{91240B29-F687-4f45-9708-019B960494DF}">
-                <a14:hiddenLine xmlns="" xmlns:a14="http://schemas.microsoft.com/office/drawing/2010/main" xmlns:p14="http://schemas.microsoft.com/office/powerpoint/2010/main" xmlns:a16="http://schemas.microsoft.com/office/drawing/2014/main" w="9525">
+                <a14:hiddenLine xmlns:a16="http://schemas.microsoft.com/office/drawing/2014/main" xmlns:p14="http://schemas.microsoft.com/office/powerpoint/2010/main" xmlns:a14="http://schemas.microsoft.com/office/drawing/2010/main" xmlns="" w="9525">
                   <a:solidFill>
                     <a:srgbClr val="000000"/>
                   </a:solidFill>
@@ -23601,7 +27218,7 @@
             </a:ln>
             <a:extLst>
               <a:ext uri="{91240B29-F687-4f45-9708-019B960494DF}">
-                <a14:hiddenLine xmlns="" xmlns:a14="http://schemas.microsoft.com/office/drawing/2010/main" xmlns:p14="http://schemas.microsoft.com/office/powerpoint/2010/main" xmlns:a16="http://schemas.microsoft.com/office/drawing/2014/main" w="9525">
+                <a14:hiddenLine xmlns:a16="http://schemas.microsoft.com/office/drawing/2014/main" xmlns:p14="http://schemas.microsoft.com/office/powerpoint/2010/main" xmlns:a14="http://schemas.microsoft.com/office/drawing/2010/main" xmlns="" w="9525">
                   <a:solidFill>
                     <a:srgbClr val="000000"/>
                   </a:solidFill>
@@ -23715,7 +27332,7 @@
             </a:ln>
             <a:extLst>
               <a:ext uri="{91240B29-F687-4f45-9708-019B960494DF}">
-                <a14:hiddenLine xmlns="" xmlns:a14="http://schemas.microsoft.com/office/drawing/2010/main" xmlns:p14="http://schemas.microsoft.com/office/powerpoint/2010/main" xmlns:a16="http://schemas.microsoft.com/office/drawing/2014/main" w="9525">
+                <a14:hiddenLine xmlns:a16="http://schemas.microsoft.com/office/drawing/2014/main" xmlns:p14="http://schemas.microsoft.com/office/powerpoint/2010/main" xmlns:a14="http://schemas.microsoft.com/office/drawing/2010/main" xmlns="" w="9525">
                   <a:solidFill>
                     <a:srgbClr val="000000"/>
                   </a:solidFill>
@@ -23792,7 +27409,7 @@
             </a:ln>
             <a:extLst>
               <a:ext uri="{91240B29-F687-4f45-9708-019B960494DF}">
-                <a14:hiddenLine xmlns="" xmlns:a14="http://schemas.microsoft.com/office/drawing/2010/main" xmlns:p14="http://schemas.microsoft.com/office/powerpoint/2010/main" xmlns:a16="http://schemas.microsoft.com/office/drawing/2014/main" w="9525">
+                <a14:hiddenLine xmlns:a16="http://schemas.microsoft.com/office/drawing/2014/main" xmlns:p14="http://schemas.microsoft.com/office/powerpoint/2010/main" xmlns:a14="http://schemas.microsoft.com/office/drawing/2010/main" xmlns="" w="9525">
                   <a:solidFill>
                     <a:srgbClr val="000000"/>
                   </a:solidFill>
@@ -23869,7 +27486,7 @@
             </a:ln>
             <a:extLst>
               <a:ext uri="{91240B29-F687-4f45-9708-019B960494DF}">
-                <a14:hiddenLine xmlns="" xmlns:a14="http://schemas.microsoft.com/office/drawing/2010/main" xmlns:p14="http://schemas.microsoft.com/office/powerpoint/2010/main" xmlns:a16="http://schemas.microsoft.com/office/drawing/2014/main" w="9525">
+                <a14:hiddenLine xmlns:a16="http://schemas.microsoft.com/office/drawing/2014/main" xmlns:p14="http://schemas.microsoft.com/office/powerpoint/2010/main" xmlns:a14="http://schemas.microsoft.com/office/drawing/2010/main" xmlns="" w="9525">
                   <a:solidFill>
                     <a:srgbClr val="000000"/>
                   </a:solidFill>
@@ -23974,7 +27591,7 @@
             </a:ln>
             <a:extLst>
               <a:ext uri="{91240B29-F687-4f45-9708-019B960494DF}">
-                <a14:hiddenLine xmlns="" xmlns:a14="http://schemas.microsoft.com/office/drawing/2010/main" xmlns:p14="http://schemas.microsoft.com/office/powerpoint/2010/main" xmlns:a16="http://schemas.microsoft.com/office/drawing/2014/main" w="9525">
+                <a14:hiddenLine xmlns:a16="http://schemas.microsoft.com/office/drawing/2014/main" xmlns:p14="http://schemas.microsoft.com/office/powerpoint/2010/main" xmlns:a14="http://schemas.microsoft.com/office/drawing/2010/main" xmlns="" w="9525">
                   <a:solidFill>
                     <a:srgbClr val="000000"/>
                   </a:solidFill>
@@ -24023,7 +27640,7 @@
             </a:ln>
             <a:extLst>
               <a:ext uri="{91240B29-F687-4f45-9708-019B960494DF}">
-                <a14:hiddenLine xmlns="" xmlns:a14="http://schemas.microsoft.com/office/drawing/2010/main" xmlns:p14="http://schemas.microsoft.com/office/powerpoint/2010/main" xmlns:a16="http://schemas.microsoft.com/office/drawing/2014/main" w="9525">
+                <a14:hiddenLine xmlns:a16="http://schemas.microsoft.com/office/drawing/2014/main" xmlns:p14="http://schemas.microsoft.com/office/powerpoint/2010/main" xmlns:a14="http://schemas.microsoft.com/office/drawing/2010/main" xmlns="" w="9525">
                   <a:solidFill>
                     <a:srgbClr val="000000"/>
                   </a:solidFill>
@@ -24103,7 +27720,7 @@
             </a:ln>
             <a:extLst>
               <a:ext uri="{91240B29-F687-4f45-9708-019B960494DF}">
-                <a14:hiddenLine xmlns="" xmlns:a14="http://schemas.microsoft.com/office/drawing/2010/main" xmlns:p14="http://schemas.microsoft.com/office/powerpoint/2010/main" xmlns:a16="http://schemas.microsoft.com/office/drawing/2014/main" w="9525">
+                <a14:hiddenLine xmlns:a16="http://schemas.microsoft.com/office/drawing/2014/main" xmlns:p14="http://schemas.microsoft.com/office/powerpoint/2010/main" xmlns:a14="http://schemas.microsoft.com/office/drawing/2010/main" xmlns="" w="9525">
                   <a:solidFill>
                     <a:srgbClr val="000000"/>
                   </a:solidFill>
@@ -24208,7 +27825,7 @@
             </a:ln>
             <a:extLst>
               <a:ext uri="{91240B29-F687-4f45-9708-019B960494DF}">
-                <a14:hiddenLine xmlns="" xmlns:a14="http://schemas.microsoft.com/office/drawing/2010/main" xmlns:p14="http://schemas.microsoft.com/office/powerpoint/2010/main" xmlns:a16="http://schemas.microsoft.com/office/drawing/2014/main" w="9525">
+                <a14:hiddenLine xmlns:a16="http://schemas.microsoft.com/office/drawing/2014/main" xmlns:p14="http://schemas.microsoft.com/office/powerpoint/2010/main" xmlns:a14="http://schemas.microsoft.com/office/drawing/2010/main" xmlns="" w="9525">
                   <a:solidFill>
                     <a:srgbClr val="000000"/>
                   </a:solidFill>
@@ -24285,7 +27902,7 @@
             </a:ln>
             <a:extLst>
               <a:ext uri="{91240B29-F687-4f45-9708-019B960494DF}">
-                <a14:hiddenLine xmlns="" xmlns:a14="http://schemas.microsoft.com/office/drawing/2010/main" xmlns:p14="http://schemas.microsoft.com/office/powerpoint/2010/main" xmlns:a16="http://schemas.microsoft.com/office/drawing/2014/main" w="9525">
+                <a14:hiddenLine xmlns:a16="http://schemas.microsoft.com/office/drawing/2014/main" xmlns:p14="http://schemas.microsoft.com/office/powerpoint/2010/main" xmlns:a14="http://schemas.microsoft.com/office/drawing/2010/main" xmlns="" w="9525">
                   <a:solidFill>
                     <a:srgbClr val="000000"/>
                   </a:solidFill>
@@ -24390,7 +28007,7 @@
             </a:ln>
             <a:extLst>
               <a:ext uri="{91240B29-F687-4f45-9708-019B960494DF}">
-                <a14:hiddenLine xmlns="" xmlns:a14="http://schemas.microsoft.com/office/drawing/2010/main" xmlns:p14="http://schemas.microsoft.com/office/powerpoint/2010/main" xmlns:a16="http://schemas.microsoft.com/office/drawing/2014/main" w="9525">
+                <a14:hiddenLine xmlns:a16="http://schemas.microsoft.com/office/drawing/2014/main" xmlns:p14="http://schemas.microsoft.com/office/powerpoint/2010/main" xmlns:a14="http://schemas.microsoft.com/office/drawing/2010/main" xmlns="" w="9525">
                   <a:solidFill>
                     <a:srgbClr val="000000"/>
                   </a:solidFill>
@@ -24470,7 +28087,7 @@
             </a:ln>
             <a:extLst>
               <a:ext uri="{91240B29-F687-4f45-9708-019B960494DF}">
-                <a14:hiddenLine xmlns="" xmlns:a14="http://schemas.microsoft.com/office/drawing/2010/main" xmlns:p14="http://schemas.microsoft.com/office/powerpoint/2010/main" xmlns:a16="http://schemas.microsoft.com/office/drawing/2014/main" w="9525">
+                <a14:hiddenLine xmlns:a16="http://schemas.microsoft.com/office/drawing/2014/main" xmlns:p14="http://schemas.microsoft.com/office/powerpoint/2010/main" xmlns:a14="http://schemas.microsoft.com/office/drawing/2010/main" xmlns="" w="9525">
                   <a:solidFill>
                     <a:srgbClr val="000000"/>
                   </a:solidFill>
@@ -24547,7 +28164,7 @@
             </a:ln>
             <a:extLst>
               <a:ext uri="{91240B29-F687-4f45-9708-019B960494DF}">
-                <a14:hiddenLine xmlns="" xmlns:a14="http://schemas.microsoft.com/office/drawing/2010/main" xmlns:p14="http://schemas.microsoft.com/office/powerpoint/2010/main" xmlns:a16="http://schemas.microsoft.com/office/drawing/2014/main" w="9525">
+                <a14:hiddenLine xmlns:a16="http://schemas.microsoft.com/office/drawing/2014/main" xmlns:p14="http://schemas.microsoft.com/office/powerpoint/2010/main" xmlns:a14="http://schemas.microsoft.com/office/drawing/2010/main" xmlns="" w="9525">
                   <a:solidFill>
                     <a:srgbClr val="000000"/>
                   </a:solidFill>
@@ -24652,7 +28269,7 @@
             </a:ln>
             <a:extLst>
               <a:ext uri="{91240B29-F687-4f45-9708-019B960494DF}">
-                <a14:hiddenLine xmlns="" xmlns:a14="http://schemas.microsoft.com/office/drawing/2010/main" xmlns:p14="http://schemas.microsoft.com/office/powerpoint/2010/main" xmlns:a16="http://schemas.microsoft.com/office/drawing/2014/main" w="9525">
+                <a14:hiddenLine xmlns:a16="http://schemas.microsoft.com/office/drawing/2014/main" xmlns:p14="http://schemas.microsoft.com/office/powerpoint/2010/main" xmlns:a14="http://schemas.microsoft.com/office/drawing/2010/main" xmlns="" w="9525">
                   <a:solidFill>
                     <a:srgbClr val="000000"/>
                   </a:solidFill>
@@ -24757,7 +28374,7 @@
             </a:ln>
             <a:extLst>
               <a:ext uri="{91240B29-F687-4f45-9708-019B960494DF}">
-                <a14:hiddenLine xmlns="" xmlns:a14="http://schemas.microsoft.com/office/drawing/2010/main" xmlns:p14="http://schemas.microsoft.com/office/powerpoint/2010/main" xmlns:a16="http://schemas.microsoft.com/office/drawing/2014/main" w="9525">
+                <a14:hiddenLine xmlns:a16="http://schemas.microsoft.com/office/drawing/2014/main" xmlns:p14="http://schemas.microsoft.com/office/powerpoint/2010/main" xmlns:a14="http://schemas.microsoft.com/office/drawing/2010/main" xmlns="" w="9525">
                   <a:solidFill>
                     <a:srgbClr val="000000"/>
                   </a:solidFill>
@@ -24837,7 +28454,7 @@
             </a:ln>
             <a:extLst>
               <a:ext uri="{91240B29-F687-4f45-9708-019B960494DF}">
-                <a14:hiddenLine xmlns="" xmlns:a14="http://schemas.microsoft.com/office/drawing/2010/main" xmlns:p14="http://schemas.microsoft.com/office/powerpoint/2010/main" xmlns:a16="http://schemas.microsoft.com/office/drawing/2014/main" w="9525">
+                <a14:hiddenLine xmlns:a16="http://schemas.microsoft.com/office/drawing/2014/main" xmlns:p14="http://schemas.microsoft.com/office/powerpoint/2010/main" xmlns:a14="http://schemas.microsoft.com/office/drawing/2010/main" xmlns="" w="9525">
                   <a:solidFill>
                     <a:srgbClr val="000000"/>
                   </a:solidFill>
@@ -24972,7 +28589,7 @@
             </a:ln>
             <a:extLst>
               <a:ext uri="{91240B29-F687-4f45-9708-019B960494DF}">
-                <a14:hiddenLine xmlns="" xmlns:a14="http://schemas.microsoft.com/office/drawing/2010/main" xmlns:p14="http://schemas.microsoft.com/office/powerpoint/2010/main" xmlns:a16="http://schemas.microsoft.com/office/drawing/2014/main" w="9525">
+                <a14:hiddenLine xmlns:a16="http://schemas.microsoft.com/office/drawing/2014/main" xmlns:p14="http://schemas.microsoft.com/office/powerpoint/2010/main" xmlns:a14="http://schemas.microsoft.com/office/drawing/2010/main" xmlns="" w="9525">
                   <a:solidFill>
                     <a:srgbClr val="000000"/>
                   </a:solidFill>
@@ -25221,7 +28838,7 @@
             </a:ln>
             <a:extLst>
               <a:ext uri="{91240B29-F687-4f45-9708-019B960494DF}">
-                <a14:hiddenLine xmlns="" xmlns:a14="http://schemas.microsoft.com/office/drawing/2010/main" xmlns:p14="http://schemas.microsoft.com/office/powerpoint/2010/main" xmlns:a16="http://schemas.microsoft.com/office/drawing/2014/main" w="9525">
+                <a14:hiddenLine xmlns:a16="http://schemas.microsoft.com/office/drawing/2014/main" xmlns:p14="http://schemas.microsoft.com/office/powerpoint/2010/main" xmlns:a14="http://schemas.microsoft.com/office/drawing/2010/main" xmlns="" w="9525">
                   <a:solidFill>
                     <a:srgbClr val="000000"/>
                   </a:solidFill>
@@ -25351,7 +28968,7 @@
             </a:ln>
             <a:extLst>
               <a:ext uri="{91240B29-F687-4f45-9708-019B960494DF}">
-                <a14:hiddenLine xmlns="" xmlns:a14="http://schemas.microsoft.com/office/drawing/2010/main" xmlns:p14="http://schemas.microsoft.com/office/powerpoint/2010/main" xmlns:a16="http://schemas.microsoft.com/office/drawing/2014/main" w="9525">
+                <a14:hiddenLine xmlns:a16="http://schemas.microsoft.com/office/drawing/2014/main" xmlns:p14="http://schemas.microsoft.com/office/powerpoint/2010/main" xmlns:a14="http://schemas.microsoft.com/office/drawing/2010/main" xmlns="" w="9525">
                   <a:solidFill>
                     <a:srgbClr val="000000"/>
                   </a:solidFill>
@@ -25456,7 +29073,7 @@
             </a:ln>
             <a:extLst>
               <a:ext uri="{91240B29-F687-4f45-9708-019B960494DF}">
-                <a14:hiddenLine xmlns="" xmlns:a14="http://schemas.microsoft.com/office/drawing/2010/main" xmlns:p14="http://schemas.microsoft.com/office/powerpoint/2010/main" xmlns:a16="http://schemas.microsoft.com/office/drawing/2014/main" w="9525">
+                <a14:hiddenLine xmlns:a16="http://schemas.microsoft.com/office/drawing/2014/main" xmlns:p14="http://schemas.microsoft.com/office/powerpoint/2010/main" xmlns:a14="http://schemas.microsoft.com/office/drawing/2010/main" xmlns="" w="9525">
                   <a:solidFill>
                     <a:srgbClr val="000000"/>
                   </a:solidFill>
@@ -25536,7 +29153,7 @@
             </a:ln>
             <a:extLst>
               <a:ext uri="{91240B29-F687-4f45-9708-019B960494DF}">
-                <a14:hiddenLine xmlns="" xmlns:a14="http://schemas.microsoft.com/office/drawing/2010/main" xmlns:p14="http://schemas.microsoft.com/office/powerpoint/2010/main" xmlns:a16="http://schemas.microsoft.com/office/drawing/2014/main" w="9525">
+                <a14:hiddenLine xmlns:a16="http://schemas.microsoft.com/office/drawing/2014/main" xmlns:p14="http://schemas.microsoft.com/office/powerpoint/2010/main" xmlns:a14="http://schemas.microsoft.com/office/drawing/2010/main" xmlns="" w="9525">
                   <a:solidFill>
                     <a:srgbClr val="000000"/>
                   </a:solidFill>
@@ -25641,7 +29258,7 @@
             </a:ln>
             <a:extLst>
               <a:ext uri="{91240B29-F687-4f45-9708-019B960494DF}">
-                <a14:hiddenLine xmlns="" xmlns:a14="http://schemas.microsoft.com/office/drawing/2010/main" xmlns:p14="http://schemas.microsoft.com/office/powerpoint/2010/main" xmlns:a16="http://schemas.microsoft.com/office/drawing/2014/main" w="9525">
+                <a14:hiddenLine xmlns:a16="http://schemas.microsoft.com/office/drawing/2014/main" xmlns:p14="http://schemas.microsoft.com/office/powerpoint/2010/main" xmlns:a14="http://schemas.microsoft.com/office/drawing/2010/main" xmlns="" w="9525">
                   <a:solidFill>
                     <a:srgbClr val="000000"/>
                   </a:solidFill>
@@ -25724,7 +29341,7 @@
             </a:ln>
             <a:extLst>
               <a:ext uri="{91240B29-F687-4f45-9708-019B960494DF}">
-                <a14:hiddenLine xmlns="" xmlns:a14="http://schemas.microsoft.com/office/drawing/2010/main" xmlns:p14="http://schemas.microsoft.com/office/powerpoint/2010/main" xmlns:a16="http://schemas.microsoft.com/office/drawing/2014/main" w="9525">
+                <a14:hiddenLine xmlns:a16="http://schemas.microsoft.com/office/drawing/2014/main" xmlns:p14="http://schemas.microsoft.com/office/powerpoint/2010/main" xmlns:a14="http://schemas.microsoft.com/office/drawing/2010/main" xmlns="" w="9525">
                   <a:solidFill>
                     <a:srgbClr val="000000"/>
                   </a:solidFill>
@@ -25829,7 +29446,7 @@
             </a:ln>
             <a:extLst>
               <a:ext uri="{91240B29-F687-4f45-9708-019B960494DF}">
-                <a14:hiddenLine xmlns="" xmlns:a14="http://schemas.microsoft.com/office/drawing/2010/main" xmlns:p14="http://schemas.microsoft.com/office/powerpoint/2010/main" xmlns:a16="http://schemas.microsoft.com/office/drawing/2014/main" w="9525">
+                <a14:hiddenLine xmlns:a16="http://schemas.microsoft.com/office/drawing/2014/main" xmlns:p14="http://schemas.microsoft.com/office/powerpoint/2010/main" xmlns:a14="http://schemas.microsoft.com/office/drawing/2010/main" xmlns="" w="9525">
                   <a:solidFill>
                     <a:srgbClr val="000000"/>
                   </a:solidFill>
@@ -25912,7 +29529,7 @@
             </a:ln>
             <a:extLst>
               <a:ext uri="{91240B29-F687-4f45-9708-019B960494DF}">
-                <a14:hiddenLine xmlns="" xmlns:a14="http://schemas.microsoft.com/office/drawing/2010/main" xmlns:p14="http://schemas.microsoft.com/office/powerpoint/2010/main" xmlns:a16="http://schemas.microsoft.com/office/drawing/2014/main" w="9525">
+                <a14:hiddenLine xmlns:a16="http://schemas.microsoft.com/office/drawing/2014/main" xmlns:p14="http://schemas.microsoft.com/office/powerpoint/2010/main" xmlns:a14="http://schemas.microsoft.com/office/drawing/2010/main" xmlns="" w="9525">
                   <a:solidFill>
                     <a:srgbClr val="000000"/>
                   </a:solidFill>
@@ -26017,7 +29634,7 @@
             </a:ln>
             <a:extLst>
               <a:ext uri="{91240B29-F687-4f45-9708-019B960494DF}">
-                <a14:hiddenLine xmlns="" xmlns:a14="http://schemas.microsoft.com/office/drawing/2010/main" xmlns:p14="http://schemas.microsoft.com/office/powerpoint/2010/main" xmlns:a16="http://schemas.microsoft.com/office/drawing/2014/main" w="9525">
+                <a14:hiddenLine xmlns:a16="http://schemas.microsoft.com/office/drawing/2014/main" xmlns:p14="http://schemas.microsoft.com/office/powerpoint/2010/main" xmlns:a14="http://schemas.microsoft.com/office/drawing/2010/main" xmlns="" w="9525">
                   <a:solidFill>
                     <a:srgbClr val="000000"/>
                   </a:solidFill>
@@ -26066,7 +29683,7 @@
             </a:ln>
             <a:extLst>
               <a:ext uri="{91240B29-F687-4f45-9708-019B960494DF}">
-                <a14:hiddenLine xmlns="" xmlns:a14="http://schemas.microsoft.com/office/drawing/2010/main" xmlns:p14="http://schemas.microsoft.com/office/powerpoint/2010/main" xmlns:a16="http://schemas.microsoft.com/office/drawing/2014/main" w="9525">
+                <a14:hiddenLine xmlns:a16="http://schemas.microsoft.com/office/drawing/2014/main" xmlns:p14="http://schemas.microsoft.com/office/powerpoint/2010/main" xmlns:a14="http://schemas.microsoft.com/office/drawing/2010/main" xmlns="" w="9525">
                   <a:solidFill>
                     <a:srgbClr val="000000"/>
                   </a:solidFill>
@@ -26083,3582 +29700,6 @@
     <p:extLst>
       <p:ext uri="{BB962C8B-B14F-4D97-AF65-F5344CB8AC3E}">
         <p14:creationId xmlns:p14="http://schemas.microsoft.com/office/powerpoint/2010/main" val="846580443"/>
-      </p:ext>
-    </p:extLst>
-  </p:cSld>
-  <p:clrMapOvr>
-    <a:masterClrMapping/>
-  </p:clrMapOvr>
-</p:sld>
-</file>
-
-<file path=ppt/slides/slide7.xml><?xml version="1.0" encoding="utf-8"?>
-<p:sld xmlns:a="http://schemas.openxmlformats.org/drawingml/2006/main" xmlns:r="http://schemas.openxmlformats.org/officeDocument/2006/relationships" xmlns:p="http://schemas.openxmlformats.org/presentationml/2006/main">
-  <p:cSld>
-    <p:spTree>
-      <p:nvGrpSpPr>
-        <p:cNvPr id="1" name=""/>
-        <p:cNvGrpSpPr/>
-        <p:nvPr/>
-      </p:nvGrpSpPr>
-      <p:grpSpPr>
-        <a:xfrm>
-          <a:off x="0" y="0"/>
-          <a:ext cx="0" cy="0"/>
-          <a:chOff x="0" y="0"/>
-          <a:chExt cx="0" cy="0"/>
-        </a:xfrm>
-      </p:grpSpPr>
-      <p:sp useBgFill="1">
-        <p:nvSpPr>
-          <p:cNvPr id="88" name="Rectangle 55">
-            <a:extLst>
-              <a:ext uri="{FF2B5EF4-FFF2-40B4-BE49-F238E27FC236}">
-                <a16:creationId xmlns:a16="http://schemas.microsoft.com/office/drawing/2014/main" id="{E9B448F0-DA06-4165-AB5F-4330A20E06D0}"/>
-              </a:ext>
-              <a:ext uri="{C183D7F6-B498-43B3-948B-1728B52AA6E4}">
-                <adec:decorative xmlns:adec="http://schemas.microsoft.com/office/drawing/2017/decorative" val="1"/>
-              </a:ext>
-            </a:extLst>
-          </p:cNvPr>
-          <p:cNvSpPr>
-            <a:spLocks noGrp="1" noRot="1" noChangeAspect="1" noMove="1" noResize="1" noEditPoints="1" noAdjustHandles="1" noChangeArrowheads="1" noChangeShapeType="1" noTextEdit="1"/>
-          </p:cNvSpPr>
-          <p:nvPr>
-            <p:extLst>
-              <p:ext uri="{386F3935-93C4-4BCD-93E2-E3B085C9AB24}">
-                <p16:designElem xmlns:p16="http://schemas.microsoft.com/office/powerpoint/2015/main" val="1"/>
-              </p:ext>
-            </p:extLst>
-          </p:nvPr>
-        </p:nvSpPr>
-        <p:spPr>
-          <a:xfrm>
-            <a:off x="1" y="-1"/>
-            <a:ext cx="12192000" cy="6858000"/>
-          </a:xfrm>
-          <a:prstGeom prst="rect">
-            <a:avLst/>
-          </a:prstGeom>
-          <a:ln>
-            <a:noFill/>
-          </a:ln>
-        </p:spPr>
-        <p:style>
-          <a:lnRef idx="2">
-            <a:schemeClr val="accent1">
-              <a:shade val="50000"/>
-            </a:schemeClr>
-          </a:lnRef>
-          <a:fillRef idx="1">
-            <a:schemeClr val="accent1"/>
-          </a:fillRef>
-          <a:effectRef idx="0">
-            <a:schemeClr val="accent1"/>
-          </a:effectRef>
-          <a:fontRef idx="minor">
-            <a:schemeClr val="lt1"/>
-          </a:fontRef>
-        </p:style>
-        <p:txBody>
-          <a:bodyPr rtlCol="0" anchor="ctr"/>
-          <a:lstStyle/>
-          <a:p>
-            <a:pPr algn="ctr"/>
-            <a:endParaRPr lang="en-US"/>
-          </a:p>
-        </p:txBody>
-      </p:sp>
-      <p:pic>
-        <p:nvPicPr>
-          <p:cNvPr id="100" name="Picture 2">
-            <a:extLst>
-              <a:ext uri="{FF2B5EF4-FFF2-40B4-BE49-F238E27FC236}">
-                <a16:creationId xmlns:a16="http://schemas.microsoft.com/office/drawing/2014/main" id="{92D83638-A467-411A-9C31-FE9A111CD885}"/>
-              </a:ext>
-              <a:ext uri="{C183D7F6-B498-43B3-948B-1728B52AA6E4}">
-                <adec:decorative xmlns:adec="http://schemas.microsoft.com/office/drawing/2017/decorative" val="1"/>
-              </a:ext>
-            </a:extLst>
-          </p:cNvPr>
-          <p:cNvPicPr>
-            <a:picLocks noGrp="1" noRot="1" noChangeAspect="1" noMove="1" noResize="1" noEditPoints="1" noAdjustHandles="1" noChangeArrowheads="1" noChangeShapeType="1" noCrop="1"/>
-          </p:cNvPicPr>
-          <p:nvPr>
-            <p:extLst>
-              <p:ext uri="{386F3935-93C4-4BCD-93E2-E3B085C9AB24}">
-                <p16:designElem xmlns:p16="http://schemas.microsoft.com/office/powerpoint/2015/main" val="1"/>
-              </p:ext>
-            </p:extLst>
-          </p:nvPr>
-        </p:nvPicPr>
-        <p:blipFill>
-          <a:blip r:embed="rId2">
-            <a:alphaModFix amt="30000"/>
-            <a:duotone>
-              <a:prstClr val="black"/>
-              <a:schemeClr val="tx2">
-                <a:tint val="45000"/>
-                <a:satMod val="400000"/>
-              </a:schemeClr>
-            </a:duotone>
-            <a:extLst>
-              <a:ext uri="{28A0092B-C50C-407E-A947-70E740481C1C}">
-                <a14:useLocalDpi xmlns:a14="http://schemas.microsoft.com/office/drawing/2010/main" val="0"/>
-              </a:ext>
-            </a:extLst>
-          </a:blip>
-          <a:srcRect/>
-          <a:stretch>
-            <a:fillRect/>
-          </a:stretch>
-        </p:blipFill>
-        <p:spPr bwMode="auto">
-          <a:xfrm>
-            <a:off x="0" y="0"/>
-            <a:ext cx="12192003" cy="6858001"/>
-          </a:xfrm>
-          <a:prstGeom prst="rect">
-            <a:avLst/>
-          </a:prstGeom>
-          <a:noFill/>
-          <a:extLst>
-            <a:ext uri="{909E8E84-426E-40dd-AFC4-6F175D3DCCD1}">
-              <a14:hiddenFill xmlns="" xmlns:a14="http://schemas.microsoft.com/office/drawing/2010/main" xmlns:p14="http://schemas.microsoft.com/office/powerpoint/2010/main" xmlns:a16="http://schemas.microsoft.com/office/drawing/2014/main">
-                <a:solidFill>
-                  <a:srgbClr val="FFFFFF"/>
-                </a:solidFill>
-              </a14:hiddenFill>
-            </a:ext>
-          </a:extLst>
-        </p:spPr>
-      </p:pic>
-      <p:grpSp>
-        <p:nvGrpSpPr>
-          <p:cNvPr id="101" name="Group 59">
-            <a:extLst>
-              <a:ext uri="{FF2B5EF4-FFF2-40B4-BE49-F238E27FC236}">
-                <a16:creationId xmlns:a16="http://schemas.microsoft.com/office/drawing/2014/main" id="{2576BCDF-119F-4EB5-83D7-ED823C93EBBD}"/>
-              </a:ext>
-              <a:ext uri="{C183D7F6-B498-43B3-948B-1728B52AA6E4}">
-                <adec:decorative xmlns:adec="http://schemas.microsoft.com/office/drawing/2017/decorative" val="1"/>
-              </a:ext>
-            </a:extLst>
-          </p:cNvPr>
-          <p:cNvGrpSpPr>
-            <a:grpSpLocks noGrp="1" noUngrp="1" noRot="1" noChangeAspect="1" noMove="1" noResize="1"/>
-          </p:cNvGrpSpPr>
-          <p:nvPr>
-            <p:extLst>
-              <p:ext uri="{386F3935-93C4-4BCD-93E2-E3B085C9AB24}">
-                <p16:designElem xmlns:p16="http://schemas.microsoft.com/office/powerpoint/2015/main" val="1"/>
-              </p:ext>
-            </p:extLst>
-          </p:nvPr>
-        </p:nvGrpSpPr>
-        <p:grpSpPr>
-          <a:xfrm>
-            <a:off x="0" y="0"/>
-            <a:ext cx="1220788" cy="6858001"/>
-            <a:chOff x="-14288" y="0"/>
-            <a:chExt cx="1220788" cy="6858001"/>
-          </a:xfrm>
-          <a:solidFill>
-            <a:schemeClr val="tx2">
-              <a:alpha val="45000"/>
-            </a:schemeClr>
-          </a:solidFill>
-        </p:grpSpPr>
-        <p:sp>
-          <p:nvSpPr>
-            <p:cNvPr id="61" name="Rectangle 5">
-              <a:extLst>
-                <a:ext uri="{FF2B5EF4-FFF2-40B4-BE49-F238E27FC236}">
-                  <a16:creationId xmlns:a16="http://schemas.microsoft.com/office/drawing/2014/main" id="{43D63E8F-FD8A-4CE3-B7C9-3E9E2B66B5FD}"/>
-                </a:ext>
-                <a:ext uri="{C183D7F6-B498-43B3-948B-1728B52AA6E4}">
-                  <adec:decorative xmlns:adec="http://schemas.microsoft.com/office/drawing/2017/decorative" val="1"/>
-                </a:ext>
-              </a:extLst>
-            </p:cNvPr>
-            <p:cNvSpPr>
-              <a:spLocks noChangeArrowheads="1"/>
-            </p:cNvSpPr>
-            <p:nvPr>
-              <p:extLst>
-                <p:ext uri="{386F3935-93C4-4BCD-93E2-E3B085C9AB24}">
-                  <p16:designElem xmlns:p16="http://schemas.microsoft.com/office/powerpoint/2015/main" val="1"/>
-                </p:ext>
-              </p:extLst>
-            </p:nvPr>
-          </p:nvSpPr>
-          <p:spPr bwMode="auto">
-            <a:xfrm>
-              <a:off x="114300" y="4763"/>
-              <a:ext cx="23813" cy="2181225"/>
-            </a:xfrm>
-            <a:prstGeom prst="rect">
-              <a:avLst/>
-            </a:prstGeom>
-            <a:grpFill/>
-            <a:ln>
-              <a:noFill/>
-            </a:ln>
-            <a:extLst>
-              <a:ext uri="{91240B29-F687-4f45-9708-019B960494DF}">
-                <a14:hiddenLine xmlns="" xmlns:a14="http://schemas.microsoft.com/office/drawing/2010/main" xmlns:p14="http://schemas.microsoft.com/office/powerpoint/2010/main" xmlns:a16="http://schemas.microsoft.com/office/drawing/2014/main" w="9525">
-                  <a:solidFill>
-                    <a:srgbClr val="000000"/>
-                  </a:solidFill>
-                  <a:miter lim="800000"/>
-                  <a:headEnd/>
-                  <a:tailEnd/>
-                </a14:hiddenLine>
-              </a:ext>
-            </a:extLst>
-          </p:spPr>
-        </p:sp>
-        <p:sp>
-          <p:nvSpPr>
-            <p:cNvPr id="62" name="Freeform 6">
-              <a:extLst>
-                <a:ext uri="{FF2B5EF4-FFF2-40B4-BE49-F238E27FC236}">
-                  <a16:creationId xmlns:a16="http://schemas.microsoft.com/office/drawing/2014/main" id="{D107D890-1831-46D8-90FB-F2FC0B28841D}"/>
-                </a:ext>
-                <a:ext uri="{C183D7F6-B498-43B3-948B-1728B52AA6E4}">
-                  <adec:decorative xmlns:adec="http://schemas.microsoft.com/office/drawing/2017/decorative" val="1"/>
-                </a:ext>
-              </a:extLst>
-            </p:cNvPr>
-            <p:cNvSpPr>
-              <a:spLocks noEditPoints="1"/>
-            </p:cNvSpPr>
-            <p:nvPr>
-              <p:extLst>
-                <p:ext uri="{386F3935-93C4-4BCD-93E2-E3B085C9AB24}">
-                  <p16:designElem xmlns:p16="http://schemas.microsoft.com/office/powerpoint/2015/main" val="1"/>
-                </p:ext>
-              </p:extLst>
-            </p:nvPr>
-          </p:nvSpPr>
-          <p:spPr bwMode="auto">
-            <a:xfrm>
-              <a:off x="33337" y="2176463"/>
-              <a:ext cx="190500" cy="190500"/>
-            </a:xfrm>
-            <a:custGeom>
-              <a:avLst/>
-              <a:gdLst/>
-              <a:ahLst/>
-              <a:cxnLst/>
-              <a:rect l="0" t="0" r="r" b="b"/>
-              <a:pathLst>
-                <a:path w="40" h="40">
-                  <a:moveTo>
-                    <a:pt x="20" y="40"/>
-                  </a:moveTo>
-                  <a:cubicBezTo>
-                    <a:pt x="9" y="40"/>
-                    <a:pt x="0" y="31"/>
-                    <a:pt x="0" y="20"/>
-                  </a:cubicBezTo>
-                  <a:cubicBezTo>
-                    <a:pt x="0" y="9"/>
-                    <a:pt x="9" y="0"/>
-                    <a:pt x="20" y="0"/>
-                  </a:cubicBezTo>
-                  <a:cubicBezTo>
-                    <a:pt x="31" y="0"/>
-                    <a:pt x="40" y="9"/>
-                    <a:pt x="40" y="20"/>
-                  </a:cubicBezTo>
-                  <a:cubicBezTo>
-                    <a:pt x="40" y="31"/>
-                    <a:pt x="31" y="40"/>
-                    <a:pt x="20" y="40"/>
-                  </a:cubicBezTo>
-                  <a:close/>
-                  <a:moveTo>
-                    <a:pt x="20" y="4"/>
-                  </a:moveTo>
-                  <a:cubicBezTo>
-                    <a:pt x="11" y="4"/>
-                    <a:pt x="4" y="11"/>
-                    <a:pt x="4" y="20"/>
-                  </a:cubicBezTo>
-                  <a:cubicBezTo>
-                    <a:pt x="4" y="29"/>
-                    <a:pt x="11" y="36"/>
-                    <a:pt x="20" y="36"/>
-                  </a:cubicBezTo>
-                  <a:cubicBezTo>
-                    <a:pt x="28" y="36"/>
-                    <a:pt x="36" y="29"/>
-                    <a:pt x="36" y="20"/>
-                  </a:cubicBezTo>
-                  <a:cubicBezTo>
-                    <a:pt x="36" y="11"/>
-                    <a:pt x="28" y="4"/>
-                    <a:pt x="20" y="4"/>
-                  </a:cubicBezTo>
-                  <a:close/>
-                </a:path>
-              </a:pathLst>
-            </a:custGeom>
-            <a:grpFill/>
-            <a:ln>
-              <a:noFill/>
-            </a:ln>
-            <a:extLst>
-              <a:ext uri="{91240B29-F687-4f45-9708-019B960494DF}">
-                <a14:hiddenLine xmlns="" xmlns:a14="http://schemas.microsoft.com/office/drawing/2010/main" xmlns:p14="http://schemas.microsoft.com/office/powerpoint/2010/main" xmlns:a16="http://schemas.microsoft.com/office/drawing/2014/main" w="9525">
-                  <a:solidFill>
-                    <a:srgbClr val="000000"/>
-                  </a:solidFill>
-                  <a:round/>
-                  <a:headEnd/>
-                  <a:tailEnd/>
-                </a14:hiddenLine>
-              </a:ext>
-            </a:extLst>
-          </p:spPr>
-        </p:sp>
-        <p:sp>
-          <p:nvSpPr>
-            <p:cNvPr id="63" name="Freeform 7">
-              <a:extLst>
-                <a:ext uri="{FF2B5EF4-FFF2-40B4-BE49-F238E27FC236}">
-                  <a16:creationId xmlns:a16="http://schemas.microsoft.com/office/drawing/2014/main" id="{02440904-A4EC-4F72-8E22-AAF4D9DB5C1B}"/>
-                </a:ext>
-                <a:ext uri="{C183D7F6-B498-43B3-948B-1728B52AA6E4}">
-                  <adec:decorative xmlns:adec="http://schemas.microsoft.com/office/drawing/2017/decorative" val="1"/>
-                </a:ext>
-              </a:extLst>
-            </p:cNvPr>
-            <p:cNvSpPr>
-              <a:spLocks noEditPoints="1"/>
-            </p:cNvSpPr>
-            <p:nvPr>
-              <p:extLst>
-                <p:ext uri="{386F3935-93C4-4BCD-93E2-E3B085C9AB24}">
-                  <p16:designElem xmlns:p16="http://schemas.microsoft.com/office/powerpoint/2015/main" val="1"/>
-                </p:ext>
-              </p:extLst>
-            </p:nvPr>
-          </p:nvSpPr>
-          <p:spPr bwMode="auto">
-            <a:xfrm>
-              <a:off x="28575" y="4021138"/>
-              <a:ext cx="190500" cy="188913"/>
-            </a:xfrm>
-            <a:custGeom>
-              <a:avLst/>
-              <a:gdLst/>
-              <a:ahLst/>
-              <a:cxnLst/>
-              <a:rect l="0" t="0" r="r" b="b"/>
-              <a:pathLst>
-                <a:path w="40" h="40">
-                  <a:moveTo>
-                    <a:pt x="20" y="40"/>
-                  </a:moveTo>
-                  <a:cubicBezTo>
-                    <a:pt x="9" y="40"/>
-                    <a:pt x="0" y="31"/>
-                    <a:pt x="0" y="20"/>
-                  </a:cubicBezTo>
-                  <a:cubicBezTo>
-                    <a:pt x="0" y="9"/>
-                    <a:pt x="9" y="0"/>
-                    <a:pt x="20" y="0"/>
-                  </a:cubicBezTo>
-                  <a:cubicBezTo>
-                    <a:pt x="31" y="0"/>
-                    <a:pt x="40" y="9"/>
-                    <a:pt x="40" y="20"/>
-                  </a:cubicBezTo>
-                  <a:cubicBezTo>
-                    <a:pt x="40" y="31"/>
-                    <a:pt x="31" y="40"/>
-                    <a:pt x="20" y="40"/>
-                  </a:cubicBezTo>
-                  <a:close/>
-                  <a:moveTo>
-                    <a:pt x="20" y="4"/>
-                  </a:moveTo>
-                  <a:cubicBezTo>
-                    <a:pt x="12" y="4"/>
-                    <a:pt x="4" y="11"/>
-                    <a:pt x="4" y="20"/>
-                  </a:cubicBezTo>
-                  <a:cubicBezTo>
-                    <a:pt x="4" y="29"/>
-                    <a:pt x="12" y="36"/>
-                    <a:pt x="20" y="36"/>
-                  </a:cubicBezTo>
-                  <a:cubicBezTo>
-                    <a:pt x="29" y="36"/>
-                    <a:pt x="36" y="29"/>
-                    <a:pt x="36" y="20"/>
-                  </a:cubicBezTo>
-                  <a:cubicBezTo>
-                    <a:pt x="36" y="11"/>
-                    <a:pt x="29" y="4"/>
-                    <a:pt x="20" y="4"/>
-                  </a:cubicBezTo>
-                  <a:close/>
-                </a:path>
-              </a:pathLst>
-            </a:custGeom>
-            <a:grpFill/>
-            <a:ln>
-              <a:noFill/>
-            </a:ln>
-            <a:extLst>
-              <a:ext uri="{91240B29-F687-4f45-9708-019B960494DF}">
-                <a14:hiddenLine xmlns="" xmlns:a14="http://schemas.microsoft.com/office/drawing/2010/main" xmlns:p14="http://schemas.microsoft.com/office/powerpoint/2010/main" xmlns:a16="http://schemas.microsoft.com/office/drawing/2014/main" w="9525">
-                  <a:solidFill>
-                    <a:srgbClr val="000000"/>
-                  </a:solidFill>
-                  <a:round/>
-                  <a:headEnd/>
-                  <a:tailEnd/>
-                </a14:hiddenLine>
-              </a:ext>
-            </a:extLst>
-          </p:spPr>
-        </p:sp>
-        <p:sp>
-          <p:nvSpPr>
-            <p:cNvPr id="64" name="Freeform 8">
-              <a:extLst>
-                <a:ext uri="{FF2B5EF4-FFF2-40B4-BE49-F238E27FC236}">
-                  <a16:creationId xmlns:a16="http://schemas.microsoft.com/office/drawing/2014/main" id="{625E9C1F-1569-416B-A85C-FA143487225D}"/>
-                </a:ext>
-                <a:ext uri="{C183D7F6-B498-43B3-948B-1728B52AA6E4}">
-                  <adec:decorative xmlns:adec="http://schemas.microsoft.com/office/drawing/2017/decorative" val="1"/>
-                </a:ext>
-              </a:extLst>
-            </p:cNvPr>
-            <p:cNvSpPr/>
-            <p:nvPr>
-              <p:extLst>
-                <p:ext uri="{386F3935-93C4-4BCD-93E2-E3B085C9AB24}">
-                  <p16:designElem xmlns:p16="http://schemas.microsoft.com/office/powerpoint/2015/main" val="1"/>
-                </p:ext>
-              </p:extLst>
-            </p:nvPr>
-          </p:nvSpPr>
-          <p:spPr bwMode="auto">
-            <a:xfrm>
-              <a:off x="200025" y="4763"/>
-              <a:ext cx="369888" cy="1811338"/>
-            </a:xfrm>
-            <a:custGeom>
-              <a:avLst/>
-              <a:gdLst/>
-              <a:ahLst/>
-              <a:cxnLst/>
-              <a:rect l="0" t="0" r="r" b="b"/>
-              <a:pathLst>
-                <a:path w="233" h="1141">
-                  <a:moveTo>
-                    <a:pt x="218" y="1141"/>
-                  </a:moveTo>
-                  <a:lnTo>
-                    <a:pt x="0" y="626"/>
-                  </a:lnTo>
-                  <a:lnTo>
-                    <a:pt x="0" y="0"/>
-                  </a:lnTo>
-                  <a:lnTo>
-                    <a:pt x="15" y="0"/>
-                  </a:lnTo>
-                  <a:lnTo>
-                    <a:pt x="15" y="623"/>
-                  </a:lnTo>
-                  <a:lnTo>
-                    <a:pt x="233" y="1135"/>
-                  </a:lnTo>
-                  <a:lnTo>
-                    <a:pt x="218" y="1141"/>
-                  </a:lnTo>
-                  <a:close/>
-                </a:path>
-              </a:pathLst>
-            </a:custGeom>
-            <a:grpFill/>
-            <a:ln>
-              <a:noFill/>
-            </a:ln>
-            <a:extLst>
-              <a:ext uri="{91240B29-F687-4f45-9708-019B960494DF}">
-                <a14:hiddenLine xmlns="" xmlns:a14="http://schemas.microsoft.com/office/drawing/2010/main" xmlns:p14="http://schemas.microsoft.com/office/powerpoint/2010/main" xmlns:a16="http://schemas.microsoft.com/office/drawing/2014/main" w="9525">
-                  <a:solidFill>
-                    <a:srgbClr val="000000"/>
-                  </a:solidFill>
-                  <a:round/>
-                  <a:headEnd/>
-                  <a:tailEnd/>
-                </a14:hiddenLine>
-              </a:ext>
-            </a:extLst>
-          </p:spPr>
-        </p:sp>
-        <p:sp>
-          <p:nvSpPr>
-            <p:cNvPr id="65" name="Freeform 9">
-              <a:extLst>
-                <a:ext uri="{FF2B5EF4-FFF2-40B4-BE49-F238E27FC236}">
-                  <a16:creationId xmlns:a16="http://schemas.microsoft.com/office/drawing/2014/main" id="{3A186C77-43BF-4B1B-8170-48944F305750}"/>
-                </a:ext>
-                <a:ext uri="{C183D7F6-B498-43B3-948B-1728B52AA6E4}">
-                  <adec:decorative xmlns:adec="http://schemas.microsoft.com/office/drawing/2017/decorative" val="1"/>
-                </a:ext>
-              </a:extLst>
-            </p:cNvPr>
-            <p:cNvSpPr>
-              <a:spLocks noEditPoints="1"/>
-            </p:cNvSpPr>
-            <p:nvPr>
-              <p:extLst>
-                <p:ext uri="{386F3935-93C4-4BCD-93E2-E3B085C9AB24}">
-                  <p16:designElem xmlns:p16="http://schemas.microsoft.com/office/powerpoint/2015/main" val="1"/>
-                </p:ext>
-              </p:extLst>
-            </p:nvPr>
-          </p:nvSpPr>
-          <p:spPr bwMode="auto">
-            <a:xfrm>
-              <a:off x="503237" y="1801813"/>
-              <a:ext cx="190500" cy="188913"/>
-            </a:xfrm>
-            <a:custGeom>
-              <a:avLst/>
-              <a:gdLst/>
-              <a:ahLst/>
-              <a:cxnLst/>
-              <a:rect l="0" t="0" r="r" b="b"/>
-              <a:pathLst>
-                <a:path w="40" h="40">
-                  <a:moveTo>
-                    <a:pt x="20" y="40"/>
-                  </a:moveTo>
-                  <a:cubicBezTo>
-                    <a:pt x="9" y="40"/>
-                    <a:pt x="0" y="31"/>
-                    <a:pt x="0" y="20"/>
-                  </a:cubicBezTo>
-                  <a:cubicBezTo>
-                    <a:pt x="0" y="9"/>
-                    <a:pt x="9" y="0"/>
-                    <a:pt x="20" y="0"/>
-                  </a:cubicBezTo>
-                  <a:cubicBezTo>
-                    <a:pt x="33" y="0"/>
-                    <a:pt x="40" y="6"/>
-                    <a:pt x="40" y="20"/>
-                  </a:cubicBezTo>
-                  <a:cubicBezTo>
-                    <a:pt x="40" y="31"/>
-                    <a:pt x="31" y="40"/>
-                    <a:pt x="20" y="40"/>
-                  </a:cubicBezTo>
-                  <a:close/>
-                  <a:moveTo>
-                    <a:pt x="20" y="4"/>
-                  </a:moveTo>
-                  <a:cubicBezTo>
-                    <a:pt x="11" y="4"/>
-                    <a:pt x="4" y="11"/>
-                    <a:pt x="4" y="20"/>
-                  </a:cubicBezTo>
-                  <a:cubicBezTo>
-                    <a:pt x="4" y="29"/>
-                    <a:pt x="11" y="36"/>
-                    <a:pt x="20" y="36"/>
-                  </a:cubicBezTo>
-                  <a:cubicBezTo>
-                    <a:pt x="28" y="36"/>
-                    <a:pt x="36" y="29"/>
-                    <a:pt x="36" y="20"/>
-                  </a:cubicBezTo>
-                  <a:cubicBezTo>
-                    <a:pt x="36" y="9"/>
-                    <a:pt x="31" y="4"/>
-                    <a:pt x="20" y="4"/>
-                  </a:cubicBezTo>
-                  <a:close/>
-                </a:path>
-              </a:pathLst>
-            </a:custGeom>
-            <a:grpFill/>
-            <a:ln>
-              <a:noFill/>
-            </a:ln>
-            <a:extLst>
-              <a:ext uri="{91240B29-F687-4f45-9708-019B960494DF}">
-                <a14:hiddenLine xmlns="" xmlns:a14="http://schemas.microsoft.com/office/drawing/2010/main" xmlns:p14="http://schemas.microsoft.com/office/powerpoint/2010/main" xmlns:a16="http://schemas.microsoft.com/office/drawing/2014/main" w="9525">
-                  <a:solidFill>
-                    <a:srgbClr val="000000"/>
-                  </a:solidFill>
-                  <a:round/>
-                  <a:headEnd/>
-                  <a:tailEnd/>
-                </a14:hiddenLine>
-              </a:ext>
-            </a:extLst>
-          </p:spPr>
-        </p:sp>
-        <p:sp>
-          <p:nvSpPr>
-            <p:cNvPr id="66" name="Freeform 10">
-              <a:extLst>
-                <a:ext uri="{FF2B5EF4-FFF2-40B4-BE49-F238E27FC236}">
-                  <a16:creationId xmlns:a16="http://schemas.microsoft.com/office/drawing/2014/main" id="{FA8D72C1-8526-44B4-9333-5E0057ECCA29}"/>
-                </a:ext>
-                <a:ext uri="{C183D7F6-B498-43B3-948B-1728B52AA6E4}">
-                  <adec:decorative xmlns:adec="http://schemas.microsoft.com/office/drawing/2017/decorative" val="1"/>
-                </a:ext>
-              </a:extLst>
-            </p:cNvPr>
-            <p:cNvSpPr/>
-            <p:nvPr>
-              <p:extLst>
-                <p:ext uri="{386F3935-93C4-4BCD-93E2-E3B085C9AB24}">
-                  <p16:designElem xmlns:p16="http://schemas.microsoft.com/office/powerpoint/2015/main" val="1"/>
-                </p:ext>
-              </p:extLst>
-            </p:nvPr>
-          </p:nvSpPr>
-          <p:spPr bwMode="auto">
-            <a:xfrm>
-              <a:off x="285750" y="4763"/>
-              <a:ext cx="369888" cy="1430338"/>
-            </a:xfrm>
-            <a:custGeom>
-              <a:avLst/>
-              <a:gdLst/>
-              <a:ahLst/>
-              <a:cxnLst/>
-              <a:rect l="0" t="0" r="r" b="b"/>
-              <a:pathLst>
-                <a:path w="233" h="901">
-                  <a:moveTo>
-                    <a:pt x="221" y="901"/>
-                  </a:moveTo>
-                  <a:lnTo>
-                    <a:pt x="0" y="383"/>
-                  </a:lnTo>
-                  <a:lnTo>
-                    <a:pt x="0" y="0"/>
-                  </a:lnTo>
-                  <a:lnTo>
-                    <a:pt x="18" y="0"/>
-                  </a:lnTo>
-                  <a:lnTo>
-                    <a:pt x="18" y="380"/>
-                  </a:lnTo>
-                  <a:lnTo>
-                    <a:pt x="233" y="895"/>
-                  </a:lnTo>
-                  <a:lnTo>
-                    <a:pt x="221" y="901"/>
-                  </a:lnTo>
-                  <a:close/>
-                </a:path>
-              </a:pathLst>
-            </a:custGeom>
-            <a:grpFill/>
-            <a:ln>
-              <a:noFill/>
-            </a:ln>
-            <a:extLst>
-              <a:ext uri="{91240B29-F687-4f45-9708-019B960494DF}">
-                <a14:hiddenLine xmlns="" xmlns:a14="http://schemas.microsoft.com/office/drawing/2010/main" xmlns:p14="http://schemas.microsoft.com/office/powerpoint/2010/main" xmlns:a16="http://schemas.microsoft.com/office/drawing/2014/main" w="9525">
-                  <a:solidFill>
-                    <a:srgbClr val="000000"/>
-                  </a:solidFill>
-                  <a:round/>
-                  <a:headEnd/>
-                  <a:tailEnd/>
-                </a14:hiddenLine>
-              </a:ext>
-            </a:extLst>
-          </p:spPr>
-        </p:sp>
-        <p:sp>
-          <p:nvSpPr>
-            <p:cNvPr id="67" name="Freeform 11">
-              <a:extLst>
-                <a:ext uri="{FF2B5EF4-FFF2-40B4-BE49-F238E27FC236}">
-                  <a16:creationId xmlns:a16="http://schemas.microsoft.com/office/drawing/2014/main" id="{790E4BA0-9C47-48B6-AA4A-8FC22DA9541E}"/>
-                </a:ext>
-                <a:ext uri="{C183D7F6-B498-43B3-948B-1728B52AA6E4}">
-                  <adec:decorative xmlns:adec="http://schemas.microsoft.com/office/drawing/2017/decorative" val="1"/>
-                </a:ext>
-              </a:extLst>
-            </p:cNvPr>
-            <p:cNvSpPr/>
-            <p:nvPr>
-              <p:extLst>
-                <p:ext uri="{386F3935-93C4-4BCD-93E2-E3B085C9AB24}">
-                  <p16:designElem xmlns:p16="http://schemas.microsoft.com/office/powerpoint/2015/main" val="1"/>
-                </p:ext>
-              </p:extLst>
-            </p:nvPr>
-          </p:nvSpPr>
-          <p:spPr bwMode="auto">
-            <a:xfrm>
-              <a:off x="546100" y="0"/>
-              <a:ext cx="152400" cy="912813"/>
-            </a:xfrm>
-            <a:custGeom>
-              <a:avLst/>
-              <a:gdLst/>
-              <a:ahLst/>
-              <a:cxnLst/>
-              <a:rect l="0" t="0" r="r" b="b"/>
-              <a:pathLst>
-                <a:path w="96" h="575">
-                  <a:moveTo>
-                    <a:pt x="96" y="575"/>
-                  </a:moveTo>
-                  <a:lnTo>
-                    <a:pt x="78" y="575"/>
-                  </a:lnTo>
-                  <a:lnTo>
-                    <a:pt x="78" y="192"/>
-                  </a:lnTo>
-                  <a:lnTo>
-                    <a:pt x="0" y="6"/>
-                  </a:lnTo>
-                  <a:lnTo>
-                    <a:pt x="15" y="0"/>
-                  </a:lnTo>
-                  <a:lnTo>
-                    <a:pt x="96" y="189"/>
-                  </a:lnTo>
-                  <a:lnTo>
-                    <a:pt x="96" y="575"/>
-                  </a:lnTo>
-                  <a:close/>
-                </a:path>
-              </a:pathLst>
-            </a:custGeom>
-            <a:grpFill/>
-            <a:ln>
-              <a:noFill/>
-            </a:ln>
-            <a:extLst>
-              <a:ext uri="{91240B29-F687-4f45-9708-019B960494DF}">
-                <a14:hiddenLine xmlns="" xmlns:a14="http://schemas.microsoft.com/office/drawing/2010/main" xmlns:p14="http://schemas.microsoft.com/office/powerpoint/2010/main" xmlns:a16="http://schemas.microsoft.com/office/drawing/2014/main" w="9525">
-                  <a:solidFill>
-                    <a:srgbClr val="000000"/>
-                  </a:solidFill>
-                  <a:round/>
-                  <a:headEnd/>
-                  <a:tailEnd/>
-                </a14:hiddenLine>
-              </a:ext>
-            </a:extLst>
-          </p:spPr>
-        </p:sp>
-        <p:sp>
-          <p:nvSpPr>
-            <p:cNvPr id="68" name="Freeform 12">
-              <a:extLst>
-                <a:ext uri="{FF2B5EF4-FFF2-40B4-BE49-F238E27FC236}">
-                  <a16:creationId xmlns:a16="http://schemas.microsoft.com/office/drawing/2014/main" id="{FD051475-431F-4B9D-94C6-7B49A69582F2}"/>
-                </a:ext>
-                <a:ext uri="{C183D7F6-B498-43B3-948B-1728B52AA6E4}">
-                  <adec:decorative xmlns:adec="http://schemas.microsoft.com/office/drawing/2017/decorative" val="1"/>
-                </a:ext>
-              </a:extLst>
-            </p:cNvPr>
-            <p:cNvSpPr>
-              <a:spLocks noEditPoints="1"/>
-            </p:cNvSpPr>
-            <p:nvPr>
-              <p:extLst>
-                <p:ext uri="{386F3935-93C4-4BCD-93E2-E3B085C9AB24}">
-                  <p16:designElem xmlns:p16="http://schemas.microsoft.com/office/powerpoint/2015/main" val="1"/>
-                </p:ext>
-              </p:extLst>
-            </p:nvPr>
-          </p:nvSpPr>
-          <p:spPr bwMode="auto">
-            <a:xfrm>
-              <a:off x="588962" y="1420813"/>
-              <a:ext cx="190500" cy="190500"/>
-            </a:xfrm>
-            <a:custGeom>
-              <a:avLst/>
-              <a:gdLst/>
-              <a:ahLst/>
-              <a:cxnLst/>
-              <a:rect l="0" t="0" r="r" b="b"/>
-              <a:pathLst>
-                <a:path w="40" h="40">
-                  <a:moveTo>
-                    <a:pt x="20" y="40"/>
-                  </a:moveTo>
-                  <a:cubicBezTo>
-                    <a:pt x="9" y="40"/>
-                    <a:pt x="0" y="31"/>
-                    <a:pt x="0" y="20"/>
-                  </a:cubicBezTo>
-                  <a:cubicBezTo>
-                    <a:pt x="0" y="9"/>
-                    <a:pt x="9" y="0"/>
-                    <a:pt x="20" y="0"/>
-                  </a:cubicBezTo>
-                  <a:cubicBezTo>
-                    <a:pt x="33" y="0"/>
-                    <a:pt x="40" y="7"/>
-                    <a:pt x="40" y="20"/>
-                  </a:cubicBezTo>
-                  <a:cubicBezTo>
-                    <a:pt x="40" y="31"/>
-                    <a:pt x="31" y="40"/>
-                    <a:pt x="20" y="40"/>
-                  </a:cubicBezTo>
-                  <a:close/>
-                  <a:moveTo>
-                    <a:pt x="20" y="4"/>
-                  </a:moveTo>
-                  <a:cubicBezTo>
-                    <a:pt x="11" y="4"/>
-                    <a:pt x="4" y="11"/>
-                    <a:pt x="4" y="20"/>
-                  </a:cubicBezTo>
-                  <a:cubicBezTo>
-                    <a:pt x="4" y="29"/>
-                    <a:pt x="11" y="36"/>
-                    <a:pt x="20" y="36"/>
-                  </a:cubicBezTo>
-                  <a:cubicBezTo>
-                    <a:pt x="29" y="36"/>
-                    <a:pt x="36" y="29"/>
-                    <a:pt x="36" y="20"/>
-                  </a:cubicBezTo>
-                  <a:cubicBezTo>
-                    <a:pt x="36" y="9"/>
-                    <a:pt x="31" y="4"/>
-                    <a:pt x="20" y="4"/>
-                  </a:cubicBezTo>
-                  <a:close/>
-                </a:path>
-              </a:pathLst>
-            </a:custGeom>
-            <a:grpFill/>
-            <a:ln>
-              <a:noFill/>
-            </a:ln>
-            <a:extLst>
-              <a:ext uri="{91240B29-F687-4f45-9708-019B960494DF}">
-                <a14:hiddenLine xmlns="" xmlns:a14="http://schemas.microsoft.com/office/drawing/2010/main" xmlns:p14="http://schemas.microsoft.com/office/powerpoint/2010/main" xmlns:a16="http://schemas.microsoft.com/office/drawing/2014/main" w="9525">
-                  <a:solidFill>
-                    <a:srgbClr val="000000"/>
-                  </a:solidFill>
-                  <a:round/>
-                  <a:headEnd/>
-                  <a:tailEnd/>
-                </a14:hiddenLine>
-              </a:ext>
-            </a:extLst>
-          </p:spPr>
-        </p:sp>
-        <p:sp>
-          <p:nvSpPr>
-            <p:cNvPr id="69" name="Freeform 13">
-              <a:extLst>
-                <a:ext uri="{FF2B5EF4-FFF2-40B4-BE49-F238E27FC236}">
-                  <a16:creationId xmlns:a16="http://schemas.microsoft.com/office/drawing/2014/main" id="{82255D2F-85A1-4A19-8BC4-EB2715F36CCE}"/>
-                </a:ext>
-                <a:ext uri="{C183D7F6-B498-43B3-948B-1728B52AA6E4}">
-                  <adec:decorative xmlns:adec="http://schemas.microsoft.com/office/drawing/2017/decorative" val="1"/>
-                </a:ext>
-              </a:extLst>
-            </p:cNvPr>
-            <p:cNvSpPr>
-              <a:spLocks noEditPoints="1"/>
-            </p:cNvSpPr>
-            <p:nvPr>
-              <p:extLst>
-                <p:ext uri="{386F3935-93C4-4BCD-93E2-E3B085C9AB24}">
-                  <p16:designElem xmlns:p16="http://schemas.microsoft.com/office/powerpoint/2015/main" val="1"/>
-                </p:ext>
-              </p:extLst>
-            </p:nvPr>
-          </p:nvSpPr>
-          <p:spPr bwMode="auto">
-            <a:xfrm>
-              <a:off x="588962" y="903288"/>
-              <a:ext cx="190500" cy="190500"/>
-            </a:xfrm>
-            <a:custGeom>
-              <a:avLst/>
-              <a:gdLst/>
-              <a:ahLst/>
-              <a:cxnLst/>
-              <a:rect l="0" t="0" r="r" b="b"/>
-              <a:pathLst>
-                <a:path w="40" h="40">
-                  <a:moveTo>
-                    <a:pt x="20" y="40"/>
-                  </a:moveTo>
-                  <a:cubicBezTo>
-                    <a:pt x="9" y="40"/>
-                    <a:pt x="0" y="31"/>
-                    <a:pt x="0" y="20"/>
-                  </a:cubicBezTo>
-                  <a:cubicBezTo>
-                    <a:pt x="0" y="9"/>
-                    <a:pt x="9" y="0"/>
-                    <a:pt x="20" y="0"/>
-                  </a:cubicBezTo>
-                  <a:cubicBezTo>
-                    <a:pt x="31" y="0"/>
-                    <a:pt x="40" y="9"/>
-                    <a:pt x="40" y="20"/>
-                  </a:cubicBezTo>
-                  <a:cubicBezTo>
-                    <a:pt x="40" y="31"/>
-                    <a:pt x="31" y="40"/>
-                    <a:pt x="20" y="40"/>
-                  </a:cubicBezTo>
-                  <a:close/>
-                  <a:moveTo>
-                    <a:pt x="20" y="4"/>
-                  </a:moveTo>
-                  <a:cubicBezTo>
-                    <a:pt x="11" y="4"/>
-                    <a:pt x="4" y="11"/>
-                    <a:pt x="4" y="20"/>
-                  </a:cubicBezTo>
-                  <a:cubicBezTo>
-                    <a:pt x="4" y="29"/>
-                    <a:pt x="11" y="36"/>
-                    <a:pt x="20" y="36"/>
-                  </a:cubicBezTo>
-                  <a:cubicBezTo>
-                    <a:pt x="29" y="36"/>
-                    <a:pt x="36" y="29"/>
-                    <a:pt x="36" y="20"/>
-                  </a:cubicBezTo>
-                  <a:cubicBezTo>
-                    <a:pt x="36" y="11"/>
-                    <a:pt x="29" y="4"/>
-                    <a:pt x="20" y="4"/>
-                  </a:cubicBezTo>
-                  <a:close/>
-                </a:path>
-              </a:pathLst>
-            </a:custGeom>
-            <a:grpFill/>
-            <a:ln>
-              <a:noFill/>
-            </a:ln>
-            <a:extLst>
-              <a:ext uri="{91240B29-F687-4f45-9708-019B960494DF}">
-                <a14:hiddenLine xmlns="" xmlns:a14="http://schemas.microsoft.com/office/drawing/2010/main" xmlns:p14="http://schemas.microsoft.com/office/powerpoint/2010/main" xmlns:a16="http://schemas.microsoft.com/office/drawing/2014/main" w="9525">
-                  <a:solidFill>
-                    <a:srgbClr val="000000"/>
-                  </a:solidFill>
-                  <a:round/>
-                  <a:headEnd/>
-                  <a:tailEnd/>
-                </a14:hiddenLine>
-              </a:ext>
-            </a:extLst>
-          </p:spPr>
-        </p:sp>
-        <p:sp>
-          <p:nvSpPr>
-            <p:cNvPr id="70" name="Freeform 14">
-              <a:extLst>
-                <a:ext uri="{FF2B5EF4-FFF2-40B4-BE49-F238E27FC236}">
-                  <a16:creationId xmlns:a16="http://schemas.microsoft.com/office/drawing/2014/main" id="{EBC3A004-9794-4EFA-83F0-989248797CD9}"/>
-                </a:ext>
-                <a:ext uri="{C183D7F6-B498-43B3-948B-1728B52AA6E4}">
-                  <adec:decorative xmlns:adec="http://schemas.microsoft.com/office/drawing/2017/decorative" val="1"/>
-                </a:ext>
-              </a:extLst>
-            </p:cNvPr>
-            <p:cNvSpPr/>
-            <p:nvPr>
-              <p:extLst>
-                <p:ext uri="{386F3935-93C4-4BCD-93E2-E3B085C9AB24}">
-                  <p16:designElem xmlns:p16="http://schemas.microsoft.com/office/powerpoint/2015/main" val="1"/>
-                </p:ext>
-              </p:extLst>
-            </p:nvPr>
-          </p:nvSpPr>
-          <p:spPr bwMode="auto">
-            <a:xfrm>
-              <a:off x="641350" y="0"/>
-              <a:ext cx="422275" cy="527050"/>
-            </a:xfrm>
-            <a:custGeom>
-              <a:avLst/>
-              <a:gdLst/>
-              <a:ahLst/>
-              <a:cxnLst/>
-              <a:rect l="0" t="0" r="r" b="b"/>
-              <a:pathLst>
-                <a:path w="266" h="332">
-                  <a:moveTo>
-                    <a:pt x="257" y="332"/>
-                  </a:moveTo>
-                  <a:lnTo>
-                    <a:pt x="48" y="123"/>
-                  </a:lnTo>
-                  <a:lnTo>
-                    <a:pt x="0" y="6"/>
-                  </a:lnTo>
-                  <a:lnTo>
-                    <a:pt x="15" y="0"/>
-                  </a:lnTo>
-                  <a:lnTo>
-                    <a:pt x="63" y="114"/>
-                  </a:lnTo>
-                  <a:lnTo>
-                    <a:pt x="266" y="320"/>
-                  </a:lnTo>
-                  <a:lnTo>
-                    <a:pt x="257" y="332"/>
-                  </a:lnTo>
-                  <a:close/>
-                </a:path>
-              </a:pathLst>
-            </a:custGeom>
-            <a:grpFill/>
-            <a:ln>
-              <a:noFill/>
-            </a:ln>
-            <a:extLst>
-              <a:ext uri="{91240B29-F687-4f45-9708-019B960494DF}">
-                <a14:hiddenLine xmlns="" xmlns:a14="http://schemas.microsoft.com/office/drawing/2010/main" xmlns:p14="http://schemas.microsoft.com/office/powerpoint/2010/main" xmlns:a16="http://schemas.microsoft.com/office/drawing/2014/main" w="9525">
-                  <a:solidFill>
-                    <a:srgbClr val="000000"/>
-                  </a:solidFill>
-                  <a:round/>
-                  <a:headEnd/>
-                  <a:tailEnd/>
-                </a14:hiddenLine>
-              </a:ext>
-            </a:extLst>
-          </p:spPr>
-        </p:sp>
-        <p:sp>
-          <p:nvSpPr>
-            <p:cNvPr id="71" name="Freeform 15">
-              <a:extLst>
-                <a:ext uri="{FF2B5EF4-FFF2-40B4-BE49-F238E27FC236}">
-                  <a16:creationId xmlns:a16="http://schemas.microsoft.com/office/drawing/2014/main" id="{6EFD9FC3-E11A-44E3-BCAC-A07F3C601F22}"/>
-                </a:ext>
-                <a:ext uri="{C183D7F6-B498-43B3-948B-1728B52AA6E4}">
-                  <adec:decorative xmlns:adec="http://schemas.microsoft.com/office/drawing/2017/decorative" val="1"/>
-                </a:ext>
-              </a:extLst>
-            </p:cNvPr>
-            <p:cNvSpPr>
-              <a:spLocks noEditPoints="1"/>
-            </p:cNvSpPr>
-            <p:nvPr>
-              <p:extLst>
-                <p:ext uri="{386F3935-93C4-4BCD-93E2-E3B085C9AB24}">
-                  <p16:designElem xmlns:p16="http://schemas.microsoft.com/office/powerpoint/2015/main" val="1"/>
-                </p:ext>
-              </p:extLst>
-            </p:nvPr>
-          </p:nvSpPr>
-          <p:spPr bwMode="auto">
-            <a:xfrm>
-              <a:off x="1020762" y="488950"/>
-              <a:ext cx="161925" cy="147638"/>
-            </a:xfrm>
-            <a:custGeom>
-              <a:avLst/>
-              <a:gdLst/>
-              <a:ahLst/>
-              <a:cxnLst/>
-              <a:rect l="0" t="0" r="r" b="b"/>
-              <a:pathLst>
-                <a:path w="34" h="31">
-                  <a:moveTo>
-                    <a:pt x="17" y="31"/>
-                  </a:moveTo>
-                  <a:cubicBezTo>
-                    <a:pt x="13" y="31"/>
-                    <a:pt x="9" y="30"/>
-                    <a:pt x="6" y="27"/>
-                  </a:cubicBezTo>
-                  <a:cubicBezTo>
-                    <a:pt x="0" y="20"/>
-                    <a:pt x="0" y="10"/>
-                    <a:pt x="6" y="4"/>
-                  </a:cubicBezTo>
-                  <a:cubicBezTo>
-                    <a:pt x="9" y="1"/>
-                    <a:pt x="13" y="0"/>
-                    <a:pt x="17" y="0"/>
-                  </a:cubicBezTo>
-                  <a:cubicBezTo>
-                    <a:pt x="21" y="0"/>
-                    <a:pt x="25" y="1"/>
-                    <a:pt x="28" y="4"/>
-                  </a:cubicBezTo>
-                  <a:cubicBezTo>
-                    <a:pt x="34" y="10"/>
-                    <a:pt x="34" y="20"/>
-                    <a:pt x="28" y="27"/>
-                  </a:cubicBezTo>
-                  <a:cubicBezTo>
-                    <a:pt x="25" y="30"/>
-                    <a:pt x="21" y="31"/>
-                    <a:pt x="17" y="31"/>
-                  </a:cubicBezTo>
-                  <a:close/>
-                  <a:moveTo>
-                    <a:pt x="17" y="4"/>
-                  </a:moveTo>
-                  <a:cubicBezTo>
-                    <a:pt x="14" y="4"/>
-                    <a:pt x="11" y="5"/>
-                    <a:pt x="9" y="7"/>
-                  </a:cubicBezTo>
-                  <a:cubicBezTo>
-                    <a:pt x="4" y="12"/>
-                    <a:pt x="4" y="19"/>
-                    <a:pt x="9" y="24"/>
-                  </a:cubicBezTo>
-                  <a:cubicBezTo>
-                    <a:pt x="11" y="26"/>
-                    <a:pt x="14" y="27"/>
-                    <a:pt x="17" y="27"/>
-                  </a:cubicBezTo>
-                  <a:cubicBezTo>
-                    <a:pt x="20" y="27"/>
-                    <a:pt x="23" y="26"/>
-                    <a:pt x="25" y="24"/>
-                  </a:cubicBezTo>
-                  <a:cubicBezTo>
-                    <a:pt x="30" y="19"/>
-                    <a:pt x="30" y="12"/>
-                    <a:pt x="25" y="7"/>
-                  </a:cubicBezTo>
-                  <a:cubicBezTo>
-                    <a:pt x="23" y="5"/>
-                    <a:pt x="20" y="4"/>
-                    <a:pt x="17" y="4"/>
-                  </a:cubicBezTo>
-                  <a:close/>
-                </a:path>
-              </a:pathLst>
-            </a:custGeom>
-            <a:grpFill/>
-            <a:ln>
-              <a:noFill/>
-            </a:ln>
-            <a:extLst>
-              <a:ext uri="{91240B29-F687-4f45-9708-019B960494DF}">
-                <a14:hiddenLine xmlns="" xmlns:a14="http://schemas.microsoft.com/office/drawing/2010/main" xmlns:p14="http://schemas.microsoft.com/office/powerpoint/2010/main" xmlns:a16="http://schemas.microsoft.com/office/drawing/2014/main" w="9525">
-                  <a:solidFill>
-                    <a:srgbClr val="000000"/>
-                  </a:solidFill>
-                  <a:round/>
-                  <a:headEnd/>
-                  <a:tailEnd/>
-                </a14:hiddenLine>
-              </a:ext>
-            </a:extLst>
-          </p:spPr>
-        </p:sp>
-        <p:sp>
-          <p:nvSpPr>
-            <p:cNvPr id="72" name="Line 16">
-              <a:extLst>
-                <a:ext uri="{FF2B5EF4-FFF2-40B4-BE49-F238E27FC236}">
-                  <a16:creationId xmlns:a16="http://schemas.microsoft.com/office/drawing/2014/main" id="{AB6AB6F7-6592-4028-B349-1C0E53A29CDC}"/>
-                </a:ext>
-                <a:ext uri="{C183D7F6-B498-43B3-948B-1728B52AA6E4}">
-                  <adec:decorative xmlns:adec="http://schemas.microsoft.com/office/drawing/2017/decorative" val="1"/>
-                </a:ext>
-              </a:extLst>
-            </p:cNvPr>
-            <p:cNvSpPr>
-              <a:spLocks noChangeShapeType="1"/>
-            </p:cNvSpPr>
-            <p:nvPr>
-              <p:extLst>
-                <p:ext uri="{386F3935-93C4-4BCD-93E2-E3B085C9AB24}">
-                  <p16:designElem xmlns:p16="http://schemas.microsoft.com/office/powerpoint/2015/main" val="1"/>
-                </p:ext>
-              </p:extLst>
-            </p:nvPr>
-          </p:nvSpPr>
-          <p:spPr bwMode="auto">
-            <a:xfrm>
-              <a:off x="-4763" y="9525"/>
-              <a:ext cx="0" cy="0"/>
-            </a:xfrm>
-            <a:prstGeom prst="line">
-              <a:avLst/>
-            </a:prstGeom>
-            <a:grpFill/>
-            <a:ln w="15" cap="flat">
-              <a:solidFill>
-                <a:srgbClr val="FFFFFF"/>
-              </a:solidFill>
-              <a:prstDash val="solid"/>
-              <a:miter lim="800000"/>
-              <a:headEnd/>
-              <a:tailEnd/>
-            </a:ln>
-          </p:spPr>
-        </p:sp>
-        <p:sp>
-          <p:nvSpPr>
-            <p:cNvPr id="73" name="Freeform 17">
-              <a:extLst>
-                <a:ext uri="{FF2B5EF4-FFF2-40B4-BE49-F238E27FC236}">
-                  <a16:creationId xmlns:a16="http://schemas.microsoft.com/office/drawing/2014/main" id="{6C2415E6-F914-4C11-B48B-4910AA6CA6BD}"/>
-                </a:ext>
-                <a:ext uri="{C183D7F6-B498-43B3-948B-1728B52AA6E4}">
-                  <adec:decorative xmlns:adec="http://schemas.microsoft.com/office/drawing/2017/decorative" val="1"/>
-                </a:ext>
-              </a:extLst>
-            </p:cNvPr>
-            <p:cNvSpPr/>
-            <p:nvPr>
-              <p:extLst>
-                <p:ext uri="{386F3935-93C4-4BCD-93E2-E3B085C9AB24}">
-                  <p16:designElem xmlns:p16="http://schemas.microsoft.com/office/powerpoint/2015/main" val="1"/>
-                </p:ext>
-              </p:extLst>
-            </p:nvPr>
-          </p:nvSpPr>
-          <p:spPr bwMode="auto">
-            <a:xfrm>
-              <a:off x="9525" y="1801813"/>
-              <a:ext cx="123825" cy="127000"/>
-            </a:xfrm>
-            <a:custGeom>
-              <a:avLst/>
-              <a:gdLst/>
-              <a:ahLst/>
-              <a:cxnLst/>
-              <a:rect l="0" t="0" r="r" b="b"/>
-              <a:pathLst>
-                <a:path w="78" h="80">
-                  <a:moveTo>
-                    <a:pt x="6" y="80"/>
-                  </a:moveTo>
-                  <a:lnTo>
-                    <a:pt x="0" y="71"/>
-                  </a:lnTo>
-                  <a:lnTo>
-                    <a:pt x="69" y="0"/>
-                  </a:lnTo>
-                  <a:lnTo>
-                    <a:pt x="78" y="9"/>
-                  </a:lnTo>
-                  <a:lnTo>
-                    <a:pt x="6" y="80"/>
-                  </a:lnTo>
-                  <a:close/>
-                </a:path>
-              </a:pathLst>
-            </a:custGeom>
-            <a:grpFill/>
-            <a:ln>
-              <a:noFill/>
-            </a:ln>
-            <a:extLst>
-              <a:ext uri="{91240B29-F687-4f45-9708-019B960494DF}">
-                <a14:hiddenLine xmlns="" xmlns:a14="http://schemas.microsoft.com/office/drawing/2010/main" xmlns:p14="http://schemas.microsoft.com/office/powerpoint/2010/main" xmlns:a16="http://schemas.microsoft.com/office/drawing/2014/main" w="9525">
-                  <a:solidFill>
-                    <a:srgbClr val="000000"/>
-                  </a:solidFill>
-                  <a:round/>
-                  <a:headEnd/>
-                  <a:tailEnd/>
-                </a14:hiddenLine>
-              </a:ext>
-            </a:extLst>
-          </p:spPr>
-        </p:sp>
-        <p:sp>
-          <p:nvSpPr>
-            <p:cNvPr id="74" name="Freeform 18">
-              <a:extLst>
-                <a:ext uri="{FF2B5EF4-FFF2-40B4-BE49-F238E27FC236}">
-                  <a16:creationId xmlns:a16="http://schemas.microsoft.com/office/drawing/2014/main" id="{2412013C-072A-489E-851A-CFEF91A9A6A9}"/>
-                </a:ext>
-                <a:ext uri="{C183D7F6-B498-43B3-948B-1728B52AA6E4}">
-                  <adec:decorative xmlns:adec="http://schemas.microsoft.com/office/drawing/2017/decorative" val="1"/>
-                </a:ext>
-              </a:extLst>
-            </p:cNvPr>
-            <p:cNvSpPr/>
-            <p:nvPr>
-              <p:extLst>
-                <p:ext uri="{386F3935-93C4-4BCD-93E2-E3B085C9AB24}">
-                  <p16:designElem xmlns:p16="http://schemas.microsoft.com/office/powerpoint/2015/main" val="1"/>
-                </p:ext>
-              </p:extLst>
-            </p:nvPr>
-          </p:nvSpPr>
-          <p:spPr bwMode="auto">
-            <a:xfrm>
-              <a:off x="-9525" y="3549650"/>
-              <a:ext cx="147638" cy="481013"/>
-            </a:xfrm>
-            <a:custGeom>
-              <a:avLst/>
-              <a:gdLst/>
-              <a:ahLst/>
-              <a:cxnLst/>
-              <a:rect l="0" t="0" r="r" b="b"/>
-              <a:pathLst>
-                <a:path w="93" h="303">
-                  <a:moveTo>
-                    <a:pt x="93" y="303"/>
-                  </a:moveTo>
-                  <a:lnTo>
-                    <a:pt x="78" y="303"/>
-                  </a:lnTo>
-                  <a:lnTo>
-                    <a:pt x="78" y="78"/>
-                  </a:lnTo>
-                  <a:lnTo>
-                    <a:pt x="0" y="12"/>
-                  </a:lnTo>
-                  <a:lnTo>
-                    <a:pt x="12" y="0"/>
-                  </a:lnTo>
-                  <a:lnTo>
-                    <a:pt x="93" y="69"/>
-                  </a:lnTo>
-                  <a:lnTo>
-                    <a:pt x="93" y="303"/>
-                  </a:lnTo>
-                  <a:close/>
-                </a:path>
-              </a:pathLst>
-            </a:custGeom>
-            <a:grpFill/>
-            <a:ln>
-              <a:noFill/>
-            </a:ln>
-            <a:extLst>
-              <a:ext uri="{91240B29-F687-4f45-9708-019B960494DF}">
-                <a14:hiddenLine xmlns="" xmlns:a14="http://schemas.microsoft.com/office/drawing/2010/main" xmlns:p14="http://schemas.microsoft.com/office/powerpoint/2010/main" xmlns:a16="http://schemas.microsoft.com/office/drawing/2014/main" w="9525">
-                  <a:solidFill>
-                    <a:srgbClr val="000000"/>
-                  </a:solidFill>
-                  <a:round/>
-                  <a:headEnd/>
-                  <a:tailEnd/>
-                </a14:hiddenLine>
-              </a:ext>
-            </a:extLst>
-          </p:spPr>
-        </p:sp>
-        <p:sp>
-          <p:nvSpPr>
-            <p:cNvPr id="75" name="Freeform 19">
-              <a:extLst>
-                <a:ext uri="{FF2B5EF4-FFF2-40B4-BE49-F238E27FC236}">
-                  <a16:creationId xmlns:a16="http://schemas.microsoft.com/office/drawing/2014/main" id="{DE93DF9F-296F-4DE4-8813-D8C04DE4CFC5}"/>
-                </a:ext>
-                <a:ext uri="{C183D7F6-B498-43B3-948B-1728B52AA6E4}">
-                  <adec:decorative xmlns:adec="http://schemas.microsoft.com/office/drawing/2017/decorative" val="1"/>
-                </a:ext>
-              </a:extLst>
-            </p:cNvPr>
-            <p:cNvSpPr/>
-            <p:nvPr>
-              <p:extLst>
-                <p:ext uri="{386F3935-93C4-4BCD-93E2-E3B085C9AB24}">
-                  <p16:designElem xmlns:p16="http://schemas.microsoft.com/office/powerpoint/2015/main" val="1"/>
-                </p:ext>
-              </p:extLst>
-            </p:nvPr>
-          </p:nvSpPr>
-          <p:spPr bwMode="auto">
-            <a:xfrm>
-              <a:off x="128587" y="1382713"/>
-              <a:ext cx="142875" cy="476250"/>
-            </a:xfrm>
-            <a:custGeom>
-              <a:avLst/>
-              <a:gdLst/>
-              <a:ahLst/>
-              <a:cxnLst/>
-              <a:rect l="0" t="0" r="r" b="b"/>
-              <a:pathLst>
-                <a:path w="90" h="300">
-                  <a:moveTo>
-                    <a:pt x="90" y="300"/>
-                  </a:moveTo>
-                  <a:lnTo>
-                    <a:pt x="78" y="300"/>
-                  </a:lnTo>
-                  <a:lnTo>
-                    <a:pt x="78" y="84"/>
-                  </a:lnTo>
-                  <a:lnTo>
-                    <a:pt x="0" y="9"/>
-                  </a:lnTo>
-                  <a:lnTo>
-                    <a:pt x="9" y="0"/>
-                  </a:lnTo>
-                  <a:lnTo>
-                    <a:pt x="90" y="81"/>
-                  </a:lnTo>
-                  <a:lnTo>
-                    <a:pt x="90" y="300"/>
-                  </a:lnTo>
-                  <a:close/>
-                </a:path>
-              </a:pathLst>
-            </a:custGeom>
-            <a:grpFill/>
-            <a:ln>
-              <a:noFill/>
-            </a:ln>
-            <a:extLst>
-              <a:ext uri="{91240B29-F687-4f45-9708-019B960494DF}">
-                <a14:hiddenLine xmlns="" xmlns:a14="http://schemas.microsoft.com/office/drawing/2010/main" xmlns:p14="http://schemas.microsoft.com/office/powerpoint/2010/main" xmlns:a16="http://schemas.microsoft.com/office/drawing/2014/main" w="9525">
-                  <a:solidFill>
-                    <a:srgbClr val="000000"/>
-                  </a:solidFill>
-                  <a:round/>
-                  <a:headEnd/>
-                  <a:tailEnd/>
-                </a14:hiddenLine>
-              </a:ext>
-            </a:extLst>
-          </p:spPr>
-        </p:sp>
-        <p:sp>
-          <p:nvSpPr>
-            <p:cNvPr id="76" name="Freeform 20">
-              <a:extLst>
-                <a:ext uri="{FF2B5EF4-FFF2-40B4-BE49-F238E27FC236}">
-                  <a16:creationId xmlns:a16="http://schemas.microsoft.com/office/drawing/2014/main" id="{F440D966-5030-460C-9916-BF9B91542185}"/>
-                </a:ext>
-                <a:ext uri="{C183D7F6-B498-43B3-948B-1728B52AA6E4}">
-                  <adec:decorative xmlns:adec="http://schemas.microsoft.com/office/drawing/2017/decorative" val="1"/>
-                </a:ext>
-              </a:extLst>
-            </p:cNvPr>
-            <p:cNvSpPr>
-              <a:spLocks noEditPoints="1"/>
-            </p:cNvSpPr>
-            <p:nvPr>
-              <p:extLst>
-                <p:ext uri="{386F3935-93C4-4BCD-93E2-E3B085C9AB24}">
-                  <p16:designElem xmlns:p16="http://schemas.microsoft.com/office/powerpoint/2015/main" val="1"/>
-                </p:ext>
-              </p:extLst>
-            </p:nvPr>
-          </p:nvSpPr>
-          <p:spPr bwMode="auto">
-            <a:xfrm>
-              <a:off x="204787" y="1849438"/>
-              <a:ext cx="114300" cy="107950"/>
-            </a:xfrm>
-            <a:custGeom>
-              <a:avLst/>
-              <a:gdLst/>
-              <a:ahLst/>
-              <a:cxnLst/>
-              <a:rect l="0" t="0" r="r" b="b"/>
-              <a:pathLst>
-                <a:path w="24" h="23">
-                  <a:moveTo>
-                    <a:pt x="12" y="23"/>
-                  </a:moveTo>
-                  <a:cubicBezTo>
-                    <a:pt x="6" y="23"/>
-                    <a:pt x="0" y="18"/>
-                    <a:pt x="0" y="12"/>
-                  </a:cubicBezTo>
-                  <a:cubicBezTo>
-                    <a:pt x="0" y="5"/>
-                    <a:pt x="6" y="0"/>
-                    <a:pt x="12" y="0"/>
-                  </a:cubicBezTo>
-                  <a:cubicBezTo>
-                    <a:pt x="18" y="0"/>
-                    <a:pt x="24" y="5"/>
-                    <a:pt x="24" y="12"/>
-                  </a:cubicBezTo>
-                  <a:cubicBezTo>
-                    <a:pt x="24" y="18"/>
-                    <a:pt x="18" y="23"/>
-                    <a:pt x="12" y="23"/>
-                  </a:cubicBezTo>
-                  <a:close/>
-                  <a:moveTo>
-                    <a:pt x="12" y="4"/>
-                  </a:moveTo>
-                  <a:cubicBezTo>
-                    <a:pt x="8" y="4"/>
-                    <a:pt x="4" y="8"/>
-                    <a:pt x="4" y="12"/>
-                  </a:cubicBezTo>
-                  <a:cubicBezTo>
-                    <a:pt x="4" y="16"/>
-                    <a:pt x="8" y="19"/>
-                    <a:pt x="12" y="19"/>
-                  </a:cubicBezTo>
-                  <a:cubicBezTo>
-                    <a:pt x="16" y="19"/>
-                    <a:pt x="20" y="16"/>
-                    <a:pt x="20" y="12"/>
-                  </a:cubicBezTo>
-                  <a:cubicBezTo>
-                    <a:pt x="20" y="8"/>
-                    <a:pt x="16" y="4"/>
-                    <a:pt x="12" y="4"/>
-                  </a:cubicBezTo>
-                  <a:close/>
-                </a:path>
-              </a:pathLst>
-            </a:custGeom>
-            <a:grpFill/>
-            <a:ln>
-              <a:noFill/>
-            </a:ln>
-            <a:extLst>
-              <a:ext uri="{91240B29-F687-4f45-9708-019B960494DF}">
-                <a14:hiddenLine xmlns="" xmlns:a14="http://schemas.microsoft.com/office/drawing/2010/main" xmlns:p14="http://schemas.microsoft.com/office/powerpoint/2010/main" xmlns:a16="http://schemas.microsoft.com/office/drawing/2014/main" w="9525">
-                  <a:solidFill>
-                    <a:srgbClr val="000000"/>
-                  </a:solidFill>
-                  <a:round/>
-                  <a:headEnd/>
-                  <a:tailEnd/>
-                </a14:hiddenLine>
-              </a:ext>
-            </a:extLst>
-          </p:spPr>
-        </p:sp>
-        <p:sp>
-          <p:nvSpPr>
-            <p:cNvPr id="77" name="Rectangle 21">
-              <a:extLst>
-                <a:ext uri="{FF2B5EF4-FFF2-40B4-BE49-F238E27FC236}">
-                  <a16:creationId xmlns:a16="http://schemas.microsoft.com/office/drawing/2014/main" id="{1EFE245D-BA05-4F4D-A6E8-40739F48E769}"/>
-                </a:ext>
-                <a:ext uri="{C183D7F6-B498-43B3-948B-1728B52AA6E4}">
-                  <adec:decorative xmlns:adec="http://schemas.microsoft.com/office/drawing/2017/decorative" val="1"/>
-                </a:ext>
-              </a:extLst>
-            </p:cNvPr>
-            <p:cNvSpPr>
-              <a:spLocks noChangeArrowheads="1"/>
-            </p:cNvSpPr>
-            <p:nvPr>
-              <p:extLst>
-                <p:ext uri="{386F3935-93C4-4BCD-93E2-E3B085C9AB24}">
-                  <p16:designElem xmlns:p16="http://schemas.microsoft.com/office/powerpoint/2015/main" val="1"/>
-                </p:ext>
-              </p:extLst>
-            </p:nvPr>
-          </p:nvSpPr>
-          <p:spPr bwMode="auto">
-            <a:xfrm>
-              <a:off x="133350" y="4662488"/>
-              <a:ext cx="23813" cy="2181225"/>
-            </a:xfrm>
-            <a:prstGeom prst="rect">
-              <a:avLst/>
-            </a:prstGeom>
-            <a:grpFill/>
-            <a:ln>
-              <a:noFill/>
-            </a:ln>
-            <a:extLst>
-              <a:ext uri="{91240B29-F687-4f45-9708-019B960494DF}">
-                <a14:hiddenLine xmlns="" xmlns:a14="http://schemas.microsoft.com/office/drawing/2010/main" xmlns:p14="http://schemas.microsoft.com/office/powerpoint/2010/main" xmlns:a16="http://schemas.microsoft.com/office/drawing/2014/main" w="9525">
-                  <a:solidFill>
-                    <a:srgbClr val="000000"/>
-                  </a:solidFill>
-                  <a:miter lim="800000"/>
-                  <a:headEnd/>
-                  <a:tailEnd/>
-                </a14:hiddenLine>
-              </a:ext>
-            </a:extLst>
-          </p:spPr>
-        </p:sp>
-        <p:sp>
-          <p:nvSpPr>
-            <p:cNvPr id="78" name="Freeform 22">
-              <a:extLst>
-                <a:ext uri="{FF2B5EF4-FFF2-40B4-BE49-F238E27FC236}">
-                  <a16:creationId xmlns:a16="http://schemas.microsoft.com/office/drawing/2014/main" id="{ED67811C-F735-441C-98A6-2517EC099AFD}"/>
-                </a:ext>
-                <a:ext uri="{C183D7F6-B498-43B3-948B-1728B52AA6E4}">
-                  <adec:decorative xmlns:adec="http://schemas.microsoft.com/office/drawing/2017/decorative" val="1"/>
-                </a:ext>
-              </a:extLst>
-            </p:cNvPr>
-            <p:cNvSpPr/>
-            <p:nvPr>
-              <p:extLst>
-                <p:ext uri="{386F3935-93C4-4BCD-93E2-E3B085C9AB24}">
-                  <p16:designElem xmlns:p16="http://schemas.microsoft.com/office/powerpoint/2015/main" val="1"/>
-                </p:ext>
-              </p:extLst>
-            </p:nvPr>
-          </p:nvSpPr>
-          <p:spPr bwMode="auto">
-            <a:xfrm>
-              <a:off x="223837" y="5041900"/>
-              <a:ext cx="369888" cy="1801813"/>
-            </a:xfrm>
-            <a:custGeom>
-              <a:avLst/>
-              <a:gdLst/>
-              <a:ahLst/>
-              <a:cxnLst/>
-              <a:rect l="0" t="0" r="r" b="b"/>
-              <a:pathLst>
-                <a:path w="233" h="1135">
-                  <a:moveTo>
-                    <a:pt x="15" y="1135"/>
-                  </a:moveTo>
-                  <a:lnTo>
-                    <a:pt x="0" y="1135"/>
-                  </a:lnTo>
-                  <a:lnTo>
-                    <a:pt x="0" y="515"/>
-                  </a:lnTo>
-                  <a:lnTo>
-                    <a:pt x="0" y="512"/>
-                  </a:lnTo>
-                  <a:lnTo>
-                    <a:pt x="218" y="0"/>
-                  </a:lnTo>
-                  <a:lnTo>
-                    <a:pt x="233" y="6"/>
-                  </a:lnTo>
-                  <a:lnTo>
-                    <a:pt x="15" y="518"/>
-                  </a:lnTo>
-                  <a:lnTo>
-                    <a:pt x="15" y="1135"/>
-                  </a:lnTo>
-                  <a:close/>
-                </a:path>
-              </a:pathLst>
-            </a:custGeom>
-            <a:grpFill/>
-            <a:ln>
-              <a:noFill/>
-            </a:ln>
-            <a:extLst>
-              <a:ext uri="{91240B29-F687-4f45-9708-019B960494DF}">
-                <a14:hiddenLine xmlns="" xmlns:a14="http://schemas.microsoft.com/office/drawing/2010/main" xmlns:p14="http://schemas.microsoft.com/office/powerpoint/2010/main" xmlns:a16="http://schemas.microsoft.com/office/drawing/2014/main" w="9525">
-                  <a:solidFill>
-                    <a:srgbClr val="000000"/>
-                  </a:solidFill>
-                  <a:round/>
-                  <a:headEnd/>
-                  <a:tailEnd/>
-                </a14:hiddenLine>
-              </a:ext>
-            </a:extLst>
-          </p:spPr>
-        </p:sp>
-        <p:sp>
-          <p:nvSpPr>
-            <p:cNvPr id="79" name="Freeform 23">
-              <a:extLst>
-                <a:ext uri="{FF2B5EF4-FFF2-40B4-BE49-F238E27FC236}">
-                  <a16:creationId xmlns:a16="http://schemas.microsoft.com/office/drawing/2014/main" id="{3070FC44-32F9-470F-A131-868F3F1DB72F}"/>
-                </a:ext>
-                <a:ext uri="{C183D7F6-B498-43B3-948B-1728B52AA6E4}">
-                  <adec:decorative xmlns:adec="http://schemas.microsoft.com/office/drawing/2017/decorative" val="1"/>
-                </a:ext>
-              </a:extLst>
-            </p:cNvPr>
-            <p:cNvSpPr>
-              <a:spLocks noEditPoints="1"/>
-            </p:cNvSpPr>
-            <p:nvPr>
-              <p:extLst>
-                <p:ext uri="{386F3935-93C4-4BCD-93E2-E3B085C9AB24}">
-                  <p16:designElem xmlns:p16="http://schemas.microsoft.com/office/powerpoint/2015/main" val="1"/>
-                </p:ext>
-              </p:extLst>
-            </p:nvPr>
-          </p:nvSpPr>
-          <p:spPr bwMode="auto">
-            <a:xfrm>
-              <a:off x="52387" y="4481513"/>
-              <a:ext cx="190500" cy="190500"/>
-            </a:xfrm>
-            <a:custGeom>
-              <a:avLst/>
-              <a:gdLst/>
-              <a:ahLst/>
-              <a:cxnLst/>
-              <a:rect l="0" t="0" r="r" b="b"/>
-              <a:pathLst>
-                <a:path w="40" h="40">
-                  <a:moveTo>
-                    <a:pt x="20" y="40"/>
-                  </a:moveTo>
-                  <a:cubicBezTo>
-                    <a:pt x="9" y="40"/>
-                    <a:pt x="0" y="31"/>
-                    <a:pt x="0" y="20"/>
-                  </a:cubicBezTo>
-                  <a:cubicBezTo>
-                    <a:pt x="0" y="9"/>
-                    <a:pt x="9" y="0"/>
-                    <a:pt x="20" y="0"/>
-                  </a:cubicBezTo>
-                  <a:cubicBezTo>
-                    <a:pt x="31" y="0"/>
-                    <a:pt x="40" y="9"/>
-                    <a:pt x="40" y="20"/>
-                  </a:cubicBezTo>
-                  <a:cubicBezTo>
-                    <a:pt x="40" y="31"/>
-                    <a:pt x="31" y="40"/>
-                    <a:pt x="20" y="40"/>
-                  </a:cubicBezTo>
-                  <a:close/>
-                  <a:moveTo>
-                    <a:pt x="20" y="4"/>
-                  </a:moveTo>
-                  <a:cubicBezTo>
-                    <a:pt x="11" y="4"/>
-                    <a:pt x="4" y="11"/>
-                    <a:pt x="4" y="20"/>
-                  </a:cubicBezTo>
-                  <a:cubicBezTo>
-                    <a:pt x="4" y="29"/>
-                    <a:pt x="11" y="36"/>
-                    <a:pt x="20" y="36"/>
-                  </a:cubicBezTo>
-                  <a:cubicBezTo>
-                    <a:pt x="28" y="36"/>
-                    <a:pt x="36" y="29"/>
-                    <a:pt x="36" y="20"/>
-                  </a:cubicBezTo>
-                  <a:cubicBezTo>
-                    <a:pt x="36" y="11"/>
-                    <a:pt x="28" y="4"/>
-                    <a:pt x="20" y="4"/>
-                  </a:cubicBezTo>
-                  <a:close/>
-                </a:path>
-              </a:pathLst>
-            </a:custGeom>
-            <a:grpFill/>
-            <a:ln>
-              <a:noFill/>
-            </a:ln>
-            <a:extLst>
-              <a:ext uri="{91240B29-F687-4f45-9708-019B960494DF}">
-                <a14:hiddenLine xmlns="" xmlns:a14="http://schemas.microsoft.com/office/drawing/2010/main" xmlns:p14="http://schemas.microsoft.com/office/powerpoint/2010/main" xmlns:a16="http://schemas.microsoft.com/office/drawing/2014/main" w="9525">
-                  <a:solidFill>
-                    <a:srgbClr val="000000"/>
-                  </a:solidFill>
-                  <a:round/>
-                  <a:headEnd/>
-                  <a:tailEnd/>
-                </a14:hiddenLine>
-              </a:ext>
-            </a:extLst>
-          </p:spPr>
-        </p:sp>
-        <p:sp>
-          <p:nvSpPr>
-            <p:cNvPr id="80" name="Freeform 24">
-              <a:extLst>
-                <a:ext uri="{FF2B5EF4-FFF2-40B4-BE49-F238E27FC236}">
-                  <a16:creationId xmlns:a16="http://schemas.microsoft.com/office/drawing/2014/main" id="{95FB52C7-C779-4E3F-978C-4595FEF868F5}"/>
-                </a:ext>
-                <a:ext uri="{C183D7F6-B498-43B3-948B-1728B52AA6E4}">
-                  <adec:decorative xmlns:adec="http://schemas.microsoft.com/office/drawing/2017/decorative" val="1"/>
-                </a:ext>
-              </a:extLst>
-            </p:cNvPr>
-            <p:cNvSpPr/>
-            <p:nvPr>
-              <p:extLst>
-                <p:ext uri="{386F3935-93C4-4BCD-93E2-E3B085C9AB24}">
-                  <p16:designElem xmlns:p16="http://schemas.microsoft.com/office/powerpoint/2015/main" val="1"/>
-                </p:ext>
-              </p:extLst>
-            </p:nvPr>
-          </p:nvSpPr>
-          <p:spPr bwMode="auto">
-            <a:xfrm>
-              <a:off x="-14288" y="5627688"/>
-              <a:ext cx="85725" cy="1216025"/>
-            </a:xfrm>
-            <a:custGeom>
-              <a:avLst/>
-              <a:gdLst/>
-              <a:ahLst/>
-              <a:cxnLst/>
-              <a:rect l="0" t="0" r="r" b="b"/>
-              <a:pathLst>
-                <a:path w="54" h="766">
-                  <a:moveTo>
-                    <a:pt x="54" y="766"/>
-                  </a:moveTo>
-                  <a:lnTo>
-                    <a:pt x="36" y="766"/>
-                  </a:lnTo>
-                  <a:lnTo>
-                    <a:pt x="36" y="149"/>
-                  </a:lnTo>
-                  <a:lnTo>
-                    <a:pt x="0" y="3"/>
-                  </a:lnTo>
-                  <a:lnTo>
-                    <a:pt x="18" y="0"/>
-                  </a:lnTo>
-                  <a:lnTo>
-                    <a:pt x="54" y="146"/>
-                  </a:lnTo>
-                  <a:lnTo>
-                    <a:pt x="54" y="766"/>
-                  </a:lnTo>
-                  <a:close/>
-                </a:path>
-              </a:pathLst>
-            </a:custGeom>
-            <a:grpFill/>
-            <a:ln>
-              <a:noFill/>
-            </a:ln>
-            <a:extLst>
-              <a:ext uri="{91240B29-F687-4f45-9708-019B960494DF}">
-                <a14:hiddenLine xmlns="" xmlns:a14="http://schemas.microsoft.com/office/drawing/2010/main" xmlns:p14="http://schemas.microsoft.com/office/powerpoint/2010/main" xmlns:a16="http://schemas.microsoft.com/office/drawing/2014/main" w="9525">
-                  <a:solidFill>
-                    <a:srgbClr val="000000"/>
-                  </a:solidFill>
-                  <a:round/>
-                  <a:headEnd/>
-                  <a:tailEnd/>
-                </a14:hiddenLine>
-              </a:ext>
-            </a:extLst>
-          </p:spPr>
-        </p:sp>
-        <p:sp>
-          <p:nvSpPr>
-            <p:cNvPr id="81" name="Freeform 25">
-              <a:extLst>
-                <a:ext uri="{FF2B5EF4-FFF2-40B4-BE49-F238E27FC236}">
-                  <a16:creationId xmlns:a16="http://schemas.microsoft.com/office/drawing/2014/main" id="{D4EB1759-62AC-4B24-9DC6-E4F8737E8984}"/>
-                </a:ext>
-                <a:ext uri="{C183D7F6-B498-43B3-948B-1728B52AA6E4}">
-                  <adec:decorative xmlns:adec="http://schemas.microsoft.com/office/drawing/2017/decorative" val="1"/>
-                </a:ext>
-              </a:extLst>
-            </p:cNvPr>
-            <p:cNvSpPr>
-              <a:spLocks noEditPoints="1"/>
-            </p:cNvSpPr>
-            <p:nvPr>
-              <p:extLst>
-                <p:ext uri="{386F3935-93C4-4BCD-93E2-E3B085C9AB24}">
-                  <p16:designElem xmlns:p16="http://schemas.microsoft.com/office/powerpoint/2015/main" val="1"/>
-                </p:ext>
-              </p:extLst>
-            </p:nvPr>
-          </p:nvSpPr>
-          <p:spPr bwMode="auto">
-            <a:xfrm>
-              <a:off x="527050" y="4867275"/>
-              <a:ext cx="190500" cy="188913"/>
-            </a:xfrm>
-            <a:custGeom>
-              <a:avLst/>
-              <a:gdLst/>
-              <a:ahLst/>
-              <a:cxnLst/>
-              <a:rect l="0" t="0" r="r" b="b"/>
-              <a:pathLst>
-                <a:path w="40" h="40">
-                  <a:moveTo>
-                    <a:pt x="20" y="40"/>
-                  </a:moveTo>
-                  <a:cubicBezTo>
-                    <a:pt x="9" y="40"/>
-                    <a:pt x="0" y="31"/>
-                    <a:pt x="0" y="20"/>
-                  </a:cubicBezTo>
-                  <a:cubicBezTo>
-                    <a:pt x="0" y="9"/>
-                    <a:pt x="9" y="0"/>
-                    <a:pt x="20" y="0"/>
-                  </a:cubicBezTo>
-                  <a:cubicBezTo>
-                    <a:pt x="31" y="0"/>
-                    <a:pt x="40" y="9"/>
-                    <a:pt x="40" y="20"/>
-                  </a:cubicBezTo>
-                  <a:cubicBezTo>
-                    <a:pt x="40" y="31"/>
-                    <a:pt x="31" y="40"/>
-                    <a:pt x="20" y="40"/>
-                  </a:cubicBezTo>
-                  <a:close/>
-                  <a:moveTo>
-                    <a:pt x="20" y="4"/>
-                  </a:moveTo>
-                  <a:cubicBezTo>
-                    <a:pt x="11" y="4"/>
-                    <a:pt x="4" y="11"/>
-                    <a:pt x="4" y="20"/>
-                  </a:cubicBezTo>
-                  <a:cubicBezTo>
-                    <a:pt x="4" y="29"/>
-                    <a:pt x="11" y="36"/>
-                    <a:pt x="20" y="36"/>
-                  </a:cubicBezTo>
-                  <a:cubicBezTo>
-                    <a:pt x="29" y="36"/>
-                    <a:pt x="36" y="29"/>
-                    <a:pt x="36" y="20"/>
-                  </a:cubicBezTo>
-                  <a:cubicBezTo>
-                    <a:pt x="36" y="11"/>
-                    <a:pt x="29" y="4"/>
-                    <a:pt x="20" y="4"/>
-                  </a:cubicBezTo>
-                  <a:close/>
-                </a:path>
-              </a:pathLst>
-            </a:custGeom>
-            <a:grpFill/>
-            <a:ln>
-              <a:noFill/>
-            </a:ln>
-            <a:extLst>
-              <a:ext uri="{91240B29-F687-4f45-9708-019B960494DF}">
-                <a14:hiddenLine xmlns="" xmlns:a14="http://schemas.microsoft.com/office/drawing/2010/main" xmlns:p14="http://schemas.microsoft.com/office/powerpoint/2010/main" xmlns:a16="http://schemas.microsoft.com/office/drawing/2014/main" w="9525">
-                  <a:solidFill>
-                    <a:srgbClr val="000000"/>
-                  </a:solidFill>
-                  <a:round/>
-                  <a:headEnd/>
-                  <a:tailEnd/>
-                </a14:hiddenLine>
-              </a:ext>
-            </a:extLst>
-          </p:spPr>
-        </p:sp>
-        <p:sp>
-          <p:nvSpPr>
-            <p:cNvPr id="82" name="Freeform 26">
-              <a:extLst>
-                <a:ext uri="{FF2B5EF4-FFF2-40B4-BE49-F238E27FC236}">
-                  <a16:creationId xmlns:a16="http://schemas.microsoft.com/office/drawing/2014/main" id="{7BF6FB39-864B-4F58-86E8-790E16FB3CD7}"/>
-                </a:ext>
-                <a:ext uri="{C183D7F6-B498-43B3-948B-1728B52AA6E4}">
-                  <adec:decorative xmlns:adec="http://schemas.microsoft.com/office/drawing/2017/decorative" val="1"/>
-                </a:ext>
-              </a:extLst>
-            </p:cNvPr>
-            <p:cNvSpPr/>
-            <p:nvPr>
-              <p:extLst>
-                <p:ext uri="{386F3935-93C4-4BCD-93E2-E3B085C9AB24}">
-                  <p16:designElem xmlns:p16="http://schemas.microsoft.com/office/powerpoint/2015/main" val="1"/>
-                </p:ext>
-              </p:extLst>
-            </p:nvPr>
-          </p:nvSpPr>
-          <p:spPr bwMode="auto">
-            <a:xfrm>
-              <a:off x="309562" y="5422900"/>
-              <a:ext cx="374650" cy="1425575"/>
-            </a:xfrm>
-            <a:custGeom>
-              <a:avLst/>
-              <a:gdLst/>
-              <a:ahLst/>
-              <a:cxnLst/>
-              <a:rect l="0" t="0" r="r" b="b"/>
-              <a:pathLst>
-                <a:path w="236" h="898">
-                  <a:moveTo>
-                    <a:pt x="18" y="898"/>
-                  </a:moveTo>
-                  <a:lnTo>
-                    <a:pt x="0" y="898"/>
-                  </a:lnTo>
-                  <a:lnTo>
-                    <a:pt x="0" y="515"/>
-                  </a:lnTo>
-                  <a:lnTo>
-                    <a:pt x="3" y="512"/>
-                  </a:lnTo>
-                  <a:lnTo>
-                    <a:pt x="221" y="0"/>
-                  </a:lnTo>
-                  <a:lnTo>
-                    <a:pt x="236" y="6"/>
-                  </a:lnTo>
-                  <a:lnTo>
-                    <a:pt x="18" y="518"/>
-                  </a:lnTo>
-                  <a:lnTo>
-                    <a:pt x="18" y="898"/>
-                  </a:lnTo>
-                  <a:close/>
-                </a:path>
-              </a:pathLst>
-            </a:custGeom>
-            <a:grpFill/>
-            <a:ln>
-              <a:noFill/>
-            </a:ln>
-            <a:extLst>
-              <a:ext uri="{91240B29-F687-4f45-9708-019B960494DF}">
-                <a14:hiddenLine xmlns="" xmlns:a14="http://schemas.microsoft.com/office/drawing/2010/main" xmlns:p14="http://schemas.microsoft.com/office/powerpoint/2010/main" xmlns:a16="http://schemas.microsoft.com/office/drawing/2014/main" w="9525">
-                  <a:solidFill>
-                    <a:srgbClr val="000000"/>
-                  </a:solidFill>
-                  <a:round/>
-                  <a:headEnd/>
-                  <a:tailEnd/>
-                </a14:hiddenLine>
-              </a:ext>
-            </a:extLst>
-          </p:spPr>
-        </p:sp>
-        <p:sp>
-          <p:nvSpPr>
-            <p:cNvPr id="83" name="Freeform 27">
-              <a:extLst>
-                <a:ext uri="{FF2B5EF4-FFF2-40B4-BE49-F238E27FC236}">
-                  <a16:creationId xmlns:a16="http://schemas.microsoft.com/office/drawing/2014/main" id="{5FE4FA46-B51C-43DA-87FC-2644ED117A01}"/>
-                </a:ext>
-                <a:ext uri="{C183D7F6-B498-43B3-948B-1728B52AA6E4}">
-                  <adec:decorative xmlns:adec="http://schemas.microsoft.com/office/drawing/2017/decorative" val="1"/>
-                </a:ext>
-              </a:extLst>
-            </p:cNvPr>
-            <p:cNvSpPr/>
-            <p:nvPr>
-              <p:extLst>
-                <p:ext uri="{386F3935-93C4-4BCD-93E2-E3B085C9AB24}">
-                  <p16:designElem xmlns:p16="http://schemas.microsoft.com/office/powerpoint/2015/main" val="1"/>
-                </p:ext>
-              </p:extLst>
-            </p:nvPr>
-          </p:nvSpPr>
-          <p:spPr bwMode="auto">
-            <a:xfrm>
-              <a:off x="569912" y="5945188"/>
-              <a:ext cx="152400" cy="912813"/>
-            </a:xfrm>
-            <a:custGeom>
-              <a:avLst/>
-              <a:gdLst/>
-              <a:ahLst/>
-              <a:cxnLst/>
-              <a:rect l="0" t="0" r="r" b="b"/>
-              <a:pathLst>
-                <a:path w="96" h="575">
-                  <a:moveTo>
-                    <a:pt x="15" y="575"/>
-                  </a:moveTo>
-                  <a:lnTo>
-                    <a:pt x="0" y="569"/>
-                  </a:lnTo>
-                  <a:lnTo>
-                    <a:pt x="81" y="383"/>
-                  </a:lnTo>
-                  <a:lnTo>
-                    <a:pt x="81" y="0"/>
-                  </a:lnTo>
-                  <a:lnTo>
-                    <a:pt x="96" y="0"/>
-                  </a:lnTo>
-                  <a:lnTo>
-                    <a:pt x="96" y="386"/>
-                  </a:lnTo>
-                  <a:lnTo>
-                    <a:pt x="15" y="575"/>
-                  </a:lnTo>
-                  <a:close/>
-                </a:path>
-              </a:pathLst>
-            </a:custGeom>
-            <a:grpFill/>
-            <a:ln>
-              <a:noFill/>
-            </a:ln>
-            <a:extLst>
-              <a:ext uri="{91240B29-F687-4f45-9708-019B960494DF}">
-                <a14:hiddenLine xmlns="" xmlns:a14="http://schemas.microsoft.com/office/drawing/2010/main" xmlns:p14="http://schemas.microsoft.com/office/powerpoint/2010/main" xmlns:a16="http://schemas.microsoft.com/office/drawing/2014/main" w="9525">
-                  <a:solidFill>
-                    <a:srgbClr val="000000"/>
-                  </a:solidFill>
-                  <a:round/>
-                  <a:headEnd/>
-                  <a:tailEnd/>
-                </a14:hiddenLine>
-              </a:ext>
-            </a:extLst>
-          </p:spPr>
-        </p:sp>
-        <p:sp>
-          <p:nvSpPr>
-            <p:cNvPr id="84" name="Freeform 28">
-              <a:extLst>
-                <a:ext uri="{FF2B5EF4-FFF2-40B4-BE49-F238E27FC236}">
-                  <a16:creationId xmlns:a16="http://schemas.microsoft.com/office/drawing/2014/main" id="{25DD1322-2D3A-4E7B-B23B-B4F96E02C29F}"/>
-                </a:ext>
-                <a:ext uri="{C183D7F6-B498-43B3-948B-1728B52AA6E4}">
-                  <adec:decorative xmlns:adec="http://schemas.microsoft.com/office/drawing/2017/decorative" val="1"/>
-                </a:ext>
-              </a:extLst>
-            </p:cNvPr>
-            <p:cNvSpPr>
-              <a:spLocks noEditPoints="1"/>
-            </p:cNvSpPr>
-            <p:nvPr>
-              <p:extLst>
-                <p:ext uri="{386F3935-93C4-4BCD-93E2-E3B085C9AB24}">
-                  <p16:designElem xmlns:p16="http://schemas.microsoft.com/office/powerpoint/2015/main" val="1"/>
-                </p:ext>
-              </p:extLst>
-            </p:nvPr>
-          </p:nvSpPr>
-          <p:spPr bwMode="auto">
-            <a:xfrm>
-              <a:off x="612775" y="5246688"/>
-              <a:ext cx="190500" cy="190500"/>
-            </a:xfrm>
-            <a:custGeom>
-              <a:avLst/>
-              <a:gdLst/>
-              <a:ahLst/>
-              <a:cxnLst/>
-              <a:rect l="0" t="0" r="r" b="b"/>
-              <a:pathLst>
-                <a:path w="40" h="40">
-                  <a:moveTo>
-                    <a:pt x="20" y="40"/>
-                  </a:moveTo>
-                  <a:cubicBezTo>
-                    <a:pt x="9" y="40"/>
-                    <a:pt x="0" y="31"/>
-                    <a:pt x="0" y="20"/>
-                  </a:cubicBezTo>
-                  <a:cubicBezTo>
-                    <a:pt x="0" y="9"/>
-                    <a:pt x="9" y="0"/>
-                    <a:pt x="20" y="0"/>
-                  </a:cubicBezTo>
-                  <a:cubicBezTo>
-                    <a:pt x="31" y="0"/>
-                    <a:pt x="40" y="9"/>
-                    <a:pt x="40" y="20"/>
-                  </a:cubicBezTo>
-                  <a:cubicBezTo>
-                    <a:pt x="40" y="31"/>
-                    <a:pt x="31" y="40"/>
-                    <a:pt x="20" y="40"/>
-                  </a:cubicBezTo>
-                  <a:close/>
-                  <a:moveTo>
-                    <a:pt x="20" y="4"/>
-                  </a:moveTo>
-                  <a:cubicBezTo>
-                    <a:pt x="12" y="4"/>
-                    <a:pt x="4" y="11"/>
-                    <a:pt x="4" y="20"/>
-                  </a:cubicBezTo>
-                  <a:cubicBezTo>
-                    <a:pt x="4" y="29"/>
-                    <a:pt x="12" y="36"/>
-                    <a:pt x="20" y="36"/>
-                  </a:cubicBezTo>
-                  <a:cubicBezTo>
-                    <a:pt x="29" y="36"/>
-                    <a:pt x="36" y="29"/>
-                    <a:pt x="36" y="20"/>
-                  </a:cubicBezTo>
-                  <a:cubicBezTo>
-                    <a:pt x="36" y="11"/>
-                    <a:pt x="29" y="4"/>
-                    <a:pt x="20" y="4"/>
-                  </a:cubicBezTo>
-                  <a:close/>
-                </a:path>
-              </a:pathLst>
-            </a:custGeom>
-            <a:grpFill/>
-            <a:ln>
-              <a:noFill/>
-            </a:ln>
-            <a:extLst>
-              <a:ext uri="{91240B29-F687-4f45-9708-019B960494DF}">
-                <a14:hiddenLine xmlns="" xmlns:a14="http://schemas.microsoft.com/office/drawing/2010/main" xmlns:p14="http://schemas.microsoft.com/office/powerpoint/2010/main" xmlns:a16="http://schemas.microsoft.com/office/drawing/2014/main" w="9525">
-                  <a:solidFill>
-                    <a:srgbClr val="000000"/>
-                  </a:solidFill>
-                  <a:round/>
-                  <a:headEnd/>
-                  <a:tailEnd/>
-                </a14:hiddenLine>
-              </a:ext>
-            </a:extLst>
-          </p:spPr>
-        </p:sp>
-        <p:sp>
-          <p:nvSpPr>
-            <p:cNvPr id="85" name="Freeform 29">
-              <a:extLst>
-                <a:ext uri="{FF2B5EF4-FFF2-40B4-BE49-F238E27FC236}">
-                  <a16:creationId xmlns:a16="http://schemas.microsoft.com/office/drawing/2014/main" id="{6E4FFBEB-52BB-494D-AD99-A0F072AB6F35}"/>
-                </a:ext>
-                <a:ext uri="{C183D7F6-B498-43B3-948B-1728B52AA6E4}">
-                  <adec:decorative xmlns:adec="http://schemas.microsoft.com/office/drawing/2017/decorative" val="1"/>
-                </a:ext>
-              </a:extLst>
-            </p:cNvPr>
-            <p:cNvSpPr>
-              <a:spLocks noEditPoints="1"/>
-            </p:cNvSpPr>
-            <p:nvPr>
-              <p:extLst>
-                <p:ext uri="{386F3935-93C4-4BCD-93E2-E3B085C9AB24}">
-                  <p16:designElem xmlns:p16="http://schemas.microsoft.com/office/powerpoint/2015/main" val="1"/>
-                </p:ext>
-              </p:extLst>
-            </p:nvPr>
-          </p:nvSpPr>
-          <p:spPr bwMode="auto">
-            <a:xfrm>
-              <a:off x="612775" y="5764213"/>
-              <a:ext cx="190500" cy="190500"/>
-            </a:xfrm>
-            <a:custGeom>
-              <a:avLst/>
-              <a:gdLst/>
-              <a:ahLst/>
-              <a:cxnLst/>
-              <a:rect l="0" t="0" r="r" b="b"/>
-              <a:pathLst>
-                <a:path w="40" h="40">
-                  <a:moveTo>
-                    <a:pt x="20" y="40"/>
-                  </a:moveTo>
-                  <a:cubicBezTo>
-                    <a:pt x="9" y="40"/>
-                    <a:pt x="0" y="31"/>
-                    <a:pt x="0" y="20"/>
-                  </a:cubicBezTo>
-                  <a:cubicBezTo>
-                    <a:pt x="0" y="9"/>
-                    <a:pt x="9" y="0"/>
-                    <a:pt x="20" y="0"/>
-                  </a:cubicBezTo>
-                  <a:cubicBezTo>
-                    <a:pt x="31" y="0"/>
-                    <a:pt x="40" y="9"/>
-                    <a:pt x="40" y="20"/>
-                  </a:cubicBezTo>
-                  <a:cubicBezTo>
-                    <a:pt x="40" y="31"/>
-                    <a:pt x="31" y="40"/>
-                    <a:pt x="20" y="40"/>
-                  </a:cubicBezTo>
-                  <a:close/>
-                  <a:moveTo>
-                    <a:pt x="20" y="4"/>
-                  </a:moveTo>
-                  <a:cubicBezTo>
-                    <a:pt x="12" y="4"/>
-                    <a:pt x="4" y="11"/>
-                    <a:pt x="4" y="20"/>
-                  </a:cubicBezTo>
-                  <a:cubicBezTo>
-                    <a:pt x="4" y="29"/>
-                    <a:pt x="12" y="36"/>
-                    <a:pt x="20" y="36"/>
-                  </a:cubicBezTo>
-                  <a:cubicBezTo>
-                    <a:pt x="29" y="36"/>
-                    <a:pt x="36" y="29"/>
-                    <a:pt x="36" y="20"/>
-                  </a:cubicBezTo>
-                  <a:cubicBezTo>
-                    <a:pt x="36" y="11"/>
-                    <a:pt x="29" y="4"/>
-                    <a:pt x="20" y="4"/>
-                  </a:cubicBezTo>
-                  <a:close/>
-                </a:path>
-              </a:pathLst>
-            </a:custGeom>
-            <a:grpFill/>
-            <a:ln>
-              <a:noFill/>
-            </a:ln>
-            <a:extLst>
-              <a:ext uri="{91240B29-F687-4f45-9708-019B960494DF}">
-                <a14:hiddenLine xmlns="" xmlns:a14="http://schemas.microsoft.com/office/drawing/2010/main" xmlns:p14="http://schemas.microsoft.com/office/powerpoint/2010/main" xmlns:a16="http://schemas.microsoft.com/office/drawing/2014/main" w="9525">
-                  <a:solidFill>
-                    <a:srgbClr val="000000"/>
-                  </a:solidFill>
-                  <a:round/>
-                  <a:headEnd/>
-                  <a:tailEnd/>
-                </a14:hiddenLine>
-              </a:ext>
-            </a:extLst>
-          </p:spPr>
-        </p:sp>
-        <p:sp>
-          <p:nvSpPr>
-            <p:cNvPr id="86" name="Freeform 30">
-              <a:extLst>
-                <a:ext uri="{FF2B5EF4-FFF2-40B4-BE49-F238E27FC236}">
-                  <a16:creationId xmlns:a16="http://schemas.microsoft.com/office/drawing/2014/main" id="{7DE92406-3F65-4333-BAAA-A9A7B5AEE911}"/>
-                </a:ext>
-                <a:ext uri="{C183D7F6-B498-43B3-948B-1728B52AA6E4}">
-                  <adec:decorative xmlns:adec="http://schemas.microsoft.com/office/drawing/2017/decorative" val="1"/>
-                </a:ext>
-              </a:extLst>
-            </p:cNvPr>
-            <p:cNvSpPr/>
-            <p:nvPr>
-              <p:extLst>
-                <p:ext uri="{386F3935-93C4-4BCD-93E2-E3B085C9AB24}">
-                  <p16:designElem xmlns:p16="http://schemas.microsoft.com/office/powerpoint/2015/main" val="1"/>
-                </p:ext>
-              </p:extLst>
-            </p:nvPr>
-          </p:nvSpPr>
-          <p:spPr bwMode="auto">
-            <a:xfrm>
-              <a:off x="669925" y="6330950"/>
-              <a:ext cx="417513" cy="517525"/>
-            </a:xfrm>
-            <a:custGeom>
-              <a:avLst/>
-              <a:gdLst/>
-              <a:ahLst/>
-              <a:cxnLst/>
-              <a:rect l="0" t="0" r="r" b="b"/>
-              <a:pathLst>
-                <a:path w="263" h="326">
-                  <a:moveTo>
-                    <a:pt x="15" y="326"/>
-                  </a:moveTo>
-                  <a:lnTo>
-                    <a:pt x="0" y="320"/>
-                  </a:lnTo>
-                  <a:lnTo>
-                    <a:pt x="45" y="206"/>
-                  </a:lnTo>
-                  <a:lnTo>
-                    <a:pt x="48" y="206"/>
-                  </a:lnTo>
-                  <a:lnTo>
-                    <a:pt x="254" y="0"/>
-                  </a:lnTo>
-                  <a:lnTo>
-                    <a:pt x="263" y="12"/>
-                  </a:lnTo>
-                  <a:lnTo>
-                    <a:pt x="60" y="215"/>
-                  </a:lnTo>
-                  <a:lnTo>
-                    <a:pt x="15" y="326"/>
-                  </a:lnTo>
-                  <a:close/>
-                </a:path>
-              </a:pathLst>
-            </a:custGeom>
-            <a:grpFill/>
-            <a:ln>
-              <a:noFill/>
-            </a:ln>
-            <a:extLst>
-              <a:ext uri="{91240B29-F687-4f45-9708-019B960494DF}">
-                <a14:hiddenLine xmlns="" xmlns:a14="http://schemas.microsoft.com/office/drawing/2010/main" xmlns:p14="http://schemas.microsoft.com/office/powerpoint/2010/main" xmlns:a16="http://schemas.microsoft.com/office/drawing/2014/main" w="9525">
-                  <a:solidFill>
-                    <a:srgbClr val="000000"/>
-                  </a:solidFill>
-                  <a:round/>
-                  <a:headEnd/>
-                  <a:tailEnd/>
-                </a14:hiddenLine>
-              </a:ext>
-            </a:extLst>
-          </p:spPr>
-        </p:sp>
-        <p:sp>
-          <p:nvSpPr>
-            <p:cNvPr id="87" name="Freeform 31">
-              <a:extLst>
-                <a:ext uri="{FF2B5EF4-FFF2-40B4-BE49-F238E27FC236}">
-                  <a16:creationId xmlns:a16="http://schemas.microsoft.com/office/drawing/2014/main" id="{B8B0FFC4-D1BB-4BB9-A224-BB78BFD33801}"/>
-                </a:ext>
-                <a:ext uri="{C183D7F6-B498-43B3-948B-1728B52AA6E4}">
-                  <adec:decorative xmlns:adec="http://schemas.microsoft.com/office/drawing/2017/decorative" val="1"/>
-                </a:ext>
-              </a:extLst>
-            </p:cNvPr>
-            <p:cNvSpPr>
-              <a:spLocks noEditPoints="1"/>
-            </p:cNvSpPr>
-            <p:nvPr>
-              <p:extLst>
-                <p:ext uri="{386F3935-93C4-4BCD-93E2-E3B085C9AB24}">
-                  <p16:designElem xmlns:p16="http://schemas.microsoft.com/office/powerpoint/2015/main" val="1"/>
-                </p:ext>
-              </p:extLst>
-            </p:nvPr>
-          </p:nvSpPr>
-          <p:spPr bwMode="auto">
-            <a:xfrm>
-              <a:off x="1049337" y="6221413"/>
-              <a:ext cx="157163" cy="147638"/>
-            </a:xfrm>
-            <a:custGeom>
-              <a:avLst/>
-              <a:gdLst/>
-              <a:ahLst/>
-              <a:cxnLst/>
-              <a:rect l="0" t="0" r="r" b="b"/>
-              <a:pathLst>
-                <a:path w="33" h="31">
-                  <a:moveTo>
-                    <a:pt x="16" y="31"/>
-                  </a:moveTo>
-                  <a:cubicBezTo>
-                    <a:pt x="12" y="31"/>
-                    <a:pt x="8" y="29"/>
-                    <a:pt x="5" y="26"/>
-                  </a:cubicBezTo>
-                  <a:cubicBezTo>
-                    <a:pt x="2" y="24"/>
-                    <a:pt x="0" y="20"/>
-                    <a:pt x="0" y="15"/>
-                  </a:cubicBezTo>
-                  <a:cubicBezTo>
-                    <a:pt x="0" y="11"/>
-                    <a:pt x="2" y="7"/>
-                    <a:pt x="5" y="4"/>
-                  </a:cubicBezTo>
-                  <a:cubicBezTo>
-                    <a:pt x="8" y="1"/>
-                    <a:pt x="12" y="0"/>
-                    <a:pt x="16" y="0"/>
-                  </a:cubicBezTo>
-                  <a:cubicBezTo>
-                    <a:pt x="20" y="0"/>
-                    <a:pt x="24" y="1"/>
-                    <a:pt x="27" y="4"/>
-                  </a:cubicBezTo>
-                  <a:cubicBezTo>
-                    <a:pt x="33" y="10"/>
-                    <a:pt x="33" y="20"/>
-                    <a:pt x="27" y="26"/>
-                  </a:cubicBezTo>
-                  <a:cubicBezTo>
-                    <a:pt x="24" y="29"/>
-                    <a:pt x="20" y="31"/>
-                    <a:pt x="16" y="31"/>
-                  </a:cubicBezTo>
-                  <a:close/>
-                  <a:moveTo>
-                    <a:pt x="16" y="4"/>
-                  </a:moveTo>
-                  <a:cubicBezTo>
-                    <a:pt x="13" y="4"/>
-                    <a:pt x="10" y="5"/>
-                    <a:pt x="8" y="7"/>
-                  </a:cubicBezTo>
-                  <a:cubicBezTo>
-                    <a:pt x="6" y="9"/>
-                    <a:pt x="4" y="12"/>
-                    <a:pt x="4" y="15"/>
-                  </a:cubicBezTo>
-                  <a:cubicBezTo>
-                    <a:pt x="4" y="19"/>
-                    <a:pt x="6" y="21"/>
-                    <a:pt x="8" y="24"/>
-                  </a:cubicBezTo>
-                  <a:cubicBezTo>
-                    <a:pt x="10" y="26"/>
-                    <a:pt x="13" y="27"/>
-                    <a:pt x="16" y="27"/>
-                  </a:cubicBezTo>
-                  <a:cubicBezTo>
-                    <a:pt x="19" y="27"/>
-                    <a:pt x="22" y="26"/>
-                    <a:pt x="24" y="24"/>
-                  </a:cubicBezTo>
-                  <a:cubicBezTo>
-                    <a:pt x="29" y="19"/>
-                    <a:pt x="29" y="12"/>
-                    <a:pt x="24" y="7"/>
-                  </a:cubicBezTo>
-                  <a:cubicBezTo>
-                    <a:pt x="22" y="5"/>
-                    <a:pt x="19" y="4"/>
-                    <a:pt x="16" y="4"/>
-                  </a:cubicBezTo>
-                  <a:close/>
-                </a:path>
-              </a:pathLst>
-            </a:custGeom>
-            <a:grpFill/>
-            <a:ln>
-              <a:noFill/>
-            </a:ln>
-            <a:extLst>
-              <a:ext uri="{91240B29-F687-4f45-9708-019B960494DF}">
-                <a14:hiddenLine xmlns="" xmlns:a14="http://schemas.microsoft.com/office/drawing/2010/main" xmlns:p14="http://schemas.microsoft.com/office/powerpoint/2010/main" xmlns:a16="http://schemas.microsoft.com/office/drawing/2014/main" w="9525">
-                  <a:solidFill>
-                    <a:srgbClr val="000000"/>
-                  </a:solidFill>
-                  <a:round/>
-                  <a:headEnd/>
-                  <a:tailEnd/>
-                </a14:hiddenLine>
-              </a:ext>
-            </a:extLst>
-          </p:spPr>
-        </p:sp>
-      </p:grpSp>
-      <p:sp>
-        <p:nvSpPr>
-          <p:cNvPr id="3" name="Content Placeholder 2">
-            <a:extLst>
-              <a:ext uri="{FF2B5EF4-FFF2-40B4-BE49-F238E27FC236}">
-                <a16:creationId xmlns:a16="http://schemas.microsoft.com/office/drawing/2014/main" id="{9F607E39-5D01-4DF3-AF4A-C299C8C012C7}"/>
-              </a:ext>
-            </a:extLst>
-          </p:cNvPr>
-          <p:cNvSpPr>
-            <a:spLocks noGrp="1"/>
-          </p:cNvSpPr>
-          <p:nvPr>
-            <p:ph idx="1"/>
-          </p:nvPr>
-        </p:nvSpPr>
-        <p:spPr>
-          <a:xfrm>
-            <a:off x="1163639" y="1658143"/>
-            <a:ext cx="9840911" cy="3541714"/>
-          </a:xfrm>
-        </p:spPr>
-        <p:txBody>
-          <a:bodyPr anchor="t">
-            <a:normAutofit/>
-          </a:bodyPr>
-          <a:lstStyle/>
-          <a:p>
-            <a:r>
-              <a:rPr lang="en-US"/>
-              <a:t>“We tend to build general-purpose systems and hardware, Machine learning makes it possible that the system is automatically customized, to its core, to the specific data and access patterns of a user.”</a:t>
-            </a:r>
-          </a:p>
-          <a:p>
-            <a:pPr marL="457200" lvl="1" indent="0">
-              <a:buNone/>
-            </a:pPr>
-            <a:r>
-              <a:rPr lang="en-US"/>
-              <a:t>-Tim Krashka (Associate professor, MIT)</a:t>
-            </a:r>
-            <a:endParaRPr lang="en-US" dirty="0"/>
-          </a:p>
-        </p:txBody>
-      </p:sp>
-      <p:grpSp>
-        <p:nvGrpSpPr>
-          <p:cNvPr id="89" name="Group 88">
-            <a:extLst>
-              <a:ext uri="{FF2B5EF4-FFF2-40B4-BE49-F238E27FC236}">
-                <a16:creationId xmlns:a16="http://schemas.microsoft.com/office/drawing/2014/main" id="{8DB4BB99-C854-45F9-BED1-63D15E3A2411}"/>
-              </a:ext>
-              <a:ext uri="{C183D7F6-B498-43B3-948B-1728B52AA6E4}">
-                <adec:decorative xmlns:adec="http://schemas.microsoft.com/office/drawing/2017/decorative" val="1"/>
-              </a:ext>
-            </a:extLst>
-          </p:cNvPr>
-          <p:cNvGrpSpPr>
-            <a:grpSpLocks noGrp="1" noUngrp="1" noRot="1" noChangeAspect="1" noMove="1" noResize="1"/>
-          </p:cNvGrpSpPr>
-          <p:nvPr>
-            <p:extLst>
-              <p:ext uri="{386F3935-93C4-4BCD-93E2-E3B085C9AB24}">
-                <p16:designElem xmlns:p16="http://schemas.microsoft.com/office/powerpoint/2015/main" val="1"/>
-              </p:ext>
-            </p:extLst>
-          </p:nvPr>
-        </p:nvGrpSpPr>
-        <p:grpSpPr>
-          <a:xfrm>
-            <a:off x="11364912" y="0"/>
-            <a:ext cx="674688" cy="6848476"/>
-            <a:chOff x="11364912" y="0"/>
-            <a:chExt cx="674688" cy="6848476"/>
-          </a:xfrm>
-          <a:solidFill>
-            <a:schemeClr val="tx2">
-              <a:alpha val="45000"/>
-            </a:schemeClr>
-          </a:solidFill>
-        </p:grpSpPr>
-        <p:sp>
-          <p:nvSpPr>
-            <p:cNvPr id="90" name="Freeform 32">
-              <a:extLst>
-                <a:ext uri="{FF2B5EF4-FFF2-40B4-BE49-F238E27FC236}">
-                  <a16:creationId xmlns:a16="http://schemas.microsoft.com/office/drawing/2014/main" id="{5D1CCC4C-284C-4BF6-97D9-D9746746348F}"/>
-                </a:ext>
-                <a:ext uri="{C183D7F6-B498-43B3-948B-1728B52AA6E4}">
-                  <adec:decorative xmlns:adec="http://schemas.microsoft.com/office/drawing/2017/decorative" val="1"/>
-                </a:ext>
-              </a:extLst>
-            </p:cNvPr>
-            <p:cNvSpPr/>
-            <p:nvPr>
-              <p:extLst>
-                <p:ext uri="{386F3935-93C4-4BCD-93E2-E3B085C9AB24}">
-                  <p16:designElem xmlns:p16="http://schemas.microsoft.com/office/powerpoint/2015/main" val="1"/>
-                </p:ext>
-              </p:extLst>
-            </p:nvPr>
-          </p:nvSpPr>
-          <p:spPr bwMode="auto">
-            <a:xfrm>
-              <a:off x="11483975" y="0"/>
-              <a:ext cx="417513" cy="512763"/>
-            </a:xfrm>
-            <a:custGeom>
-              <a:avLst/>
-              <a:gdLst/>
-              <a:ahLst/>
-              <a:cxnLst/>
-              <a:rect l="0" t="0" r="r" b="b"/>
-              <a:pathLst>
-                <a:path w="263" h="323">
-                  <a:moveTo>
-                    <a:pt x="12" y="323"/>
-                  </a:moveTo>
-                  <a:lnTo>
-                    <a:pt x="0" y="314"/>
-                  </a:lnTo>
-                  <a:lnTo>
-                    <a:pt x="203" y="108"/>
-                  </a:lnTo>
-                  <a:lnTo>
-                    <a:pt x="248" y="0"/>
-                  </a:lnTo>
-                  <a:lnTo>
-                    <a:pt x="263" y="6"/>
-                  </a:lnTo>
-                  <a:lnTo>
-                    <a:pt x="218" y="117"/>
-                  </a:lnTo>
-                  <a:lnTo>
-                    <a:pt x="218" y="117"/>
-                  </a:lnTo>
-                  <a:lnTo>
-                    <a:pt x="12" y="323"/>
-                  </a:lnTo>
-                  <a:close/>
-                </a:path>
-              </a:pathLst>
-            </a:custGeom>
-            <a:grpFill/>
-            <a:ln>
-              <a:noFill/>
-            </a:ln>
-            <a:extLst>
-              <a:ext uri="{91240B29-F687-4f45-9708-019B960494DF}">
-                <a14:hiddenLine xmlns="" xmlns:a14="http://schemas.microsoft.com/office/drawing/2010/main" xmlns:p14="http://schemas.microsoft.com/office/powerpoint/2010/main" xmlns:a16="http://schemas.microsoft.com/office/drawing/2014/main" w="9525">
-                  <a:solidFill>
-                    <a:srgbClr val="000000"/>
-                  </a:solidFill>
-                  <a:round/>
-                  <a:headEnd/>
-                  <a:tailEnd/>
-                </a14:hiddenLine>
-              </a:ext>
-            </a:extLst>
-          </p:spPr>
-        </p:sp>
-        <p:sp>
-          <p:nvSpPr>
-            <p:cNvPr id="91" name="Freeform 33">
-              <a:extLst>
-                <a:ext uri="{FF2B5EF4-FFF2-40B4-BE49-F238E27FC236}">
-                  <a16:creationId xmlns:a16="http://schemas.microsoft.com/office/drawing/2014/main" id="{35D82D1B-EB09-4028-9107-D60B547C7B42}"/>
-                </a:ext>
-                <a:ext uri="{C183D7F6-B498-43B3-948B-1728B52AA6E4}">
-                  <adec:decorative xmlns:adec="http://schemas.microsoft.com/office/drawing/2017/decorative" val="1"/>
-                </a:ext>
-              </a:extLst>
-            </p:cNvPr>
-            <p:cNvSpPr>
-              <a:spLocks noEditPoints="1"/>
-            </p:cNvSpPr>
-            <p:nvPr>
-              <p:extLst>
-                <p:ext uri="{386F3935-93C4-4BCD-93E2-E3B085C9AB24}">
-                  <p16:designElem xmlns:p16="http://schemas.microsoft.com/office/powerpoint/2015/main" val="1"/>
-                </p:ext>
-              </p:extLst>
-            </p:nvPr>
-          </p:nvSpPr>
-          <p:spPr bwMode="auto">
-            <a:xfrm>
-              <a:off x="11364912" y="474663"/>
-              <a:ext cx="157163" cy="152400"/>
-            </a:xfrm>
-            <a:custGeom>
-              <a:avLst/>
-              <a:gdLst/>
-              <a:ahLst/>
-              <a:cxnLst/>
-              <a:rect l="0" t="0" r="r" b="b"/>
-              <a:pathLst>
-                <a:path w="33" h="32">
-                  <a:moveTo>
-                    <a:pt x="17" y="32"/>
-                  </a:moveTo>
-                  <a:cubicBezTo>
-                    <a:pt x="13" y="32"/>
-                    <a:pt x="9" y="30"/>
-                    <a:pt x="6" y="27"/>
-                  </a:cubicBezTo>
-                  <a:cubicBezTo>
-                    <a:pt x="0" y="21"/>
-                    <a:pt x="0" y="11"/>
-                    <a:pt x="6" y="5"/>
-                  </a:cubicBezTo>
-                  <a:cubicBezTo>
-                    <a:pt x="9" y="2"/>
-                    <a:pt x="13" y="0"/>
-                    <a:pt x="17" y="0"/>
-                  </a:cubicBezTo>
-                  <a:cubicBezTo>
-                    <a:pt x="21" y="0"/>
-                    <a:pt x="25" y="2"/>
-                    <a:pt x="28" y="5"/>
-                  </a:cubicBezTo>
-                  <a:cubicBezTo>
-                    <a:pt x="31" y="8"/>
-                    <a:pt x="33" y="12"/>
-                    <a:pt x="33" y="16"/>
-                  </a:cubicBezTo>
-                  <a:cubicBezTo>
-                    <a:pt x="33" y="20"/>
-                    <a:pt x="31" y="24"/>
-                    <a:pt x="28" y="27"/>
-                  </a:cubicBezTo>
-                  <a:cubicBezTo>
-                    <a:pt x="25" y="30"/>
-                    <a:pt x="21" y="32"/>
-                    <a:pt x="17" y="32"/>
-                  </a:cubicBezTo>
-                  <a:close/>
-                  <a:moveTo>
-                    <a:pt x="17" y="4"/>
-                  </a:moveTo>
-                  <a:cubicBezTo>
-                    <a:pt x="14" y="4"/>
-                    <a:pt x="11" y="6"/>
-                    <a:pt x="9" y="8"/>
-                  </a:cubicBezTo>
-                  <a:cubicBezTo>
-                    <a:pt x="4" y="12"/>
-                    <a:pt x="4" y="20"/>
-                    <a:pt x="9" y="24"/>
-                  </a:cubicBezTo>
-                  <a:cubicBezTo>
-                    <a:pt x="11" y="27"/>
-                    <a:pt x="14" y="28"/>
-                    <a:pt x="17" y="28"/>
-                  </a:cubicBezTo>
-                  <a:cubicBezTo>
-                    <a:pt x="20" y="28"/>
-                    <a:pt x="23" y="27"/>
-                    <a:pt x="26" y="24"/>
-                  </a:cubicBezTo>
-                  <a:cubicBezTo>
-                    <a:pt x="30" y="20"/>
-                    <a:pt x="30" y="12"/>
-                    <a:pt x="26" y="8"/>
-                  </a:cubicBezTo>
-                  <a:cubicBezTo>
-                    <a:pt x="23" y="6"/>
-                    <a:pt x="20" y="4"/>
-                    <a:pt x="17" y="4"/>
-                  </a:cubicBezTo>
-                  <a:close/>
-                </a:path>
-              </a:pathLst>
-            </a:custGeom>
-            <a:grpFill/>
-            <a:ln>
-              <a:noFill/>
-            </a:ln>
-            <a:extLst>
-              <a:ext uri="{91240B29-F687-4f45-9708-019B960494DF}">
-                <a14:hiddenLine xmlns="" xmlns:a14="http://schemas.microsoft.com/office/drawing/2010/main" xmlns:p14="http://schemas.microsoft.com/office/powerpoint/2010/main" xmlns:a16="http://schemas.microsoft.com/office/drawing/2014/main" w="9525">
-                  <a:solidFill>
-                    <a:srgbClr val="000000"/>
-                  </a:solidFill>
-                  <a:round/>
-                  <a:headEnd/>
-                  <a:tailEnd/>
-                </a14:hiddenLine>
-              </a:ext>
-            </a:extLst>
-          </p:spPr>
-        </p:sp>
-        <p:sp>
-          <p:nvSpPr>
-            <p:cNvPr id="92" name="Freeform 34">
-              <a:extLst>
-                <a:ext uri="{FF2B5EF4-FFF2-40B4-BE49-F238E27FC236}">
-                  <a16:creationId xmlns:a16="http://schemas.microsoft.com/office/drawing/2014/main" id="{1389EE93-8059-437E-8507-7557AD68FB1D}"/>
-                </a:ext>
-                <a:ext uri="{C183D7F6-B498-43B3-948B-1728B52AA6E4}">
-                  <adec:decorative xmlns:adec="http://schemas.microsoft.com/office/drawing/2017/decorative" val="1"/>
-                </a:ext>
-              </a:extLst>
-            </p:cNvPr>
-            <p:cNvSpPr>
-              <a:spLocks noEditPoints="1"/>
-            </p:cNvSpPr>
-            <p:nvPr>
-              <p:extLst>
-                <p:ext uri="{386F3935-93C4-4BCD-93E2-E3B085C9AB24}">
-                  <p16:designElem xmlns:p16="http://schemas.microsoft.com/office/powerpoint/2015/main" val="1"/>
-                </p:ext>
-              </p:extLst>
-            </p:nvPr>
-          </p:nvSpPr>
-          <p:spPr bwMode="auto">
-            <a:xfrm>
-              <a:off x="11631612" y="1539875"/>
-              <a:ext cx="188913" cy="190500"/>
-            </a:xfrm>
-            <a:custGeom>
-              <a:avLst/>
-              <a:gdLst/>
-              <a:ahLst/>
-              <a:cxnLst/>
-              <a:rect l="0" t="0" r="r" b="b"/>
-              <a:pathLst>
-                <a:path w="40" h="40">
-                  <a:moveTo>
-                    <a:pt x="20" y="40"/>
-                  </a:moveTo>
-                  <a:cubicBezTo>
-                    <a:pt x="9" y="40"/>
-                    <a:pt x="0" y="31"/>
-                    <a:pt x="0" y="20"/>
-                  </a:cubicBezTo>
-                  <a:cubicBezTo>
-                    <a:pt x="0" y="9"/>
-                    <a:pt x="9" y="0"/>
-                    <a:pt x="20" y="0"/>
-                  </a:cubicBezTo>
-                  <a:cubicBezTo>
-                    <a:pt x="31" y="0"/>
-                    <a:pt x="40" y="9"/>
-                    <a:pt x="40" y="20"/>
-                  </a:cubicBezTo>
-                  <a:cubicBezTo>
-                    <a:pt x="40" y="31"/>
-                    <a:pt x="31" y="40"/>
-                    <a:pt x="20" y="40"/>
-                  </a:cubicBezTo>
-                  <a:close/>
-                  <a:moveTo>
-                    <a:pt x="20" y="4"/>
-                  </a:moveTo>
-                  <a:cubicBezTo>
-                    <a:pt x="11" y="4"/>
-                    <a:pt x="4" y="11"/>
-                    <a:pt x="4" y="20"/>
-                  </a:cubicBezTo>
-                  <a:cubicBezTo>
-                    <a:pt x="4" y="29"/>
-                    <a:pt x="11" y="36"/>
-                    <a:pt x="20" y="36"/>
-                  </a:cubicBezTo>
-                  <a:cubicBezTo>
-                    <a:pt x="29" y="36"/>
-                    <a:pt x="36" y="29"/>
-                    <a:pt x="36" y="20"/>
-                  </a:cubicBezTo>
-                  <a:cubicBezTo>
-                    <a:pt x="36" y="11"/>
-                    <a:pt x="29" y="4"/>
-                    <a:pt x="20" y="4"/>
-                  </a:cubicBezTo>
-                  <a:close/>
-                </a:path>
-              </a:pathLst>
-            </a:custGeom>
-            <a:grpFill/>
-            <a:ln>
-              <a:noFill/>
-            </a:ln>
-            <a:extLst>
-              <a:ext uri="{91240B29-F687-4f45-9708-019B960494DF}">
-                <a14:hiddenLine xmlns="" xmlns:a14="http://schemas.microsoft.com/office/drawing/2010/main" xmlns:p14="http://schemas.microsoft.com/office/powerpoint/2010/main" xmlns:a16="http://schemas.microsoft.com/office/drawing/2014/main" w="9525">
-                  <a:solidFill>
-                    <a:srgbClr val="000000"/>
-                  </a:solidFill>
-                  <a:round/>
-                  <a:headEnd/>
-                  <a:tailEnd/>
-                </a14:hiddenLine>
-              </a:ext>
-            </a:extLst>
-          </p:spPr>
-        </p:sp>
-        <p:sp>
-          <p:nvSpPr>
-            <p:cNvPr id="93" name="Freeform 35">
-              <a:extLst>
-                <a:ext uri="{FF2B5EF4-FFF2-40B4-BE49-F238E27FC236}">
-                  <a16:creationId xmlns:a16="http://schemas.microsoft.com/office/drawing/2014/main" id="{377C05DC-75FF-4426-A34F-DBF0C7E7BEF4}"/>
-                </a:ext>
-                <a:ext uri="{C183D7F6-B498-43B3-948B-1728B52AA6E4}">
-                  <adec:decorative xmlns:adec="http://schemas.microsoft.com/office/drawing/2017/decorative" val="1"/>
-                </a:ext>
-              </a:extLst>
-            </p:cNvPr>
-            <p:cNvSpPr/>
-            <p:nvPr>
-              <p:extLst>
-                <p:ext uri="{386F3935-93C4-4BCD-93E2-E3B085C9AB24}">
-                  <p16:designElem xmlns:p16="http://schemas.microsoft.com/office/powerpoint/2015/main" val="1"/>
-                </p:ext>
-              </p:extLst>
-            </p:nvPr>
-          </p:nvSpPr>
-          <p:spPr bwMode="auto">
-            <a:xfrm>
-              <a:off x="11531600" y="5694363"/>
-              <a:ext cx="298450" cy="1154113"/>
-            </a:xfrm>
-            <a:custGeom>
-              <a:avLst/>
-              <a:gdLst/>
-              <a:ahLst/>
-              <a:cxnLst/>
-              <a:rect l="0" t="0" r="r" b="b"/>
-              <a:pathLst>
-                <a:path w="188" h="727">
-                  <a:moveTo>
-                    <a:pt x="15" y="727"/>
-                  </a:moveTo>
-                  <a:lnTo>
-                    <a:pt x="0" y="727"/>
-                  </a:lnTo>
-                  <a:lnTo>
-                    <a:pt x="0" y="407"/>
-                  </a:lnTo>
-                  <a:lnTo>
-                    <a:pt x="0" y="407"/>
-                  </a:lnTo>
-                  <a:lnTo>
-                    <a:pt x="176" y="0"/>
-                  </a:lnTo>
-                  <a:lnTo>
-                    <a:pt x="188" y="6"/>
-                  </a:lnTo>
-                  <a:lnTo>
-                    <a:pt x="15" y="410"/>
-                  </a:lnTo>
-                  <a:lnTo>
-                    <a:pt x="15" y="727"/>
-                  </a:lnTo>
-                  <a:close/>
-                </a:path>
-              </a:pathLst>
-            </a:custGeom>
-            <a:grpFill/>
-            <a:ln>
-              <a:noFill/>
-            </a:ln>
-            <a:extLst>
-              <a:ext uri="{91240B29-F687-4f45-9708-019B960494DF}">
-                <a14:hiddenLine xmlns="" xmlns:a14="http://schemas.microsoft.com/office/drawing/2010/main" xmlns:p14="http://schemas.microsoft.com/office/powerpoint/2010/main" xmlns:a16="http://schemas.microsoft.com/office/drawing/2014/main" w="9525">
-                  <a:solidFill>
-                    <a:srgbClr val="000000"/>
-                  </a:solidFill>
-                  <a:round/>
-                  <a:headEnd/>
-                  <a:tailEnd/>
-                </a14:hiddenLine>
-              </a:ext>
-            </a:extLst>
-          </p:spPr>
-        </p:sp>
-        <p:sp>
-          <p:nvSpPr>
-            <p:cNvPr id="94" name="Freeform 36">
-              <a:extLst>
-                <a:ext uri="{FF2B5EF4-FFF2-40B4-BE49-F238E27FC236}">
-                  <a16:creationId xmlns:a16="http://schemas.microsoft.com/office/drawing/2014/main" id="{03D385C8-866D-437D-91B1-2E3ECDD88E59}"/>
-                </a:ext>
-                <a:ext uri="{C183D7F6-B498-43B3-948B-1728B52AA6E4}">
-                  <adec:decorative xmlns:adec="http://schemas.microsoft.com/office/drawing/2017/decorative" val="1"/>
-                </a:ext>
-              </a:extLst>
-            </p:cNvPr>
-            <p:cNvSpPr>
-              <a:spLocks noEditPoints="1"/>
-            </p:cNvSpPr>
-            <p:nvPr>
-              <p:extLst>
-                <p:ext uri="{386F3935-93C4-4BCD-93E2-E3B085C9AB24}">
-                  <p16:designElem xmlns:p16="http://schemas.microsoft.com/office/powerpoint/2015/main" val="1"/>
-                </p:ext>
-              </p:extLst>
-            </p:nvPr>
-          </p:nvSpPr>
-          <p:spPr bwMode="auto">
-            <a:xfrm>
-              <a:off x="11772900" y="5551488"/>
-              <a:ext cx="157163" cy="155575"/>
-            </a:xfrm>
-            <a:custGeom>
-              <a:avLst/>
-              <a:gdLst/>
-              <a:ahLst/>
-              <a:cxnLst/>
-              <a:rect l="0" t="0" r="r" b="b"/>
-              <a:pathLst>
-                <a:path w="33" h="33">
-                  <a:moveTo>
-                    <a:pt x="17" y="33"/>
-                  </a:moveTo>
-                  <a:cubicBezTo>
-                    <a:pt x="8" y="33"/>
-                    <a:pt x="0" y="25"/>
-                    <a:pt x="0" y="16"/>
-                  </a:cubicBezTo>
-                  <a:cubicBezTo>
-                    <a:pt x="0" y="7"/>
-                    <a:pt x="8" y="0"/>
-                    <a:pt x="17" y="0"/>
-                  </a:cubicBezTo>
-                  <a:cubicBezTo>
-                    <a:pt x="26" y="0"/>
-                    <a:pt x="33" y="7"/>
-                    <a:pt x="33" y="16"/>
-                  </a:cubicBezTo>
-                  <a:cubicBezTo>
-                    <a:pt x="33" y="25"/>
-                    <a:pt x="26" y="33"/>
-                    <a:pt x="17" y="33"/>
-                  </a:cubicBezTo>
-                  <a:close/>
-                  <a:moveTo>
-                    <a:pt x="17" y="4"/>
-                  </a:moveTo>
-                  <a:cubicBezTo>
-                    <a:pt x="10" y="4"/>
-                    <a:pt x="4" y="9"/>
-                    <a:pt x="4" y="16"/>
-                  </a:cubicBezTo>
-                  <a:cubicBezTo>
-                    <a:pt x="4" y="23"/>
-                    <a:pt x="10" y="29"/>
-                    <a:pt x="17" y="29"/>
-                  </a:cubicBezTo>
-                  <a:cubicBezTo>
-                    <a:pt x="23" y="29"/>
-                    <a:pt x="29" y="23"/>
-                    <a:pt x="29" y="16"/>
-                  </a:cubicBezTo>
-                  <a:cubicBezTo>
-                    <a:pt x="29" y="9"/>
-                    <a:pt x="23" y="4"/>
-                    <a:pt x="17" y="4"/>
-                  </a:cubicBezTo>
-                  <a:close/>
-                </a:path>
-              </a:pathLst>
-            </a:custGeom>
-            <a:grpFill/>
-            <a:ln>
-              <a:noFill/>
-            </a:ln>
-            <a:extLst>
-              <a:ext uri="{91240B29-F687-4f45-9708-019B960494DF}">
-                <a14:hiddenLine xmlns="" xmlns:a14="http://schemas.microsoft.com/office/drawing/2010/main" xmlns:p14="http://schemas.microsoft.com/office/powerpoint/2010/main" xmlns:a16="http://schemas.microsoft.com/office/drawing/2014/main" w="9525">
-                  <a:solidFill>
-                    <a:srgbClr val="000000"/>
-                  </a:solidFill>
-                  <a:round/>
-                  <a:headEnd/>
-                  <a:tailEnd/>
-                </a14:hiddenLine>
-              </a:ext>
-            </a:extLst>
-          </p:spPr>
-        </p:sp>
-        <p:sp>
-          <p:nvSpPr>
-            <p:cNvPr id="95" name="Freeform 37">
-              <a:extLst>
-                <a:ext uri="{FF2B5EF4-FFF2-40B4-BE49-F238E27FC236}">
-                  <a16:creationId xmlns:a16="http://schemas.microsoft.com/office/drawing/2014/main" id="{3F649CBB-748F-4C79-A14F-C531C40B08BB}"/>
-                </a:ext>
-                <a:ext uri="{C183D7F6-B498-43B3-948B-1728B52AA6E4}">
-                  <adec:decorative xmlns:adec="http://schemas.microsoft.com/office/drawing/2017/decorative" val="1"/>
-                </a:ext>
-              </a:extLst>
-            </p:cNvPr>
-            <p:cNvSpPr/>
-            <p:nvPr>
-              <p:extLst>
-                <p:ext uri="{386F3935-93C4-4BCD-93E2-E3B085C9AB24}">
-                  <p16:designElem xmlns:p16="http://schemas.microsoft.com/office/powerpoint/2015/main" val="1"/>
-                </p:ext>
-              </p:extLst>
-            </p:nvPr>
-          </p:nvSpPr>
-          <p:spPr bwMode="auto">
-            <a:xfrm>
-              <a:off x="11710987" y="4763"/>
-              <a:ext cx="304800" cy="1544638"/>
-            </a:xfrm>
-            <a:custGeom>
-              <a:avLst/>
-              <a:gdLst/>
-              <a:ahLst/>
-              <a:cxnLst/>
-              <a:rect l="0" t="0" r="r" b="b"/>
-              <a:pathLst>
-                <a:path w="192" h="973">
-                  <a:moveTo>
-                    <a:pt x="15" y="973"/>
-                  </a:moveTo>
-                  <a:lnTo>
-                    <a:pt x="0" y="973"/>
-                  </a:lnTo>
-                  <a:lnTo>
-                    <a:pt x="0" y="790"/>
-                  </a:lnTo>
-                  <a:lnTo>
-                    <a:pt x="174" y="614"/>
-                  </a:lnTo>
-                  <a:lnTo>
-                    <a:pt x="174" y="0"/>
-                  </a:lnTo>
-                  <a:lnTo>
-                    <a:pt x="192" y="0"/>
-                  </a:lnTo>
-                  <a:lnTo>
-                    <a:pt x="192" y="620"/>
-                  </a:lnTo>
-                  <a:lnTo>
-                    <a:pt x="15" y="796"/>
-                  </a:lnTo>
-                  <a:lnTo>
-                    <a:pt x="15" y="973"/>
-                  </a:lnTo>
-                  <a:close/>
-                </a:path>
-              </a:pathLst>
-            </a:custGeom>
-            <a:grpFill/>
-            <a:ln>
-              <a:noFill/>
-            </a:ln>
-            <a:extLst>
-              <a:ext uri="{91240B29-F687-4f45-9708-019B960494DF}">
-                <a14:hiddenLine xmlns="" xmlns:a14="http://schemas.microsoft.com/office/drawing/2010/main" xmlns:p14="http://schemas.microsoft.com/office/powerpoint/2010/main" xmlns:a16="http://schemas.microsoft.com/office/drawing/2014/main" w="9525">
-                  <a:solidFill>
-                    <a:srgbClr val="000000"/>
-                  </a:solidFill>
-                  <a:round/>
-                  <a:headEnd/>
-                  <a:tailEnd/>
-                </a14:hiddenLine>
-              </a:ext>
-            </a:extLst>
-          </p:spPr>
-        </p:sp>
-        <p:sp>
-          <p:nvSpPr>
-            <p:cNvPr id="96" name="Freeform 38">
-              <a:extLst>
-                <a:ext uri="{FF2B5EF4-FFF2-40B4-BE49-F238E27FC236}">
-                  <a16:creationId xmlns:a16="http://schemas.microsoft.com/office/drawing/2014/main" id="{7F4622C0-84AF-41F1-9128-FE73CADD36F2}"/>
-                </a:ext>
-                <a:ext uri="{C183D7F6-B498-43B3-948B-1728B52AA6E4}">
-                  <adec:decorative xmlns:adec="http://schemas.microsoft.com/office/drawing/2017/decorative" val="1"/>
-                </a:ext>
-              </a:extLst>
-            </p:cNvPr>
-            <p:cNvSpPr>
-              <a:spLocks noEditPoints="1"/>
-            </p:cNvSpPr>
-            <p:nvPr>
-              <p:extLst>
-                <p:ext uri="{386F3935-93C4-4BCD-93E2-E3B085C9AB24}">
-                  <p16:designElem xmlns:p16="http://schemas.microsoft.com/office/powerpoint/2015/main" val="1"/>
-                </p:ext>
-              </p:extLst>
-            </p:nvPr>
-          </p:nvSpPr>
-          <p:spPr bwMode="auto">
-            <a:xfrm>
-              <a:off x="11636375" y="4867275"/>
-              <a:ext cx="188913" cy="188913"/>
-            </a:xfrm>
-            <a:custGeom>
-              <a:avLst/>
-              <a:gdLst/>
-              <a:ahLst/>
-              <a:cxnLst/>
-              <a:rect l="0" t="0" r="r" b="b"/>
-              <a:pathLst>
-                <a:path w="40" h="40">
-                  <a:moveTo>
-                    <a:pt x="20" y="40"/>
-                  </a:moveTo>
-                  <a:cubicBezTo>
-                    <a:pt x="9" y="40"/>
-                    <a:pt x="0" y="31"/>
-                    <a:pt x="0" y="20"/>
-                  </a:cubicBezTo>
-                  <a:cubicBezTo>
-                    <a:pt x="0" y="9"/>
-                    <a:pt x="9" y="0"/>
-                    <a:pt x="20" y="0"/>
-                  </a:cubicBezTo>
-                  <a:cubicBezTo>
-                    <a:pt x="31" y="0"/>
-                    <a:pt x="40" y="9"/>
-                    <a:pt x="40" y="20"/>
-                  </a:cubicBezTo>
-                  <a:cubicBezTo>
-                    <a:pt x="40" y="31"/>
-                    <a:pt x="31" y="40"/>
-                    <a:pt x="20" y="40"/>
-                  </a:cubicBezTo>
-                  <a:close/>
-                  <a:moveTo>
-                    <a:pt x="20" y="4"/>
-                  </a:moveTo>
-                  <a:cubicBezTo>
-                    <a:pt x="11" y="4"/>
-                    <a:pt x="4" y="11"/>
-                    <a:pt x="4" y="20"/>
-                  </a:cubicBezTo>
-                  <a:cubicBezTo>
-                    <a:pt x="4" y="29"/>
-                    <a:pt x="11" y="36"/>
-                    <a:pt x="20" y="36"/>
-                  </a:cubicBezTo>
-                  <a:cubicBezTo>
-                    <a:pt x="29" y="36"/>
-                    <a:pt x="36" y="29"/>
-                    <a:pt x="36" y="20"/>
-                  </a:cubicBezTo>
-                  <a:cubicBezTo>
-                    <a:pt x="36" y="11"/>
-                    <a:pt x="29" y="4"/>
-                    <a:pt x="20" y="4"/>
-                  </a:cubicBezTo>
-                  <a:close/>
-                </a:path>
-              </a:pathLst>
-            </a:custGeom>
-            <a:grpFill/>
-            <a:ln>
-              <a:noFill/>
-            </a:ln>
-            <a:extLst>
-              <a:ext uri="{91240B29-F687-4f45-9708-019B960494DF}">
-                <a14:hiddenLine xmlns="" xmlns:a14="http://schemas.microsoft.com/office/drawing/2010/main" xmlns:p14="http://schemas.microsoft.com/office/powerpoint/2010/main" xmlns:a16="http://schemas.microsoft.com/office/drawing/2014/main" w="9525">
-                  <a:solidFill>
-                    <a:srgbClr val="000000"/>
-                  </a:solidFill>
-                  <a:round/>
-                  <a:headEnd/>
-                  <a:tailEnd/>
-                </a14:hiddenLine>
-              </a:ext>
-            </a:extLst>
-          </p:spPr>
-        </p:sp>
-        <p:sp>
-          <p:nvSpPr>
-            <p:cNvPr id="97" name="Freeform 39">
-              <a:extLst>
-                <a:ext uri="{FF2B5EF4-FFF2-40B4-BE49-F238E27FC236}">
-                  <a16:creationId xmlns:a16="http://schemas.microsoft.com/office/drawing/2014/main" id="{CC6F29C1-A471-4CDE-8C21-E4B15C5EF47A}"/>
-                </a:ext>
-                <a:ext uri="{C183D7F6-B498-43B3-948B-1728B52AA6E4}">
-                  <adec:decorative xmlns:adec="http://schemas.microsoft.com/office/drawing/2017/decorative" val="1"/>
-                </a:ext>
-              </a:extLst>
-            </p:cNvPr>
-            <p:cNvSpPr/>
-            <p:nvPr>
-              <p:extLst>
-                <p:ext uri="{386F3935-93C4-4BCD-93E2-E3B085C9AB24}">
-                  <p16:designElem xmlns:p16="http://schemas.microsoft.com/office/powerpoint/2015/main" val="1"/>
-                </p:ext>
-              </p:extLst>
-            </p:nvPr>
-          </p:nvSpPr>
-          <p:spPr bwMode="auto">
-            <a:xfrm>
-              <a:off x="11441112" y="5046663"/>
-              <a:ext cx="307975" cy="1801813"/>
-            </a:xfrm>
-            <a:custGeom>
-              <a:avLst/>
-              <a:gdLst/>
-              <a:ahLst/>
-              <a:cxnLst/>
-              <a:rect l="0" t="0" r="r" b="b"/>
-              <a:pathLst>
-                <a:path w="194" h="1135">
-                  <a:moveTo>
-                    <a:pt x="18" y="1135"/>
-                  </a:moveTo>
-                  <a:lnTo>
-                    <a:pt x="0" y="1135"/>
-                  </a:lnTo>
-                  <a:lnTo>
-                    <a:pt x="0" y="354"/>
-                  </a:lnTo>
-                  <a:lnTo>
-                    <a:pt x="176" y="177"/>
-                  </a:lnTo>
-                  <a:lnTo>
-                    <a:pt x="176" y="0"/>
-                  </a:lnTo>
-                  <a:lnTo>
-                    <a:pt x="194" y="0"/>
-                  </a:lnTo>
-                  <a:lnTo>
-                    <a:pt x="194" y="183"/>
-                  </a:lnTo>
-                  <a:lnTo>
-                    <a:pt x="18" y="360"/>
-                  </a:lnTo>
-                  <a:lnTo>
-                    <a:pt x="18" y="1135"/>
-                  </a:lnTo>
-                  <a:close/>
-                </a:path>
-              </a:pathLst>
-            </a:custGeom>
-            <a:grpFill/>
-            <a:ln>
-              <a:noFill/>
-            </a:ln>
-            <a:extLst>
-              <a:ext uri="{91240B29-F687-4f45-9708-019B960494DF}">
-                <a14:hiddenLine xmlns="" xmlns:a14="http://schemas.microsoft.com/office/drawing/2010/main" xmlns:p14="http://schemas.microsoft.com/office/powerpoint/2010/main" xmlns:a16="http://schemas.microsoft.com/office/drawing/2014/main" w="9525">
-                  <a:solidFill>
-                    <a:srgbClr val="000000"/>
-                  </a:solidFill>
-                  <a:round/>
-                  <a:headEnd/>
-                  <a:tailEnd/>
-                </a14:hiddenLine>
-              </a:ext>
-            </a:extLst>
-          </p:spPr>
-        </p:sp>
-        <p:sp>
-          <p:nvSpPr>
-            <p:cNvPr id="98" name="Freeform 40">
-              <a:extLst>
-                <a:ext uri="{FF2B5EF4-FFF2-40B4-BE49-F238E27FC236}">
-                  <a16:creationId xmlns:a16="http://schemas.microsoft.com/office/drawing/2014/main" id="{67F5B7DA-86C7-4AE0-96B6-D7F5AA51E21C}"/>
-                </a:ext>
-                <a:ext uri="{C183D7F6-B498-43B3-948B-1728B52AA6E4}">
-                  <adec:decorative xmlns:adec="http://schemas.microsoft.com/office/drawing/2017/decorative" val="1"/>
-                </a:ext>
-              </a:extLst>
-            </p:cNvPr>
-            <p:cNvSpPr>
-              <a:spLocks noEditPoints="1"/>
-            </p:cNvSpPr>
-            <p:nvPr>
-              <p:extLst>
-                <p:ext uri="{386F3935-93C4-4BCD-93E2-E3B085C9AB24}">
-                  <p16:designElem xmlns:p16="http://schemas.microsoft.com/office/powerpoint/2015/main" val="1"/>
-                </p:ext>
-              </p:extLst>
-            </p:nvPr>
-          </p:nvSpPr>
-          <p:spPr bwMode="auto">
-            <a:xfrm>
-              <a:off x="11849100" y="6416675"/>
-              <a:ext cx="190500" cy="188913"/>
-            </a:xfrm>
-            <a:custGeom>
-              <a:avLst/>
-              <a:gdLst/>
-              <a:ahLst/>
-              <a:cxnLst/>
-              <a:rect l="0" t="0" r="r" b="b"/>
-              <a:pathLst>
-                <a:path w="40" h="40">
-                  <a:moveTo>
-                    <a:pt x="20" y="40"/>
-                  </a:moveTo>
-                  <a:cubicBezTo>
-                    <a:pt x="9" y="40"/>
-                    <a:pt x="0" y="31"/>
-                    <a:pt x="0" y="20"/>
-                  </a:cubicBezTo>
-                  <a:cubicBezTo>
-                    <a:pt x="0" y="9"/>
-                    <a:pt x="9" y="0"/>
-                    <a:pt x="20" y="0"/>
-                  </a:cubicBezTo>
-                  <a:cubicBezTo>
-                    <a:pt x="31" y="0"/>
-                    <a:pt x="40" y="9"/>
-                    <a:pt x="40" y="20"/>
-                  </a:cubicBezTo>
-                  <a:cubicBezTo>
-                    <a:pt x="40" y="31"/>
-                    <a:pt x="31" y="40"/>
-                    <a:pt x="20" y="40"/>
-                  </a:cubicBezTo>
-                  <a:close/>
-                  <a:moveTo>
-                    <a:pt x="20" y="4"/>
-                  </a:moveTo>
-                  <a:cubicBezTo>
-                    <a:pt x="12" y="4"/>
-                    <a:pt x="4" y="11"/>
-                    <a:pt x="4" y="20"/>
-                  </a:cubicBezTo>
-                  <a:cubicBezTo>
-                    <a:pt x="4" y="29"/>
-                    <a:pt x="12" y="36"/>
-                    <a:pt x="20" y="36"/>
-                  </a:cubicBezTo>
-                  <a:cubicBezTo>
-                    <a:pt x="29" y="36"/>
-                    <a:pt x="36" y="29"/>
-                    <a:pt x="36" y="20"/>
-                  </a:cubicBezTo>
-                  <a:cubicBezTo>
-                    <a:pt x="36" y="11"/>
-                    <a:pt x="29" y="4"/>
-                    <a:pt x="20" y="4"/>
-                  </a:cubicBezTo>
-                  <a:close/>
-                </a:path>
-              </a:pathLst>
-            </a:custGeom>
-            <a:grpFill/>
-            <a:ln>
-              <a:noFill/>
-            </a:ln>
-            <a:extLst>
-              <a:ext uri="{91240B29-F687-4f45-9708-019B960494DF}">
-                <a14:hiddenLine xmlns="" xmlns:a14="http://schemas.microsoft.com/office/drawing/2010/main" xmlns:p14="http://schemas.microsoft.com/office/powerpoint/2010/main" xmlns:a16="http://schemas.microsoft.com/office/drawing/2014/main" w="9525">
-                  <a:solidFill>
-                    <a:srgbClr val="000000"/>
-                  </a:solidFill>
-                  <a:round/>
-                  <a:headEnd/>
-                  <a:tailEnd/>
-                </a14:hiddenLine>
-              </a:ext>
-            </a:extLst>
-          </p:spPr>
-        </p:sp>
-        <p:sp>
-          <p:nvSpPr>
-            <p:cNvPr id="99" name="Rectangle 41">
-              <a:extLst>
-                <a:ext uri="{FF2B5EF4-FFF2-40B4-BE49-F238E27FC236}">
-                  <a16:creationId xmlns:a16="http://schemas.microsoft.com/office/drawing/2014/main" id="{0FA481E3-0439-484A-AC9B-19D58B98E49F}"/>
-                </a:ext>
-                <a:ext uri="{C183D7F6-B498-43B3-948B-1728B52AA6E4}">
-                  <adec:decorative xmlns:adec="http://schemas.microsoft.com/office/drawing/2017/decorative" val="1"/>
-                </a:ext>
-              </a:extLst>
-            </p:cNvPr>
-            <p:cNvSpPr>
-              <a:spLocks noChangeArrowheads="1"/>
-            </p:cNvSpPr>
-            <p:nvPr>
-              <p:extLst>
-                <p:ext uri="{386F3935-93C4-4BCD-93E2-E3B085C9AB24}">
-                  <p16:designElem xmlns:p16="http://schemas.microsoft.com/office/powerpoint/2015/main" val="1"/>
-                </p:ext>
-              </p:extLst>
-            </p:nvPr>
-          </p:nvSpPr>
-          <p:spPr bwMode="auto">
-            <a:xfrm>
-              <a:off x="11939587" y="6596063"/>
-              <a:ext cx="23813" cy="252413"/>
-            </a:xfrm>
-            <a:prstGeom prst="rect">
-              <a:avLst/>
-            </a:prstGeom>
-            <a:grpFill/>
-            <a:ln>
-              <a:noFill/>
-            </a:ln>
-            <a:extLst>
-              <a:ext uri="{91240B29-F687-4f45-9708-019B960494DF}">
-                <a14:hiddenLine xmlns="" xmlns:a14="http://schemas.microsoft.com/office/drawing/2010/main" xmlns:p14="http://schemas.microsoft.com/office/powerpoint/2010/main" xmlns:a16="http://schemas.microsoft.com/office/drawing/2014/main" w="9525">
-                  <a:solidFill>
-                    <a:srgbClr val="000000"/>
-                  </a:solidFill>
-                  <a:miter lim="800000"/>
-                  <a:headEnd/>
-                  <a:tailEnd/>
-                </a14:hiddenLine>
-              </a:ext>
-            </a:extLst>
-          </p:spPr>
-        </p:sp>
-      </p:grpSp>
-    </p:spTree>
-    <p:extLst>
-      <p:ext uri="{BB962C8B-B14F-4D97-AF65-F5344CB8AC3E}">
-        <p14:creationId xmlns:p14="http://schemas.microsoft.com/office/powerpoint/2010/main" val="3218439000"/>
       </p:ext>
     </p:extLst>
   </p:cSld>
@@ -29933,7 +29974,7 @@
           <a:noFill/>
           <a:extLst>
             <a:ext uri="{909E8E84-426E-40dd-AFC4-6F175D3DCCD1}">
-              <a14:hiddenFill xmlns="" xmlns:a16="http://schemas.microsoft.com/office/drawing/2014/main" xmlns:p14="http://schemas.microsoft.com/office/powerpoint/2010/main" xmlns:a14="http://schemas.microsoft.com/office/drawing/2010/main">
+              <a14:hiddenFill xmlns:a14="http://schemas.microsoft.com/office/drawing/2010/main" xmlns:p14="http://schemas.microsoft.com/office/powerpoint/2010/main" xmlns:a16="http://schemas.microsoft.com/office/drawing/2014/main" xmlns="">
                 <a:solidFill>
                   <a:srgbClr val="FFFFFF"/>
                 </a:solidFill>
